--- a/images/images.pptx
+++ b/images/images.pptx
@@ -7545,6 +7545,51 @@
           </a:p>
         </p:txBody>
       </p:sp>
+      <p:cxnSp>
+        <p:nvCxnSpPr>
+          <p:cNvPr id="15" name="Curved Connector 14">
+            <a:extLst>
+              <a:ext uri="{FF2B5EF4-FFF2-40B4-BE49-F238E27FC236}">
+                <a16:creationId xmlns:a16="http://schemas.microsoft.com/office/drawing/2014/main" id="{F06A8A23-E15F-0747-8B4C-9C6B6E7AB37D}"/>
+              </a:ext>
+            </a:extLst>
+          </p:cNvPr>
+          <p:cNvCxnSpPr>
+            <a:cxnSpLocks/>
+            <a:stCxn id="34" idx="0"/>
+            <a:endCxn id="33" idx="0"/>
+          </p:cNvCxnSpPr>
+          <p:nvPr/>
+        </p:nvCxnSpPr>
+        <p:spPr>
+          <a:xfrm rot="16200000" flipH="1" flipV="1">
+            <a:off x="7607588" y="-404835"/>
+            <a:ext cx="21969" cy="2187166"/>
+          </a:xfrm>
+          <a:prstGeom prst="curvedConnector3">
+            <a:avLst>
+              <a:gd name="adj1" fmla="val -2060722"/>
+            </a:avLst>
+          </a:prstGeom>
+          <a:ln>
+            <a:tailEnd type="triangle"/>
+          </a:ln>
+        </p:spPr>
+        <p:style>
+          <a:lnRef idx="1">
+            <a:schemeClr val="accent1"/>
+          </a:lnRef>
+          <a:fillRef idx="0">
+            <a:schemeClr val="accent1"/>
+          </a:fillRef>
+          <a:effectRef idx="0">
+            <a:schemeClr val="accent1"/>
+          </a:effectRef>
+          <a:fontRef idx="minor">
+            <a:schemeClr val="tx1"/>
+          </a:fontRef>
+        </p:style>
+      </p:cxnSp>
     </p:spTree>
     <p:extLst>
       <p:ext uri="{BB962C8B-B14F-4D97-AF65-F5344CB8AC3E}">

--- a/images/images.pptx
+++ b/images/images.pptx
@@ -3413,8 +3413,8 @@
           <a:chExt cx="0" cy="0"/>
         </a:xfrm>
       </p:grpSpPr>
-      <mc:AlternateContent xmlns:mc="http://schemas.openxmlformats.org/markup-compatibility/2006">
-        <mc:Choice xmlns:p14="http://schemas.microsoft.com/office/powerpoint/2010/main" xmlns:aink="http://schemas.microsoft.com/office/drawing/2016/ink" Requires="p14 aink">
+      <mc:AlternateContent xmlns:mc="http://schemas.openxmlformats.org/markup-compatibility/2006" xmlns:p14="http://schemas.microsoft.com/office/powerpoint/2010/main" xmlns:aink="http://schemas.microsoft.com/office/drawing/2016/ink">
+        <mc:Choice Requires="p14 aink">
           <p:contentPart p14:bwMode="auto" r:id="rId2">
             <p14:nvContentPartPr>
               <p14:cNvPr id="2" name="Ink 1">
@@ -3433,7 +3433,7 @@
             </p14:xfrm>
           </p:contentPart>
         </mc:Choice>
-        <mc:Fallback>
+        <mc:Fallback xmlns="">
           <p:pic>
             <p:nvPicPr>
               <p:cNvPr id="2" name="Ink 1">
@@ -4110,8 +4110,8 @@
           </a:p>
         </p:txBody>
       </p:sp>
-      <mc:AlternateContent xmlns:mc="http://schemas.openxmlformats.org/markup-compatibility/2006">
-        <mc:Choice xmlns:a14="http://schemas.microsoft.com/office/drawing/2010/main" Requires="a14">
+      <mc:AlternateContent xmlns:mc="http://schemas.openxmlformats.org/markup-compatibility/2006" xmlns:a14="http://schemas.microsoft.com/office/drawing/2010/main">
+        <mc:Choice Requires="a14">
           <p:sp>
             <p:nvSpPr>
               <p:cNvPr id="22" name="TextBox 21">
@@ -4180,7 +4180,7 @@
             </p:txBody>
           </p:sp>
         </mc:Choice>
-        <mc:Fallback>
+        <mc:Fallback xmlns="">
           <p:sp>
             <p:nvSpPr>
               <p:cNvPr id="22" name="TextBox 21">
@@ -4513,8 +4513,8 @@
           </a:p>
         </p:txBody>
       </p:sp>
-      <mc:AlternateContent xmlns:mc="http://schemas.openxmlformats.org/markup-compatibility/2006">
-        <mc:Choice xmlns:a14="http://schemas.microsoft.com/office/drawing/2010/main" Requires="a14">
+      <mc:AlternateContent xmlns:mc="http://schemas.openxmlformats.org/markup-compatibility/2006" xmlns:a14="http://schemas.microsoft.com/office/drawing/2010/main">
+        <mc:Choice Requires="a14">
           <p:sp>
             <p:nvSpPr>
               <p:cNvPr id="31" name="TextBox 30">
@@ -4583,7 +4583,7 @@
             </p:txBody>
           </p:sp>
         </mc:Choice>
-        <mc:Fallback>
+        <mc:Fallback xmlns="">
           <p:sp>
             <p:nvSpPr>
               <p:cNvPr id="31" name="TextBox 30">
@@ -4628,8 +4628,8 @@
           </p:sp>
         </mc:Fallback>
       </mc:AlternateContent>
-      <mc:AlternateContent xmlns:mc="http://schemas.openxmlformats.org/markup-compatibility/2006">
-        <mc:Choice xmlns:a14="http://schemas.microsoft.com/office/drawing/2010/main" Requires="a14">
+      <mc:AlternateContent xmlns:mc="http://schemas.openxmlformats.org/markup-compatibility/2006" xmlns:a14="http://schemas.microsoft.com/office/drawing/2010/main">
+        <mc:Choice Requires="a14">
           <p:sp>
             <p:nvSpPr>
               <p:cNvPr id="3" name="TextBox 2">
@@ -4679,7 +4679,7 @@
             </p:txBody>
           </p:sp>
         </mc:Choice>
-        <mc:Fallback>
+        <mc:Fallback xmlns="">
           <p:sp>
             <p:nvSpPr>
               <p:cNvPr id="3" name="TextBox 2">
@@ -4724,8 +4724,8 @@
           </p:sp>
         </mc:Fallback>
       </mc:AlternateContent>
-      <mc:AlternateContent xmlns:mc="http://schemas.openxmlformats.org/markup-compatibility/2006">
-        <mc:Choice xmlns:a14="http://schemas.microsoft.com/office/drawing/2010/main" Requires="a14">
+      <mc:AlternateContent xmlns:mc="http://schemas.openxmlformats.org/markup-compatibility/2006" xmlns:a14="http://schemas.microsoft.com/office/drawing/2010/main">
+        <mc:Choice Requires="a14">
           <p:sp>
             <p:nvSpPr>
               <p:cNvPr id="32" name="TextBox 31">
@@ -4775,7 +4775,7 @@
             </p:txBody>
           </p:sp>
         </mc:Choice>
-        <mc:Fallback>
+        <mc:Fallback xmlns="">
           <p:sp>
             <p:nvSpPr>
               <p:cNvPr id="32" name="TextBox 31">
@@ -4820,8 +4820,8 @@
           </p:sp>
         </mc:Fallback>
       </mc:AlternateContent>
-      <mc:AlternateContent xmlns:mc="http://schemas.openxmlformats.org/markup-compatibility/2006">
-        <mc:Choice xmlns:a14="http://schemas.microsoft.com/office/drawing/2010/main" Requires="a14">
+      <mc:AlternateContent xmlns:mc="http://schemas.openxmlformats.org/markup-compatibility/2006" xmlns:a14="http://schemas.microsoft.com/office/drawing/2010/main">
+        <mc:Choice Requires="a14">
           <p:sp>
             <p:nvSpPr>
               <p:cNvPr id="33" name="TextBox 32">
@@ -4890,7 +4890,7 @@
             </p:txBody>
           </p:sp>
         </mc:Choice>
-        <mc:Fallback>
+        <mc:Fallback xmlns="">
           <p:sp>
             <p:nvSpPr>
               <p:cNvPr id="33" name="TextBox 32">
@@ -4935,8 +4935,8 @@
           </p:sp>
         </mc:Fallback>
       </mc:AlternateContent>
-      <mc:AlternateContent xmlns:mc="http://schemas.openxmlformats.org/markup-compatibility/2006">
-        <mc:Choice xmlns:a14="http://schemas.microsoft.com/office/drawing/2010/main" Requires="a14">
+      <mc:AlternateContent xmlns:mc="http://schemas.openxmlformats.org/markup-compatibility/2006" xmlns:a14="http://schemas.microsoft.com/office/drawing/2010/main">
+        <mc:Choice Requires="a14">
           <p:sp>
             <p:nvSpPr>
               <p:cNvPr id="34" name="TextBox 33">
@@ -5011,7 +5011,7 @@
             </p:txBody>
           </p:sp>
         </mc:Choice>
-        <mc:Fallback>
+        <mc:Fallback xmlns="">
           <p:sp>
             <p:nvSpPr>
               <p:cNvPr id="34" name="TextBox 33">
@@ -5056,8 +5056,8 @@
           </p:sp>
         </mc:Fallback>
       </mc:AlternateContent>
-      <mc:AlternateContent xmlns:mc="http://schemas.openxmlformats.org/markup-compatibility/2006">
-        <mc:Choice xmlns:a14="http://schemas.microsoft.com/office/drawing/2010/main" Requires="a14">
+      <mc:AlternateContent xmlns:mc="http://schemas.openxmlformats.org/markup-compatibility/2006" xmlns:a14="http://schemas.microsoft.com/office/drawing/2010/main">
+        <mc:Choice Requires="a14">
           <p:sp>
             <p:nvSpPr>
               <p:cNvPr id="36" name="TextBox 35">
@@ -5107,7 +5107,7 @@
             </p:txBody>
           </p:sp>
         </mc:Choice>
-        <mc:Fallback>
+        <mc:Fallback xmlns="">
           <p:sp>
             <p:nvSpPr>
               <p:cNvPr id="36" name="TextBox 35">
@@ -5200,8 +5200,8 @@
           </a:p>
         </p:txBody>
       </p:sp>
-      <mc:AlternateContent xmlns:mc="http://schemas.openxmlformats.org/markup-compatibility/2006">
-        <mc:Choice xmlns:a14="http://schemas.microsoft.com/office/drawing/2010/main" Requires="a14">
+      <mc:AlternateContent xmlns:mc="http://schemas.openxmlformats.org/markup-compatibility/2006" xmlns:a14="http://schemas.microsoft.com/office/drawing/2010/main">
+        <mc:Choice Requires="a14">
           <p:sp>
             <p:nvSpPr>
               <p:cNvPr id="9" name="TextBox 8">
@@ -5251,7 +5251,7 @@
             </p:txBody>
           </p:sp>
         </mc:Choice>
-        <mc:Fallback>
+        <mc:Fallback xmlns="">
           <p:sp>
             <p:nvSpPr>
               <p:cNvPr id="9" name="TextBox 8">
@@ -5358,8 +5358,8 @@
           </a:p>
         </p:txBody>
       </p:sp>
-      <mc:AlternateContent xmlns:mc="http://schemas.openxmlformats.org/markup-compatibility/2006">
-        <mc:Choice xmlns:a14="http://schemas.microsoft.com/office/drawing/2010/main" Requires="a14">
+      <mc:AlternateContent xmlns:mc="http://schemas.openxmlformats.org/markup-compatibility/2006" xmlns:a14="http://schemas.microsoft.com/office/drawing/2010/main">
+        <mc:Choice Requires="a14">
           <p:sp>
             <p:nvSpPr>
               <p:cNvPr id="35" name="TextBox 34">
@@ -5409,7 +5409,7 @@
             </p:txBody>
           </p:sp>
         </mc:Choice>
-        <mc:Fallback>
+        <mc:Fallback xmlns="">
           <p:sp>
             <p:nvSpPr>
               <p:cNvPr id="35" name="TextBox 34">
@@ -5454,8 +5454,8 @@
           </p:sp>
         </mc:Fallback>
       </mc:AlternateContent>
-      <mc:AlternateContent xmlns:mc="http://schemas.openxmlformats.org/markup-compatibility/2006">
-        <mc:Choice xmlns:a14="http://schemas.microsoft.com/office/drawing/2010/main" Requires="a14">
+      <mc:AlternateContent xmlns:mc="http://schemas.openxmlformats.org/markup-compatibility/2006" xmlns:a14="http://schemas.microsoft.com/office/drawing/2010/main">
+        <mc:Choice Requires="a14">
           <p:sp>
             <p:nvSpPr>
               <p:cNvPr id="39" name="TextBox 38">
@@ -5505,7 +5505,7 @@
             </p:txBody>
           </p:sp>
         </mc:Choice>
-        <mc:Fallback>
+        <mc:Fallback xmlns="">
           <p:sp>
             <p:nvSpPr>
               <p:cNvPr id="39" name="TextBox 38">
@@ -5550,8 +5550,8 @@
           </p:sp>
         </mc:Fallback>
       </mc:AlternateContent>
-      <mc:AlternateContent xmlns:mc="http://schemas.openxmlformats.org/markup-compatibility/2006">
-        <mc:Choice xmlns:a14="http://schemas.microsoft.com/office/drawing/2010/main" Requires="a14">
+      <mc:AlternateContent xmlns:mc="http://schemas.openxmlformats.org/markup-compatibility/2006" xmlns:a14="http://schemas.microsoft.com/office/drawing/2010/main">
+        <mc:Choice Requires="a14">
           <p:sp>
             <p:nvSpPr>
               <p:cNvPr id="41" name="TextBox 40">
@@ -5601,7 +5601,7 @@
             </p:txBody>
           </p:sp>
         </mc:Choice>
-        <mc:Fallback>
+        <mc:Fallback xmlns="">
           <p:sp>
             <p:nvSpPr>
               <p:cNvPr id="41" name="TextBox 40">
@@ -5646,8 +5646,8 @@
           </p:sp>
         </mc:Fallback>
       </mc:AlternateContent>
-      <mc:AlternateContent xmlns:mc="http://schemas.openxmlformats.org/markup-compatibility/2006">
-        <mc:Choice xmlns:a14="http://schemas.microsoft.com/office/drawing/2010/main" Requires="a14">
+      <mc:AlternateContent xmlns:mc="http://schemas.openxmlformats.org/markup-compatibility/2006" xmlns:a14="http://schemas.microsoft.com/office/drawing/2010/main">
+        <mc:Choice Requires="a14">
           <p:sp>
             <p:nvSpPr>
               <p:cNvPr id="42" name="TextBox 41">
@@ -5697,7 +5697,7 @@
             </p:txBody>
           </p:sp>
         </mc:Choice>
-        <mc:Fallback>
+        <mc:Fallback xmlns="">
           <p:sp>
             <p:nvSpPr>
               <p:cNvPr id="42" name="TextBox 41">
@@ -5742,8 +5742,8 @@
           </p:sp>
         </mc:Fallback>
       </mc:AlternateContent>
-      <mc:AlternateContent xmlns:mc="http://schemas.openxmlformats.org/markup-compatibility/2006">
-        <mc:Choice xmlns:a14="http://schemas.microsoft.com/office/drawing/2010/main" Requires="a14">
+      <mc:AlternateContent xmlns:mc="http://schemas.openxmlformats.org/markup-compatibility/2006" xmlns:a14="http://schemas.microsoft.com/office/drawing/2010/main">
+        <mc:Choice Requires="a14">
           <p:sp>
             <p:nvSpPr>
               <p:cNvPr id="43" name="TextBox 42">
@@ -5793,7 +5793,7 @@
             </p:txBody>
           </p:sp>
         </mc:Choice>
-        <mc:Fallback>
+        <mc:Fallback xmlns="">
           <p:sp>
             <p:nvSpPr>
               <p:cNvPr id="43" name="TextBox 42">
@@ -5838,8 +5838,8 @@
           </p:sp>
         </mc:Fallback>
       </mc:AlternateContent>
-      <mc:AlternateContent xmlns:mc="http://schemas.openxmlformats.org/markup-compatibility/2006">
-        <mc:Choice xmlns:a14="http://schemas.microsoft.com/office/drawing/2010/main" Requires="a14">
+      <mc:AlternateContent xmlns:mc="http://schemas.openxmlformats.org/markup-compatibility/2006" xmlns:a14="http://schemas.microsoft.com/office/drawing/2010/main">
+        <mc:Choice Requires="a14">
           <p:sp>
             <p:nvSpPr>
               <p:cNvPr id="44" name="TextBox 43">
@@ -5889,7 +5889,7 @@
             </p:txBody>
           </p:sp>
         </mc:Choice>
-        <mc:Fallback>
+        <mc:Fallback xmlns="">
           <p:sp>
             <p:nvSpPr>
               <p:cNvPr id="44" name="TextBox 43">
@@ -6015,8 +6015,8 @@
           </a:fontRef>
         </p:style>
       </p:cxnSp>
-      <mc:AlternateContent xmlns:mc="http://schemas.openxmlformats.org/markup-compatibility/2006">
-        <mc:Choice xmlns:a14="http://schemas.microsoft.com/office/drawing/2010/main" Requires="a14">
+      <mc:AlternateContent xmlns:mc="http://schemas.openxmlformats.org/markup-compatibility/2006" xmlns:a14="http://schemas.microsoft.com/office/drawing/2010/main">
+        <mc:Choice Requires="a14">
           <p:graphicFrame>
             <p:nvGraphicFramePr>
               <p:cNvPr id="46" name="Table 45">
@@ -7208,7 +7208,7 @@
             </a:graphic>
           </p:graphicFrame>
         </mc:Choice>
-        <mc:Fallback>
+        <mc:Fallback xmlns="">
           <p:graphicFrame>
             <p:nvGraphicFramePr>
               <p:cNvPr id="46" name="Table 45">
@@ -7810,8 +7810,8 @@
           <a:chExt cx="0" cy="0"/>
         </a:xfrm>
       </p:grpSpPr>
-      <mc:AlternateContent xmlns:mc="http://schemas.openxmlformats.org/markup-compatibility/2006">
-        <mc:Choice xmlns:p14="http://schemas.microsoft.com/office/powerpoint/2010/main" xmlns:aink="http://schemas.microsoft.com/office/drawing/2016/ink" Requires="p14 aink">
+      <mc:AlternateContent xmlns:mc="http://schemas.openxmlformats.org/markup-compatibility/2006" xmlns:p14="http://schemas.microsoft.com/office/powerpoint/2010/main" xmlns:aink="http://schemas.microsoft.com/office/drawing/2016/ink">
+        <mc:Choice Requires="p14 aink">
           <p:contentPart p14:bwMode="auto" r:id="rId2">
             <p14:nvContentPartPr>
               <p14:cNvPr id="2" name="Ink 1">
@@ -7830,7 +7830,7 @@
             </p14:xfrm>
           </p:contentPart>
         </mc:Choice>
-        <mc:Fallback>
+        <mc:Fallback xmlns="">
           <p:pic>
             <p:nvPicPr>
               <p:cNvPr id="2" name="Ink 1">
@@ -8507,8 +8507,8 @@
           </a:p>
         </p:txBody>
       </p:sp>
-      <mc:AlternateContent xmlns:mc="http://schemas.openxmlformats.org/markup-compatibility/2006">
-        <mc:Choice xmlns:a14="http://schemas.microsoft.com/office/drawing/2010/main" Requires="a14">
+      <mc:AlternateContent xmlns:mc="http://schemas.openxmlformats.org/markup-compatibility/2006" xmlns:a14="http://schemas.microsoft.com/office/drawing/2010/main">
+        <mc:Choice Requires="a14">
           <p:sp>
             <p:nvSpPr>
               <p:cNvPr id="22" name="TextBox 21">
@@ -8577,7 +8577,7 @@
             </p:txBody>
           </p:sp>
         </mc:Choice>
-        <mc:Fallback>
+        <mc:Fallback xmlns="">
           <p:sp>
             <p:nvSpPr>
               <p:cNvPr id="22" name="TextBox 21">
@@ -8910,8 +8910,8 @@
           </a:p>
         </p:txBody>
       </p:sp>
-      <mc:AlternateContent xmlns:mc="http://schemas.openxmlformats.org/markup-compatibility/2006">
-        <mc:Choice xmlns:a14="http://schemas.microsoft.com/office/drawing/2010/main" Requires="a14">
+      <mc:AlternateContent xmlns:mc="http://schemas.openxmlformats.org/markup-compatibility/2006" xmlns:a14="http://schemas.microsoft.com/office/drawing/2010/main">
+        <mc:Choice Requires="a14">
           <p:sp>
             <p:nvSpPr>
               <p:cNvPr id="31" name="TextBox 30">
@@ -8980,7 +8980,7 @@
             </p:txBody>
           </p:sp>
         </mc:Choice>
-        <mc:Fallback>
+        <mc:Fallback xmlns="">
           <p:sp>
             <p:nvSpPr>
               <p:cNvPr id="31" name="TextBox 30">
@@ -9025,8 +9025,8 @@
           </p:sp>
         </mc:Fallback>
       </mc:AlternateContent>
-      <mc:AlternateContent xmlns:mc="http://schemas.openxmlformats.org/markup-compatibility/2006">
-        <mc:Choice xmlns:a14="http://schemas.microsoft.com/office/drawing/2010/main" Requires="a14">
+      <mc:AlternateContent xmlns:mc="http://schemas.openxmlformats.org/markup-compatibility/2006" xmlns:a14="http://schemas.microsoft.com/office/drawing/2010/main">
+        <mc:Choice Requires="a14">
           <p:sp>
             <p:nvSpPr>
               <p:cNvPr id="3" name="TextBox 2">
@@ -9076,7 +9076,7 @@
             </p:txBody>
           </p:sp>
         </mc:Choice>
-        <mc:Fallback>
+        <mc:Fallback xmlns="">
           <p:sp>
             <p:nvSpPr>
               <p:cNvPr id="3" name="TextBox 2">
@@ -9121,8 +9121,8 @@
           </p:sp>
         </mc:Fallback>
       </mc:AlternateContent>
-      <mc:AlternateContent xmlns:mc="http://schemas.openxmlformats.org/markup-compatibility/2006">
-        <mc:Choice xmlns:a14="http://schemas.microsoft.com/office/drawing/2010/main" Requires="a14">
+      <mc:AlternateContent xmlns:mc="http://schemas.openxmlformats.org/markup-compatibility/2006" xmlns:a14="http://schemas.microsoft.com/office/drawing/2010/main">
+        <mc:Choice Requires="a14">
           <p:sp>
             <p:nvSpPr>
               <p:cNvPr id="32" name="TextBox 31">
@@ -9172,7 +9172,7 @@
             </p:txBody>
           </p:sp>
         </mc:Choice>
-        <mc:Fallback>
+        <mc:Fallback xmlns="">
           <p:sp>
             <p:nvSpPr>
               <p:cNvPr id="32" name="TextBox 31">
@@ -9217,8 +9217,8 @@
           </p:sp>
         </mc:Fallback>
       </mc:AlternateContent>
-      <mc:AlternateContent xmlns:mc="http://schemas.openxmlformats.org/markup-compatibility/2006">
-        <mc:Choice xmlns:a14="http://schemas.microsoft.com/office/drawing/2010/main" Requires="a14">
+      <mc:AlternateContent xmlns:mc="http://schemas.openxmlformats.org/markup-compatibility/2006" xmlns:a14="http://schemas.microsoft.com/office/drawing/2010/main">
+        <mc:Choice Requires="a14">
           <p:sp>
             <p:nvSpPr>
               <p:cNvPr id="33" name="TextBox 32">
@@ -9287,7 +9287,7 @@
             </p:txBody>
           </p:sp>
         </mc:Choice>
-        <mc:Fallback>
+        <mc:Fallback xmlns="">
           <p:sp>
             <p:nvSpPr>
               <p:cNvPr id="33" name="TextBox 32">
@@ -9332,8 +9332,8 @@
           </p:sp>
         </mc:Fallback>
       </mc:AlternateContent>
-      <mc:AlternateContent xmlns:mc="http://schemas.openxmlformats.org/markup-compatibility/2006">
-        <mc:Choice xmlns:a14="http://schemas.microsoft.com/office/drawing/2010/main" Requires="a14">
+      <mc:AlternateContent xmlns:mc="http://schemas.openxmlformats.org/markup-compatibility/2006" xmlns:a14="http://schemas.microsoft.com/office/drawing/2010/main">
+        <mc:Choice Requires="a14">
           <p:sp>
             <p:nvSpPr>
               <p:cNvPr id="34" name="TextBox 33">
@@ -9408,7 +9408,7 @@
             </p:txBody>
           </p:sp>
         </mc:Choice>
-        <mc:Fallback>
+        <mc:Fallback xmlns="">
           <p:sp>
             <p:nvSpPr>
               <p:cNvPr id="34" name="TextBox 33">
@@ -9453,8 +9453,8 @@
           </p:sp>
         </mc:Fallback>
       </mc:AlternateContent>
-      <mc:AlternateContent xmlns:mc="http://schemas.openxmlformats.org/markup-compatibility/2006">
-        <mc:Choice xmlns:a14="http://schemas.microsoft.com/office/drawing/2010/main" Requires="a14">
+      <mc:AlternateContent xmlns:mc="http://schemas.openxmlformats.org/markup-compatibility/2006" xmlns:a14="http://schemas.microsoft.com/office/drawing/2010/main">
+        <mc:Choice Requires="a14">
           <p:sp>
             <p:nvSpPr>
               <p:cNvPr id="36" name="TextBox 35">
@@ -9504,7 +9504,7 @@
             </p:txBody>
           </p:sp>
         </mc:Choice>
-        <mc:Fallback>
+        <mc:Fallback xmlns="">
           <p:sp>
             <p:nvSpPr>
               <p:cNvPr id="36" name="TextBox 35">
@@ -9597,8 +9597,8 @@
           </a:p>
         </p:txBody>
       </p:sp>
-      <mc:AlternateContent xmlns:mc="http://schemas.openxmlformats.org/markup-compatibility/2006">
-        <mc:Choice xmlns:a14="http://schemas.microsoft.com/office/drawing/2010/main" Requires="a14">
+      <mc:AlternateContent xmlns:mc="http://schemas.openxmlformats.org/markup-compatibility/2006" xmlns:a14="http://schemas.microsoft.com/office/drawing/2010/main">
+        <mc:Choice Requires="a14">
           <p:sp>
             <p:nvSpPr>
               <p:cNvPr id="9" name="TextBox 8">
@@ -9648,7 +9648,7 @@
             </p:txBody>
           </p:sp>
         </mc:Choice>
-        <mc:Fallback>
+        <mc:Fallback xmlns="">
           <p:sp>
             <p:nvSpPr>
               <p:cNvPr id="9" name="TextBox 8">
@@ -9755,8 +9755,8 @@
           </a:p>
         </p:txBody>
       </p:sp>
-      <mc:AlternateContent xmlns:mc="http://schemas.openxmlformats.org/markup-compatibility/2006">
-        <mc:Choice xmlns:a14="http://schemas.microsoft.com/office/drawing/2010/main" Requires="a14">
+      <mc:AlternateContent xmlns:mc="http://schemas.openxmlformats.org/markup-compatibility/2006" xmlns:a14="http://schemas.microsoft.com/office/drawing/2010/main">
+        <mc:Choice Requires="a14">
           <p:sp>
             <p:nvSpPr>
               <p:cNvPr id="35" name="TextBox 34">
@@ -9806,7 +9806,7 @@
             </p:txBody>
           </p:sp>
         </mc:Choice>
-        <mc:Fallback>
+        <mc:Fallback xmlns="">
           <p:sp>
             <p:nvSpPr>
               <p:cNvPr id="35" name="TextBox 34">
@@ -9851,8 +9851,8 @@
           </p:sp>
         </mc:Fallback>
       </mc:AlternateContent>
-      <mc:AlternateContent xmlns:mc="http://schemas.openxmlformats.org/markup-compatibility/2006">
-        <mc:Choice xmlns:a14="http://schemas.microsoft.com/office/drawing/2010/main" Requires="a14">
+      <mc:AlternateContent xmlns:mc="http://schemas.openxmlformats.org/markup-compatibility/2006" xmlns:a14="http://schemas.microsoft.com/office/drawing/2010/main">
+        <mc:Choice Requires="a14">
           <p:sp>
             <p:nvSpPr>
               <p:cNvPr id="39" name="TextBox 38">
@@ -9902,7 +9902,7 @@
             </p:txBody>
           </p:sp>
         </mc:Choice>
-        <mc:Fallback>
+        <mc:Fallback xmlns="">
           <p:sp>
             <p:nvSpPr>
               <p:cNvPr id="39" name="TextBox 38">
@@ -9947,8 +9947,8 @@
           </p:sp>
         </mc:Fallback>
       </mc:AlternateContent>
-      <mc:AlternateContent xmlns:mc="http://schemas.openxmlformats.org/markup-compatibility/2006">
-        <mc:Choice xmlns:a14="http://schemas.microsoft.com/office/drawing/2010/main" Requires="a14">
+      <mc:AlternateContent xmlns:mc="http://schemas.openxmlformats.org/markup-compatibility/2006" xmlns:a14="http://schemas.microsoft.com/office/drawing/2010/main">
+        <mc:Choice Requires="a14">
           <p:sp>
             <p:nvSpPr>
               <p:cNvPr id="41" name="TextBox 40">
@@ -9998,7 +9998,7 @@
             </p:txBody>
           </p:sp>
         </mc:Choice>
-        <mc:Fallback>
+        <mc:Fallback xmlns="">
           <p:sp>
             <p:nvSpPr>
               <p:cNvPr id="41" name="TextBox 40">
@@ -10043,8 +10043,8 @@
           </p:sp>
         </mc:Fallback>
       </mc:AlternateContent>
-      <mc:AlternateContent xmlns:mc="http://schemas.openxmlformats.org/markup-compatibility/2006">
-        <mc:Choice xmlns:a14="http://schemas.microsoft.com/office/drawing/2010/main" Requires="a14">
+      <mc:AlternateContent xmlns:mc="http://schemas.openxmlformats.org/markup-compatibility/2006" xmlns:a14="http://schemas.microsoft.com/office/drawing/2010/main">
+        <mc:Choice Requires="a14">
           <p:sp>
             <p:nvSpPr>
               <p:cNvPr id="42" name="TextBox 41">
@@ -10094,7 +10094,7 @@
             </p:txBody>
           </p:sp>
         </mc:Choice>
-        <mc:Fallback>
+        <mc:Fallback xmlns="">
           <p:sp>
             <p:nvSpPr>
               <p:cNvPr id="42" name="TextBox 41">
@@ -10139,8 +10139,8 @@
           </p:sp>
         </mc:Fallback>
       </mc:AlternateContent>
-      <mc:AlternateContent xmlns:mc="http://schemas.openxmlformats.org/markup-compatibility/2006">
-        <mc:Choice xmlns:a14="http://schemas.microsoft.com/office/drawing/2010/main" Requires="a14">
+      <mc:AlternateContent xmlns:mc="http://schemas.openxmlformats.org/markup-compatibility/2006" xmlns:a14="http://schemas.microsoft.com/office/drawing/2010/main">
+        <mc:Choice Requires="a14">
           <p:sp>
             <p:nvSpPr>
               <p:cNvPr id="43" name="TextBox 42">
@@ -10190,7 +10190,7 @@
             </p:txBody>
           </p:sp>
         </mc:Choice>
-        <mc:Fallback>
+        <mc:Fallback xmlns="">
           <p:sp>
             <p:nvSpPr>
               <p:cNvPr id="43" name="TextBox 42">
@@ -10235,8 +10235,8 @@
           </p:sp>
         </mc:Fallback>
       </mc:AlternateContent>
-      <mc:AlternateContent xmlns:mc="http://schemas.openxmlformats.org/markup-compatibility/2006">
-        <mc:Choice xmlns:a14="http://schemas.microsoft.com/office/drawing/2010/main" Requires="a14">
+      <mc:AlternateContent xmlns:mc="http://schemas.openxmlformats.org/markup-compatibility/2006" xmlns:a14="http://schemas.microsoft.com/office/drawing/2010/main">
+        <mc:Choice Requires="a14">
           <p:sp>
             <p:nvSpPr>
               <p:cNvPr id="44" name="TextBox 43">
@@ -10286,7 +10286,7 @@
             </p:txBody>
           </p:sp>
         </mc:Choice>
-        <mc:Fallback>
+        <mc:Fallback xmlns="">
           <p:sp>
             <p:nvSpPr>
               <p:cNvPr id="44" name="TextBox 43">
@@ -10412,8 +10412,8 @@
           </a:fontRef>
         </p:style>
       </p:cxnSp>
-      <mc:AlternateContent xmlns:mc="http://schemas.openxmlformats.org/markup-compatibility/2006">
-        <mc:Choice xmlns:a14="http://schemas.microsoft.com/office/drawing/2010/main" Requires="a14">
+      <mc:AlternateContent xmlns:mc="http://schemas.openxmlformats.org/markup-compatibility/2006" xmlns:a14="http://schemas.microsoft.com/office/drawing/2010/main">
+        <mc:Choice Requires="a14">
           <p:graphicFrame>
             <p:nvGraphicFramePr>
               <p:cNvPr id="46" name="Table 45">
@@ -11570,7 +11570,7 @@
             </a:graphic>
           </p:graphicFrame>
         </mc:Choice>
-        <mc:Fallback>
+        <mc:Fallback xmlns="">
           <p:graphicFrame>
             <p:nvGraphicFramePr>
               <p:cNvPr id="46" name="Table 45">
@@ -12172,8 +12172,8 @@
           <a:chExt cx="0" cy="0"/>
         </a:xfrm>
       </p:grpSpPr>
-      <mc:AlternateContent xmlns:mc="http://schemas.openxmlformats.org/markup-compatibility/2006">
-        <mc:Choice xmlns:p14="http://schemas.microsoft.com/office/powerpoint/2010/main" xmlns:aink="http://schemas.microsoft.com/office/drawing/2016/ink" Requires="p14 aink">
+      <mc:AlternateContent xmlns:mc="http://schemas.openxmlformats.org/markup-compatibility/2006" xmlns:p14="http://schemas.microsoft.com/office/powerpoint/2010/main" xmlns:aink="http://schemas.microsoft.com/office/drawing/2016/ink">
+        <mc:Choice Requires="p14 aink">
           <p:contentPart p14:bwMode="auto" r:id="rId2">
             <p14:nvContentPartPr>
               <p14:cNvPr id="2" name="Ink 1">
@@ -12192,7 +12192,7 @@
             </p14:xfrm>
           </p:contentPart>
         </mc:Choice>
-        <mc:Fallback>
+        <mc:Fallback xmlns="">
           <p:pic>
             <p:nvPicPr>
               <p:cNvPr id="2" name="Ink 1">
@@ -12869,8 +12869,8 @@
           </a:p>
         </p:txBody>
       </p:sp>
-      <mc:AlternateContent xmlns:mc="http://schemas.openxmlformats.org/markup-compatibility/2006">
-        <mc:Choice xmlns:a14="http://schemas.microsoft.com/office/drawing/2010/main" Requires="a14">
+      <mc:AlternateContent xmlns:mc="http://schemas.openxmlformats.org/markup-compatibility/2006" xmlns:a14="http://schemas.microsoft.com/office/drawing/2010/main">
+        <mc:Choice Requires="a14">
           <p:sp>
             <p:nvSpPr>
               <p:cNvPr id="22" name="TextBox 21">
@@ -12939,7 +12939,7 @@
             </p:txBody>
           </p:sp>
         </mc:Choice>
-        <mc:Fallback>
+        <mc:Fallback xmlns="">
           <p:sp>
             <p:nvSpPr>
               <p:cNvPr id="22" name="TextBox 21">
@@ -13272,8 +13272,8 @@
           </a:p>
         </p:txBody>
       </p:sp>
-      <mc:AlternateContent xmlns:mc="http://schemas.openxmlformats.org/markup-compatibility/2006">
-        <mc:Choice xmlns:a14="http://schemas.microsoft.com/office/drawing/2010/main" Requires="a14">
+      <mc:AlternateContent xmlns:mc="http://schemas.openxmlformats.org/markup-compatibility/2006" xmlns:a14="http://schemas.microsoft.com/office/drawing/2010/main">
+        <mc:Choice Requires="a14">
           <p:sp>
             <p:nvSpPr>
               <p:cNvPr id="31" name="TextBox 30">
@@ -13342,7 +13342,7 @@
             </p:txBody>
           </p:sp>
         </mc:Choice>
-        <mc:Fallback>
+        <mc:Fallback xmlns="">
           <p:sp>
             <p:nvSpPr>
               <p:cNvPr id="31" name="TextBox 30">
@@ -13387,8 +13387,8 @@
           </p:sp>
         </mc:Fallback>
       </mc:AlternateContent>
-      <mc:AlternateContent xmlns:mc="http://schemas.openxmlformats.org/markup-compatibility/2006">
-        <mc:Choice xmlns:a14="http://schemas.microsoft.com/office/drawing/2010/main" Requires="a14">
+      <mc:AlternateContent xmlns:mc="http://schemas.openxmlformats.org/markup-compatibility/2006" xmlns:a14="http://schemas.microsoft.com/office/drawing/2010/main">
+        <mc:Choice Requires="a14">
           <p:sp>
             <p:nvSpPr>
               <p:cNvPr id="3" name="TextBox 2">
@@ -13438,7 +13438,7 @@
             </p:txBody>
           </p:sp>
         </mc:Choice>
-        <mc:Fallback>
+        <mc:Fallback xmlns="">
           <p:sp>
             <p:nvSpPr>
               <p:cNvPr id="3" name="TextBox 2">
@@ -13483,8 +13483,8 @@
           </p:sp>
         </mc:Fallback>
       </mc:AlternateContent>
-      <mc:AlternateContent xmlns:mc="http://schemas.openxmlformats.org/markup-compatibility/2006">
-        <mc:Choice xmlns:a14="http://schemas.microsoft.com/office/drawing/2010/main" Requires="a14">
+      <mc:AlternateContent xmlns:mc="http://schemas.openxmlformats.org/markup-compatibility/2006" xmlns:a14="http://schemas.microsoft.com/office/drawing/2010/main">
+        <mc:Choice Requires="a14">
           <p:sp>
             <p:nvSpPr>
               <p:cNvPr id="32" name="TextBox 31">
@@ -13534,7 +13534,7 @@
             </p:txBody>
           </p:sp>
         </mc:Choice>
-        <mc:Fallback>
+        <mc:Fallback xmlns="">
           <p:sp>
             <p:nvSpPr>
               <p:cNvPr id="32" name="TextBox 31">
@@ -13579,8 +13579,8 @@
           </p:sp>
         </mc:Fallback>
       </mc:AlternateContent>
-      <mc:AlternateContent xmlns:mc="http://schemas.openxmlformats.org/markup-compatibility/2006">
-        <mc:Choice xmlns:a14="http://schemas.microsoft.com/office/drawing/2010/main" Requires="a14">
+      <mc:AlternateContent xmlns:mc="http://schemas.openxmlformats.org/markup-compatibility/2006" xmlns:a14="http://schemas.microsoft.com/office/drawing/2010/main">
+        <mc:Choice Requires="a14">
           <p:sp>
             <p:nvSpPr>
               <p:cNvPr id="33" name="TextBox 32">
@@ -13649,7 +13649,7 @@
             </p:txBody>
           </p:sp>
         </mc:Choice>
-        <mc:Fallback>
+        <mc:Fallback xmlns="">
           <p:sp>
             <p:nvSpPr>
               <p:cNvPr id="33" name="TextBox 32">
@@ -13694,8 +13694,8 @@
           </p:sp>
         </mc:Fallback>
       </mc:AlternateContent>
-      <mc:AlternateContent xmlns:mc="http://schemas.openxmlformats.org/markup-compatibility/2006">
-        <mc:Choice xmlns:a14="http://schemas.microsoft.com/office/drawing/2010/main" Requires="a14">
+      <mc:AlternateContent xmlns:mc="http://schemas.openxmlformats.org/markup-compatibility/2006" xmlns:a14="http://schemas.microsoft.com/office/drawing/2010/main">
+        <mc:Choice Requires="a14">
           <p:sp>
             <p:nvSpPr>
               <p:cNvPr id="34" name="TextBox 33">
@@ -13764,7 +13764,7 @@
             </p:txBody>
           </p:sp>
         </mc:Choice>
-        <mc:Fallback>
+        <mc:Fallback xmlns="">
           <p:sp>
             <p:nvSpPr>
               <p:cNvPr id="34" name="TextBox 33">
@@ -13809,8 +13809,8 @@
           </p:sp>
         </mc:Fallback>
       </mc:AlternateContent>
-      <mc:AlternateContent xmlns:mc="http://schemas.openxmlformats.org/markup-compatibility/2006">
-        <mc:Choice xmlns:a14="http://schemas.microsoft.com/office/drawing/2010/main" Requires="a14">
+      <mc:AlternateContent xmlns:mc="http://schemas.openxmlformats.org/markup-compatibility/2006" xmlns:a14="http://schemas.microsoft.com/office/drawing/2010/main">
+        <mc:Choice Requires="a14">
           <p:sp>
             <p:nvSpPr>
               <p:cNvPr id="36" name="TextBox 35">
@@ -13860,7 +13860,7 @@
             </p:txBody>
           </p:sp>
         </mc:Choice>
-        <mc:Fallback>
+        <mc:Fallback xmlns="">
           <p:sp>
             <p:nvSpPr>
               <p:cNvPr id="36" name="TextBox 35">
@@ -13905,8 +13905,8 @@
           </p:sp>
         </mc:Fallback>
       </mc:AlternateContent>
-      <mc:AlternateContent xmlns:mc="http://schemas.openxmlformats.org/markup-compatibility/2006">
-        <mc:Choice xmlns:a14="http://schemas.microsoft.com/office/drawing/2010/main" Requires="a14">
+      <mc:AlternateContent xmlns:mc="http://schemas.openxmlformats.org/markup-compatibility/2006" xmlns:a14="http://schemas.microsoft.com/office/drawing/2010/main">
+        <mc:Choice Requires="a14">
           <p:graphicFrame>
             <p:nvGraphicFramePr>
               <p:cNvPr id="8" name="Table 7">
@@ -15360,7 +15360,7 @@
             </a:graphic>
           </p:graphicFrame>
         </mc:Choice>
-        <mc:Fallback>
+        <mc:Fallback xmlns="">
           <p:graphicFrame>
             <p:nvGraphicFramePr>
               <p:cNvPr id="8" name="Table 7">
@@ -16020,8 +16020,8 @@
           </a:p>
         </p:txBody>
       </p:sp>
-      <mc:AlternateContent xmlns:mc="http://schemas.openxmlformats.org/markup-compatibility/2006">
-        <mc:Choice xmlns:a14="http://schemas.microsoft.com/office/drawing/2010/main" Requires="a14">
+      <mc:AlternateContent xmlns:mc="http://schemas.openxmlformats.org/markup-compatibility/2006" xmlns:a14="http://schemas.microsoft.com/office/drawing/2010/main">
+        <mc:Choice Requires="a14">
           <p:sp>
             <p:nvSpPr>
               <p:cNvPr id="9" name="TextBox 8">
@@ -16071,7 +16071,7 @@
             </p:txBody>
           </p:sp>
         </mc:Choice>
-        <mc:Fallback>
+        <mc:Fallback xmlns="">
           <p:sp>
             <p:nvSpPr>
               <p:cNvPr id="9" name="TextBox 8">
@@ -16178,8 +16178,8 @@
           </a:p>
         </p:txBody>
       </p:sp>
-      <mc:AlternateContent xmlns:mc="http://schemas.openxmlformats.org/markup-compatibility/2006">
-        <mc:Choice xmlns:a14="http://schemas.microsoft.com/office/drawing/2010/main" Requires="a14">
+      <mc:AlternateContent xmlns:mc="http://schemas.openxmlformats.org/markup-compatibility/2006" xmlns:a14="http://schemas.microsoft.com/office/drawing/2010/main">
+        <mc:Choice Requires="a14">
           <p:sp>
             <p:nvSpPr>
               <p:cNvPr id="35" name="TextBox 34">
@@ -16229,7 +16229,7 @@
             </p:txBody>
           </p:sp>
         </mc:Choice>
-        <mc:Fallback>
+        <mc:Fallback xmlns="">
           <p:sp>
             <p:nvSpPr>
               <p:cNvPr id="35" name="TextBox 34">
@@ -16274,8 +16274,8 @@
           </p:sp>
         </mc:Fallback>
       </mc:AlternateContent>
-      <mc:AlternateContent xmlns:mc="http://schemas.openxmlformats.org/markup-compatibility/2006">
-        <mc:Choice xmlns:a14="http://schemas.microsoft.com/office/drawing/2010/main" Requires="a14">
+      <mc:AlternateContent xmlns:mc="http://schemas.openxmlformats.org/markup-compatibility/2006" xmlns:a14="http://schemas.microsoft.com/office/drawing/2010/main">
+        <mc:Choice Requires="a14">
           <p:sp>
             <p:nvSpPr>
               <p:cNvPr id="39" name="TextBox 38">
@@ -16325,7 +16325,7 @@
             </p:txBody>
           </p:sp>
         </mc:Choice>
-        <mc:Fallback>
+        <mc:Fallback xmlns="">
           <p:sp>
             <p:nvSpPr>
               <p:cNvPr id="39" name="TextBox 38">
@@ -16370,8 +16370,8 @@
           </p:sp>
         </mc:Fallback>
       </mc:AlternateContent>
-      <mc:AlternateContent xmlns:mc="http://schemas.openxmlformats.org/markup-compatibility/2006">
-        <mc:Choice xmlns:a14="http://schemas.microsoft.com/office/drawing/2010/main" Requires="a14">
+      <mc:AlternateContent xmlns:mc="http://schemas.openxmlformats.org/markup-compatibility/2006" xmlns:a14="http://schemas.microsoft.com/office/drawing/2010/main">
+        <mc:Choice Requires="a14">
           <p:sp>
             <p:nvSpPr>
               <p:cNvPr id="41" name="TextBox 40">
@@ -16421,7 +16421,7 @@
             </p:txBody>
           </p:sp>
         </mc:Choice>
-        <mc:Fallback>
+        <mc:Fallback xmlns="">
           <p:sp>
             <p:nvSpPr>
               <p:cNvPr id="41" name="TextBox 40">
@@ -16466,8 +16466,8 @@
           </p:sp>
         </mc:Fallback>
       </mc:AlternateContent>
-      <mc:AlternateContent xmlns:mc="http://schemas.openxmlformats.org/markup-compatibility/2006">
-        <mc:Choice xmlns:a14="http://schemas.microsoft.com/office/drawing/2010/main" Requires="a14">
+      <mc:AlternateContent xmlns:mc="http://schemas.openxmlformats.org/markup-compatibility/2006" xmlns:a14="http://schemas.microsoft.com/office/drawing/2010/main">
+        <mc:Choice Requires="a14">
           <p:sp>
             <p:nvSpPr>
               <p:cNvPr id="42" name="TextBox 41">
@@ -16517,7 +16517,7 @@
             </p:txBody>
           </p:sp>
         </mc:Choice>
-        <mc:Fallback>
+        <mc:Fallback xmlns="">
           <p:sp>
             <p:nvSpPr>
               <p:cNvPr id="42" name="TextBox 41">
@@ -16562,8 +16562,8 @@
           </p:sp>
         </mc:Fallback>
       </mc:AlternateContent>
-      <mc:AlternateContent xmlns:mc="http://schemas.openxmlformats.org/markup-compatibility/2006">
-        <mc:Choice xmlns:a14="http://schemas.microsoft.com/office/drawing/2010/main" Requires="a14">
+      <mc:AlternateContent xmlns:mc="http://schemas.openxmlformats.org/markup-compatibility/2006" xmlns:a14="http://schemas.microsoft.com/office/drawing/2010/main">
+        <mc:Choice Requires="a14">
           <p:sp>
             <p:nvSpPr>
               <p:cNvPr id="43" name="TextBox 42">
@@ -16613,7 +16613,7 @@
             </p:txBody>
           </p:sp>
         </mc:Choice>
-        <mc:Fallback>
+        <mc:Fallback xmlns="">
           <p:sp>
             <p:nvSpPr>
               <p:cNvPr id="43" name="TextBox 42">
@@ -16658,8 +16658,8 @@
           </p:sp>
         </mc:Fallback>
       </mc:AlternateContent>
-      <mc:AlternateContent xmlns:mc="http://schemas.openxmlformats.org/markup-compatibility/2006">
-        <mc:Choice xmlns:a14="http://schemas.microsoft.com/office/drawing/2010/main" Requires="a14">
+      <mc:AlternateContent xmlns:mc="http://schemas.openxmlformats.org/markup-compatibility/2006" xmlns:a14="http://schemas.microsoft.com/office/drawing/2010/main">
+        <mc:Choice Requires="a14">
           <p:sp>
             <p:nvSpPr>
               <p:cNvPr id="44" name="TextBox 43">
@@ -16709,7 +16709,7 @@
             </p:txBody>
           </p:sp>
         </mc:Choice>
-        <mc:Fallback>
+        <mc:Fallback xmlns="">
           <p:sp>
             <p:nvSpPr>
               <p:cNvPr id="44" name="TextBox 43">
@@ -17014,8 +17014,8 @@
           </a:p>
         </p:txBody>
       </p:sp>
-      <mc:AlternateContent xmlns:mc="http://schemas.openxmlformats.org/markup-compatibility/2006">
-        <mc:Choice xmlns:a14="http://schemas.microsoft.com/office/drawing/2010/main" Requires="a14">
+      <mc:AlternateContent xmlns:mc="http://schemas.openxmlformats.org/markup-compatibility/2006" xmlns:a14="http://schemas.microsoft.com/office/drawing/2010/main">
+        <mc:Choice Requires="a14">
           <p:sp>
             <p:nvSpPr>
               <p:cNvPr id="51" name="TextBox 50">
@@ -17065,7 +17065,7 @@
             </p:txBody>
           </p:sp>
         </mc:Choice>
-        <mc:Fallback>
+        <mc:Fallback xmlns="">
           <p:sp>
             <p:nvSpPr>
               <p:cNvPr id="51" name="TextBox 50">
@@ -17302,8 +17302,8 @@
           </a:p>
         </p:txBody>
       </p:sp>
-      <mc:AlternateContent xmlns:mc="http://schemas.openxmlformats.org/markup-compatibility/2006">
-        <mc:Choice xmlns:a14="http://schemas.microsoft.com/office/drawing/2010/main" Requires="a14">
+      <mc:AlternateContent xmlns:mc="http://schemas.openxmlformats.org/markup-compatibility/2006" xmlns:a14="http://schemas.microsoft.com/office/drawing/2010/main">
+        <mc:Choice Requires="a14">
           <p:sp>
             <p:nvSpPr>
               <p:cNvPr id="50" name="TextBox 49">
@@ -17353,7 +17353,7 @@
             </p:txBody>
           </p:sp>
         </mc:Choice>
-        <mc:Fallback>
+        <mc:Fallback xmlns="">
           <p:sp>
             <p:nvSpPr>
               <p:cNvPr id="50" name="TextBox 49">
@@ -17398,8 +17398,8 @@
           </p:sp>
         </mc:Fallback>
       </mc:AlternateContent>
-      <mc:AlternateContent xmlns:mc="http://schemas.openxmlformats.org/markup-compatibility/2006">
-        <mc:Choice xmlns:a14="http://schemas.microsoft.com/office/drawing/2010/main" Requires="a14">
+      <mc:AlternateContent xmlns:mc="http://schemas.openxmlformats.org/markup-compatibility/2006" xmlns:a14="http://schemas.microsoft.com/office/drawing/2010/main">
+        <mc:Choice Requires="a14">
           <p:sp>
             <p:nvSpPr>
               <p:cNvPr id="58" name="TextBox 57">
@@ -17449,7 +17449,7 @@
             </p:txBody>
           </p:sp>
         </mc:Choice>
-        <mc:Fallback>
+        <mc:Fallback xmlns="">
           <p:sp>
             <p:nvSpPr>
               <p:cNvPr id="58" name="TextBox 57">
@@ -17510,8 +17510,8 @@
             </p:nvSpPr>
             <p:spPr>
               <a:xfrm>
-                <a:off x="8320827" y="588297"/>
-                <a:ext cx="796628" cy="369332"/>
+                <a:off x="8441191" y="578337"/>
+                <a:ext cx="577016" cy="369332"/>
               </a:xfrm>
               <a:prstGeom prst="rect">
                 <a:avLst/>
@@ -17554,12 +17554,6 @@
                             </a:rPr>
                             <m:t>𝐿</m:t>
                           </m:r>
-                          <m:r>
-                            <a:rPr lang="es-ES" b="0" i="1" smtClean="0">
-                              <a:latin typeface="Cambria Math" panose="02040503050406030204" pitchFamily="18" charset="0"/>
-                            </a:rPr>
-                            <m:t>+1</m:t>
-                          </m:r>
                         </m:sup>
                       </m:sSup>
                     </m:oMath>
@@ -17587,8 +17581,8 @@
             </p:nvSpPr>
             <p:spPr>
               <a:xfrm>
-                <a:off x="8320827" y="588297"/>
-                <a:ext cx="796628" cy="369332"/>
+                <a:off x="8441191" y="578337"/>
+                <a:ext cx="577016" cy="369332"/>
               </a:xfrm>
               <a:prstGeom prst="rect">
                 <a:avLst/>
@@ -17615,8 +17609,8 @@
           </p:sp>
         </mc:Fallback>
       </mc:AlternateContent>
-      <mc:AlternateContent xmlns:mc="http://schemas.openxmlformats.org/markup-compatibility/2006">
-        <mc:Choice xmlns:a14="http://schemas.microsoft.com/office/drawing/2010/main" Requires="a14">
+      <mc:AlternateContent xmlns:mc="http://schemas.openxmlformats.org/markup-compatibility/2006" xmlns:a14="http://schemas.microsoft.com/office/drawing/2010/main">
+        <mc:Choice Requires="a14">
           <p:sp>
             <p:nvSpPr>
               <p:cNvPr id="60" name="TextBox 59">
@@ -17691,7 +17685,7 @@
             </p:txBody>
           </p:sp>
         </mc:Choice>
-        <mc:Fallback>
+        <mc:Fallback xmlns="">
           <p:sp>
             <p:nvSpPr>
               <p:cNvPr id="60" name="TextBox 59">
@@ -17801,6 +17795,5577 @@
           <a:chExt cx="0" cy="0"/>
         </a:xfrm>
       </p:grpSpPr>
+      <p:sp>
+        <p:nvSpPr>
+          <p:cNvPr id="2" name="Rectangle 1">
+            <a:extLst>
+              <a:ext uri="{FF2B5EF4-FFF2-40B4-BE49-F238E27FC236}">
+                <a16:creationId xmlns:a16="http://schemas.microsoft.com/office/drawing/2014/main" id="{E150D67F-BDBF-AC4A-BF55-A8969B45F519}"/>
+              </a:ext>
+            </a:extLst>
+          </p:cNvPr>
+          <p:cNvSpPr/>
+          <p:nvPr/>
+        </p:nvSpPr>
+        <p:spPr>
+          <a:xfrm>
+            <a:off x="860611" y="2263445"/>
+            <a:ext cx="448236" cy="497542"/>
+          </a:xfrm>
+          <a:prstGeom prst="rect">
+            <a:avLst/>
+          </a:prstGeom>
+          <a:solidFill>
+            <a:schemeClr val="accent4">
+              <a:lumMod val="40000"/>
+              <a:lumOff val="60000"/>
+            </a:schemeClr>
+          </a:solidFill>
+          <a:ln>
+            <a:solidFill>
+              <a:schemeClr val="accent4">
+                <a:lumMod val="60000"/>
+                <a:lumOff val="40000"/>
+              </a:schemeClr>
+            </a:solidFill>
+          </a:ln>
+        </p:spPr>
+        <p:style>
+          <a:lnRef idx="2">
+            <a:schemeClr val="accent1">
+              <a:shade val="50000"/>
+            </a:schemeClr>
+          </a:lnRef>
+          <a:fillRef idx="1">
+            <a:schemeClr val="accent1"/>
+          </a:fillRef>
+          <a:effectRef idx="0">
+            <a:schemeClr val="accent1"/>
+          </a:effectRef>
+          <a:fontRef idx="minor">
+            <a:schemeClr val="lt1"/>
+          </a:fontRef>
+        </p:style>
+        <p:txBody>
+          <a:bodyPr rtlCol="0" anchor="ctr"/>
+          <a:lstStyle/>
+          <a:p>
+            <a:pPr algn="ctr"/>
+            <a:endParaRPr lang="en-US"/>
+          </a:p>
+        </p:txBody>
+      </p:sp>
+      <p:sp>
+        <p:nvSpPr>
+          <p:cNvPr id="3" name="Rectangle 2">
+            <a:extLst>
+              <a:ext uri="{FF2B5EF4-FFF2-40B4-BE49-F238E27FC236}">
+                <a16:creationId xmlns:a16="http://schemas.microsoft.com/office/drawing/2014/main" id="{1CBDE21A-ECF1-B847-95AC-31DC3B3A8DB4}"/>
+              </a:ext>
+            </a:extLst>
+          </p:cNvPr>
+          <p:cNvSpPr/>
+          <p:nvPr/>
+        </p:nvSpPr>
+        <p:spPr>
+          <a:xfrm>
+            <a:off x="2026023" y="2263445"/>
+            <a:ext cx="448236" cy="497542"/>
+          </a:xfrm>
+          <a:prstGeom prst="rect">
+            <a:avLst/>
+          </a:prstGeom>
+          <a:solidFill>
+            <a:schemeClr val="accent6">
+              <a:lumMod val="40000"/>
+              <a:lumOff val="60000"/>
+            </a:schemeClr>
+          </a:solidFill>
+          <a:ln>
+            <a:solidFill>
+              <a:schemeClr val="accent6">
+                <a:lumMod val="60000"/>
+                <a:lumOff val="40000"/>
+              </a:schemeClr>
+            </a:solidFill>
+          </a:ln>
+        </p:spPr>
+        <p:style>
+          <a:lnRef idx="2">
+            <a:schemeClr val="accent1">
+              <a:shade val="50000"/>
+            </a:schemeClr>
+          </a:lnRef>
+          <a:fillRef idx="1">
+            <a:schemeClr val="accent1"/>
+          </a:fillRef>
+          <a:effectRef idx="0">
+            <a:schemeClr val="accent1"/>
+          </a:effectRef>
+          <a:fontRef idx="minor">
+            <a:schemeClr val="lt1"/>
+          </a:fontRef>
+        </p:style>
+        <p:txBody>
+          <a:bodyPr rtlCol="0" anchor="ctr"/>
+          <a:lstStyle/>
+          <a:p>
+            <a:pPr algn="ctr"/>
+            <a:endParaRPr lang="en-US"/>
+          </a:p>
+        </p:txBody>
+      </p:sp>
+      <p:sp>
+        <p:nvSpPr>
+          <p:cNvPr id="4" name="Rectangle 3">
+            <a:extLst>
+              <a:ext uri="{FF2B5EF4-FFF2-40B4-BE49-F238E27FC236}">
+                <a16:creationId xmlns:a16="http://schemas.microsoft.com/office/drawing/2014/main" id="{CED6D89E-E10C-A24B-AFAC-031DA7C88865}"/>
+              </a:ext>
+            </a:extLst>
+          </p:cNvPr>
+          <p:cNvSpPr/>
+          <p:nvPr/>
+        </p:nvSpPr>
+        <p:spPr>
+          <a:xfrm>
+            <a:off x="3128682" y="2263444"/>
+            <a:ext cx="448236" cy="497542"/>
+          </a:xfrm>
+          <a:prstGeom prst="rect">
+            <a:avLst/>
+          </a:prstGeom>
+          <a:solidFill>
+            <a:schemeClr val="accent2">
+              <a:lumMod val="40000"/>
+              <a:lumOff val="60000"/>
+            </a:schemeClr>
+          </a:solidFill>
+          <a:ln>
+            <a:solidFill>
+              <a:schemeClr val="accent2">
+                <a:lumMod val="60000"/>
+                <a:lumOff val="40000"/>
+              </a:schemeClr>
+            </a:solidFill>
+          </a:ln>
+        </p:spPr>
+        <p:style>
+          <a:lnRef idx="2">
+            <a:schemeClr val="accent1">
+              <a:shade val="50000"/>
+            </a:schemeClr>
+          </a:lnRef>
+          <a:fillRef idx="1">
+            <a:schemeClr val="accent1"/>
+          </a:fillRef>
+          <a:effectRef idx="0">
+            <a:schemeClr val="accent1"/>
+          </a:effectRef>
+          <a:fontRef idx="minor">
+            <a:schemeClr val="lt1"/>
+          </a:fontRef>
+        </p:style>
+        <p:txBody>
+          <a:bodyPr rtlCol="0" anchor="ctr"/>
+          <a:lstStyle/>
+          <a:p>
+            <a:pPr algn="ctr"/>
+            <a:endParaRPr lang="en-US"/>
+          </a:p>
+        </p:txBody>
+      </p:sp>
+      <p:cxnSp>
+        <p:nvCxnSpPr>
+          <p:cNvPr id="6" name="Straight Arrow Connector 5">
+            <a:extLst>
+              <a:ext uri="{FF2B5EF4-FFF2-40B4-BE49-F238E27FC236}">
+                <a16:creationId xmlns:a16="http://schemas.microsoft.com/office/drawing/2014/main" id="{DF21513D-C8A4-E84C-B118-AA6E0D689CD6}"/>
+              </a:ext>
+            </a:extLst>
+          </p:cNvPr>
+          <p:cNvCxnSpPr>
+            <a:stCxn id="2" idx="3"/>
+            <a:endCxn id="3" idx="1"/>
+          </p:cNvCxnSpPr>
+          <p:nvPr/>
+        </p:nvCxnSpPr>
+        <p:spPr>
+          <a:xfrm>
+            <a:off x="1308847" y="2512216"/>
+            <a:ext cx="717176" cy="0"/>
+          </a:xfrm>
+          <a:prstGeom prst="straightConnector1">
+            <a:avLst/>
+          </a:prstGeom>
+          <a:ln>
+            <a:solidFill>
+              <a:schemeClr val="bg1">
+                <a:lumMod val="85000"/>
+              </a:schemeClr>
+            </a:solidFill>
+            <a:tailEnd type="triangle"/>
+          </a:ln>
+        </p:spPr>
+        <p:style>
+          <a:lnRef idx="1">
+            <a:schemeClr val="accent1"/>
+          </a:lnRef>
+          <a:fillRef idx="0">
+            <a:schemeClr val="accent1"/>
+          </a:fillRef>
+          <a:effectRef idx="0">
+            <a:schemeClr val="accent1"/>
+          </a:effectRef>
+          <a:fontRef idx="minor">
+            <a:schemeClr val="tx1"/>
+          </a:fontRef>
+        </p:style>
+      </p:cxnSp>
+      <p:cxnSp>
+        <p:nvCxnSpPr>
+          <p:cNvPr id="8" name="Straight Arrow Connector 7">
+            <a:extLst>
+              <a:ext uri="{FF2B5EF4-FFF2-40B4-BE49-F238E27FC236}">
+                <a16:creationId xmlns:a16="http://schemas.microsoft.com/office/drawing/2014/main" id="{A4F57047-899E-1F45-8D66-6FEFA6A97A23}"/>
+              </a:ext>
+            </a:extLst>
+          </p:cNvPr>
+          <p:cNvCxnSpPr>
+            <a:stCxn id="3" idx="3"/>
+            <a:endCxn id="4" idx="1"/>
+          </p:cNvCxnSpPr>
+          <p:nvPr/>
+        </p:nvCxnSpPr>
+        <p:spPr>
+          <a:xfrm flipV="1">
+            <a:off x="2474259" y="2512215"/>
+            <a:ext cx="654423" cy="1"/>
+          </a:xfrm>
+          <a:prstGeom prst="straightConnector1">
+            <a:avLst/>
+          </a:prstGeom>
+          <a:ln>
+            <a:solidFill>
+              <a:schemeClr val="bg1">
+                <a:lumMod val="85000"/>
+              </a:schemeClr>
+            </a:solidFill>
+            <a:tailEnd type="triangle"/>
+          </a:ln>
+        </p:spPr>
+        <p:style>
+          <a:lnRef idx="1">
+            <a:schemeClr val="accent1"/>
+          </a:lnRef>
+          <a:fillRef idx="0">
+            <a:schemeClr val="accent1"/>
+          </a:fillRef>
+          <a:effectRef idx="0">
+            <a:schemeClr val="accent1"/>
+          </a:effectRef>
+          <a:fontRef idx="minor">
+            <a:schemeClr val="tx1"/>
+          </a:fontRef>
+        </p:style>
+      </p:cxnSp>
+      <p:sp>
+        <p:nvSpPr>
+          <p:cNvPr id="9" name="Rectangle 8">
+            <a:extLst>
+              <a:ext uri="{FF2B5EF4-FFF2-40B4-BE49-F238E27FC236}">
+                <a16:creationId xmlns:a16="http://schemas.microsoft.com/office/drawing/2014/main" id="{EDF0D2CF-EAC0-3841-B286-49B62E434426}"/>
+              </a:ext>
+            </a:extLst>
+          </p:cNvPr>
+          <p:cNvSpPr/>
+          <p:nvPr/>
+        </p:nvSpPr>
+        <p:spPr>
+          <a:xfrm>
+            <a:off x="4741748" y="1882338"/>
+            <a:ext cx="448236" cy="497542"/>
+          </a:xfrm>
+          <a:prstGeom prst="rect">
+            <a:avLst/>
+          </a:prstGeom>
+          <a:solidFill>
+            <a:schemeClr val="accent4">
+              <a:lumMod val="40000"/>
+              <a:lumOff val="60000"/>
+            </a:schemeClr>
+          </a:solidFill>
+          <a:ln>
+            <a:solidFill>
+              <a:schemeClr val="accent4">
+                <a:lumMod val="60000"/>
+                <a:lumOff val="40000"/>
+              </a:schemeClr>
+            </a:solidFill>
+          </a:ln>
+        </p:spPr>
+        <p:style>
+          <a:lnRef idx="2">
+            <a:schemeClr val="accent1">
+              <a:shade val="50000"/>
+            </a:schemeClr>
+          </a:lnRef>
+          <a:fillRef idx="1">
+            <a:schemeClr val="accent1"/>
+          </a:fillRef>
+          <a:effectRef idx="0">
+            <a:schemeClr val="accent1"/>
+          </a:effectRef>
+          <a:fontRef idx="minor">
+            <a:schemeClr val="lt1"/>
+          </a:fontRef>
+        </p:style>
+        <p:txBody>
+          <a:bodyPr rtlCol="0" anchor="ctr"/>
+          <a:lstStyle/>
+          <a:p>
+            <a:pPr algn="ctr"/>
+            <a:endParaRPr lang="en-US"/>
+          </a:p>
+        </p:txBody>
+      </p:sp>
+      <p:sp>
+        <p:nvSpPr>
+          <p:cNvPr id="10" name="Rectangle 9">
+            <a:extLst>
+              <a:ext uri="{FF2B5EF4-FFF2-40B4-BE49-F238E27FC236}">
+                <a16:creationId xmlns:a16="http://schemas.microsoft.com/office/drawing/2014/main" id="{8C754320-2E5A-F040-A74C-3B37CA4DE08B}"/>
+              </a:ext>
+            </a:extLst>
+          </p:cNvPr>
+          <p:cNvSpPr/>
+          <p:nvPr/>
+        </p:nvSpPr>
+        <p:spPr>
+          <a:xfrm>
+            <a:off x="5907160" y="1882338"/>
+            <a:ext cx="448236" cy="497542"/>
+          </a:xfrm>
+          <a:prstGeom prst="rect">
+            <a:avLst/>
+          </a:prstGeom>
+          <a:solidFill>
+            <a:schemeClr val="accent6">
+              <a:lumMod val="40000"/>
+              <a:lumOff val="60000"/>
+            </a:schemeClr>
+          </a:solidFill>
+          <a:ln>
+            <a:solidFill>
+              <a:schemeClr val="accent6">
+                <a:lumMod val="60000"/>
+                <a:lumOff val="40000"/>
+              </a:schemeClr>
+            </a:solidFill>
+          </a:ln>
+        </p:spPr>
+        <p:style>
+          <a:lnRef idx="2">
+            <a:schemeClr val="accent1">
+              <a:shade val="50000"/>
+            </a:schemeClr>
+          </a:lnRef>
+          <a:fillRef idx="1">
+            <a:schemeClr val="accent1"/>
+          </a:fillRef>
+          <a:effectRef idx="0">
+            <a:schemeClr val="accent1"/>
+          </a:effectRef>
+          <a:fontRef idx="minor">
+            <a:schemeClr val="lt1"/>
+          </a:fontRef>
+        </p:style>
+        <p:txBody>
+          <a:bodyPr rtlCol="0" anchor="ctr"/>
+          <a:lstStyle/>
+          <a:p>
+            <a:pPr algn="ctr"/>
+            <a:endParaRPr lang="en-US"/>
+          </a:p>
+        </p:txBody>
+      </p:sp>
+      <p:sp>
+        <p:nvSpPr>
+          <p:cNvPr id="11" name="Rectangle 10">
+            <a:extLst>
+              <a:ext uri="{FF2B5EF4-FFF2-40B4-BE49-F238E27FC236}">
+                <a16:creationId xmlns:a16="http://schemas.microsoft.com/office/drawing/2014/main" id="{915DB89D-E54F-B74F-BFFE-71E37B8F7F6E}"/>
+              </a:ext>
+            </a:extLst>
+          </p:cNvPr>
+          <p:cNvSpPr/>
+          <p:nvPr/>
+        </p:nvSpPr>
+        <p:spPr>
+          <a:xfrm>
+            <a:off x="7009819" y="1882337"/>
+            <a:ext cx="448236" cy="497542"/>
+          </a:xfrm>
+          <a:prstGeom prst="rect">
+            <a:avLst/>
+          </a:prstGeom>
+          <a:solidFill>
+            <a:schemeClr val="accent2">
+              <a:lumMod val="40000"/>
+              <a:lumOff val="60000"/>
+            </a:schemeClr>
+          </a:solidFill>
+          <a:ln>
+            <a:solidFill>
+              <a:schemeClr val="accent2">
+                <a:lumMod val="60000"/>
+                <a:lumOff val="40000"/>
+              </a:schemeClr>
+            </a:solidFill>
+          </a:ln>
+        </p:spPr>
+        <p:style>
+          <a:lnRef idx="2">
+            <a:schemeClr val="accent1">
+              <a:shade val="50000"/>
+            </a:schemeClr>
+          </a:lnRef>
+          <a:fillRef idx="1">
+            <a:schemeClr val="accent1"/>
+          </a:fillRef>
+          <a:effectRef idx="0">
+            <a:schemeClr val="accent1"/>
+          </a:effectRef>
+          <a:fontRef idx="minor">
+            <a:schemeClr val="lt1"/>
+          </a:fontRef>
+        </p:style>
+        <p:txBody>
+          <a:bodyPr rtlCol="0" anchor="ctr"/>
+          <a:lstStyle/>
+          <a:p>
+            <a:pPr algn="ctr"/>
+            <a:endParaRPr lang="en-US"/>
+          </a:p>
+        </p:txBody>
+      </p:sp>
+      <p:cxnSp>
+        <p:nvCxnSpPr>
+          <p:cNvPr id="12" name="Straight Arrow Connector 11">
+            <a:extLst>
+              <a:ext uri="{FF2B5EF4-FFF2-40B4-BE49-F238E27FC236}">
+                <a16:creationId xmlns:a16="http://schemas.microsoft.com/office/drawing/2014/main" id="{D85FFBF7-349C-9E42-A4F7-2B7BD913A661}"/>
+              </a:ext>
+            </a:extLst>
+          </p:cNvPr>
+          <p:cNvCxnSpPr>
+            <a:stCxn id="9" idx="3"/>
+            <a:endCxn id="10" idx="1"/>
+          </p:cNvCxnSpPr>
+          <p:nvPr/>
+        </p:nvCxnSpPr>
+        <p:spPr>
+          <a:xfrm>
+            <a:off x="5189984" y="2131109"/>
+            <a:ext cx="717176" cy="0"/>
+          </a:xfrm>
+          <a:prstGeom prst="straightConnector1">
+            <a:avLst/>
+          </a:prstGeom>
+          <a:ln>
+            <a:solidFill>
+              <a:schemeClr val="bg1">
+                <a:lumMod val="85000"/>
+              </a:schemeClr>
+            </a:solidFill>
+            <a:tailEnd type="triangle"/>
+          </a:ln>
+        </p:spPr>
+        <p:style>
+          <a:lnRef idx="1">
+            <a:schemeClr val="accent1"/>
+          </a:lnRef>
+          <a:fillRef idx="0">
+            <a:schemeClr val="accent1"/>
+          </a:fillRef>
+          <a:effectRef idx="0">
+            <a:schemeClr val="accent1"/>
+          </a:effectRef>
+          <a:fontRef idx="minor">
+            <a:schemeClr val="tx1"/>
+          </a:fontRef>
+        </p:style>
+      </p:cxnSp>
+      <p:cxnSp>
+        <p:nvCxnSpPr>
+          <p:cNvPr id="13" name="Straight Arrow Connector 12">
+            <a:extLst>
+              <a:ext uri="{FF2B5EF4-FFF2-40B4-BE49-F238E27FC236}">
+                <a16:creationId xmlns:a16="http://schemas.microsoft.com/office/drawing/2014/main" id="{81E00A0B-7CE3-A444-8DA4-B7A5FBD5C423}"/>
+              </a:ext>
+            </a:extLst>
+          </p:cNvPr>
+          <p:cNvCxnSpPr>
+            <a:stCxn id="10" idx="3"/>
+            <a:endCxn id="11" idx="1"/>
+          </p:cNvCxnSpPr>
+          <p:nvPr/>
+        </p:nvCxnSpPr>
+        <p:spPr>
+          <a:xfrm flipV="1">
+            <a:off x="6355396" y="2131108"/>
+            <a:ext cx="654423" cy="1"/>
+          </a:xfrm>
+          <a:prstGeom prst="straightConnector1">
+            <a:avLst/>
+          </a:prstGeom>
+          <a:ln>
+            <a:solidFill>
+              <a:schemeClr val="bg1">
+                <a:lumMod val="85000"/>
+              </a:schemeClr>
+            </a:solidFill>
+            <a:tailEnd type="triangle"/>
+          </a:ln>
+        </p:spPr>
+        <p:style>
+          <a:lnRef idx="1">
+            <a:schemeClr val="accent1"/>
+          </a:lnRef>
+          <a:fillRef idx="0">
+            <a:schemeClr val="accent1"/>
+          </a:fillRef>
+          <a:effectRef idx="0">
+            <a:schemeClr val="accent1"/>
+          </a:effectRef>
+          <a:fontRef idx="minor">
+            <a:schemeClr val="tx1"/>
+          </a:fontRef>
+        </p:style>
+      </p:cxnSp>
+      <p:sp>
+        <p:nvSpPr>
+          <p:cNvPr id="14" name="Rectangle 13">
+            <a:extLst>
+              <a:ext uri="{FF2B5EF4-FFF2-40B4-BE49-F238E27FC236}">
+                <a16:creationId xmlns:a16="http://schemas.microsoft.com/office/drawing/2014/main" id="{A7F2A26F-D254-7A4F-9BFA-6E284FEB03A7}"/>
+              </a:ext>
+            </a:extLst>
+          </p:cNvPr>
+          <p:cNvSpPr/>
+          <p:nvPr/>
+        </p:nvSpPr>
+        <p:spPr>
+          <a:xfrm>
+            <a:off x="4741748" y="2474010"/>
+            <a:ext cx="448236" cy="497542"/>
+          </a:xfrm>
+          <a:prstGeom prst="rect">
+            <a:avLst/>
+          </a:prstGeom>
+          <a:solidFill>
+            <a:schemeClr val="accent4">
+              <a:lumMod val="40000"/>
+              <a:lumOff val="60000"/>
+            </a:schemeClr>
+          </a:solidFill>
+          <a:ln>
+            <a:solidFill>
+              <a:schemeClr val="accent4">
+                <a:lumMod val="60000"/>
+                <a:lumOff val="40000"/>
+              </a:schemeClr>
+            </a:solidFill>
+          </a:ln>
+        </p:spPr>
+        <p:style>
+          <a:lnRef idx="2">
+            <a:schemeClr val="accent1">
+              <a:shade val="50000"/>
+            </a:schemeClr>
+          </a:lnRef>
+          <a:fillRef idx="1">
+            <a:schemeClr val="accent1"/>
+          </a:fillRef>
+          <a:effectRef idx="0">
+            <a:schemeClr val="accent1"/>
+          </a:effectRef>
+          <a:fontRef idx="minor">
+            <a:schemeClr val="lt1"/>
+          </a:fontRef>
+        </p:style>
+        <p:txBody>
+          <a:bodyPr rtlCol="0" anchor="ctr"/>
+          <a:lstStyle/>
+          <a:p>
+            <a:pPr algn="ctr"/>
+            <a:endParaRPr lang="en-US"/>
+          </a:p>
+        </p:txBody>
+      </p:sp>
+      <p:sp>
+        <p:nvSpPr>
+          <p:cNvPr id="15" name="Rectangle 14">
+            <a:extLst>
+              <a:ext uri="{FF2B5EF4-FFF2-40B4-BE49-F238E27FC236}">
+                <a16:creationId xmlns:a16="http://schemas.microsoft.com/office/drawing/2014/main" id="{69C44B9A-F1F8-5741-AA69-B75BD1555B4A}"/>
+              </a:ext>
+            </a:extLst>
+          </p:cNvPr>
+          <p:cNvSpPr/>
+          <p:nvPr/>
+        </p:nvSpPr>
+        <p:spPr>
+          <a:xfrm>
+            <a:off x="5907160" y="2474010"/>
+            <a:ext cx="448236" cy="497542"/>
+          </a:xfrm>
+          <a:prstGeom prst="rect">
+            <a:avLst/>
+          </a:prstGeom>
+          <a:solidFill>
+            <a:schemeClr val="accent6">
+              <a:lumMod val="40000"/>
+              <a:lumOff val="60000"/>
+            </a:schemeClr>
+          </a:solidFill>
+          <a:ln>
+            <a:solidFill>
+              <a:schemeClr val="accent6">
+                <a:lumMod val="60000"/>
+                <a:lumOff val="40000"/>
+              </a:schemeClr>
+            </a:solidFill>
+          </a:ln>
+        </p:spPr>
+        <p:style>
+          <a:lnRef idx="2">
+            <a:schemeClr val="accent1">
+              <a:shade val="50000"/>
+            </a:schemeClr>
+          </a:lnRef>
+          <a:fillRef idx="1">
+            <a:schemeClr val="accent1"/>
+          </a:fillRef>
+          <a:effectRef idx="0">
+            <a:schemeClr val="accent1"/>
+          </a:effectRef>
+          <a:fontRef idx="minor">
+            <a:schemeClr val="lt1"/>
+          </a:fontRef>
+        </p:style>
+        <p:txBody>
+          <a:bodyPr rtlCol="0" anchor="ctr"/>
+          <a:lstStyle/>
+          <a:p>
+            <a:pPr algn="ctr"/>
+            <a:endParaRPr lang="en-US"/>
+          </a:p>
+        </p:txBody>
+      </p:sp>
+      <p:sp>
+        <p:nvSpPr>
+          <p:cNvPr id="16" name="Rectangle 15">
+            <a:extLst>
+              <a:ext uri="{FF2B5EF4-FFF2-40B4-BE49-F238E27FC236}">
+                <a16:creationId xmlns:a16="http://schemas.microsoft.com/office/drawing/2014/main" id="{C3830E47-6A31-E14E-BA9C-36938216725C}"/>
+              </a:ext>
+            </a:extLst>
+          </p:cNvPr>
+          <p:cNvSpPr/>
+          <p:nvPr/>
+        </p:nvSpPr>
+        <p:spPr>
+          <a:xfrm>
+            <a:off x="7009819" y="2474009"/>
+            <a:ext cx="448236" cy="497542"/>
+          </a:xfrm>
+          <a:prstGeom prst="rect">
+            <a:avLst/>
+          </a:prstGeom>
+          <a:solidFill>
+            <a:schemeClr val="accent2">
+              <a:lumMod val="40000"/>
+              <a:lumOff val="60000"/>
+            </a:schemeClr>
+          </a:solidFill>
+          <a:ln>
+            <a:solidFill>
+              <a:schemeClr val="accent2">
+                <a:lumMod val="60000"/>
+                <a:lumOff val="40000"/>
+              </a:schemeClr>
+            </a:solidFill>
+          </a:ln>
+        </p:spPr>
+        <p:style>
+          <a:lnRef idx="2">
+            <a:schemeClr val="accent1">
+              <a:shade val="50000"/>
+            </a:schemeClr>
+          </a:lnRef>
+          <a:fillRef idx="1">
+            <a:schemeClr val="accent1"/>
+          </a:fillRef>
+          <a:effectRef idx="0">
+            <a:schemeClr val="accent1"/>
+          </a:effectRef>
+          <a:fontRef idx="minor">
+            <a:schemeClr val="lt1"/>
+          </a:fontRef>
+        </p:style>
+        <p:txBody>
+          <a:bodyPr rtlCol="0" anchor="ctr"/>
+          <a:lstStyle/>
+          <a:p>
+            <a:pPr algn="ctr"/>
+            <a:endParaRPr lang="en-US"/>
+          </a:p>
+        </p:txBody>
+      </p:sp>
+      <p:cxnSp>
+        <p:nvCxnSpPr>
+          <p:cNvPr id="17" name="Straight Arrow Connector 16">
+            <a:extLst>
+              <a:ext uri="{FF2B5EF4-FFF2-40B4-BE49-F238E27FC236}">
+                <a16:creationId xmlns:a16="http://schemas.microsoft.com/office/drawing/2014/main" id="{C68E4724-6D8D-4641-9050-44F059C2F9C0}"/>
+              </a:ext>
+            </a:extLst>
+          </p:cNvPr>
+          <p:cNvCxnSpPr>
+            <a:stCxn id="14" idx="3"/>
+            <a:endCxn id="15" idx="1"/>
+          </p:cNvCxnSpPr>
+          <p:nvPr/>
+        </p:nvCxnSpPr>
+        <p:spPr>
+          <a:xfrm>
+            <a:off x="5189984" y="2722781"/>
+            <a:ext cx="717176" cy="0"/>
+          </a:xfrm>
+          <a:prstGeom prst="straightConnector1">
+            <a:avLst/>
+          </a:prstGeom>
+          <a:ln>
+            <a:solidFill>
+              <a:schemeClr val="bg1">
+                <a:lumMod val="85000"/>
+              </a:schemeClr>
+            </a:solidFill>
+            <a:tailEnd type="triangle"/>
+          </a:ln>
+        </p:spPr>
+        <p:style>
+          <a:lnRef idx="1">
+            <a:schemeClr val="accent1"/>
+          </a:lnRef>
+          <a:fillRef idx="0">
+            <a:schemeClr val="accent1"/>
+          </a:fillRef>
+          <a:effectRef idx="0">
+            <a:schemeClr val="accent1"/>
+          </a:effectRef>
+          <a:fontRef idx="minor">
+            <a:schemeClr val="tx1"/>
+          </a:fontRef>
+        </p:style>
+      </p:cxnSp>
+      <p:cxnSp>
+        <p:nvCxnSpPr>
+          <p:cNvPr id="18" name="Straight Arrow Connector 17">
+            <a:extLst>
+              <a:ext uri="{FF2B5EF4-FFF2-40B4-BE49-F238E27FC236}">
+                <a16:creationId xmlns:a16="http://schemas.microsoft.com/office/drawing/2014/main" id="{EE20FB35-53DC-A34B-B887-55B077BEA098}"/>
+              </a:ext>
+            </a:extLst>
+          </p:cNvPr>
+          <p:cNvCxnSpPr>
+            <a:stCxn id="15" idx="3"/>
+            <a:endCxn id="16" idx="1"/>
+          </p:cNvCxnSpPr>
+          <p:nvPr/>
+        </p:nvCxnSpPr>
+        <p:spPr>
+          <a:xfrm flipV="1">
+            <a:off x="6355396" y="2722780"/>
+            <a:ext cx="654423" cy="1"/>
+          </a:xfrm>
+          <a:prstGeom prst="straightConnector1">
+            <a:avLst/>
+          </a:prstGeom>
+          <a:ln>
+            <a:solidFill>
+              <a:schemeClr val="bg1">
+                <a:lumMod val="85000"/>
+              </a:schemeClr>
+            </a:solidFill>
+            <a:tailEnd type="triangle"/>
+          </a:ln>
+        </p:spPr>
+        <p:style>
+          <a:lnRef idx="1">
+            <a:schemeClr val="accent1"/>
+          </a:lnRef>
+          <a:fillRef idx="0">
+            <a:schemeClr val="accent1"/>
+          </a:fillRef>
+          <a:effectRef idx="0">
+            <a:schemeClr val="accent1"/>
+          </a:effectRef>
+          <a:fontRef idx="minor">
+            <a:schemeClr val="tx1"/>
+          </a:fontRef>
+        </p:style>
+      </p:cxnSp>
+      <p:sp>
+        <p:nvSpPr>
+          <p:cNvPr id="19" name="Rectangle 18">
+            <a:extLst>
+              <a:ext uri="{FF2B5EF4-FFF2-40B4-BE49-F238E27FC236}">
+                <a16:creationId xmlns:a16="http://schemas.microsoft.com/office/drawing/2014/main" id="{178E9CCF-972B-224E-980B-6FE1F535DB8B}"/>
+              </a:ext>
+            </a:extLst>
+          </p:cNvPr>
+          <p:cNvSpPr/>
+          <p:nvPr/>
+        </p:nvSpPr>
+        <p:spPr>
+          <a:xfrm>
+            <a:off x="4741748" y="3045509"/>
+            <a:ext cx="448236" cy="497542"/>
+          </a:xfrm>
+          <a:prstGeom prst="rect">
+            <a:avLst/>
+          </a:prstGeom>
+          <a:solidFill>
+            <a:schemeClr val="accent4">
+              <a:lumMod val="40000"/>
+              <a:lumOff val="60000"/>
+            </a:schemeClr>
+          </a:solidFill>
+          <a:ln>
+            <a:solidFill>
+              <a:schemeClr val="accent4">
+                <a:lumMod val="60000"/>
+                <a:lumOff val="40000"/>
+              </a:schemeClr>
+            </a:solidFill>
+          </a:ln>
+        </p:spPr>
+        <p:style>
+          <a:lnRef idx="2">
+            <a:schemeClr val="accent1">
+              <a:shade val="50000"/>
+            </a:schemeClr>
+          </a:lnRef>
+          <a:fillRef idx="1">
+            <a:schemeClr val="accent1"/>
+          </a:fillRef>
+          <a:effectRef idx="0">
+            <a:schemeClr val="accent1"/>
+          </a:effectRef>
+          <a:fontRef idx="minor">
+            <a:schemeClr val="lt1"/>
+          </a:fontRef>
+        </p:style>
+        <p:txBody>
+          <a:bodyPr rtlCol="0" anchor="ctr"/>
+          <a:lstStyle/>
+          <a:p>
+            <a:pPr algn="ctr"/>
+            <a:endParaRPr lang="en-US"/>
+          </a:p>
+        </p:txBody>
+      </p:sp>
+      <p:sp>
+        <p:nvSpPr>
+          <p:cNvPr id="20" name="Rectangle 19">
+            <a:extLst>
+              <a:ext uri="{FF2B5EF4-FFF2-40B4-BE49-F238E27FC236}">
+                <a16:creationId xmlns:a16="http://schemas.microsoft.com/office/drawing/2014/main" id="{9839F3FA-04F7-4840-B20D-E33F8C9D3D9B}"/>
+              </a:ext>
+            </a:extLst>
+          </p:cNvPr>
+          <p:cNvSpPr/>
+          <p:nvPr/>
+        </p:nvSpPr>
+        <p:spPr>
+          <a:xfrm>
+            <a:off x="5907160" y="3045509"/>
+            <a:ext cx="448236" cy="497542"/>
+          </a:xfrm>
+          <a:prstGeom prst="rect">
+            <a:avLst/>
+          </a:prstGeom>
+          <a:solidFill>
+            <a:schemeClr val="accent6">
+              <a:lumMod val="40000"/>
+              <a:lumOff val="60000"/>
+            </a:schemeClr>
+          </a:solidFill>
+          <a:ln>
+            <a:solidFill>
+              <a:schemeClr val="accent6">
+                <a:lumMod val="60000"/>
+                <a:lumOff val="40000"/>
+              </a:schemeClr>
+            </a:solidFill>
+          </a:ln>
+        </p:spPr>
+        <p:style>
+          <a:lnRef idx="2">
+            <a:schemeClr val="accent1">
+              <a:shade val="50000"/>
+            </a:schemeClr>
+          </a:lnRef>
+          <a:fillRef idx="1">
+            <a:schemeClr val="accent1"/>
+          </a:fillRef>
+          <a:effectRef idx="0">
+            <a:schemeClr val="accent1"/>
+          </a:effectRef>
+          <a:fontRef idx="minor">
+            <a:schemeClr val="lt1"/>
+          </a:fontRef>
+        </p:style>
+        <p:txBody>
+          <a:bodyPr rtlCol="0" anchor="ctr"/>
+          <a:lstStyle/>
+          <a:p>
+            <a:pPr algn="ctr"/>
+            <a:endParaRPr lang="en-US"/>
+          </a:p>
+        </p:txBody>
+      </p:sp>
+      <p:sp>
+        <p:nvSpPr>
+          <p:cNvPr id="21" name="Rectangle 20">
+            <a:extLst>
+              <a:ext uri="{FF2B5EF4-FFF2-40B4-BE49-F238E27FC236}">
+                <a16:creationId xmlns:a16="http://schemas.microsoft.com/office/drawing/2014/main" id="{70508F4B-2C03-184A-832B-75D8A76B3F75}"/>
+              </a:ext>
+            </a:extLst>
+          </p:cNvPr>
+          <p:cNvSpPr/>
+          <p:nvPr/>
+        </p:nvSpPr>
+        <p:spPr>
+          <a:xfrm>
+            <a:off x="7009819" y="3045508"/>
+            <a:ext cx="448236" cy="497542"/>
+          </a:xfrm>
+          <a:prstGeom prst="rect">
+            <a:avLst/>
+          </a:prstGeom>
+          <a:solidFill>
+            <a:schemeClr val="accent2">
+              <a:lumMod val="40000"/>
+              <a:lumOff val="60000"/>
+            </a:schemeClr>
+          </a:solidFill>
+          <a:ln>
+            <a:solidFill>
+              <a:schemeClr val="accent2">
+                <a:lumMod val="60000"/>
+                <a:lumOff val="40000"/>
+              </a:schemeClr>
+            </a:solidFill>
+          </a:ln>
+        </p:spPr>
+        <p:style>
+          <a:lnRef idx="2">
+            <a:schemeClr val="accent1">
+              <a:shade val="50000"/>
+            </a:schemeClr>
+          </a:lnRef>
+          <a:fillRef idx="1">
+            <a:schemeClr val="accent1"/>
+          </a:fillRef>
+          <a:effectRef idx="0">
+            <a:schemeClr val="accent1"/>
+          </a:effectRef>
+          <a:fontRef idx="minor">
+            <a:schemeClr val="lt1"/>
+          </a:fontRef>
+        </p:style>
+        <p:txBody>
+          <a:bodyPr rtlCol="0" anchor="ctr"/>
+          <a:lstStyle/>
+          <a:p>
+            <a:pPr algn="ctr"/>
+            <a:endParaRPr lang="en-US"/>
+          </a:p>
+        </p:txBody>
+      </p:sp>
+      <p:cxnSp>
+        <p:nvCxnSpPr>
+          <p:cNvPr id="22" name="Straight Arrow Connector 21">
+            <a:extLst>
+              <a:ext uri="{FF2B5EF4-FFF2-40B4-BE49-F238E27FC236}">
+                <a16:creationId xmlns:a16="http://schemas.microsoft.com/office/drawing/2014/main" id="{A378C618-56E5-DE41-BCA0-26C0ED8693C1}"/>
+              </a:ext>
+            </a:extLst>
+          </p:cNvPr>
+          <p:cNvCxnSpPr>
+            <a:stCxn id="19" idx="3"/>
+            <a:endCxn id="20" idx="1"/>
+          </p:cNvCxnSpPr>
+          <p:nvPr/>
+        </p:nvCxnSpPr>
+        <p:spPr>
+          <a:xfrm>
+            <a:off x="5189984" y="3294280"/>
+            <a:ext cx="717176" cy="0"/>
+          </a:xfrm>
+          <a:prstGeom prst="straightConnector1">
+            <a:avLst/>
+          </a:prstGeom>
+          <a:ln>
+            <a:solidFill>
+              <a:schemeClr val="bg1">
+                <a:lumMod val="85000"/>
+              </a:schemeClr>
+            </a:solidFill>
+            <a:tailEnd type="triangle"/>
+          </a:ln>
+        </p:spPr>
+        <p:style>
+          <a:lnRef idx="1">
+            <a:schemeClr val="accent1"/>
+          </a:lnRef>
+          <a:fillRef idx="0">
+            <a:schemeClr val="accent1"/>
+          </a:fillRef>
+          <a:effectRef idx="0">
+            <a:schemeClr val="accent1"/>
+          </a:effectRef>
+          <a:fontRef idx="minor">
+            <a:schemeClr val="tx1"/>
+          </a:fontRef>
+        </p:style>
+      </p:cxnSp>
+      <p:cxnSp>
+        <p:nvCxnSpPr>
+          <p:cNvPr id="23" name="Straight Arrow Connector 22">
+            <a:extLst>
+              <a:ext uri="{FF2B5EF4-FFF2-40B4-BE49-F238E27FC236}">
+                <a16:creationId xmlns:a16="http://schemas.microsoft.com/office/drawing/2014/main" id="{AFBD3998-5ABF-374F-BFBD-FB110955B730}"/>
+              </a:ext>
+            </a:extLst>
+          </p:cNvPr>
+          <p:cNvCxnSpPr>
+            <a:stCxn id="20" idx="3"/>
+            <a:endCxn id="21" idx="1"/>
+          </p:cNvCxnSpPr>
+          <p:nvPr/>
+        </p:nvCxnSpPr>
+        <p:spPr>
+          <a:xfrm flipV="1">
+            <a:off x="6355396" y="3294279"/>
+            <a:ext cx="654423" cy="1"/>
+          </a:xfrm>
+          <a:prstGeom prst="straightConnector1">
+            <a:avLst/>
+          </a:prstGeom>
+          <a:ln>
+            <a:solidFill>
+              <a:schemeClr val="bg1">
+                <a:lumMod val="85000"/>
+              </a:schemeClr>
+            </a:solidFill>
+            <a:tailEnd type="triangle"/>
+          </a:ln>
+        </p:spPr>
+        <p:style>
+          <a:lnRef idx="1">
+            <a:schemeClr val="accent1"/>
+          </a:lnRef>
+          <a:fillRef idx="0">
+            <a:schemeClr val="accent1"/>
+          </a:fillRef>
+          <a:effectRef idx="0">
+            <a:schemeClr val="accent1"/>
+          </a:effectRef>
+          <a:fontRef idx="minor">
+            <a:schemeClr val="tx1"/>
+          </a:fontRef>
+        </p:style>
+      </p:cxnSp>
+      <p:sp>
+        <p:nvSpPr>
+          <p:cNvPr id="25" name="Rectangle 24">
+            <a:extLst>
+              <a:ext uri="{FF2B5EF4-FFF2-40B4-BE49-F238E27FC236}">
+                <a16:creationId xmlns:a16="http://schemas.microsoft.com/office/drawing/2014/main" id="{78F2CDC2-EB0A-2646-9933-518771D69F18}"/>
+              </a:ext>
+            </a:extLst>
+          </p:cNvPr>
+          <p:cNvSpPr/>
+          <p:nvPr/>
+        </p:nvSpPr>
+        <p:spPr>
+          <a:xfrm>
+            <a:off x="5710517" y="3948809"/>
+            <a:ext cx="448236" cy="497542"/>
+          </a:xfrm>
+          <a:prstGeom prst="rect">
+            <a:avLst/>
+          </a:prstGeom>
+          <a:solidFill>
+            <a:schemeClr val="accent6">
+              <a:lumMod val="40000"/>
+              <a:lumOff val="60000"/>
+            </a:schemeClr>
+          </a:solidFill>
+          <a:ln>
+            <a:solidFill>
+              <a:schemeClr val="accent6">
+                <a:lumMod val="60000"/>
+                <a:lumOff val="40000"/>
+              </a:schemeClr>
+            </a:solidFill>
+          </a:ln>
+        </p:spPr>
+        <p:style>
+          <a:lnRef idx="2">
+            <a:schemeClr val="accent1">
+              <a:shade val="50000"/>
+            </a:schemeClr>
+          </a:lnRef>
+          <a:fillRef idx="1">
+            <a:schemeClr val="accent1"/>
+          </a:fillRef>
+          <a:effectRef idx="0">
+            <a:schemeClr val="accent1"/>
+          </a:effectRef>
+          <a:fontRef idx="minor">
+            <a:schemeClr val="lt1"/>
+          </a:fontRef>
+        </p:style>
+        <p:txBody>
+          <a:bodyPr rtlCol="0" anchor="ctr"/>
+          <a:lstStyle/>
+          <a:p>
+            <a:pPr algn="ctr"/>
+            <a:endParaRPr lang="en-US"/>
+          </a:p>
+        </p:txBody>
+      </p:sp>
+      <p:sp>
+        <p:nvSpPr>
+          <p:cNvPr id="26" name="Rectangle 25">
+            <a:extLst>
+              <a:ext uri="{FF2B5EF4-FFF2-40B4-BE49-F238E27FC236}">
+                <a16:creationId xmlns:a16="http://schemas.microsoft.com/office/drawing/2014/main" id="{4743F697-FC14-4941-8802-EC6CD3F3089E}"/>
+              </a:ext>
+            </a:extLst>
+          </p:cNvPr>
+          <p:cNvSpPr/>
+          <p:nvPr/>
+        </p:nvSpPr>
+        <p:spPr>
+          <a:xfrm>
+            <a:off x="6813176" y="3948808"/>
+            <a:ext cx="448236" cy="497542"/>
+          </a:xfrm>
+          <a:prstGeom prst="rect">
+            <a:avLst/>
+          </a:prstGeom>
+          <a:solidFill>
+            <a:schemeClr val="accent2">
+              <a:lumMod val="40000"/>
+              <a:lumOff val="60000"/>
+            </a:schemeClr>
+          </a:solidFill>
+          <a:ln>
+            <a:solidFill>
+              <a:schemeClr val="accent2">
+                <a:lumMod val="60000"/>
+                <a:lumOff val="40000"/>
+              </a:schemeClr>
+            </a:solidFill>
+          </a:ln>
+        </p:spPr>
+        <p:style>
+          <a:lnRef idx="2">
+            <a:schemeClr val="accent1">
+              <a:shade val="50000"/>
+            </a:schemeClr>
+          </a:lnRef>
+          <a:fillRef idx="1">
+            <a:schemeClr val="accent1"/>
+          </a:fillRef>
+          <a:effectRef idx="0">
+            <a:schemeClr val="accent1"/>
+          </a:effectRef>
+          <a:fontRef idx="minor">
+            <a:schemeClr val="lt1"/>
+          </a:fontRef>
+        </p:style>
+        <p:txBody>
+          <a:bodyPr rtlCol="0" anchor="ctr"/>
+          <a:lstStyle/>
+          <a:p>
+            <a:pPr algn="ctr"/>
+            <a:endParaRPr lang="en-US"/>
+          </a:p>
+        </p:txBody>
+      </p:sp>
+      <p:cxnSp>
+        <p:nvCxnSpPr>
+          <p:cNvPr id="27" name="Straight Arrow Connector 26">
+            <a:extLst>
+              <a:ext uri="{FF2B5EF4-FFF2-40B4-BE49-F238E27FC236}">
+                <a16:creationId xmlns:a16="http://schemas.microsoft.com/office/drawing/2014/main" id="{198F73CF-537F-D74B-B610-73E7480A62FB}"/>
+              </a:ext>
+            </a:extLst>
+          </p:cNvPr>
+          <p:cNvCxnSpPr>
+            <a:cxnSpLocks/>
+            <a:stCxn id="29" idx="3"/>
+            <a:endCxn id="25" idx="1"/>
+          </p:cNvCxnSpPr>
+          <p:nvPr/>
+        </p:nvCxnSpPr>
+        <p:spPr>
+          <a:xfrm flipV="1">
+            <a:off x="4993341" y="4197580"/>
+            <a:ext cx="717176" cy="591672"/>
+          </a:xfrm>
+          <a:prstGeom prst="straightConnector1">
+            <a:avLst/>
+          </a:prstGeom>
+          <a:ln>
+            <a:solidFill>
+              <a:schemeClr val="bg1">
+                <a:lumMod val="85000"/>
+              </a:schemeClr>
+            </a:solidFill>
+            <a:tailEnd type="triangle"/>
+          </a:ln>
+        </p:spPr>
+        <p:style>
+          <a:lnRef idx="1">
+            <a:schemeClr val="accent1"/>
+          </a:lnRef>
+          <a:fillRef idx="0">
+            <a:schemeClr val="accent1"/>
+          </a:fillRef>
+          <a:effectRef idx="0">
+            <a:schemeClr val="accent1"/>
+          </a:effectRef>
+          <a:fontRef idx="minor">
+            <a:schemeClr val="tx1"/>
+          </a:fontRef>
+        </p:style>
+      </p:cxnSp>
+      <p:cxnSp>
+        <p:nvCxnSpPr>
+          <p:cNvPr id="28" name="Straight Arrow Connector 27">
+            <a:extLst>
+              <a:ext uri="{FF2B5EF4-FFF2-40B4-BE49-F238E27FC236}">
+                <a16:creationId xmlns:a16="http://schemas.microsoft.com/office/drawing/2014/main" id="{F3360C30-B1CA-B740-9064-F7B3298304BF}"/>
+              </a:ext>
+            </a:extLst>
+          </p:cNvPr>
+          <p:cNvCxnSpPr>
+            <a:stCxn id="25" idx="3"/>
+            <a:endCxn id="26" idx="1"/>
+          </p:cNvCxnSpPr>
+          <p:nvPr/>
+        </p:nvCxnSpPr>
+        <p:spPr>
+          <a:xfrm flipV="1">
+            <a:off x="6158753" y="4197579"/>
+            <a:ext cx="654423" cy="1"/>
+          </a:xfrm>
+          <a:prstGeom prst="straightConnector1">
+            <a:avLst/>
+          </a:prstGeom>
+          <a:ln>
+            <a:solidFill>
+              <a:schemeClr val="bg1">
+                <a:lumMod val="85000"/>
+              </a:schemeClr>
+            </a:solidFill>
+            <a:tailEnd type="triangle"/>
+          </a:ln>
+        </p:spPr>
+        <p:style>
+          <a:lnRef idx="1">
+            <a:schemeClr val="accent1"/>
+          </a:lnRef>
+          <a:fillRef idx="0">
+            <a:schemeClr val="accent1"/>
+          </a:fillRef>
+          <a:effectRef idx="0">
+            <a:schemeClr val="accent1"/>
+          </a:effectRef>
+          <a:fontRef idx="minor">
+            <a:schemeClr val="tx1"/>
+          </a:fontRef>
+        </p:style>
+      </p:cxnSp>
+      <p:sp>
+        <p:nvSpPr>
+          <p:cNvPr id="29" name="Rectangle 28">
+            <a:extLst>
+              <a:ext uri="{FF2B5EF4-FFF2-40B4-BE49-F238E27FC236}">
+                <a16:creationId xmlns:a16="http://schemas.microsoft.com/office/drawing/2014/main" id="{8484463C-15EC-134C-8B36-4D11250552A9}"/>
+              </a:ext>
+            </a:extLst>
+          </p:cNvPr>
+          <p:cNvSpPr/>
+          <p:nvPr/>
+        </p:nvSpPr>
+        <p:spPr>
+          <a:xfrm>
+            <a:off x="4545105" y="4540481"/>
+            <a:ext cx="448236" cy="497542"/>
+          </a:xfrm>
+          <a:prstGeom prst="rect">
+            <a:avLst/>
+          </a:prstGeom>
+          <a:solidFill>
+            <a:schemeClr val="accent4">
+              <a:lumMod val="40000"/>
+              <a:lumOff val="60000"/>
+            </a:schemeClr>
+          </a:solidFill>
+          <a:ln>
+            <a:solidFill>
+              <a:schemeClr val="accent4">
+                <a:lumMod val="60000"/>
+                <a:lumOff val="40000"/>
+              </a:schemeClr>
+            </a:solidFill>
+          </a:ln>
+        </p:spPr>
+        <p:style>
+          <a:lnRef idx="2">
+            <a:schemeClr val="accent1">
+              <a:shade val="50000"/>
+            </a:schemeClr>
+          </a:lnRef>
+          <a:fillRef idx="1">
+            <a:schemeClr val="accent1"/>
+          </a:fillRef>
+          <a:effectRef idx="0">
+            <a:schemeClr val="accent1"/>
+          </a:effectRef>
+          <a:fontRef idx="minor">
+            <a:schemeClr val="lt1"/>
+          </a:fontRef>
+        </p:style>
+        <p:txBody>
+          <a:bodyPr rtlCol="0" anchor="ctr"/>
+          <a:lstStyle/>
+          <a:p>
+            <a:pPr algn="ctr"/>
+            <a:endParaRPr lang="en-US"/>
+          </a:p>
+        </p:txBody>
+      </p:sp>
+      <p:sp>
+        <p:nvSpPr>
+          <p:cNvPr id="30" name="Rectangle 29">
+            <a:extLst>
+              <a:ext uri="{FF2B5EF4-FFF2-40B4-BE49-F238E27FC236}">
+                <a16:creationId xmlns:a16="http://schemas.microsoft.com/office/drawing/2014/main" id="{B4780CC3-3FBF-8F4C-ABDE-9617ECE725EC}"/>
+              </a:ext>
+            </a:extLst>
+          </p:cNvPr>
+          <p:cNvSpPr/>
+          <p:nvPr/>
+        </p:nvSpPr>
+        <p:spPr>
+          <a:xfrm>
+            <a:off x="5710517" y="4540481"/>
+            <a:ext cx="448236" cy="497542"/>
+          </a:xfrm>
+          <a:prstGeom prst="rect">
+            <a:avLst/>
+          </a:prstGeom>
+          <a:solidFill>
+            <a:schemeClr val="accent6">
+              <a:lumMod val="40000"/>
+              <a:lumOff val="60000"/>
+            </a:schemeClr>
+          </a:solidFill>
+          <a:ln>
+            <a:solidFill>
+              <a:schemeClr val="accent6">
+                <a:lumMod val="60000"/>
+                <a:lumOff val="40000"/>
+              </a:schemeClr>
+            </a:solidFill>
+          </a:ln>
+        </p:spPr>
+        <p:style>
+          <a:lnRef idx="2">
+            <a:schemeClr val="accent1">
+              <a:shade val="50000"/>
+            </a:schemeClr>
+          </a:lnRef>
+          <a:fillRef idx="1">
+            <a:schemeClr val="accent1"/>
+          </a:fillRef>
+          <a:effectRef idx="0">
+            <a:schemeClr val="accent1"/>
+          </a:effectRef>
+          <a:fontRef idx="minor">
+            <a:schemeClr val="lt1"/>
+          </a:fontRef>
+        </p:style>
+        <p:txBody>
+          <a:bodyPr rtlCol="0" anchor="ctr"/>
+          <a:lstStyle/>
+          <a:p>
+            <a:pPr algn="ctr"/>
+            <a:endParaRPr lang="en-US"/>
+          </a:p>
+        </p:txBody>
+      </p:sp>
+      <p:sp>
+        <p:nvSpPr>
+          <p:cNvPr id="31" name="Rectangle 30">
+            <a:extLst>
+              <a:ext uri="{FF2B5EF4-FFF2-40B4-BE49-F238E27FC236}">
+                <a16:creationId xmlns:a16="http://schemas.microsoft.com/office/drawing/2014/main" id="{B42598CC-3784-FE43-A216-EBF0576543CD}"/>
+              </a:ext>
+            </a:extLst>
+          </p:cNvPr>
+          <p:cNvSpPr/>
+          <p:nvPr/>
+        </p:nvSpPr>
+        <p:spPr>
+          <a:xfrm>
+            <a:off x="6813176" y="4540480"/>
+            <a:ext cx="448236" cy="497542"/>
+          </a:xfrm>
+          <a:prstGeom prst="rect">
+            <a:avLst/>
+          </a:prstGeom>
+          <a:solidFill>
+            <a:schemeClr val="accent2">
+              <a:lumMod val="40000"/>
+              <a:lumOff val="60000"/>
+            </a:schemeClr>
+          </a:solidFill>
+          <a:ln>
+            <a:solidFill>
+              <a:schemeClr val="accent2">
+                <a:lumMod val="60000"/>
+                <a:lumOff val="40000"/>
+              </a:schemeClr>
+            </a:solidFill>
+          </a:ln>
+        </p:spPr>
+        <p:style>
+          <a:lnRef idx="2">
+            <a:schemeClr val="accent1">
+              <a:shade val="50000"/>
+            </a:schemeClr>
+          </a:lnRef>
+          <a:fillRef idx="1">
+            <a:schemeClr val="accent1"/>
+          </a:fillRef>
+          <a:effectRef idx="0">
+            <a:schemeClr val="accent1"/>
+          </a:effectRef>
+          <a:fontRef idx="minor">
+            <a:schemeClr val="lt1"/>
+          </a:fontRef>
+        </p:style>
+        <p:txBody>
+          <a:bodyPr rtlCol="0" anchor="ctr"/>
+          <a:lstStyle/>
+          <a:p>
+            <a:pPr algn="ctr"/>
+            <a:endParaRPr lang="en-US"/>
+          </a:p>
+        </p:txBody>
+      </p:sp>
+      <p:cxnSp>
+        <p:nvCxnSpPr>
+          <p:cNvPr id="32" name="Straight Arrow Connector 31">
+            <a:extLst>
+              <a:ext uri="{FF2B5EF4-FFF2-40B4-BE49-F238E27FC236}">
+                <a16:creationId xmlns:a16="http://schemas.microsoft.com/office/drawing/2014/main" id="{A6114592-776D-3140-8598-E1EDF18AD270}"/>
+              </a:ext>
+            </a:extLst>
+          </p:cNvPr>
+          <p:cNvCxnSpPr>
+            <a:stCxn id="29" idx="3"/>
+            <a:endCxn id="30" idx="1"/>
+          </p:cNvCxnSpPr>
+          <p:nvPr/>
+        </p:nvCxnSpPr>
+        <p:spPr>
+          <a:xfrm>
+            <a:off x="4993341" y="4789252"/>
+            <a:ext cx="717176" cy="0"/>
+          </a:xfrm>
+          <a:prstGeom prst="straightConnector1">
+            <a:avLst/>
+          </a:prstGeom>
+          <a:ln>
+            <a:solidFill>
+              <a:schemeClr val="bg1">
+                <a:lumMod val="85000"/>
+              </a:schemeClr>
+            </a:solidFill>
+            <a:tailEnd type="triangle"/>
+          </a:ln>
+        </p:spPr>
+        <p:style>
+          <a:lnRef idx="1">
+            <a:schemeClr val="accent1"/>
+          </a:lnRef>
+          <a:fillRef idx="0">
+            <a:schemeClr val="accent1"/>
+          </a:fillRef>
+          <a:effectRef idx="0">
+            <a:schemeClr val="accent1"/>
+          </a:effectRef>
+          <a:fontRef idx="minor">
+            <a:schemeClr val="tx1"/>
+          </a:fontRef>
+        </p:style>
+      </p:cxnSp>
+      <p:cxnSp>
+        <p:nvCxnSpPr>
+          <p:cNvPr id="33" name="Straight Arrow Connector 32">
+            <a:extLst>
+              <a:ext uri="{FF2B5EF4-FFF2-40B4-BE49-F238E27FC236}">
+                <a16:creationId xmlns:a16="http://schemas.microsoft.com/office/drawing/2014/main" id="{3A469DE3-E40C-D248-9D8C-7513906A9A6D}"/>
+              </a:ext>
+            </a:extLst>
+          </p:cNvPr>
+          <p:cNvCxnSpPr>
+            <a:stCxn id="30" idx="3"/>
+            <a:endCxn id="31" idx="1"/>
+          </p:cNvCxnSpPr>
+          <p:nvPr/>
+        </p:nvCxnSpPr>
+        <p:spPr>
+          <a:xfrm flipV="1">
+            <a:off x="6158753" y="4789251"/>
+            <a:ext cx="654423" cy="1"/>
+          </a:xfrm>
+          <a:prstGeom prst="straightConnector1">
+            <a:avLst/>
+          </a:prstGeom>
+          <a:ln>
+            <a:solidFill>
+              <a:schemeClr val="bg1">
+                <a:lumMod val="85000"/>
+              </a:schemeClr>
+            </a:solidFill>
+            <a:tailEnd type="triangle"/>
+          </a:ln>
+        </p:spPr>
+        <p:style>
+          <a:lnRef idx="1">
+            <a:schemeClr val="accent1"/>
+          </a:lnRef>
+          <a:fillRef idx="0">
+            <a:schemeClr val="accent1"/>
+          </a:fillRef>
+          <a:effectRef idx="0">
+            <a:schemeClr val="accent1"/>
+          </a:effectRef>
+          <a:fontRef idx="minor">
+            <a:schemeClr val="tx1"/>
+          </a:fontRef>
+        </p:style>
+      </p:cxnSp>
+      <p:sp>
+        <p:nvSpPr>
+          <p:cNvPr id="35" name="Rectangle 34">
+            <a:extLst>
+              <a:ext uri="{FF2B5EF4-FFF2-40B4-BE49-F238E27FC236}">
+                <a16:creationId xmlns:a16="http://schemas.microsoft.com/office/drawing/2014/main" id="{E7DADCFA-436D-324C-A209-CFDAFABDD987}"/>
+              </a:ext>
+            </a:extLst>
+          </p:cNvPr>
+          <p:cNvSpPr/>
+          <p:nvPr/>
+        </p:nvSpPr>
+        <p:spPr>
+          <a:xfrm>
+            <a:off x="5710517" y="5111980"/>
+            <a:ext cx="448236" cy="497542"/>
+          </a:xfrm>
+          <a:prstGeom prst="rect">
+            <a:avLst/>
+          </a:prstGeom>
+          <a:solidFill>
+            <a:schemeClr val="accent6">
+              <a:lumMod val="40000"/>
+              <a:lumOff val="60000"/>
+            </a:schemeClr>
+          </a:solidFill>
+          <a:ln>
+            <a:solidFill>
+              <a:schemeClr val="accent6">
+                <a:lumMod val="60000"/>
+                <a:lumOff val="40000"/>
+              </a:schemeClr>
+            </a:solidFill>
+          </a:ln>
+        </p:spPr>
+        <p:style>
+          <a:lnRef idx="2">
+            <a:schemeClr val="accent1">
+              <a:shade val="50000"/>
+            </a:schemeClr>
+          </a:lnRef>
+          <a:fillRef idx="1">
+            <a:schemeClr val="accent1"/>
+          </a:fillRef>
+          <a:effectRef idx="0">
+            <a:schemeClr val="accent1"/>
+          </a:effectRef>
+          <a:fontRef idx="minor">
+            <a:schemeClr val="lt1"/>
+          </a:fontRef>
+        </p:style>
+        <p:txBody>
+          <a:bodyPr rtlCol="0" anchor="ctr"/>
+          <a:lstStyle/>
+          <a:p>
+            <a:pPr algn="ctr"/>
+            <a:endParaRPr lang="en-US"/>
+          </a:p>
+        </p:txBody>
+      </p:sp>
+      <p:sp>
+        <p:nvSpPr>
+          <p:cNvPr id="36" name="Rectangle 35">
+            <a:extLst>
+              <a:ext uri="{FF2B5EF4-FFF2-40B4-BE49-F238E27FC236}">
+                <a16:creationId xmlns:a16="http://schemas.microsoft.com/office/drawing/2014/main" id="{4F399161-1B38-FC40-B90E-C01D267DCADB}"/>
+              </a:ext>
+            </a:extLst>
+          </p:cNvPr>
+          <p:cNvSpPr/>
+          <p:nvPr/>
+        </p:nvSpPr>
+        <p:spPr>
+          <a:xfrm>
+            <a:off x="6813176" y="5111979"/>
+            <a:ext cx="448236" cy="497542"/>
+          </a:xfrm>
+          <a:prstGeom prst="rect">
+            <a:avLst/>
+          </a:prstGeom>
+          <a:solidFill>
+            <a:schemeClr val="accent2">
+              <a:lumMod val="40000"/>
+              <a:lumOff val="60000"/>
+            </a:schemeClr>
+          </a:solidFill>
+          <a:ln>
+            <a:solidFill>
+              <a:schemeClr val="accent2">
+                <a:lumMod val="60000"/>
+                <a:lumOff val="40000"/>
+              </a:schemeClr>
+            </a:solidFill>
+          </a:ln>
+        </p:spPr>
+        <p:style>
+          <a:lnRef idx="2">
+            <a:schemeClr val="accent1">
+              <a:shade val="50000"/>
+            </a:schemeClr>
+          </a:lnRef>
+          <a:fillRef idx="1">
+            <a:schemeClr val="accent1"/>
+          </a:fillRef>
+          <a:effectRef idx="0">
+            <a:schemeClr val="accent1"/>
+          </a:effectRef>
+          <a:fontRef idx="minor">
+            <a:schemeClr val="lt1"/>
+          </a:fontRef>
+        </p:style>
+        <p:txBody>
+          <a:bodyPr rtlCol="0" anchor="ctr"/>
+          <a:lstStyle/>
+          <a:p>
+            <a:pPr algn="ctr"/>
+            <a:endParaRPr lang="en-US"/>
+          </a:p>
+        </p:txBody>
+      </p:sp>
+      <p:cxnSp>
+        <p:nvCxnSpPr>
+          <p:cNvPr id="38" name="Straight Arrow Connector 37">
+            <a:extLst>
+              <a:ext uri="{FF2B5EF4-FFF2-40B4-BE49-F238E27FC236}">
+                <a16:creationId xmlns:a16="http://schemas.microsoft.com/office/drawing/2014/main" id="{AC431051-741D-DA42-B326-D8F0B3AD4F26}"/>
+              </a:ext>
+            </a:extLst>
+          </p:cNvPr>
+          <p:cNvCxnSpPr>
+            <a:stCxn id="35" idx="3"/>
+            <a:endCxn id="36" idx="1"/>
+          </p:cNvCxnSpPr>
+          <p:nvPr/>
+        </p:nvCxnSpPr>
+        <p:spPr>
+          <a:xfrm flipV="1">
+            <a:off x="6158753" y="5360750"/>
+            <a:ext cx="654423" cy="1"/>
+          </a:xfrm>
+          <a:prstGeom prst="straightConnector1">
+            <a:avLst/>
+          </a:prstGeom>
+          <a:ln>
+            <a:solidFill>
+              <a:schemeClr val="bg1">
+                <a:lumMod val="85000"/>
+              </a:schemeClr>
+            </a:solidFill>
+            <a:tailEnd type="triangle"/>
+          </a:ln>
+        </p:spPr>
+        <p:style>
+          <a:lnRef idx="1">
+            <a:schemeClr val="accent1"/>
+          </a:lnRef>
+          <a:fillRef idx="0">
+            <a:schemeClr val="accent1"/>
+          </a:fillRef>
+          <a:effectRef idx="0">
+            <a:schemeClr val="accent1"/>
+          </a:effectRef>
+          <a:fontRef idx="minor">
+            <a:schemeClr val="tx1"/>
+          </a:fontRef>
+        </p:style>
+      </p:cxnSp>
+      <p:cxnSp>
+        <p:nvCxnSpPr>
+          <p:cNvPr id="40" name="Straight Arrow Connector 39">
+            <a:extLst>
+              <a:ext uri="{FF2B5EF4-FFF2-40B4-BE49-F238E27FC236}">
+                <a16:creationId xmlns:a16="http://schemas.microsoft.com/office/drawing/2014/main" id="{9AD1D174-F4A2-9847-887C-BEAEE04930D5}"/>
+              </a:ext>
+            </a:extLst>
+          </p:cNvPr>
+          <p:cNvCxnSpPr>
+            <a:cxnSpLocks/>
+            <a:stCxn id="29" idx="3"/>
+            <a:endCxn id="35" idx="1"/>
+          </p:cNvCxnSpPr>
+          <p:nvPr/>
+        </p:nvCxnSpPr>
+        <p:spPr>
+          <a:xfrm>
+            <a:off x="4993341" y="4789252"/>
+            <a:ext cx="717176" cy="571499"/>
+          </a:xfrm>
+          <a:prstGeom prst="straightConnector1">
+            <a:avLst/>
+          </a:prstGeom>
+          <a:ln>
+            <a:solidFill>
+              <a:schemeClr val="bg1">
+                <a:lumMod val="85000"/>
+              </a:schemeClr>
+            </a:solidFill>
+            <a:tailEnd type="triangle"/>
+          </a:ln>
+        </p:spPr>
+        <p:style>
+          <a:lnRef idx="1">
+            <a:schemeClr val="accent1"/>
+          </a:lnRef>
+          <a:fillRef idx="0">
+            <a:schemeClr val="accent1"/>
+          </a:fillRef>
+          <a:effectRef idx="0">
+            <a:schemeClr val="accent1"/>
+          </a:effectRef>
+          <a:fontRef idx="minor">
+            <a:schemeClr val="tx1"/>
+          </a:fontRef>
+        </p:style>
+      </p:cxnSp>
+      <p:sp>
+        <p:nvSpPr>
+          <p:cNvPr id="43" name="Rectangle 42">
+            <a:extLst>
+              <a:ext uri="{FF2B5EF4-FFF2-40B4-BE49-F238E27FC236}">
+                <a16:creationId xmlns:a16="http://schemas.microsoft.com/office/drawing/2014/main" id="{F5072CDB-35B2-E64B-AB85-C16ACDE9B2EE}"/>
+              </a:ext>
+            </a:extLst>
+          </p:cNvPr>
+          <p:cNvSpPr/>
+          <p:nvPr/>
+        </p:nvSpPr>
+        <p:spPr>
+          <a:xfrm>
+            <a:off x="9646023" y="4022766"/>
+            <a:ext cx="448236" cy="497542"/>
+          </a:xfrm>
+          <a:prstGeom prst="rect">
+            <a:avLst/>
+          </a:prstGeom>
+          <a:solidFill>
+            <a:schemeClr val="accent6">
+              <a:lumMod val="40000"/>
+              <a:lumOff val="60000"/>
+            </a:schemeClr>
+          </a:solidFill>
+          <a:ln>
+            <a:solidFill>
+              <a:schemeClr val="accent6">
+                <a:lumMod val="60000"/>
+                <a:lumOff val="40000"/>
+              </a:schemeClr>
+            </a:solidFill>
+          </a:ln>
+        </p:spPr>
+        <p:style>
+          <a:lnRef idx="2">
+            <a:schemeClr val="accent1">
+              <a:shade val="50000"/>
+            </a:schemeClr>
+          </a:lnRef>
+          <a:fillRef idx="1">
+            <a:schemeClr val="accent1"/>
+          </a:fillRef>
+          <a:effectRef idx="0">
+            <a:schemeClr val="accent1"/>
+          </a:effectRef>
+          <a:fontRef idx="minor">
+            <a:schemeClr val="lt1"/>
+          </a:fontRef>
+        </p:style>
+        <p:txBody>
+          <a:bodyPr rtlCol="0" anchor="ctr"/>
+          <a:lstStyle/>
+          <a:p>
+            <a:pPr algn="ctr"/>
+            <a:endParaRPr lang="en-US"/>
+          </a:p>
+        </p:txBody>
+      </p:sp>
+      <p:cxnSp>
+        <p:nvCxnSpPr>
+          <p:cNvPr id="45" name="Straight Arrow Connector 44">
+            <a:extLst>
+              <a:ext uri="{FF2B5EF4-FFF2-40B4-BE49-F238E27FC236}">
+                <a16:creationId xmlns:a16="http://schemas.microsoft.com/office/drawing/2014/main" id="{FCFED1D8-C9F0-9E45-899E-AC5B57D55082}"/>
+              </a:ext>
+            </a:extLst>
+          </p:cNvPr>
+          <p:cNvCxnSpPr>
+            <a:cxnSpLocks/>
+            <a:stCxn id="47" idx="3"/>
+            <a:endCxn id="43" idx="1"/>
+          </p:cNvCxnSpPr>
+          <p:nvPr/>
+        </p:nvCxnSpPr>
+        <p:spPr>
+          <a:xfrm flipV="1">
+            <a:off x="8928847" y="4271537"/>
+            <a:ext cx="717176" cy="591672"/>
+          </a:xfrm>
+          <a:prstGeom prst="straightConnector1">
+            <a:avLst/>
+          </a:prstGeom>
+          <a:ln>
+            <a:solidFill>
+              <a:schemeClr val="bg1">
+                <a:lumMod val="85000"/>
+              </a:schemeClr>
+            </a:solidFill>
+            <a:tailEnd type="triangle"/>
+          </a:ln>
+        </p:spPr>
+        <p:style>
+          <a:lnRef idx="1">
+            <a:schemeClr val="accent1"/>
+          </a:lnRef>
+          <a:fillRef idx="0">
+            <a:schemeClr val="accent1"/>
+          </a:fillRef>
+          <a:effectRef idx="0">
+            <a:schemeClr val="accent1"/>
+          </a:effectRef>
+          <a:fontRef idx="minor">
+            <a:schemeClr val="tx1"/>
+          </a:fontRef>
+        </p:style>
+      </p:cxnSp>
+      <p:cxnSp>
+        <p:nvCxnSpPr>
+          <p:cNvPr id="46" name="Straight Arrow Connector 45">
+            <a:extLst>
+              <a:ext uri="{FF2B5EF4-FFF2-40B4-BE49-F238E27FC236}">
+                <a16:creationId xmlns:a16="http://schemas.microsoft.com/office/drawing/2014/main" id="{73DC8699-D2FD-6249-896B-8A2CD2E0022A}"/>
+              </a:ext>
+            </a:extLst>
+          </p:cNvPr>
+          <p:cNvCxnSpPr>
+            <a:cxnSpLocks/>
+            <a:stCxn id="43" idx="3"/>
+            <a:endCxn id="49" idx="1"/>
+          </p:cNvCxnSpPr>
+          <p:nvPr/>
+        </p:nvCxnSpPr>
+        <p:spPr>
+          <a:xfrm>
+            <a:off x="10094259" y="4271537"/>
+            <a:ext cx="654423" cy="591671"/>
+          </a:xfrm>
+          <a:prstGeom prst="straightConnector1">
+            <a:avLst/>
+          </a:prstGeom>
+          <a:ln>
+            <a:solidFill>
+              <a:schemeClr val="bg1">
+                <a:lumMod val="85000"/>
+              </a:schemeClr>
+            </a:solidFill>
+            <a:tailEnd type="triangle"/>
+          </a:ln>
+        </p:spPr>
+        <p:style>
+          <a:lnRef idx="1">
+            <a:schemeClr val="accent1"/>
+          </a:lnRef>
+          <a:fillRef idx="0">
+            <a:schemeClr val="accent1"/>
+          </a:fillRef>
+          <a:effectRef idx="0">
+            <a:schemeClr val="accent1"/>
+          </a:effectRef>
+          <a:fontRef idx="minor">
+            <a:schemeClr val="tx1"/>
+          </a:fontRef>
+        </p:style>
+      </p:cxnSp>
+      <p:sp>
+        <p:nvSpPr>
+          <p:cNvPr id="47" name="Rectangle 46">
+            <a:extLst>
+              <a:ext uri="{FF2B5EF4-FFF2-40B4-BE49-F238E27FC236}">
+                <a16:creationId xmlns:a16="http://schemas.microsoft.com/office/drawing/2014/main" id="{AB868EBF-E628-D849-9B60-C785C9A69852}"/>
+              </a:ext>
+            </a:extLst>
+          </p:cNvPr>
+          <p:cNvSpPr/>
+          <p:nvPr/>
+        </p:nvSpPr>
+        <p:spPr>
+          <a:xfrm>
+            <a:off x="8480611" y="4614438"/>
+            <a:ext cx="448236" cy="497542"/>
+          </a:xfrm>
+          <a:prstGeom prst="rect">
+            <a:avLst/>
+          </a:prstGeom>
+          <a:solidFill>
+            <a:schemeClr val="accent4">
+              <a:lumMod val="40000"/>
+              <a:lumOff val="60000"/>
+            </a:schemeClr>
+          </a:solidFill>
+          <a:ln>
+            <a:solidFill>
+              <a:schemeClr val="accent4">
+                <a:lumMod val="60000"/>
+                <a:lumOff val="40000"/>
+              </a:schemeClr>
+            </a:solidFill>
+          </a:ln>
+        </p:spPr>
+        <p:style>
+          <a:lnRef idx="2">
+            <a:schemeClr val="accent1">
+              <a:shade val="50000"/>
+            </a:schemeClr>
+          </a:lnRef>
+          <a:fillRef idx="1">
+            <a:schemeClr val="accent1"/>
+          </a:fillRef>
+          <a:effectRef idx="0">
+            <a:schemeClr val="accent1"/>
+          </a:effectRef>
+          <a:fontRef idx="minor">
+            <a:schemeClr val="lt1"/>
+          </a:fontRef>
+        </p:style>
+        <p:txBody>
+          <a:bodyPr rtlCol="0" anchor="ctr"/>
+          <a:lstStyle/>
+          <a:p>
+            <a:pPr algn="ctr"/>
+            <a:endParaRPr lang="en-US"/>
+          </a:p>
+        </p:txBody>
+      </p:sp>
+      <p:sp>
+        <p:nvSpPr>
+          <p:cNvPr id="48" name="Rectangle 47">
+            <a:extLst>
+              <a:ext uri="{FF2B5EF4-FFF2-40B4-BE49-F238E27FC236}">
+                <a16:creationId xmlns:a16="http://schemas.microsoft.com/office/drawing/2014/main" id="{E52431D6-2B8F-B844-9056-543CE0433553}"/>
+              </a:ext>
+            </a:extLst>
+          </p:cNvPr>
+          <p:cNvSpPr/>
+          <p:nvPr/>
+        </p:nvSpPr>
+        <p:spPr>
+          <a:xfrm>
+            <a:off x="9646023" y="4614438"/>
+            <a:ext cx="448236" cy="497542"/>
+          </a:xfrm>
+          <a:prstGeom prst="rect">
+            <a:avLst/>
+          </a:prstGeom>
+          <a:solidFill>
+            <a:schemeClr val="accent6">
+              <a:lumMod val="40000"/>
+              <a:lumOff val="60000"/>
+            </a:schemeClr>
+          </a:solidFill>
+          <a:ln>
+            <a:solidFill>
+              <a:schemeClr val="accent6">
+                <a:lumMod val="60000"/>
+                <a:lumOff val="40000"/>
+              </a:schemeClr>
+            </a:solidFill>
+          </a:ln>
+        </p:spPr>
+        <p:style>
+          <a:lnRef idx="2">
+            <a:schemeClr val="accent1">
+              <a:shade val="50000"/>
+            </a:schemeClr>
+          </a:lnRef>
+          <a:fillRef idx="1">
+            <a:schemeClr val="accent1"/>
+          </a:fillRef>
+          <a:effectRef idx="0">
+            <a:schemeClr val="accent1"/>
+          </a:effectRef>
+          <a:fontRef idx="minor">
+            <a:schemeClr val="lt1"/>
+          </a:fontRef>
+        </p:style>
+        <p:txBody>
+          <a:bodyPr rtlCol="0" anchor="ctr"/>
+          <a:lstStyle/>
+          <a:p>
+            <a:pPr algn="ctr"/>
+            <a:endParaRPr lang="en-US"/>
+          </a:p>
+        </p:txBody>
+      </p:sp>
+      <p:sp>
+        <p:nvSpPr>
+          <p:cNvPr id="49" name="Rectangle 48">
+            <a:extLst>
+              <a:ext uri="{FF2B5EF4-FFF2-40B4-BE49-F238E27FC236}">
+                <a16:creationId xmlns:a16="http://schemas.microsoft.com/office/drawing/2014/main" id="{40B7EF1D-0F60-274E-B45D-D720012542D4}"/>
+              </a:ext>
+            </a:extLst>
+          </p:cNvPr>
+          <p:cNvSpPr/>
+          <p:nvPr/>
+        </p:nvSpPr>
+        <p:spPr>
+          <a:xfrm>
+            <a:off x="10748682" y="4614437"/>
+            <a:ext cx="448236" cy="497542"/>
+          </a:xfrm>
+          <a:prstGeom prst="rect">
+            <a:avLst/>
+          </a:prstGeom>
+          <a:solidFill>
+            <a:schemeClr val="accent2">
+              <a:lumMod val="40000"/>
+              <a:lumOff val="60000"/>
+            </a:schemeClr>
+          </a:solidFill>
+          <a:ln>
+            <a:solidFill>
+              <a:schemeClr val="accent2">
+                <a:lumMod val="60000"/>
+                <a:lumOff val="40000"/>
+              </a:schemeClr>
+            </a:solidFill>
+          </a:ln>
+        </p:spPr>
+        <p:style>
+          <a:lnRef idx="2">
+            <a:schemeClr val="accent1">
+              <a:shade val="50000"/>
+            </a:schemeClr>
+          </a:lnRef>
+          <a:fillRef idx="1">
+            <a:schemeClr val="accent1"/>
+          </a:fillRef>
+          <a:effectRef idx="0">
+            <a:schemeClr val="accent1"/>
+          </a:effectRef>
+          <a:fontRef idx="minor">
+            <a:schemeClr val="lt1"/>
+          </a:fontRef>
+        </p:style>
+        <p:txBody>
+          <a:bodyPr rtlCol="0" anchor="ctr"/>
+          <a:lstStyle/>
+          <a:p>
+            <a:pPr algn="ctr"/>
+            <a:endParaRPr lang="en-US"/>
+          </a:p>
+        </p:txBody>
+      </p:sp>
+      <p:cxnSp>
+        <p:nvCxnSpPr>
+          <p:cNvPr id="50" name="Straight Arrow Connector 49">
+            <a:extLst>
+              <a:ext uri="{FF2B5EF4-FFF2-40B4-BE49-F238E27FC236}">
+                <a16:creationId xmlns:a16="http://schemas.microsoft.com/office/drawing/2014/main" id="{6140E5B7-BA99-E547-833D-D53E08DA4F3E}"/>
+              </a:ext>
+            </a:extLst>
+          </p:cNvPr>
+          <p:cNvCxnSpPr>
+            <a:stCxn id="47" idx="3"/>
+            <a:endCxn id="48" idx="1"/>
+          </p:cNvCxnSpPr>
+          <p:nvPr/>
+        </p:nvCxnSpPr>
+        <p:spPr>
+          <a:xfrm>
+            <a:off x="8928847" y="4863209"/>
+            <a:ext cx="717176" cy="0"/>
+          </a:xfrm>
+          <a:prstGeom prst="straightConnector1">
+            <a:avLst/>
+          </a:prstGeom>
+          <a:ln>
+            <a:solidFill>
+              <a:schemeClr val="bg1">
+                <a:lumMod val="85000"/>
+              </a:schemeClr>
+            </a:solidFill>
+            <a:tailEnd type="triangle"/>
+          </a:ln>
+        </p:spPr>
+        <p:style>
+          <a:lnRef idx="1">
+            <a:schemeClr val="accent1"/>
+          </a:lnRef>
+          <a:fillRef idx="0">
+            <a:schemeClr val="accent1"/>
+          </a:fillRef>
+          <a:effectRef idx="0">
+            <a:schemeClr val="accent1"/>
+          </a:effectRef>
+          <a:fontRef idx="minor">
+            <a:schemeClr val="tx1"/>
+          </a:fontRef>
+        </p:style>
+      </p:cxnSp>
+      <p:cxnSp>
+        <p:nvCxnSpPr>
+          <p:cNvPr id="51" name="Straight Arrow Connector 50">
+            <a:extLst>
+              <a:ext uri="{FF2B5EF4-FFF2-40B4-BE49-F238E27FC236}">
+                <a16:creationId xmlns:a16="http://schemas.microsoft.com/office/drawing/2014/main" id="{77F91C1E-0F9B-6C44-ABBE-0F0E4EA0999F}"/>
+              </a:ext>
+            </a:extLst>
+          </p:cNvPr>
+          <p:cNvCxnSpPr>
+            <a:cxnSpLocks/>
+            <a:stCxn id="48" idx="3"/>
+            <a:endCxn id="49" idx="1"/>
+          </p:cNvCxnSpPr>
+          <p:nvPr/>
+        </p:nvCxnSpPr>
+        <p:spPr>
+          <a:xfrm flipV="1">
+            <a:off x="10094259" y="4863208"/>
+            <a:ext cx="654423" cy="1"/>
+          </a:xfrm>
+          <a:prstGeom prst="straightConnector1">
+            <a:avLst/>
+          </a:prstGeom>
+          <a:ln>
+            <a:solidFill>
+              <a:schemeClr val="bg1">
+                <a:lumMod val="85000"/>
+              </a:schemeClr>
+            </a:solidFill>
+            <a:tailEnd type="triangle"/>
+          </a:ln>
+        </p:spPr>
+        <p:style>
+          <a:lnRef idx="1">
+            <a:schemeClr val="accent1"/>
+          </a:lnRef>
+          <a:fillRef idx="0">
+            <a:schemeClr val="accent1"/>
+          </a:fillRef>
+          <a:effectRef idx="0">
+            <a:schemeClr val="accent1"/>
+          </a:effectRef>
+          <a:fontRef idx="minor">
+            <a:schemeClr val="tx1"/>
+          </a:fontRef>
+        </p:style>
+      </p:cxnSp>
+      <p:sp>
+        <p:nvSpPr>
+          <p:cNvPr id="52" name="Rectangle 51">
+            <a:extLst>
+              <a:ext uri="{FF2B5EF4-FFF2-40B4-BE49-F238E27FC236}">
+                <a16:creationId xmlns:a16="http://schemas.microsoft.com/office/drawing/2014/main" id="{23F04F07-EA4C-A546-A581-FDDC4FB5E9AE}"/>
+              </a:ext>
+            </a:extLst>
+          </p:cNvPr>
+          <p:cNvSpPr/>
+          <p:nvPr/>
+        </p:nvSpPr>
+        <p:spPr>
+          <a:xfrm>
+            <a:off x="9646023" y="5185937"/>
+            <a:ext cx="448236" cy="497542"/>
+          </a:xfrm>
+          <a:prstGeom prst="rect">
+            <a:avLst/>
+          </a:prstGeom>
+          <a:solidFill>
+            <a:schemeClr val="accent6">
+              <a:lumMod val="40000"/>
+              <a:lumOff val="60000"/>
+            </a:schemeClr>
+          </a:solidFill>
+          <a:ln>
+            <a:solidFill>
+              <a:schemeClr val="accent6">
+                <a:lumMod val="60000"/>
+                <a:lumOff val="40000"/>
+              </a:schemeClr>
+            </a:solidFill>
+          </a:ln>
+        </p:spPr>
+        <p:style>
+          <a:lnRef idx="2">
+            <a:schemeClr val="accent1">
+              <a:shade val="50000"/>
+            </a:schemeClr>
+          </a:lnRef>
+          <a:fillRef idx="1">
+            <a:schemeClr val="accent1"/>
+          </a:fillRef>
+          <a:effectRef idx="0">
+            <a:schemeClr val="accent1"/>
+          </a:effectRef>
+          <a:fontRef idx="minor">
+            <a:schemeClr val="lt1"/>
+          </a:fontRef>
+        </p:style>
+        <p:txBody>
+          <a:bodyPr rtlCol="0" anchor="ctr"/>
+          <a:lstStyle/>
+          <a:p>
+            <a:pPr algn="ctr"/>
+            <a:endParaRPr lang="en-US"/>
+          </a:p>
+        </p:txBody>
+      </p:sp>
+      <p:cxnSp>
+        <p:nvCxnSpPr>
+          <p:cNvPr id="54" name="Straight Arrow Connector 53">
+            <a:extLst>
+              <a:ext uri="{FF2B5EF4-FFF2-40B4-BE49-F238E27FC236}">
+                <a16:creationId xmlns:a16="http://schemas.microsoft.com/office/drawing/2014/main" id="{43ABE137-F826-6D4D-AA6E-9C8DB106A5D3}"/>
+              </a:ext>
+            </a:extLst>
+          </p:cNvPr>
+          <p:cNvCxnSpPr>
+            <a:cxnSpLocks/>
+            <a:stCxn id="52" idx="3"/>
+            <a:endCxn id="49" idx="1"/>
+          </p:cNvCxnSpPr>
+          <p:nvPr/>
+        </p:nvCxnSpPr>
+        <p:spPr>
+          <a:xfrm flipV="1">
+            <a:off x="10094259" y="4863208"/>
+            <a:ext cx="654423" cy="571500"/>
+          </a:xfrm>
+          <a:prstGeom prst="straightConnector1">
+            <a:avLst/>
+          </a:prstGeom>
+          <a:ln>
+            <a:solidFill>
+              <a:schemeClr val="bg1">
+                <a:lumMod val="85000"/>
+              </a:schemeClr>
+            </a:solidFill>
+            <a:tailEnd type="triangle"/>
+          </a:ln>
+        </p:spPr>
+        <p:style>
+          <a:lnRef idx="1">
+            <a:schemeClr val="accent1"/>
+          </a:lnRef>
+          <a:fillRef idx="0">
+            <a:schemeClr val="accent1"/>
+          </a:fillRef>
+          <a:effectRef idx="0">
+            <a:schemeClr val="accent1"/>
+          </a:effectRef>
+          <a:fontRef idx="minor">
+            <a:schemeClr val="tx1"/>
+          </a:fontRef>
+        </p:style>
+      </p:cxnSp>
+      <p:cxnSp>
+        <p:nvCxnSpPr>
+          <p:cNvPr id="55" name="Straight Arrow Connector 54">
+            <a:extLst>
+              <a:ext uri="{FF2B5EF4-FFF2-40B4-BE49-F238E27FC236}">
+                <a16:creationId xmlns:a16="http://schemas.microsoft.com/office/drawing/2014/main" id="{BAEB8288-C464-F641-9C17-339E6595F857}"/>
+              </a:ext>
+            </a:extLst>
+          </p:cNvPr>
+          <p:cNvCxnSpPr>
+            <a:cxnSpLocks/>
+            <a:stCxn id="47" idx="3"/>
+            <a:endCxn id="52" idx="1"/>
+          </p:cNvCxnSpPr>
+          <p:nvPr/>
+        </p:nvCxnSpPr>
+        <p:spPr>
+          <a:xfrm>
+            <a:off x="8928847" y="4863209"/>
+            <a:ext cx="717176" cy="571499"/>
+          </a:xfrm>
+          <a:prstGeom prst="straightConnector1">
+            <a:avLst/>
+          </a:prstGeom>
+          <a:ln>
+            <a:solidFill>
+              <a:schemeClr val="bg1">
+                <a:lumMod val="85000"/>
+              </a:schemeClr>
+            </a:solidFill>
+            <a:tailEnd type="triangle"/>
+          </a:ln>
+        </p:spPr>
+        <p:style>
+          <a:lnRef idx="1">
+            <a:schemeClr val="accent1"/>
+          </a:lnRef>
+          <a:fillRef idx="0">
+            <a:schemeClr val="accent1"/>
+          </a:fillRef>
+          <a:effectRef idx="0">
+            <a:schemeClr val="accent1"/>
+          </a:effectRef>
+          <a:fontRef idx="minor">
+            <a:schemeClr val="tx1"/>
+          </a:fontRef>
+        </p:style>
+      </p:cxnSp>
+      <p:sp>
+        <p:nvSpPr>
+          <p:cNvPr id="58" name="Rectangle 57">
+            <a:extLst>
+              <a:ext uri="{FF2B5EF4-FFF2-40B4-BE49-F238E27FC236}">
+                <a16:creationId xmlns:a16="http://schemas.microsoft.com/office/drawing/2014/main" id="{1E578456-0DDA-DC47-A31F-911459D0B050}"/>
+              </a:ext>
+            </a:extLst>
+          </p:cNvPr>
+          <p:cNvSpPr/>
+          <p:nvPr/>
+        </p:nvSpPr>
+        <p:spPr>
+          <a:xfrm>
+            <a:off x="1141552" y="3978559"/>
+            <a:ext cx="448236" cy="497542"/>
+          </a:xfrm>
+          <a:prstGeom prst="rect">
+            <a:avLst/>
+          </a:prstGeom>
+          <a:solidFill>
+            <a:schemeClr val="accent4">
+              <a:lumMod val="40000"/>
+              <a:lumOff val="60000"/>
+            </a:schemeClr>
+          </a:solidFill>
+          <a:ln>
+            <a:solidFill>
+              <a:schemeClr val="accent4">
+                <a:lumMod val="60000"/>
+                <a:lumOff val="40000"/>
+              </a:schemeClr>
+            </a:solidFill>
+          </a:ln>
+        </p:spPr>
+        <p:style>
+          <a:lnRef idx="2">
+            <a:schemeClr val="accent1">
+              <a:shade val="50000"/>
+            </a:schemeClr>
+          </a:lnRef>
+          <a:fillRef idx="1">
+            <a:schemeClr val="accent1"/>
+          </a:fillRef>
+          <a:effectRef idx="0">
+            <a:schemeClr val="accent1"/>
+          </a:effectRef>
+          <a:fontRef idx="minor">
+            <a:schemeClr val="lt1"/>
+          </a:fontRef>
+        </p:style>
+        <p:txBody>
+          <a:bodyPr rtlCol="0" anchor="ctr"/>
+          <a:lstStyle/>
+          <a:p>
+            <a:pPr algn="ctr"/>
+            <a:endParaRPr lang="en-US"/>
+          </a:p>
+        </p:txBody>
+      </p:sp>
+      <p:sp>
+        <p:nvSpPr>
+          <p:cNvPr id="59" name="Rectangle 58">
+            <a:extLst>
+              <a:ext uri="{FF2B5EF4-FFF2-40B4-BE49-F238E27FC236}">
+                <a16:creationId xmlns:a16="http://schemas.microsoft.com/office/drawing/2014/main" id="{92FD8699-5988-2B4D-82F4-5BB71BC0E0F8}"/>
+              </a:ext>
+            </a:extLst>
+          </p:cNvPr>
+          <p:cNvSpPr/>
+          <p:nvPr/>
+        </p:nvSpPr>
+        <p:spPr>
+          <a:xfrm>
+            <a:off x="2306964" y="3978559"/>
+            <a:ext cx="448236" cy="497542"/>
+          </a:xfrm>
+          <a:prstGeom prst="rect">
+            <a:avLst/>
+          </a:prstGeom>
+          <a:solidFill>
+            <a:schemeClr val="accent6">
+              <a:lumMod val="40000"/>
+              <a:lumOff val="60000"/>
+            </a:schemeClr>
+          </a:solidFill>
+          <a:ln>
+            <a:solidFill>
+              <a:schemeClr val="accent6">
+                <a:lumMod val="60000"/>
+                <a:lumOff val="40000"/>
+              </a:schemeClr>
+            </a:solidFill>
+          </a:ln>
+        </p:spPr>
+        <p:style>
+          <a:lnRef idx="2">
+            <a:schemeClr val="accent1">
+              <a:shade val="50000"/>
+            </a:schemeClr>
+          </a:lnRef>
+          <a:fillRef idx="1">
+            <a:schemeClr val="accent1"/>
+          </a:fillRef>
+          <a:effectRef idx="0">
+            <a:schemeClr val="accent1"/>
+          </a:effectRef>
+          <a:fontRef idx="minor">
+            <a:schemeClr val="lt1"/>
+          </a:fontRef>
+        </p:style>
+        <p:txBody>
+          <a:bodyPr rtlCol="0" anchor="ctr"/>
+          <a:lstStyle/>
+          <a:p>
+            <a:pPr algn="ctr"/>
+            <a:endParaRPr lang="en-US"/>
+          </a:p>
+        </p:txBody>
+      </p:sp>
+      <p:cxnSp>
+        <p:nvCxnSpPr>
+          <p:cNvPr id="61" name="Straight Arrow Connector 60">
+            <a:extLst>
+              <a:ext uri="{FF2B5EF4-FFF2-40B4-BE49-F238E27FC236}">
+                <a16:creationId xmlns:a16="http://schemas.microsoft.com/office/drawing/2014/main" id="{D0420A65-8237-954B-8071-A22CB8588897}"/>
+              </a:ext>
+            </a:extLst>
+          </p:cNvPr>
+          <p:cNvCxnSpPr>
+            <a:cxnSpLocks/>
+            <a:stCxn id="58" idx="3"/>
+            <a:endCxn id="59" idx="1"/>
+          </p:cNvCxnSpPr>
+          <p:nvPr/>
+        </p:nvCxnSpPr>
+        <p:spPr>
+          <a:xfrm>
+            <a:off x="1589788" y="4227330"/>
+            <a:ext cx="717176" cy="0"/>
+          </a:xfrm>
+          <a:prstGeom prst="straightConnector1">
+            <a:avLst/>
+          </a:prstGeom>
+          <a:ln>
+            <a:solidFill>
+              <a:schemeClr val="bg1">
+                <a:lumMod val="85000"/>
+              </a:schemeClr>
+            </a:solidFill>
+            <a:tailEnd type="triangle"/>
+          </a:ln>
+        </p:spPr>
+        <p:style>
+          <a:lnRef idx="1">
+            <a:schemeClr val="accent1"/>
+          </a:lnRef>
+          <a:fillRef idx="0">
+            <a:schemeClr val="accent1"/>
+          </a:fillRef>
+          <a:effectRef idx="0">
+            <a:schemeClr val="accent1"/>
+          </a:effectRef>
+          <a:fontRef idx="minor">
+            <a:schemeClr val="tx1"/>
+          </a:fontRef>
+        </p:style>
+      </p:cxnSp>
+      <p:cxnSp>
+        <p:nvCxnSpPr>
+          <p:cNvPr id="62" name="Straight Arrow Connector 61">
+            <a:extLst>
+              <a:ext uri="{FF2B5EF4-FFF2-40B4-BE49-F238E27FC236}">
+                <a16:creationId xmlns:a16="http://schemas.microsoft.com/office/drawing/2014/main" id="{44315ADE-F4D1-ED41-8E7D-44513F715256}"/>
+              </a:ext>
+            </a:extLst>
+          </p:cNvPr>
+          <p:cNvCxnSpPr>
+            <a:cxnSpLocks/>
+            <a:stCxn id="59" idx="3"/>
+            <a:endCxn id="65" idx="1"/>
+          </p:cNvCxnSpPr>
+          <p:nvPr/>
+        </p:nvCxnSpPr>
+        <p:spPr>
+          <a:xfrm>
+            <a:off x="2755200" y="4227330"/>
+            <a:ext cx="654423" cy="591671"/>
+          </a:xfrm>
+          <a:prstGeom prst="straightConnector1">
+            <a:avLst/>
+          </a:prstGeom>
+          <a:ln>
+            <a:solidFill>
+              <a:schemeClr val="bg1">
+                <a:lumMod val="85000"/>
+              </a:schemeClr>
+            </a:solidFill>
+            <a:tailEnd type="triangle"/>
+          </a:ln>
+        </p:spPr>
+        <p:style>
+          <a:lnRef idx="1">
+            <a:schemeClr val="accent1"/>
+          </a:lnRef>
+          <a:fillRef idx="0">
+            <a:schemeClr val="accent1"/>
+          </a:fillRef>
+          <a:effectRef idx="0">
+            <a:schemeClr val="accent1"/>
+          </a:effectRef>
+          <a:fontRef idx="minor">
+            <a:schemeClr val="tx1"/>
+          </a:fontRef>
+        </p:style>
+      </p:cxnSp>
+      <p:sp>
+        <p:nvSpPr>
+          <p:cNvPr id="63" name="Rectangle 62">
+            <a:extLst>
+              <a:ext uri="{FF2B5EF4-FFF2-40B4-BE49-F238E27FC236}">
+                <a16:creationId xmlns:a16="http://schemas.microsoft.com/office/drawing/2014/main" id="{3C3646D7-F55F-684D-AD72-930439079FF8}"/>
+              </a:ext>
+            </a:extLst>
+          </p:cNvPr>
+          <p:cNvSpPr/>
+          <p:nvPr/>
+        </p:nvSpPr>
+        <p:spPr>
+          <a:xfrm>
+            <a:off x="1141552" y="4570231"/>
+            <a:ext cx="448236" cy="497542"/>
+          </a:xfrm>
+          <a:prstGeom prst="rect">
+            <a:avLst/>
+          </a:prstGeom>
+          <a:solidFill>
+            <a:schemeClr val="accent4">
+              <a:lumMod val="40000"/>
+              <a:lumOff val="60000"/>
+            </a:schemeClr>
+          </a:solidFill>
+          <a:ln>
+            <a:solidFill>
+              <a:schemeClr val="accent4">
+                <a:lumMod val="60000"/>
+                <a:lumOff val="40000"/>
+              </a:schemeClr>
+            </a:solidFill>
+          </a:ln>
+        </p:spPr>
+        <p:style>
+          <a:lnRef idx="2">
+            <a:schemeClr val="accent1">
+              <a:shade val="50000"/>
+            </a:schemeClr>
+          </a:lnRef>
+          <a:fillRef idx="1">
+            <a:schemeClr val="accent1"/>
+          </a:fillRef>
+          <a:effectRef idx="0">
+            <a:schemeClr val="accent1"/>
+          </a:effectRef>
+          <a:fontRef idx="minor">
+            <a:schemeClr val="lt1"/>
+          </a:fontRef>
+        </p:style>
+        <p:txBody>
+          <a:bodyPr rtlCol="0" anchor="ctr"/>
+          <a:lstStyle/>
+          <a:p>
+            <a:pPr algn="ctr"/>
+            <a:endParaRPr lang="en-US"/>
+          </a:p>
+        </p:txBody>
+      </p:sp>
+      <p:sp>
+        <p:nvSpPr>
+          <p:cNvPr id="64" name="Rectangle 63">
+            <a:extLst>
+              <a:ext uri="{FF2B5EF4-FFF2-40B4-BE49-F238E27FC236}">
+                <a16:creationId xmlns:a16="http://schemas.microsoft.com/office/drawing/2014/main" id="{A674BB43-E8D3-B54E-A9C0-7F8A906D6A11}"/>
+              </a:ext>
+            </a:extLst>
+          </p:cNvPr>
+          <p:cNvSpPr/>
+          <p:nvPr/>
+        </p:nvSpPr>
+        <p:spPr>
+          <a:xfrm>
+            <a:off x="2306964" y="4570231"/>
+            <a:ext cx="448236" cy="497542"/>
+          </a:xfrm>
+          <a:prstGeom prst="rect">
+            <a:avLst/>
+          </a:prstGeom>
+          <a:solidFill>
+            <a:schemeClr val="accent6">
+              <a:lumMod val="40000"/>
+              <a:lumOff val="60000"/>
+            </a:schemeClr>
+          </a:solidFill>
+          <a:ln>
+            <a:solidFill>
+              <a:schemeClr val="accent6">
+                <a:lumMod val="60000"/>
+                <a:lumOff val="40000"/>
+              </a:schemeClr>
+            </a:solidFill>
+          </a:ln>
+        </p:spPr>
+        <p:style>
+          <a:lnRef idx="2">
+            <a:schemeClr val="accent1">
+              <a:shade val="50000"/>
+            </a:schemeClr>
+          </a:lnRef>
+          <a:fillRef idx="1">
+            <a:schemeClr val="accent1"/>
+          </a:fillRef>
+          <a:effectRef idx="0">
+            <a:schemeClr val="accent1"/>
+          </a:effectRef>
+          <a:fontRef idx="minor">
+            <a:schemeClr val="lt1"/>
+          </a:fontRef>
+        </p:style>
+        <p:txBody>
+          <a:bodyPr rtlCol="0" anchor="ctr"/>
+          <a:lstStyle/>
+          <a:p>
+            <a:pPr algn="ctr"/>
+            <a:endParaRPr lang="en-US"/>
+          </a:p>
+        </p:txBody>
+      </p:sp>
+      <p:sp>
+        <p:nvSpPr>
+          <p:cNvPr id="65" name="Rectangle 64">
+            <a:extLst>
+              <a:ext uri="{FF2B5EF4-FFF2-40B4-BE49-F238E27FC236}">
+                <a16:creationId xmlns:a16="http://schemas.microsoft.com/office/drawing/2014/main" id="{B8D342EE-23BB-BD4F-81A4-00288A544C49}"/>
+              </a:ext>
+            </a:extLst>
+          </p:cNvPr>
+          <p:cNvSpPr/>
+          <p:nvPr/>
+        </p:nvSpPr>
+        <p:spPr>
+          <a:xfrm>
+            <a:off x="3409623" y="4570230"/>
+            <a:ext cx="448236" cy="497542"/>
+          </a:xfrm>
+          <a:prstGeom prst="rect">
+            <a:avLst/>
+          </a:prstGeom>
+          <a:solidFill>
+            <a:schemeClr val="accent2">
+              <a:lumMod val="40000"/>
+              <a:lumOff val="60000"/>
+            </a:schemeClr>
+          </a:solidFill>
+          <a:ln>
+            <a:solidFill>
+              <a:schemeClr val="accent2">
+                <a:lumMod val="60000"/>
+                <a:lumOff val="40000"/>
+              </a:schemeClr>
+            </a:solidFill>
+          </a:ln>
+        </p:spPr>
+        <p:style>
+          <a:lnRef idx="2">
+            <a:schemeClr val="accent1">
+              <a:shade val="50000"/>
+            </a:schemeClr>
+          </a:lnRef>
+          <a:fillRef idx="1">
+            <a:schemeClr val="accent1"/>
+          </a:fillRef>
+          <a:effectRef idx="0">
+            <a:schemeClr val="accent1"/>
+          </a:effectRef>
+          <a:fontRef idx="minor">
+            <a:schemeClr val="lt1"/>
+          </a:fontRef>
+        </p:style>
+        <p:txBody>
+          <a:bodyPr rtlCol="0" anchor="ctr"/>
+          <a:lstStyle/>
+          <a:p>
+            <a:pPr algn="ctr"/>
+            <a:endParaRPr lang="en-US"/>
+          </a:p>
+        </p:txBody>
+      </p:sp>
+      <p:cxnSp>
+        <p:nvCxnSpPr>
+          <p:cNvPr id="66" name="Straight Arrow Connector 65">
+            <a:extLst>
+              <a:ext uri="{FF2B5EF4-FFF2-40B4-BE49-F238E27FC236}">
+                <a16:creationId xmlns:a16="http://schemas.microsoft.com/office/drawing/2014/main" id="{28B0B2D5-E2AE-2341-952E-93C1014514C6}"/>
+              </a:ext>
+            </a:extLst>
+          </p:cNvPr>
+          <p:cNvCxnSpPr>
+            <a:stCxn id="63" idx="3"/>
+            <a:endCxn id="64" idx="1"/>
+          </p:cNvCxnSpPr>
+          <p:nvPr/>
+        </p:nvCxnSpPr>
+        <p:spPr>
+          <a:xfrm>
+            <a:off x="1589788" y="4819002"/>
+            <a:ext cx="717176" cy="0"/>
+          </a:xfrm>
+          <a:prstGeom prst="straightConnector1">
+            <a:avLst/>
+          </a:prstGeom>
+          <a:ln>
+            <a:solidFill>
+              <a:schemeClr val="bg1">
+                <a:lumMod val="85000"/>
+              </a:schemeClr>
+            </a:solidFill>
+            <a:tailEnd type="triangle"/>
+          </a:ln>
+        </p:spPr>
+        <p:style>
+          <a:lnRef idx="1">
+            <a:schemeClr val="accent1"/>
+          </a:lnRef>
+          <a:fillRef idx="0">
+            <a:schemeClr val="accent1"/>
+          </a:fillRef>
+          <a:effectRef idx="0">
+            <a:schemeClr val="accent1"/>
+          </a:effectRef>
+          <a:fontRef idx="minor">
+            <a:schemeClr val="tx1"/>
+          </a:fontRef>
+        </p:style>
+      </p:cxnSp>
+      <p:cxnSp>
+        <p:nvCxnSpPr>
+          <p:cNvPr id="67" name="Straight Arrow Connector 66">
+            <a:extLst>
+              <a:ext uri="{FF2B5EF4-FFF2-40B4-BE49-F238E27FC236}">
+                <a16:creationId xmlns:a16="http://schemas.microsoft.com/office/drawing/2014/main" id="{8B8752FB-8420-0649-891F-D458BC2B52A5}"/>
+              </a:ext>
+            </a:extLst>
+          </p:cNvPr>
+          <p:cNvCxnSpPr>
+            <a:stCxn id="64" idx="3"/>
+            <a:endCxn id="65" idx="1"/>
+          </p:cNvCxnSpPr>
+          <p:nvPr/>
+        </p:nvCxnSpPr>
+        <p:spPr>
+          <a:xfrm flipV="1">
+            <a:off x="2755200" y="4819001"/>
+            <a:ext cx="654423" cy="1"/>
+          </a:xfrm>
+          <a:prstGeom prst="straightConnector1">
+            <a:avLst/>
+          </a:prstGeom>
+          <a:ln>
+            <a:solidFill>
+              <a:schemeClr val="bg1">
+                <a:lumMod val="85000"/>
+              </a:schemeClr>
+            </a:solidFill>
+            <a:tailEnd type="triangle"/>
+          </a:ln>
+        </p:spPr>
+        <p:style>
+          <a:lnRef idx="1">
+            <a:schemeClr val="accent1"/>
+          </a:lnRef>
+          <a:fillRef idx="0">
+            <a:schemeClr val="accent1"/>
+          </a:fillRef>
+          <a:effectRef idx="0">
+            <a:schemeClr val="accent1"/>
+          </a:effectRef>
+          <a:fontRef idx="minor">
+            <a:schemeClr val="tx1"/>
+          </a:fontRef>
+        </p:style>
+      </p:cxnSp>
+      <p:sp>
+        <p:nvSpPr>
+          <p:cNvPr id="68" name="Rectangle 67">
+            <a:extLst>
+              <a:ext uri="{FF2B5EF4-FFF2-40B4-BE49-F238E27FC236}">
+                <a16:creationId xmlns:a16="http://schemas.microsoft.com/office/drawing/2014/main" id="{F952D2ED-9A54-134C-86AD-3893FF69927F}"/>
+              </a:ext>
+            </a:extLst>
+          </p:cNvPr>
+          <p:cNvSpPr/>
+          <p:nvPr/>
+        </p:nvSpPr>
+        <p:spPr>
+          <a:xfrm>
+            <a:off x="1141552" y="5141730"/>
+            <a:ext cx="448236" cy="497542"/>
+          </a:xfrm>
+          <a:prstGeom prst="rect">
+            <a:avLst/>
+          </a:prstGeom>
+          <a:solidFill>
+            <a:schemeClr val="accent4">
+              <a:lumMod val="40000"/>
+              <a:lumOff val="60000"/>
+            </a:schemeClr>
+          </a:solidFill>
+          <a:ln>
+            <a:solidFill>
+              <a:schemeClr val="accent4">
+                <a:lumMod val="60000"/>
+                <a:lumOff val="40000"/>
+              </a:schemeClr>
+            </a:solidFill>
+          </a:ln>
+        </p:spPr>
+        <p:style>
+          <a:lnRef idx="2">
+            <a:schemeClr val="accent1">
+              <a:shade val="50000"/>
+            </a:schemeClr>
+          </a:lnRef>
+          <a:fillRef idx="1">
+            <a:schemeClr val="accent1"/>
+          </a:fillRef>
+          <a:effectRef idx="0">
+            <a:schemeClr val="accent1"/>
+          </a:effectRef>
+          <a:fontRef idx="minor">
+            <a:schemeClr val="lt1"/>
+          </a:fontRef>
+        </p:style>
+        <p:txBody>
+          <a:bodyPr rtlCol="0" anchor="ctr"/>
+          <a:lstStyle/>
+          <a:p>
+            <a:pPr algn="ctr"/>
+            <a:endParaRPr lang="en-US"/>
+          </a:p>
+        </p:txBody>
+      </p:sp>
+      <p:sp>
+        <p:nvSpPr>
+          <p:cNvPr id="69" name="Rectangle 68">
+            <a:extLst>
+              <a:ext uri="{FF2B5EF4-FFF2-40B4-BE49-F238E27FC236}">
+                <a16:creationId xmlns:a16="http://schemas.microsoft.com/office/drawing/2014/main" id="{F5BAFA89-C13C-0343-AF58-64C210ECF2EF}"/>
+              </a:ext>
+            </a:extLst>
+          </p:cNvPr>
+          <p:cNvSpPr/>
+          <p:nvPr/>
+        </p:nvSpPr>
+        <p:spPr>
+          <a:xfrm>
+            <a:off x="2306964" y="5141730"/>
+            <a:ext cx="448236" cy="497542"/>
+          </a:xfrm>
+          <a:prstGeom prst="rect">
+            <a:avLst/>
+          </a:prstGeom>
+          <a:solidFill>
+            <a:schemeClr val="accent6">
+              <a:lumMod val="40000"/>
+              <a:lumOff val="60000"/>
+            </a:schemeClr>
+          </a:solidFill>
+          <a:ln>
+            <a:solidFill>
+              <a:schemeClr val="accent6">
+                <a:lumMod val="60000"/>
+                <a:lumOff val="40000"/>
+              </a:schemeClr>
+            </a:solidFill>
+          </a:ln>
+        </p:spPr>
+        <p:style>
+          <a:lnRef idx="2">
+            <a:schemeClr val="accent1">
+              <a:shade val="50000"/>
+            </a:schemeClr>
+          </a:lnRef>
+          <a:fillRef idx="1">
+            <a:schemeClr val="accent1"/>
+          </a:fillRef>
+          <a:effectRef idx="0">
+            <a:schemeClr val="accent1"/>
+          </a:effectRef>
+          <a:fontRef idx="minor">
+            <a:schemeClr val="lt1"/>
+          </a:fontRef>
+        </p:style>
+        <p:txBody>
+          <a:bodyPr rtlCol="0" anchor="ctr"/>
+          <a:lstStyle/>
+          <a:p>
+            <a:pPr algn="ctr"/>
+            <a:endParaRPr lang="en-US"/>
+          </a:p>
+        </p:txBody>
+      </p:sp>
+      <p:cxnSp>
+        <p:nvCxnSpPr>
+          <p:cNvPr id="71" name="Straight Arrow Connector 70">
+            <a:extLst>
+              <a:ext uri="{FF2B5EF4-FFF2-40B4-BE49-F238E27FC236}">
+                <a16:creationId xmlns:a16="http://schemas.microsoft.com/office/drawing/2014/main" id="{4A4264D4-BAE9-D948-8B8D-4A28A5D62D41}"/>
+              </a:ext>
+            </a:extLst>
+          </p:cNvPr>
+          <p:cNvCxnSpPr>
+            <a:cxnSpLocks/>
+            <a:stCxn id="68" idx="3"/>
+            <a:endCxn id="69" idx="1"/>
+          </p:cNvCxnSpPr>
+          <p:nvPr/>
+        </p:nvCxnSpPr>
+        <p:spPr>
+          <a:xfrm>
+            <a:off x="1589788" y="5390501"/>
+            <a:ext cx="717176" cy="0"/>
+          </a:xfrm>
+          <a:prstGeom prst="straightConnector1">
+            <a:avLst/>
+          </a:prstGeom>
+          <a:ln>
+            <a:solidFill>
+              <a:schemeClr val="bg1">
+                <a:lumMod val="85000"/>
+              </a:schemeClr>
+            </a:solidFill>
+            <a:tailEnd type="triangle"/>
+          </a:ln>
+        </p:spPr>
+        <p:style>
+          <a:lnRef idx="1">
+            <a:schemeClr val="accent1"/>
+          </a:lnRef>
+          <a:fillRef idx="0">
+            <a:schemeClr val="accent1"/>
+          </a:fillRef>
+          <a:effectRef idx="0">
+            <a:schemeClr val="accent1"/>
+          </a:effectRef>
+          <a:fontRef idx="minor">
+            <a:schemeClr val="tx1"/>
+          </a:fontRef>
+        </p:style>
+      </p:cxnSp>
+      <p:cxnSp>
+        <p:nvCxnSpPr>
+          <p:cNvPr id="72" name="Straight Arrow Connector 71">
+            <a:extLst>
+              <a:ext uri="{FF2B5EF4-FFF2-40B4-BE49-F238E27FC236}">
+                <a16:creationId xmlns:a16="http://schemas.microsoft.com/office/drawing/2014/main" id="{447F4FD7-F024-B54D-9775-E82AF4198FA5}"/>
+              </a:ext>
+            </a:extLst>
+          </p:cNvPr>
+          <p:cNvCxnSpPr>
+            <a:cxnSpLocks/>
+            <a:stCxn id="69" idx="3"/>
+            <a:endCxn id="65" idx="1"/>
+          </p:cNvCxnSpPr>
+          <p:nvPr/>
+        </p:nvCxnSpPr>
+        <p:spPr>
+          <a:xfrm flipV="1">
+            <a:off x="2755200" y="4819001"/>
+            <a:ext cx="654423" cy="571500"/>
+          </a:xfrm>
+          <a:prstGeom prst="straightConnector1">
+            <a:avLst/>
+          </a:prstGeom>
+          <a:ln>
+            <a:solidFill>
+              <a:schemeClr val="bg1">
+                <a:lumMod val="85000"/>
+              </a:schemeClr>
+            </a:solidFill>
+            <a:tailEnd type="triangle"/>
+          </a:ln>
+        </p:spPr>
+        <p:style>
+          <a:lnRef idx="1">
+            <a:schemeClr val="accent1"/>
+          </a:lnRef>
+          <a:fillRef idx="0">
+            <a:schemeClr val="accent1"/>
+          </a:fillRef>
+          <a:effectRef idx="0">
+            <a:schemeClr val="accent1"/>
+          </a:effectRef>
+          <a:fontRef idx="minor">
+            <a:schemeClr val="tx1"/>
+          </a:fontRef>
+        </p:style>
+      </p:cxnSp>
+      <p:sp>
+        <p:nvSpPr>
+          <p:cNvPr id="75" name="Rectangle 74">
+            <a:extLst>
+              <a:ext uri="{FF2B5EF4-FFF2-40B4-BE49-F238E27FC236}">
+                <a16:creationId xmlns:a16="http://schemas.microsoft.com/office/drawing/2014/main" id="{CBC34710-3B83-2A4C-842A-7F456A75C352}"/>
+              </a:ext>
+            </a:extLst>
+          </p:cNvPr>
+          <p:cNvSpPr/>
+          <p:nvPr/>
+        </p:nvSpPr>
+        <p:spPr>
+          <a:xfrm>
+            <a:off x="8247532" y="1891188"/>
+            <a:ext cx="448236" cy="497542"/>
+          </a:xfrm>
+          <a:prstGeom prst="rect">
+            <a:avLst/>
+          </a:prstGeom>
+          <a:solidFill>
+            <a:schemeClr val="accent4">
+              <a:lumMod val="40000"/>
+              <a:lumOff val="60000"/>
+            </a:schemeClr>
+          </a:solidFill>
+          <a:ln>
+            <a:solidFill>
+              <a:schemeClr val="accent4">
+                <a:lumMod val="60000"/>
+                <a:lumOff val="40000"/>
+              </a:schemeClr>
+            </a:solidFill>
+          </a:ln>
+        </p:spPr>
+        <p:style>
+          <a:lnRef idx="2">
+            <a:schemeClr val="accent1">
+              <a:shade val="50000"/>
+            </a:schemeClr>
+          </a:lnRef>
+          <a:fillRef idx="1">
+            <a:schemeClr val="accent1"/>
+          </a:fillRef>
+          <a:effectRef idx="0">
+            <a:schemeClr val="accent1"/>
+          </a:effectRef>
+          <a:fontRef idx="minor">
+            <a:schemeClr val="lt1"/>
+          </a:fontRef>
+        </p:style>
+        <p:txBody>
+          <a:bodyPr rtlCol="0" anchor="ctr"/>
+          <a:lstStyle/>
+          <a:p>
+            <a:pPr algn="ctr"/>
+            <a:endParaRPr lang="en-US"/>
+          </a:p>
+        </p:txBody>
+      </p:sp>
+      <p:sp>
+        <p:nvSpPr>
+          <p:cNvPr id="76" name="Rectangle 75">
+            <a:extLst>
+              <a:ext uri="{FF2B5EF4-FFF2-40B4-BE49-F238E27FC236}">
+                <a16:creationId xmlns:a16="http://schemas.microsoft.com/office/drawing/2014/main" id="{2D6E2EBA-FB8E-8749-94F6-0F3C01B401FC}"/>
+              </a:ext>
+            </a:extLst>
+          </p:cNvPr>
+          <p:cNvSpPr/>
+          <p:nvPr/>
+        </p:nvSpPr>
+        <p:spPr>
+          <a:xfrm>
+            <a:off x="9412944" y="1891188"/>
+            <a:ext cx="448236" cy="497542"/>
+          </a:xfrm>
+          <a:prstGeom prst="rect">
+            <a:avLst/>
+          </a:prstGeom>
+          <a:solidFill>
+            <a:schemeClr val="accent6">
+              <a:lumMod val="40000"/>
+              <a:lumOff val="60000"/>
+            </a:schemeClr>
+          </a:solidFill>
+          <a:ln>
+            <a:solidFill>
+              <a:schemeClr val="accent6">
+                <a:lumMod val="60000"/>
+                <a:lumOff val="40000"/>
+              </a:schemeClr>
+            </a:solidFill>
+          </a:ln>
+        </p:spPr>
+        <p:style>
+          <a:lnRef idx="2">
+            <a:schemeClr val="accent1">
+              <a:shade val="50000"/>
+            </a:schemeClr>
+          </a:lnRef>
+          <a:fillRef idx="1">
+            <a:schemeClr val="accent1"/>
+          </a:fillRef>
+          <a:effectRef idx="0">
+            <a:schemeClr val="accent1"/>
+          </a:effectRef>
+          <a:fontRef idx="minor">
+            <a:schemeClr val="lt1"/>
+          </a:fontRef>
+        </p:style>
+        <p:txBody>
+          <a:bodyPr rtlCol="0" anchor="ctr"/>
+          <a:lstStyle/>
+          <a:p>
+            <a:pPr algn="ctr"/>
+            <a:endParaRPr lang="en-US"/>
+          </a:p>
+        </p:txBody>
+      </p:sp>
+      <p:sp>
+        <p:nvSpPr>
+          <p:cNvPr id="77" name="Rectangle 76">
+            <a:extLst>
+              <a:ext uri="{FF2B5EF4-FFF2-40B4-BE49-F238E27FC236}">
+                <a16:creationId xmlns:a16="http://schemas.microsoft.com/office/drawing/2014/main" id="{C9743341-8316-6941-800E-4577DAC8D92D}"/>
+              </a:ext>
+            </a:extLst>
+          </p:cNvPr>
+          <p:cNvSpPr/>
+          <p:nvPr/>
+        </p:nvSpPr>
+        <p:spPr>
+          <a:xfrm>
+            <a:off x="10228732" y="1891187"/>
+            <a:ext cx="448236" cy="497542"/>
+          </a:xfrm>
+          <a:prstGeom prst="rect">
+            <a:avLst/>
+          </a:prstGeom>
+          <a:solidFill>
+            <a:schemeClr val="accent6">
+              <a:lumMod val="60000"/>
+              <a:lumOff val="40000"/>
+            </a:schemeClr>
+          </a:solidFill>
+          <a:ln>
+            <a:solidFill>
+              <a:schemeClr val="accent6">
+                <a:lumMod val="75000"/>
+              </a:schemeClr>
+            </a:solidFill>
+          </a:ln>
+        </p:spPr>
+        <p:style>
+          <a:lnRef idx="2">
+            <a:schemeClr val="accent1">
+              <a:shade val="50000"/>
+            </a:schemeClr>
+          </a:lnRef>
+          <a:fillRef idx="1">
+            <a:schemeClr val="accent1"/>
+          </a:fillRef>
+          <a:effectRef idx="0">
+            <a:schemeClr val="accent1"/>
+          </a:effectRef>
+          <a:fontRef idx="minor">
+            <a:schemeClr val="lt1"/>
+          </a:fontRef>
+        </p:style>
+        <p:txBody>
+          <a:bodyPr rtlCol="0" anchor="ctr"/>
+          <a:lstStyle/>
+          <a:p>
+            <a:pPr algn="ctr"/>
+            <a:endParaRPr lang="en-US"/>
+          </a:p>
+        </p:txBody>
+      </p:sp>
+      <p:cxnSp>
+        <p:nvCxnSpPr>
+          <p:cNvPr id="78" name="Straight Arrow Connector 77">
+            <a:extLst>
+              <a:ext uri="{FF2B5EF4-FFF2-40B4-BE49-F238E27FC236}">
+                <a16:creationId xmlns:a16="http://schemas.microsoft.com/office/drawing/2014/main" id="{F4FFCAF9-5C40-3741-AC79-3720285991D6}"/>
+              </a:ext>
+            </a:extLst>
+          </p:cNvPr>
+          <p:cNvCxnSpPr>
+            <a:stCxn id="75" idx="3"/>
+            <a:endCxn id="76" idx="1"/>
+          </p:cNvCxnSpPr>
+          <p:nvPr/>
+        </p:nvCxnSpPr>
+        <p:spPr>
+          <a:xfrm>
+            <a:off x="8695768" y="2139959"/>
+            <a:ext cx="717176" cy="0"/>
+          </a:xfrm>
+          <a:prstGeom prst="straightConnector1">
+            <a:avLst/>
+          </a:prstGeom>
+          <a:ln>
+            <a:solidFill>
+              <a:schemeClr val="bg1">
+                <a:lumMod val="85000"/>
+              </a:schemeClr>
+            </a:solidFill>
+            <a:tailEnd type="triangle"/>
+          </a:ln>
+        </p:spPr>
+        <p:style>
+          <a:lnRef idx="1">
+            <a:schemeClr val="accent1"/>
+          </a:lnRef>
+          <a:fillRef idx="0">
+            <a:schemeClr val="accent1"/>
+          </a:fillRef>
+          <a:effectRef idx="0">
+            <a:schemeClr val="accent1"/>
+          </a:effectRef>
+          <a:fontRef idx="minor">
+            <a:schemeClr val="tx1"/>
+          </a:fontRef>
+        </p:style>
+      </p:cxnSp>
+      <p:cxnSp>
+        <p:nvCxnSpPr>
+          <p:cNvPr id="79" name="Straight Arrow Connector 78">
+            <a:extLst>
+              <a:ext uri="{FF2B5EF4-FFF2-40B4-BE49-F238E27FC236}">
+                <a16:creationId xmlns:a16="http://schemas.microsoft.com/office/drawing/2014/main" id="{8AE98F03-02D5-F34B-8E89-40A5E7BAB63B}"/>
+              </a:ext>
+            </a:extLst>
+          </p:cNvPr>
+          <p:cNvCxnSpPr>
+            <a:stCxn id="76" idx="3"/>
+            <a:endCxn id="77" idx="1"/>
+          </p:cNvCxnSpPr>
+          <p:nvPr/>
+        </p:nvCxnSpPr>
+        <p:spPr>
+          <a:xfrm flipV="1">
+            <a:off x="9861180" y="2139958"/>
+            <a:ext cx="367552" cy="1"/>
+          </a:xfrm>
+          <a:prstGeom prst="straightConnector1">
+            <a:avLst/>
+          </a:prstGeom>
+          <a:ln>
+            <a:solidFill>
+              <a:schemeClr val="accent6">
+                <a:lumMod val="60000"/>
+                <a:lumOff val="40000"/>
+              </a:schemeClr>
+            </a:solidFill>
+            <a:tailEnd type="triangle"/>
+          </a:ln>
+        </p:spPr>
+        <p:style>
+          <a:lnRef idx="1">
+            <a:schemeClr val="accent1"/>
+          </a:lnRef>
+          <a:fillRef idx="0">
+            <a:schemeClr val="accent1"/>
+          </a:fillRef>
+          <a:effectRef idx="0">
+            <a:schemeClr val="accent1"/>
+          </a:effectRef>
+          <a:fontRef idx="minor">
+            <a:schemeClr val="tx1"/>
+          </a:fontRef>
+        </p:style>
+      </p:cxnSp>
+      <p:sp>
+        <p:nvSpPr>
+          <p:cNvPr id="80" name="Rectangle 79">
+            <a:extLst>
+              <a:ext uri="{FF2B5EF4-FFF2-40B4-BE49-F238E27FC236}">
+                <a16:creationId xmlns:a16="http://schemas.microsoft.com/office/drawing/2014/main" id="{DE6383B8-A997-D94C-B168-C2CB9E49226A}"/>
+              </a:ext>
+            </a:extLst>
+          </p:cNvPr>
+          <p:cNvSpPr/>
+          <p:nvPr/>
+        </p:nvSpPr>
+        <p:spPr>
+          <a:xfrm>
+            <a:off x="8247532" y="2482860"/>
+            <a:ext cx="448236" cy="497542"/>
+          </a:xfrm>
+          <a:prstGeom prst="rect">
+            <a:avLst/>
+          </a:prstGeom>
+          <a:solidFill>
+            <a:schemeClr val="accent4">
+              <a:lumMod val="40000"/>
+              <a:lumOff val="60000"/>
+            </a:schemeClr>
+          </a:solidFill>
+          <a:ln>
+            <a:solidFill>
+              <a:schemeClr val="accent4">
+                <a:lumMod val="60000"/>
+                <a:lumOff val="40000"/>
+              </a:schemeClr>
+            </a:solidFill>
+          </a:ln>
+        </p:spPr>
+        <p:style>
+          <a:lnRef idx="2">
+            <a:schemeClr val="accent1">
+              <a:shade val="50000"/>
+            </a:schemeClr>
+          </a:lnRef>
+          <a:fillRef idx="1">
+            <a:schemeClr val="accent1"/>
+          </a:fillRef>
+          <a:effectRef idx="0">
+            <a:schemeClr val="accent1"/>
+          </a:effectRef>
+          <a:fontRef idx="minor">
+            <a:schemeClr val="lt1"/>
+          </a:fontRef>
+        </p:style>
+        <p:txBody>
+          <a:bodyPr rtlCol="0" anchor="ctr"/>
+          <a:lstStyle/>
+          <a:p>
+            <a:pPr algn="ctr"/>
+            <a:endParaRPr lang="en-US"/>
+          </a:p>
+        </p:txBody>
+      </p:sp>
+      <p:sp>
+        <p:nvSpPr>
+          <p:cNvPr id="81" name="Rectangle 80">
+            <a:extLst>
+              <a:ext uri="{FF2B5EF4-FFF2-40B4-BE49-F238E27FC236}">
+                <a16:creationId xmlns:a16="http://schemas.microsoft.com/office/drawing/2014/main" id="{B9D9214B-5A0D-3E4D-B3F8-1BA2E1FDE3F5}"/>
+              </a:ext>
+            </a:extLst>
+          </p:cNvPr>
+          <p:cNvSpPr/>
+          <p:nvPr/>
+        </p:nvSpPr>
+        <p:spPr>
+          <a:xfrm>
+            <a:off x="9412944" y="2482860"/>
+            <a:ext cx="448236" cy="497542"/>
+          </a:xfrm>
+          <a:prstGeom prst="rect">
+            <a:avLst/>
+          </a:prstGeom>
+          <a:solidFill>
+            <a:schemeClr val="accent6">
+              <a:lumMod val="40000"/>
+              <a:lumOff val="60000"/>
+            </a:schemeClr>
+          </a:solidFill>
+          <a:ln>
+            <a:solidFill>
+              <a:schemeClr val="accent6">
+                <a:lumMod val="60000"/>
+                <a:lumOff val="40000"/>
+              </a:schemeClr>
+            </a:solidFill>
+          </a:ln>
+        </p:spPr>
+        <p:style>
+          <a:lnRef idx="2">
+            <a:schemeClr val="accent1">
+              <a:shade val="50000"/>
+            </a:schemeClr>
+          </a:lnRef>
+          <a:fillRef idx="1">
+            <a:schemeClr val="accent1"/>
+          </a:fillRef>
+          <a:effectRef idx="0">
+            <a:schemeClr val="accent1"/>
+          </a:effectRef>
+          <a:fontRef idx="minor">
+            <a:schemeClr val="lt1"/>
+          </a:fontRef>
+        </p:style>
+        <p:txBody>
+          <a:bodyPr rtlCol="0" anchor="ctr"/>
+          <a:lstStyle/>
+          <a:p>
+            <a:pPr algn="ctr"/>
+            <a:endParaRPr lang="en-US"/>
+          </a:p>
+        </p:txBody>
+      </p:sp>
+      <p:sp>
+        <p:nvSpPr>
+          <p:cNvPr id="82" name="Rectangle 81">
+            <a:extLst>
+              <a:ext uri="{FF2B5EF4-FFF2-40B4-BE49-F238E27FC236}">
+                <a16:creationId xmlns:a16="http://schemas.microsoft.com/office/drawing/2014/main" id="{35D9BD82-DC6E-4748-9E72-737761E15F59}"/>
+              </a:ext>
+            </a:extLst>
+          </p:cNvPr>
+          <p:cNvSpPr/>
+          <p:nvPr/>
+        </p:nvSpPr>
+        <p:spPr>
+          <a:xfrm>
+            <a:off x="10228732" y="2482859"/>
+            <a:ext cx="448236" cy="497542"/>
+          </a:xfrm>
+          <a:prstGeom prst="rect">
+            <a:avLst/>
+          </a:prstGeom>
+          <a:solidFill>
+            <a:schemeClr val="accent6">
+              <a:lumMod val="60000"/>
+              <a:lumOff val="40000"/>
+            </a:schemeClr>
+          </a:solidFill>
+          <a:ln>
+            <a:solidFill>
+              <a:schemeClr val="accent6">
+                <a:lumMod val="75000"/>
+              </a:schemeClr>
+            </a:solidFill>
+          </a:ln>
+        </p:spPr>
+        <p:style>
+          <a:lnRef idx="2">
+            <a:schemeClr val="accent1">
+              <a:shade val="50000"/>
+            </a:schemeClr>
+          </a:lnRef>
+          <a:fillRef idx="1">
+            <a:schemeClr val="accent1"/>
+          </a:fillRef>
+          <a:effectRef idx="0">
+            <a:schemeClr val="accent1"/>
+          </a:effectRef>
+          <a:fontRef idx="minor">
+            <a:schemeClr val="lt1"/>
+          </a:fontRef>
+        </p:style>
+        <p:txBody>
+          <a:bodyPr rtlCol="0" anchor="ctr"/>
+          <a:lstStyle/>
+          <a:p>
+            <a:pPr algn="ctr"/>
+            <a:endParaRPr lang="en-US"/>
+          </a:p>
+        </p:txBody>
+      </p:sp>
+      <p:cxnSp>
+        <p:nvCxnSpPr>
+          <p:cNvPr id="83" name="Straight Arrow Connector 82">
+            <a:extLst>
+              <a:ext uri="{FF2B5EF4-FFF2-40B4-BE49-F238E27FC236}">
+                <a16:creationId xmlns:a16="http://schemas.microsoft.com/office/drawing/2014/main" id="{D9ED811F-B461-444B-AA40-6960BFACED7C}"/>
+              </a:ext>
+            </a:extLst>
+          </p:cNvPr>
+          <p:cNvCxnSpPr>
+            <a:stCxn id="80" idx="3"/>
+            <a:endCxn id="81" idx="1"/>
+          </p:cNvCxnSpPr>
+          <p:nvPr/>
+        </p:nvCxnSpPr>
+        <p:spPr>
+          <a:xfrm>
+            <a:off x="8695768" y="2731631"/>
+            <a:ext cx="717176" cy="0"/>
+          </a:xfrm>
+          <a:prstGeom prst="straightConnector1">
+            <a:avLst/>
+          </a:prstGeom>
+          <a:ln>
+            <a:solidFill>
+              <a:schemeClr val="bg1">
+                <a:lumMod val="85000"/>
+              </a:schemeClr>
+            </a:solidFill>
+            <a:tailEnd type="triangle"/>
+          </a:ln>
+        </p:spPr>
+        <p:style>
+          <a:lnRef idx="1">
+            <a:schemeClr val="accent1"/>
+          </a:lnRef>
+          <a:fillRef idx="0">
+            <a:schemeClr val="accent1"/>
+          </a:fillRef>
+          <a:effectRef idx="0">
+            <a:schemeClr val="accent1"/>
+          </a:effectRef>
+          <a:fontRef idx="minor">
+            <a:schemeClr val="tx1"/>
+          </a:fontRef>
+        </p:style>
+      </p:cxnSp>
+      <p:cxnSp>
+        <p:nvCxnSpPr>
+          <p:cNvPr id="84" name="Straight Arrow Connector 83">
+            <a:extLst>
+              <a:ext uri="{FF2B5EF4-FFF2-40B4-BE49-F238E27FC236}">
+                <a16:creationId xmlns:a16="http://schemas.microsoft.com/office/drawing/2014/main" id="{CA2D1C67-92C5-1046-9BC5-5FE17DFADDB2}"/>
+              </a:ext>
+            </a:extLst>
+          </p:cNvPr>
+          <p:cNvCxnSpPr>
+            <a:stCxn id="81" idx="3"/>
+            <a:endCxn id="82" idx="1"/>
+          </p:cNvCxnSpPr>
+          <p:nvPr/>
+        </p:nvCxnSpPr>
+        <p:spPr>
+          <a:xfrm flipV="1">
+            <a:off x="9861180" y="2731630"/>
+            <a:ext cx="367552" cy="1"/>
+          </a:xfrm>
+          <a:prstGeom prst="straightConnector1">
+            <a:avLst/>
+          </a:prstGeom>
+          <a:ln>
+            <a:solidFill>
+              <a:schemeClr val="accent6">
+                <a:lumMod val="60000"/>
+                <a:lumOff val="40000"/>
+              </a:schemeClr>
+            </a:solidFill>
+            <a:tailEnd type="triangle"/>
+          </a:ln>
+        </p:spPr>
+        <p:style>
+          <a:lnRef idx="1">
+            <a:schemeClr val="accent1"/>
+          </a:lnRef>
+          <a:fillRef idx="0">
+            <a:schemeClr val="accent1"/>
+          </a:fillRef>
+          <a:effectRef idx="0">
+            <a:schemeClr val="accent1"/>
+          </a:effectRef>
+          <a:fontRef idx="minor">
+            <a:schemeClr val="tx1"/>
+          </a:fontRef>
+        </p:style>
+      </p:cxnSp>
+      <p:sp>
+        <p:nvSpPr>
+          <p:cNvPr id="85" name="Rectangle 84">
+            <a:extLst>
+              <a:ext uri="{FF2B5EF4-FFF2-40B4-BE49-F238E27FC236}">
+                <a16:creationId xmlns:a16="http://schemas.microsoft.com/office/drawing/2014/main" id="{50A73254-F920-2042-A392-49698D68CFFF}"/>
+              </a:ext>
+            </a:extLst>
+          </p:cNvPr>
+          <p:cNvSpPr/>
+          <p:nvPr/>
+        </p:nvSpPr>
+        <p:spPr>
+          <a:xfrm>
+            <a:off x="8247532" y="3054359"/>
+            <a:ext cx="448236" cy="497542"/>
+          </a:xfrm>
+          <a:prstGeom prst="rect">
+            <a:avLst/>
+          </a:prstGeom>
+          <a:solidFill>
+            <a:schemeClr val="accent4">
+              <a:lumMod val="40000"/>
+              <a:lumOff val="60000"/>
+            </a:schemeClr>
+          </a:solidFill>
+          <a:ln>
+            <a:solidFill>
+              <a:schemeClr val="accent4">
+                <a:lumMod val="60000"/>
+                <a:lumOff val="40000"/>
+              </a:schemeClr>
+            </a:solidFill>
+          </a:ln>
+        </p:spPr>
+        <p:style>
+          <a:lnRef idx="2">
+            <a:schemeClr val="accent1">
+              <a:shade val="50000"/>
+            </a:schemeClr>
+          </a:lnRef>
+          <a:fillRef idx="1">
+            <a:schemeClr val="accent1"/>
+          </a:fillRef>
+          <a:effectRef idx="0">
+            <a:schemeClr val="accent1"/>
+          </a:effectRef>
+          <a:fontRef idx="minor">
+            <a:schemeClr val="lt1"/>
+          </a:fontRef>
+        </p:style>
+        <p:txBody>
+          <a:bodyPr rtlCol="0" anchor="ctr"/>
+          <a:lstStyle/>
+          <a:p>
+            <a:pPr algn="ctr"/>
+            <a:endParaRPr lang="en-US"/>
+          </a:p>
+        </p:txBody>
+      </p:sp>
+      <p:sp>
+        <p:nvSpPr>
+          <p:cNvPr id="86" name="Rectangle 85">
+            <a:extLst>
+              <a:ext uri="{FF2B5EF4-FFF2-40B4-BE49-F238E27FC236}">
+                <a16:creationId xmlns:a16="http://schemas.microsoft.com/office/drawing/2014/main" id="{77ED92B2-69AB-E044-A426-6ECAE7A8FC40}"/>
+              </a:ext>
+            </a:extLst>
+          </p:cNvPr>
+          <p:cNvSpPr/>
+          <p:nvPr/>
+        </p:nvSpPr>
+        <p:spPr>
+          <a:xfrm>
+            <a:off x="9412944" y="3054359"/>
+            <a:ext cx="448236" cy="497542"/>
+          </a:xfrm>
+          <a:prstGeom prst="rect">
+            <a:avLst/>
+          </a:prstGeom>
+          <a:solidFill>
+            <a:schemeClr val="accent6">
+              <a:lumMod val="40000"/>
+              <a:lumOff val="60000"/>
+            </a:schemeClr>
+          </a:solidFill>
+          <a:ln>
+            <a:solidFill>
+              <a:schemeClr val="accent6">
+                <a:lumMod val="60000"/>
+                <a:lumOff val="40000"/>
+              </a:schemeClr>
+            </a:solidFill>
+          </a:ln>
+        </p:spPr>
+        <p:style>
+          <a:lnRef idx="2">
+            <a:schemeClr val="accent1">
+              <a:shade val="50000"/>
+            </a:schemeClr>
+          </a:lnRef>
+          <a:fillRef idx="1">
+            <a:schemeClr val="accent1"/>
+          </a:fillRef>
+          <a:effectRef idx="0">
+            <a:schemeClr val="accent1"/>
+          </a:effectRef>
+          <a:fontRef idx="minor">
+            <a:schemeClr val="lt1"/>
+          </a:fontRef>
+        </p:style>
+        <p:txBody>
+          <a:bodyPr rtlCol="0" anchor="ctr"/>
+          <a:lstStyle/>
+          <a:p>
+            <a:pPr algn="ctr"/>
+            <a:endParaRPr lang="en-US"/>
+          </a:p>
+        </p:txBody>
+      </p:sp>
+      <p:sp>
+        <p:nvSpPr>
+          <p:cNvPr id="87" name="Rectangle 86">
+            <a:extLst>
+              <a:ext uri="{FF2B5EF4-FFF2-40B4-BE49-F238E27FC236}">
+                <a16:creationId xmlns:a16="http://schemas.microsoft.com/office/drawing/2014/main" id="{08630A5B-10EE-EC47-AC60-63A399702544}"/>
+              </a:ext>
+            </a:extLst>
+          </p:cNvPr>
+          <p:cNvSpPr/>
+          <p:nvPr/>
+        </p:nvSpPr>
+        <p:spPr>
+          <a:xfrm>
+            <a:off x="10228732" y="3054358"/>
+            <a:ext cx="448236" cy="497542"/>
+          </a:xfrm>
+          <a:prstGeom prst="rect">
+            <a:avLst/>
+          </a:prstGeom>
+          <a:solidFill>
+            <a:schemeClr val="accent6">
+              <a:lumMod val="60000"/>
+              <a:lumOff val="40000"/>
+            </a:schemeClr>
+          </a:solidFill>
+          <a:ln>
+            <a:solidFill>
+              <a:schemeClr val="accent6">
+                <a:lumMod val="75000"/>
+              </a:schemeClr>
+            </a:solidFill>
+          </a:ln>
+        </p:spPr>
+        <p:style>
+          <a:lnRef idx="2">
+            <a:schemeClr val="accent1">
+              <a:shade val="50000"/>
+            </a:schemeClr>
+          </a:lnRef>
+          <a:fillRef idx="1">
+            <a:schemeClr val="accent1"/>
+          </a:fillRef>
+          <a:effectRef idx="0">
+            <a:schemeClr val="accent1"/>
+          </a:effectRef>
+          <a:fontRef idx="minor">
+            <a:schemeClr val="lt1"/>
+          </a:fontRef>
+        </p:style>
+        <p:txBody>
+          <a:bodyPr rtlCol="0" anchor="ctr"/>
+          <a:lstStyle/>
+          <a:p>
+            <a:pPr algn="ctr"/>
+            <a:endParaRPr lang="en-US"/>
+          </a:p>
+        </p:txBody>
+      </p:sp>
+      <p:cxnSp>
+        <p:nvCxnSpPr>
+          <p:cNvPr id="88" name="Straight Arrow Connector 87">
+            <a:extLst>
+              <a:ext uri="{FF2B5EF4-FFF2-40B4-BE49-F238E27FC236}">
+                <a16:creationId xmlns:a16="http://schemas.microsoft.com/office/drawing/2014/main" id="{927DDE7B-37AD-CE4B-8FDE-C9E8EBA12733}"/>
+              </a:ext>
+            </a:extLst>
+          </p:cNvPr>
+          <p:cNvCxnSpPr>
+            <a:stCxn id="85" idx="3"/>
+            <a:endCxn id="86" idx="1"/>
+          </p:cNvCxnSpPr>
+          <p:nvPr/>
+        </p:nvCxnSpPr>
+        <p:spPr>
+          <a:xfrm>
+            <a:off x="8695768" y="3303130"/>
+            <a:ext cx="717176" cy="0"/>
+          </a:xfrm>
+          <a:prstGeom prst="straightConnector1">
+            <a:avLst/>
+          </a:prstGeom>
+          <a:ln>
+            <a:solidFill>
+              <a:schemeClr val="bg1">
+                <a:lumMod val="85000"/>
+              </a:schemeClr>
+            </a:solidFill>
+            <a:tailEnd type="triangle"/>
+          </a:ln>
+        </p:spPr>
+        <p:style>
+          <a:lnRef idx="1">
+            <a:schemeClr val="accent1"/>
+          </a:lnRef>
+          <a:fillRef idx="0">
+            <a:schemeClr val="accent1"/>
+          </a:fillRef>
+          <a:effectRef idx="0">
+            <a:schemeClr val="accent1"/>
+          </a:effectRef>
+          <a:fontRef idx="minor">
+            <a:schemeClr val="tx1"/>
+          </a:fontRef>
+        </p:style>
+      </p:cxnSp>
+      <p:cxnSp>
+        <p:nvCxnSpPr>
+          <p:cNvPr id="89" name="Straight Arrow Connector 88">
+            <a:extLst>
+              <a:ext uri="{FF2B5EF4-FFF2-40B4-BE49-F238E27FC236}">
+                <a16:creationId xmlns:a16="http://schemas.microsoft.com/office/drawing/2014/main" id="{38482222-4CD0-4B43-9BB6-E39989D1B83B}"/>
+              </a:ext>
+            </a:extLst>
+          </p:cNvPr>
+          <p:cNvCxnSpPr>
+            <a:stCxn id="86" idx="3"/>
+            <a:endCxn id="87" idx="1"/>
+          </p:cNvCxnSpPr>
+          <p:nvPr/>
+        </p:nvCxnSpPr>
+        <p:spPr>
+          <a:xfrm flipV="1">
+            <a:off x="9861180" y="3303129"/>
+            <a:ext cx="367552" cy="1"/>
+          </a:xfrm>
+          <a:prstGeom prst="straightConnector1">
+            <a:avLst/>
+          </a:prstGeom>
+          <a:ln>
+            <a:solidFill>
+              <a:schemeClr val="accent6">
+                <a:lumMod val="60000"/>
+                <a:lumOff val="40000"/>
+              </a:schemeClr>
+            </a:solidFill>
+            <a:tailEnd type="triangle"/>
+          </a:ln>
+        </p:spPr>
+        <p:style>
+          <a:lnRef idx="1">
+            <a:schemeClr val="accent1"/>
+          </a:lnRef>
+          <a:fillRef idx="0">
+            <a:schemeClr val="accent1"/>
+          </a:fillRef>
+          <a:effectRef idx="0">
+            <a:schemeClr val="accent1"/>
+          </a:effectRef>
+          <a:fontRef idx="minor">
+            <a:schemeClr val="tx1"/>
+          </a:fontRef>
+        </p:style>
+      </p:cxnSp>
+      <p:sp>
+        <p:nvSpPr>
+          <p:cNvPr id="93" name="Rectangle 92">
+            <a:extLst>
+              <a:ext uri="{FF2B5EF4-FFF2-40B4-BE49-F238E27FC236}">
+                <a16:creationId xmlns:a16="http://schemas.microsoft.com/office/drawing/2014/main" id="{36D43EDD-C7A2-994E-A32B-08D2A504F92B}"/>
+              </a:ext>
+            </a:extLst>
+          </p:cNvPr>
+          <p:cNvSpPr/>
+          <p:nvPr/>
+        </p:nvSpPr>
+        <p:spPr>
+          <a:xfrm>
+            <a:off x="11196918" y="1891187"/>
+            <a:ext cx="448236" cy="497542"/>
+          </a:xfrm>
+          <a:prstGeom prst="rect">
+            <a:avLst/>
+          </a:prstGeom>
+          <a:solidFill>
+            <a:schemeClr val="accent2">
+              <a:lumMod val="40000"/>
+              <a:lumOff val="60000"/>
+            </a:schemeClr>
+          </a:solidFill>
+          <a:ln>
+            <a:solidFill>
+              <a:schemeClr val="accent2">
+                <a:lumMod val="60000"/>
+                <a:lumOff val="40000"/>
+              </a:schemeClr>
+            </a:solidFill>
+          </a:ln>
+        </p:spPr>
+        <p:style>
+          <a:lnRef idx="2">
+            <a:schemeClr val="accent1">
+              <a:shade val="50000"/>
+            </a:schemeClr>
+          </a:lnRef>
+          <a:fillRef idx="1">
+            <a:schemeClr val="accent1"/>
+          </a:fillRef>
+          <a:effectRef idx="0">
+            <a:schemeClr val="accent1"/>
+          </a:effectRef>
+          <a:fontRef idx="minor">
+            <a:schemeClr val="lt1"/>
+          </a:fontRef>
+        </p:style>
+        <p:txBody>
+          <a:bodyPr rtlCol="0" anchor="ctr"/>
+          <a:lstStyle/>
+          <a:p>
+            <a:pPr algn="ctr"/>
+            <a:endParaRPr lang="en-US"/>
+          </a:p>
+        </p:txBody>
+      </p:sp>
+      <p:cxnSp>
+        <p:nvCxnSpPr>
+          <p:cNvPr id="94" name="Straight Arrow Connector 93">
+            <a:extLst>
+              <a:ext uri="{FF2B5EF4-FFF2-40B4-BE49-F238E27FC236}">
+                <a16:creationId xmlns:a16="http://schemas.microsoft.com/office/drawing/2014/main" id="{8CE89544-268F-7448-AE5E-7C4651A80782}"/>
+              </a:ext>
+            </a:extLst>
+          </p:cNvPr>
+          <p:cNvCxnSpPr>
+            <a:cxnSpLocks/>
+            <a:stCxn id="77" idx="3"/>
+            <a:endCxn id="93" idx="1"/>
+          </p:cNvCxnSpPr>
+          <p:nvPr/>
+        </p:nvCxnSpPr>
+        <p:spPr>
+          <a:xfrm>
+            <a:off x="10676968" y="2139958"/>
+            <a:ext cx="519950" cy="0"/>
+          </a:xfrm>
+          <a:prstGeom prst="straightConnector1">
+            <a:avLst/>
+          </a:prstGeom>
+          <a:ln>
+            <a:solidFill>
+              <a:schemeClr val="bg1">
+                <a:lumMod val="85000"/>
+              </a:schemeClr>
+            </a:solidFill>
+            <a:tailEnd type="triangle"/>
+          </a:ln>
+        </p:spPr>
+        <p:style>
+          <a:lnRef idx="1">
+            <a:schemeClr val="accent1"/>
+          </a:lnRef>
+          <a:fillRef idx="0">
+            <a:schemeClr val="accent1"/>
+          </a:fillRef>
+          <a:effectRef idx="0">
+            <a:schemeClr val="accent1"/>
+          </a:effectRef>
+          <a:fontRef idx="minor">
+            <a:schemeClr val="tx1"/>
+          </a:fontRef>
+        </p:style>
+      </p:cxnSp>
+      <p:sp>
+        <p:nvSpPr>
+          <p:cNvPr id="95" name="Rectangle 94">
+            <a:extLst>
+              <a:ext uri="{FF2B5EF4-FFF2-40B4-BE49-F238E27FC236}">
+                <a16:creationId xmlns:a16="http://schemas.microsoft.com/office/drawing/2014/main" id="{D0EA63DF-8518-7042-AA6F-122CC3D80234}"/>
+              </a:ext>
+            </a:extLst>
+          </p:cNvPr>
+          <p:cNvSpPr/>
+          <p:nvPr/>
+        </p:nvSpPr>
+        <p:spPr>
+          <a:xfrm>
+            <a:off x="11196918" y="2482859"/>
+            <a:ext cx="448236" cy="497542"/>
+          </a:xfrm>
+          <a:prstGeom prst="rect">
+            <a:avLst/>
+          </a:prstGeom>
+          <a:solidFill>
+            <a:schemeClr val="accent2">
+              <a:lumMod val="40000"/>
+              <a:lumOff val="60000"/>
+            </a:schemeClr>
+          </a:solidFill>
+          <a:ln>
+            <a:solidFill>
+              <a:schemeClr val="accent2">
+                <a:lumMod val="60000"/>
+                <a:lumOff val="40000"/>
+              </a:schemeClr>
+            </a:solidFill>
+          </a:ln>
+        </p:spPr>
+        <p:style>
+          <a:lnRef idx="2">
+            <a:schemeClr val="accent1">
+              <a:shade val="50000"/>
+            </a:schemeClr>
+          </a:lnRef>
+          <a:fillRef idx="1">
+            <a:schemeClr val="accent1"/>
+          </a:fillRef>
+          <a:effectRef idx="0">
+            <a:schemeClr val="accent1"/>
+          </a:effectRef>
+          <a:fontRef idx="minor">
+            <a:schemeClr val="lt1"/>
+          </a:fontRef>
+        </p:style>
+        <p:txBody>
+          <a:bodyPr rtlCol="0" anchor="ctr"/>
+          <a:lstStyle/>
+          <a:p>
+            <a:pPr algn="ctr"/>
+            <a:endParaRPr lang="en-US"/>
+          </a:p>
+        </p:txBody>
+      </p:sp>
+      <p:cxnSp>
+        <p:nvCxnSpPr>
+          <p:cNvPr id="96" name="Straight Arrow Connector 95">
+            <a:extLst>
+              <a:ext uri="{FF2B5EF4-FFF2-40B4-BE49-F238E27FC236}">
+                <a16:creationId xmlns:a16="http://schemas.microsoft.com/office/drawing/2014/main" id="{DAEDC83E-9992-DE44-AE6D-3A36D8E80039}"/>
+              </a:ext>
+            </a:extLst>
+          </p:cNvPr>
+          <p:cNvCxnSpPr>
+            <a:cxnSpLocks/>
+            <a:stCxn id="82" idx="3"/>
+            <a:endCxn id="95" idx="1"/>
+          </p:cNvCxnSpPr>
+          <p:nvPr/>
+        </p:nvCxnSpPr>
+        <p:spPr>
+          <a:xfrm>
+            <a:off x="10676968" y="2731630"/>
+            <a:ext cx="519950" cy="0"/>
+          </a:xfrm>
+          <a:prstGeom prst="straightConnector1">
+            <a:avLst/>
+          </a:prstGeom>
+          <a:ln>
+            <a:solidFill>
+              <a:schemeClr val="bg1">
+                <a:lumMod val="85000"/>
+              </a:schemeClr>
+            </a:solidFill>
+            <a:tailEnd type="triangle"/>
+          </a:ln>
+        </p:spPr>
+        <p:style>
+          <a:lnRef idx="1">
+            <a:schemeClr val="accent1"/>
+          </a:lnRef>
+          <a:fillRef idx="0">
+            <a:schemeClr val="accent1"/>
+          </a:fillRef>
+          <a:effectRef idx="0">
+            <a:schemeClr val="accent1"/>
+          </a:effectRef>
+          <a:fontRef idx="minor">
+            <a:schemeClr val="tx1"/>
+          </a:fontRef>
+        </p:style>
+      </p:cxnSp>
+      <p:sp>
+        <p:nvSpPr>
+          <p:cNvPr id="97" name="Rectangle 96">
+            <a:extLst>
+              <a:ext uri="{FF2B5EF4-FFF2-40B4-BE49-F238E27FC236}">
+                <a16:creationId xmlns:a16="http://schemas.microsoft.com/office/drawing/2014/main" id="{BE850A74-A739-9148-A47D-B2563B0B2685}"/>
+              </a:ext>
+            </a:extLst>
+          </p:cNvPr>
+          <p:cNvSpPr/>
+          <p:nvPr/>
+        </p:nvSpPr>
+        <p:spPr>
+          <a:xfrm>
+            <a:off x="11196918" y="3054358"/>
+            <a:ext cx="448236" cy="497542"/>
+          </a:xfrm>
+          <a:prstGeom prst="rect">
+            <a:avLst/>
+          </a:prstGeom>
+          <a:solidFill>
+            <a:schemeClr val="accent2">
+              <a:lumMod val="40000"/>
+              <a:lumOff val="60000"/>
+            </a:schemeClr>
+          </a:solidFill>
+          <a:ln>
+            <a:solidFill>
+              <a:schemeClr val="accent2">
+                <a:lumMod val="60000"/>
+                <a:lumOff val="40000"/>
+              </a:schemeClr>
+            </a:solidFill>
+          </a:ln>
+        </p:spPr>
+        <p:style>
+          <a:lnRef idx="2">
+            <a:schemeClr val="accent1">
+              <a:shade val="50000"/>
+            </a:schemeClr>
+          </a:lnRef>
+          <a:fillRef idx="1">
+            <a:schemeClr val="accent1"/>
+          </a:fillRef>
+          <a:effectRef idx="0">
+            <a:schemeClr val="accent1"/>
+          </a:effectRef>
+          <a:fontRef idx="minor">
+            <a:schemeClr val="lt1"/>
+          </a:fontRef>
+        </p:style>
+        <p:txBody>
+          <a:bodyPr rtlCol="0" anchor="ctr"/>
+          <a:lstStyle/>
+          <a:p>
+            <a:pPr algn="ctr"/>
+            <a:endParaRPr lang="en-US"/>
+          </a:p>
+        </p:txBody>
+      </p:sp>
+      <p:cxnSp>
+        <p:nvCxnSpPr>
+          <p:cNvPr id="98" name="Straight Arrow Connector 97">
+            <a:extLst>
+              <a:ext uri="{FF2B5EF4-FFF2-40B4-BE49-F238E27FC236}">
+                <a16:creationId xmlns:a16="http://schemas.microsoft.com/office/drawing/2014/main" id="{36B259A0-65C6-704E-9116-6C77B8080F4F}"/>
+              </a:ext>
+            </a:extLst>
+          </p:cNvPr>
+          <p:cNvCxnSpPr>
+            <a:cxnSpLocks/>
+            <a:stCxn id="87" idx="3"/>
+            <a:endCxn id="97" idx="1"/>
+          </p:cNvCxnSpPr>
+          <p:nvPr/>
+        </p:nvCxnSpPr>
+        <p:spPr>
+          <a:xfrm>
+            <a:off x="10676968" y="3303129"/>
+            <a:ext cx="519950" cy="0"/>
+          </a:xfrm>
+          <a:prstGeom prst="straightConnector1">
+            <a:avLst/>
+          </a:prstGeom>
+          <a:ln>
+            <a:solidFill>
+              <a:schemeClr val="bg1">
+                <a:lumMod val="85000"/>
+              </a:schemeClr>
+            </a:solidFill>
+            <a:tailEnd type="triangle"/>
+          </a:ln>
+        </p:spPr>
+        <p:style>
+          <a:lnRef idx="1">
+            <a:schemeClr val="accent1"/>
+          </a:lnRef>
+          <a:fillRef idx="0">
+            <a:schemeClr val="accent1"/>
+          </a:fillRef>
+          <a:effectRef idx="0">
+            <a:schemeClr val="accent1"/>
+          </a:effectRef>
+          <a:fontRef idx="minor">
+            <a:schemeClr val="tx1"/>
+          </a:fontRef>
+        </p:style>
+      </p:cxnSp>
+      <mc:AlternateContent xmlns:mc="http://schemas.openxmlformats.org/markup-compatibility/2006">
+        <mc:Choice xmlns:a14="http://schemas.microsoft.com/office/drawing/2010/main" Requires="a14">
+          <p:sp>
+            <p:nvSpPr>
+              <p:cNvPr id="112" name="Rectangle 111">
+                <a:extLst>
+                  <a:ext uri="{FF2B5EF4-FFF2-40B4-BE49-F238E27FC236}">
+                    <a16:creationId xmlns:a16="http://schemas.microsoft.com/office/drawing/2014/main" id="{B644517A-F991-C946-93D8-DD0AFF6C381F}"/>
+                  </a:ext>
+                </a:extLst>
+              </p:cNvPr>
+              <p:cNvSpPr/>
+              <p:nvPr/>
+            </p:nvSpPr>
+            <p:spPr>
+              <a:xfrm>
+                <a:off x="860611" y="539803"/>
+                <a:ext cx="448236" cy="497542"/>
+              </a:xfrm>
+              <a:prstGeom prst="rect">
+                <a:avLst/>
+              </a:prstGeom>
+              <a:solidFill>
+                <a:schemeClr val="accent4">
+                  <a:lumMod val="40000"/>
+                  <a:lumOff val="60000"/>
+                </a:schemeClr>
+              </a:solidFill>
+              <a:ln>
+                <a:solidFill>
+                  <a:schemeClr val="accent4">
+                    <a:lumMod val="60000"/>
+                    <a:lumOff val="40000"/>
+                  </a:schemeClr>
+                </a:solidFill>
+              </a:ln>
+            </p:spPr>
+            <p:style>
+              <a:lnRef idx="2">
+                <a:schemeClr val="accent1">
+                  <a:shade val="50000"/>
+                </a:schemeClr>
+              </a:lnRef>
+              <a:fillRef idx="1">
+                <a:schemeClr val="accent1"/>
+              </a:fillRef>
+              <a:effectRef idx="0">
+                <a:schemeClr val="accent1"/>
+              </a:effectRef>
+              <a:fontRef idx="minor">
+                <a:schemeClr val="lt1"/>
+              </a:fontRef>
+            </p:style>
+            <p:txBody>
+              <a:bodyPr lIns="182880" rIns="91440" rtlCol="0" anchor="ctr"/>
+              <a:lstStyle/>
+              <a:p>
+                <a:pPr algn="ctr"/>
+                <a14:m>
+                  <m:oMathPara xmlns:m="http://schemas.openxmlformats.org/officeDocument/2006/math">
+                    <m:oMathParaPr>
+                      <m:jc m:val="centerGroup"/>
+                    </m:oMathParaPr>
+                    <m:oMath xmlns:m="http://schemas.openxmlformats.org/officeDocument/2006/math">
+                      <m:sSub>
+                        <m:sSubPr>
+                          <m:ctrlPr>
+                            <a:rPr lang="en-US" i="1" dirty="0" smtClean="0">
+                              <a:solidFill>
+                                <a:schemeClr val="tx1"/>
+                              </a:solidFill>
+                              <a:latin typeface="Cambria Math" panose="02040503050406030204" pitchFamily="18" charset="0"/>
+                            </a:rPr>
+                          </m:ctrlPr>
+                        </m:sSubPr>
+                        <m:e>
+                          <m:r>
+                            <a:rPr lang="es-ES" i="1" dirty="0">
+                              <a:solidFill>
+                                <a:schemeClr val="tx1"/>
+                              </a:solidFill>
+                              <a:latin typeface="Cambria Math" panose="02040503050406030204" pitchFamily="18" charset="0"/>
+                            </a:rPr>
+                            <m:t>𝑉</m:t>
+                          </m:r>
+                        </m:e>
+                        <m:sub>
+                          <m:r>
+                            <a:rPr lang="es-ES" i="1" dirty="0">
+                              <a:solidFill>
+                                <a:schemeClr val="tx1"/>
+                              </a:solidFill>
+                              <a:latin typeface="Cambria Math" panose="02040503050406030204" pitchFamily="18" charset="0"/>
+                            </a:rPr>
+                            <m:t>𝑚</m:t>
+                          </m:r>
+                        </m:sub>
+                      </m:sSub>
+                    </m:oMath>
+                  </m:oMathPara>
+                </a14:m>
+                <a:endParaRPr lang="en-US" dirty="0">
+                  <a:solidFill>
+                    <a:schemeClr val="tx1"/>
+                  </a:solidFill>
+                </a:endParaRPr>
+              </a:p>
+            </p:txBody>
+          </p:sp>
+        </mc:Choice>
+        <mc:Fallback>
+          <p:sp>
+            <p:nvSpPr>
+              <p:cNvPr id="112" name="Rectangle 111">
+                <a:extLst>
+                  <a:ext uri="{FF2B5EF4-FFF2-40B4-BE49-F238E27FC236}">
+                    <a16:creationId xmlns:a16="http://schemas.microsoft.com/office/drawing/2014/main" id="{B644517A-F991-C946-93D8-DD0AFF6C381F}"/>
+                  </a:ext>
+                </a:extLst>
+              </p:cNvPr>
+              <p:cNvSpPr>
+                <a:spLocks noRot="1" noChangeAspect="1" noMove="1" noResize="1" noEditPoints="1" noAdjustHandles="1" noChangeArrowheads="1" noChangeShapeType="1" noTextEdit="1"/>
+              </p:cNvSpPr>
+              <p:nvPr/>
+            </p:nvSpPr>
+            <p:spPr>
+              <a:xfrm>
+                <a:off x="860611" y="539803"/>
+                <a:ext cx="448236" cy="497542"/>
+              </a:xfrm>
+              <a:prstGeom prst="rect">
+                <a:avLst/>
+              </a:prstGeom>
+              <a:blipFill>
+                <a:blip r:embed="rId2"/>
+                <a:stretch>
+                  <a:fillRect/>
+                </a:stretch>
+              </a:blipFill>
+              <a:ln>
+                <a:solidFill>
+                  <a:schemeClr val="accent4">
+                    <a:lumMod val="60000"/>
+                    <a:lumOff val="40000"/>
+                  </a:schemeClr>
+                </a:solidFill>
+              </a:ln>
+            </p:spPr>
+            <p:txBody>
+              <a:bodyPr/>
+              <a:lstStyle/>
+              <a:p>
+                <a:r>
+                  <a:rPr lang="en-US">
+                    <a:noFill/>
+                  </a:rPr>
+                  <a:t> </a:t>
+                </a:r>
+              </a:p>
+            </p:txBody>
+          </p:sp>
+        </mc:Fallback>
+      </mc:AlternateContent>
+      <mc:AlternateContent xmlns:mc="http://schemas.openxmlformats.org/markup-compatibility/2006">
+        <mc:Choice xmlns:a14="http://schemas.microsoft.com/office/drawing/2010/main" Requires="a14">
+          <p:sp>
+            <p:nvSpPr>
+              <p:cNvPr id="113" name="Rectangle 112">
+                <a:extLst>
+                  <a:ext uri="{FF2B5EF4-FFF2-40B4-BE49-F238E27FC236}">
+                    <a16:creationId xmlns:a16="http://schemas.microsoft.com/office/drawing/2014/main" id="{E3B67087-7958-CC4F-AA4A-B3A8600C0968}"/>
+                  </a:ext>
+                </a:extLst>
+              </p:cNvPr>
+              <p:cNvSpPr/>
+              <p:nvPr/>
+            </p:nvSpPr>
+            <p:spPr>
+              <a:xfrm>
+                <a:off x="1443317" y="539803"/>
+                <a:ext cx="448236" cy="497542"/>
+              </a:xfrm>
+              <a:prstGeom prst="rect">
+                <a:avLst/>
+              </a:prstGeom>
+              <a:solidFill>
+                <a:schemeClr val="accent6">
+                  <a:lumMod val="40000"/>
+                  <a:lumOff val="60000"/>
+                </a:schemeClr>
+              </a:solidFill>
+              <a:ln>
+                <a:solidFill>
+                  <a:schemeClr val="accent6">
+                    <a:lumMod val="60000"/>
+                    <a:lumOff val="40000"/>
+                  </a:schemeClr>
+                </a:solidFill>
+              </a:ln>
+            </p:spPr>
+            <p:style>
+              <a:lnRef idx="2">
+                <a:schemeClr val="accent1">
+                  <a:shade val="50000"/>
+                </a:schemeClr>
+              </a:lnRef>
+              <a:fillRef idx="1">
+                <a:schemeClr val="accent1"/>
+              </a:fillRef>
+              <a:effectRef idx="0">
+                <a:schemeClr val="accent1"/>
+              </a:effectRef>
+              <a:fontRef idx="minor">
+                <a:schemeClr val="lt1"/>
+              </a:fontRef>
+            </p:style>
+            <p:txBody>
+              <a:bodyPr lIns="182880" rIns="91440" rtlCol="0" anchor="ctr"/>
+              <a:lstStyle/>
+              <a:p>
+                <a:pPr algn="ctr"/>
+                <a14:m>
+                  <m:oMathPara xmlns:m="http://schemas.openxmlformats.org/officeDocument/2006/math">
+                    <m:oMathParaPr>
+                      <m:jc m:val="centerGroup"/>
+                    </m:oMathParaPr>
+                    <m:oMath xmlns:m="http://schemas.openxmlformats.org/officeDocument/2006/math">
+                      <m:sSup>
+                        <m:sSupPr>
+                          <m:ctrlPr>
+                            <a:rPr lang="en-US" i="1" smtClean="0">
+                              <a:solidFill>
+                                <a:schemeClr val="tx1"/>
+                              </a:solidFill>
+                              <a:latin typeface="Cambria Math" panose="02040503050406030204" pitchFamily="18" charset="0"/>
+                            </a:rPr>
+                          </m:ctrlPr>
+                        </m:sSupPr>
+                        <m:e>
+                          <m:r>
+                            <a:rPr lang="es-ES" i="1">
+                              <a:solidFill>
+                                <a:schemeClr val="tx1"/>
+                              </a:solidFill>
+                              <a:latin typeface="Cambria Math" panose="02040503050406030204" pitchFamily="18" charset="0"/>
+                            </a:rPr>
+                            <m:t>𝑊</m:t>
+                          </m:r>
+                        </m:e>
+                        <m:sup>
+                          <m:r>
+                            <a:rPr lang="es-ES" i="1">
+                              <a:solidFill>
+                                <a:schemeClr val="tx1"/>
+                              </a:solidFill>
+                              <a:latin typeface="Cambria Math" panose="02040503050406030204" pitchFamily="18" charset="0"/>
+                            </a:rPr>
+                            <m:t>𝑙</m:t>
+                          </m:r>
+                        </m:sup>
+                      </m:sSup>
+                    </m:oMath>
+                  </m:oMathPara>
+                </a14:m>
+                <a:endParaRPr lang="en-US" dirty="0">
+                  <a:solidFill>
+                    <a:schemeClr val="tx1"/>
+                  </a:solidFill>
+                </a:endParaRPr>
+              </a:p>
+            </p:txBody>
+          </p:sp>
+        </mc:Choice>
+        <mc:Fallback>
+          <p:sp>
+            <p:nvSpPr>
+              <p:cNvPr id="113" name="Rectangle 112">
+                <a:extLst>
+                  <a:ext uri="{FF2B5EF4-FFF2-40B4-BE49-F238E27FC236}">
+                    <a16:creationId xmlns:a16="http://schemas.microsoft.com/office/drawing/2014/main" id="{E3B67087-7958-CC4F-AA4A-B3A8600C0968}"/>
+                  </a:ext>
+                </a:extLst>
+              </p:cNvPr>
+              <p:cNvSpPr>
+                <a:spLocks noRot="1" noChangeAspect="1" noMove="1" noResize="1" noEditPoints="1" noAdjustHandles="1" noChangeArrowheads="1" noChangeShapeType="1" noTextEdit="1"/>
+              </p:cNvSpPr>
+              <p:nvPr/>
+            </p:nvSpPr>
+            <p:spPr>
+              <a:xfrm>
+                <a:off x="1443317" y="539803"/>
+                <a:ext cx="448236" cy="497542"/>
+              </a:xfrm>
+              <a:prstGeom prst="rect">
+                <a:avLst/>
+              </a:prstGeom>
+              <a:blipFill>
+                <a:blip r:embed="rId3"/>
+                <a:stretch>
+                  <a:fillRect/>
+                </a:stretch>
+              </a:blipFill>
+              <a:ln>
+                <a:solidFill>
+                  <a:schemeClr val="accent6">
+                    <a:lumMod val="60000"/>
+                    <a:lumOff val="40000"/>
+                  </a:schemeClr>
+                </a:solidFill>
+              </a:ln>
+            </p:spPr>
+            <p:txBody>
+              <a:bodyPr/>
+              <a:lstStyle/>
+              <a:p>
+                <a:r>
+                  <a:rPr lang="en-US">
+                    <a:noFill/>
+                  </a:rPr>
+                  <a:t> </a:t>
+                </a:r>
+              </a:p>
+            </p:txBody>
+          </p:sp>
+        </mc:Fallback>
+      </mc:AlternateContent>
+      <mc:AlternateContent xmlns:mc="http://schemas.openxmlformats.org/markup-compatibility/2006">
+        <mc:Choice xmlns:a14="http://schemas.microsoft.com/office/drawing/2010/main" Requires="a14">
+          <p:sp>
+            <p:nvSpPr>
+              <p:cNvPr id="114" name="Rectangle 113">
+                <a:extLst>
+                  <a:ext uri="{FF2B5EF4-FFF2-40B4-BE49-F238E27FC236}">
+                    <a16:creationId xmlns:a16="http://schemas.microsoft.com/office/drawing/2014/main" id="{0634C613-509B-634F-A1DA-83322729F34B}"/>
+                  </a:ext>
+                </a:extLst>
+              </p:cNvPr>
+              <p:cNvSpPr/>
+              <p:nvPr/>
+            </p:nvSpPr>
+            <p:spPr>
+              <a:xfrm>
+                <a:off x="2608729" y="539803"/>
+                <a:ext cx="448236" cy="497542"/>
+              </a:xfrm>
+              <a:prstGeom prst="rect">
+                <a:avLst/>
+              </a:prstGeom>
+              <a:solidFill>
+                <a:schemeClr val="accent2">
+                  <a:lumMod val="40000"/>
+                  <a:lumOff val="60000"/>
+                </a:schemeClr>
+              </a:solidFill>
+              <a:ln>
+                <a:solidFill>
+                  <a:schemeClr val="accent2">
+                    <a:lumMod val="60000"/>
+                    <a:lumOff val="40000"/>
+                  </a:schemeClr>
+                </a:solidFill>
+              </a:ln>
+            </p:spPr>
+            <p:style>
+              <a:lnRef idx="2">
+                <a:schemeClr val="accent1">
+                  <a:shade val="50000"/>
+                </a:schemeClr>
+              </a:lnRef>
+              <a:fillRef idx="1">
+                <a:schemeClr val="accent1"/>
+              </a:fillRef>
+              <a:effectRef idx="0">
+                <a:schemeClr val="accent1"/>
+              </a:effectRef>
+              <a:fontRef idx="minor">
+                <a:schemeClr val="lt1"/>
+              </a:fontRef>
+            </p:style>
+            <p:txBody>
+              <a:bodyPr lIns="182880" rIns="91440" rtlCol="0" anchor="ctr"/>
+              <a:lstStyle/>
+              <a:p>
+                <a:pPr algn="ctr"/>
+                <a14:m>
+                  <m:oMathPara xmlns:m="http://schemas.openxmlformats.org/officeDocument/2006/math">
+                    <m:oMathParaPr>
+                      <m:jc m:val="centerGroup"/>
+                    </m:oMathParaPr>
+                    <m:oMath xmlns:m="http://schemas.openxmlformats.org/officeDocument/2006/math">
+                      <m:r>
+                        <a:rPr lang="es-ES" b="0" i="1" smtClean="0">
+                          <a:solidFill>
+                            <a:schemeClr val="tx1"/>
+                          </a:solidFill>
+                          <a:latin typeface="Cambria Math" panose="02040503050406030204" pitchFamily="18" charset="0"/>
+                        </a:rPr>
+                        <m:t>𝐶</m:t>
+                      </m:r>
+                    </m:oMath>
+                  </m:oMathPara>
+                </a14:m>
+                <a:endParaRPr lang="en-US" dirty="0"/>
+              </a:p>
+            </p:txBody>
+          </p:sp>
+        </mc:Choice>
+        <mc:Fallback>
+          <p:sp>
+            <p:nvSpPr>
+              <p:cNvPr id="114" name="Rectangle 113">
+                <a:extLst>
+                  <a:ext uri="{FF2B5EF4-FFF2-40B4-BE49-F238E27FC236}">
+                    <a16:creationId xmlns:a16="http://schemas.microsoft.com/office/drawing/2014/main" id="{0634C613-509B-634F-A1DA-83322729F34B}"/>
+                  </a:ext>
+                </a:extLst>
+              </p:cNvPr>
+              <p:cNvSpPr>
+                <a:spLocks noRot="1" noChangeAspect="1" noMove="1" noResize="1" noEditPoints="1" noAdjustHandles="1" noChangeArrowheads="1" noChangeShapeType="1" noTextEdit="1"/>
+              </p:cNvSpPr>
+              <p:nvPr/>
+            </p:nvSpPr>
+            <p:spPr>
+              <a:xfrm>
+                <a:off x="2608729" y="539803"/>
+                <a:ext cx="448236" cy="497542"/>
+              </a:xfrm>
+              <a:prstGeom prst="rect">
+                <a:avLst/>
+              </a:prstGeom>
+              <a:blipFill>
+                <a:blip r:embed="rId4"/>
+                <a:stretch>
+                  <a:fillRect/>
+                </a:stretch>
+              </a:blipFill>
+              <a:ln>
+                <a:solidFill>
+                  <a:schemeClr val="accent2">
+                    <a:lumMod val="60000"/>
+                    <a:lumOff val="40000"/>
+                  </a:schemeClr>
+                </a:solidFill>
+              </a:ln>
+            </p:spPr>
+            <p:txBody>
+              <a:bodyPr/>
+              <a:lstStyle/>
+              <a:p>
+                <a:r>
+                  <a:rPr lang="en-US">
+                    <a:noFill/>
+                  </a:rPr>
+                  <a:t> </a:t>
+                </a:r>
+              </a:p>
+            </p:txBody>
+          </p:sp>
+        </mc:Fallback>
+      </mc:AlternateContent>
+      <mc:AlternateContent xmlns:mc="http://schemas.openxmlformats.org/markup-compatibility/2006">
+        <mc:Choice xmlns:a14="http://schemas.microsoft.com/office/drawing/2010/main" Requires="a14">
+          <p:sp>
+            <p:nvSpPr>
+              <p:cNvPr id="115" name="Rectangle 114">
+                <a:extLst>
+                  <a:ext uri="{FF2B5EF4-FFF2-40B4-BE49-F238E27FC236}">
+                    <a16:creationId xmlns:a16="http://schemas.microsoft.com/office/drawing/2014/main" id="{FC6E52A9-F5E4-954C-B1FB-D5DA2CBA54E9}"/>
+                  </a:ext>
+                </a:extLst>
+              </p:cNvPr>
+              <p:cNvSpPr/>
+              <p:nvPr/>
+            </p:nvSpPr>
+            <p:spPr>
+              <a:xfrm>
+                <a:off x="2026023" y="539803"/>
+                <a:ext cx="448236" cy="497542"/>
+              </a:xfrm>
+              <a:prstGeom prst="rect">
+                <a:avLst/>
+              </a:prstGeom>
+              <a:solidFill>
+                <a:schemeClr val="accent6">
+                  <a:lumMod val="60000"/>
+                  <a:lumOff val="40000"/>
+                </a:schemeClr>
+              </a:solidFill>
+              <a:ln>
+                <a:solidFill>
+                  <a:schemeClr val="accent6">
+                    <a:lumMod val="75000"/>
+                  </a:schemeClr>
+                </a:solidFill>
+              </a:ln>
+            </p:spPr>
+            <p:style>
+              <a:lnRef idx="2">
+                <a:schemeClr val="accent1">
+                  <a:shade val="50000"/>
+                </a:schemeClr>
+              </a:lnRef>
+              <a:fillRef idx="1">
+                <a:schemeClr val="accent1"/>
+              </a:fillRef>
+              <a:effectRef idx="0">
+                <a:schemeClr val="accent1"/>
+              </a:effectRef>
+              <a:fontRef idx="minor">
+                <a:schemeClr val="lt1"/>
+              </a:fontRef>
+            </p:style>
+            <p:txBody>
+              <a:bodyPr lIns="182880" rIns="91440" rtlCol="0" anchor="ctr"/>
+              <a:lstStyle/>
+              <a:p>
+                <a:pPr lvl="0" algn="ctr">
+                  <a:defRPr/>
+                </a:pPr>
+                <a14:m>
+                  <m:oMathPara xmlns:m="http://schemas.openxmlformats.org/officeDocument/2006/math">
+                    <m:oMathParaPr>
+                      <m:jc m:val="center"/>
+                    </m:oMathParaPr>
+                    <m:oMath xmlns:m="http://schemas.openxmlformats.org/officeDocument/2006/math">
+                      <m:sSup>
+                        <m:sSupPr>
+                          <m:ctrlPr>
+                            <a:rPr lang="en-US" i="1" smtClean="0">
+                              <a:solidFill>
+                                <a:schemeClr val="tx1"/>
+                              </a:solidFill>
+                              <a:latin typeface="Cambria Math" panose="02040503050406030204" pitchFamily="18" charset="0"/>
+                            </a:rPr>
+                          </m:ctrlPr>
+                        </m:sSupPr>
+                        <m:e>
+                          <m:r>
+                            <a:rPr lang="es-ES" i="1">
+                              <a:solidFill>
+                                <a:schemeClr val="tx1"/>
+                              </a:solidFill>
+                              <a:latin typeface="Cambria Math" panose="02040503050406030204" pitchFamily="18" charset="0"/>
+                            </a:rPr>
+                            <m:t>𝑊</m:t>
+                          </m:r>
+                        </m:e>
+                        <m:sup>
+                          <m:r>
+                            <a:rPr lang="es-ES" i="1">
+                              <a:solidFill>
+                                <a:schemeClr val="tx1"/>
+                              </a:solidFill>
+                              <a:latin typeface="Cambria Math" panose="02040503050406030204" pitchFamily="18" charset="0"/>
+                            </a:rPr>
+                            <m:t>𝐿</m:t>
+                          </m:r>
+                        </m:sup>
+                      </m:sSup>
+                    </m:oMath>
+                  </m:oMathPara>
+                </a14:m>
+                <a:endParaRPr lang="en-US" dirty="0">
+                  <a:solidFill>
+                    <a:schemeClr val="tx1"/>
+                  </a:solidFill>
+                </a:endParaRPr>
+              </a:p>
+            </p:txBody>
+          </p:sp>
+        </mc:Choice>
+        <mc:Fallback>
+          <p:sp>
+            <p:nvSpPr>
+              <p:cNvPr id="115" name="Rectangle 114">
+                <a:extLst>
+                  <a:ext uri="{FF2B5EF4-FFF2-40B4-BE49-F238E27FC236}">
+                    <a16:creationId xmlns:a16="http://schemas.microsoft.com/office/drawing/2014/main" id="{FC6E52A9-F5E4-954C-B1FB-D5DA2CBA54E9}"/>
+                  </a:ext>
+                </a:extLst>
+              </p:cNvPr>
+              <p:cNvSpPr>
+                <a:spLocks noRot="1" noChangeAspect="1" noMove="1" noResize="1" noEditPoints="1" noAdjustHandles="1" noChangeArrowheads="1" noChangeShapeType="1" noTextEdit="1"/>
+              </p:cNvSpPr>
+              <p:nvPr/>
+            </p:nvSpPr>
+            <p:spPr>
+              <a:xfrm>
+                <a:off x="2026023" y="539803"/>
+                <a:ext cx="448236" cy="497542"/>
+              </a:xfrm>
+              <a:prstGeom prst="rect">
+                <a:avLst/>
+              </a:prstGeom>
+              <a:blipFill>
+                <a:blip r:embed="rId5"/>
+                <a:stretch>
+                  <a:fillRect/>
+                </a:stretch>
+              </a:blipFill>
+              <a:ln>
+                <a:solidFill>
+                  <a:schemeClr val="accent6">
+                    <a:lumMod val="75000"/>
+                  </a:schemeClr>
+                </a:solidFill>
+              </a:ln>
+            </p:spPr>
+            <p:txBody>
+              <a:bodyPr/>
+              <a:lstStyle/>
+              <a:p>
+                <a:r>
+                  <a:rPr lang="en-US">
+                    <a:noFill/>
+                  </a:rPr>
+                  <a:t> </a:t>
+                </a:r>
+              </a:p>
+            </p:txBody>
+          </p:sp>
+        </mc:Fallback>
+      </mc:AlternateContent>
+      <p:sp>
+        <p:nvSpPr>
+          <p:cNvPr id="116" name="TextBox 115">
+            <a:extLst>
+              <a:ext uri="{FF2B5EF4-FFF2-40B4-BE49-F238E27FC236}">
+                <a16:creationId xmlns:a16="http://schemas.microsoft.com/office/drawing/2014/main" id="{D2A76362-243B-3C4A-B5D0-455D60B9A63A}"/>
+              </a:ext>
+            </a:extLst>
+          </p:cNvPr>
+          <p:cNvSpPr txBox="1"/>
+          <p:nvPr/>
+        </p:nvSpPr>
+        <p:spPr>
+          <a:xfrm>
+            <a:off x="803416" y="208004"/>
+            <a:ext cx="864019" cy="369332"/>
+          </a:xfrm>
+          <a:prstGeom prst="rect">
+            <a:avLst/>
+          </a:prstGeom>
+          <a:noFill/>
+        </p:spPr>
+        <p:txBody>
+          <a:bodyPr wrap="none" rtlCol="0">
+            <a:spAutoFit/>
+          </a:bodyPr>
+          <a:lstStyle/>
+          <a:p>
+            <a:r>
+              <a:rPr lang="en-US" dirty="0"/>
+              <a:t>Legend</a:t>
+            </a:r>
+          </a:p>
+        </p:txBody>
+      </p:sp>
+      <p:cxnSp>
+        <p:nvCxnSpPr>
+          <p:cNvPr id="118" name="Straight Connector 117">
+            <a:extLst>
+              <a:ext uri="{FF2B5EF4-FFF2-40B4-BE49-F238E27FC236}">
+                <a16:creationId xmlns:a16="http://schemas.microsoft.com/office/drawing/2014/main" id="{D69687C4-84AD-C645-ABE1-66A3FC899B6E}"/>
+              </a:ext>
+            </a:extLst>
+          </p:cNvPr>
+          <p:cNvCxnSpPr/>
+          <p:nvPr/>
+        </p:nvCxnSpPr>
+        <p:spPr>
+          <a:xfrm>
+            <a:off x="560439" y="1553497"/>
+            <a:ext cx="11238271" cy="0"/>
+          </a:xfrm>
+          <a:prstGeom prst="line">
+            <a:avLst/>
+          </a:prstGeom>
+        </p:spPr>
+        <p:style>
+          <a:lnRef idx="1">
+            <a:schemeClr val="accent1"/>
+          </a:lnRef>
+          <a:fillRef idx="0">
+            <a:schemeClr val="accent1"/>
+          </a:fillRef>
+          <a:effectRef idx="0">
+            <a:schemeClr val="accent1"/>
+          </a:effectRef>
+          <a:fontRef idx="minor">
+            <a:schemeClr val="tx1"/>
+          </a:fontRef>
+        </p:style>
+      </p:cxnSp>
+      <p:cxnSp>
+        <p:nvCxnSpPr>
+          <p:cNvPr id="119" name="Straight Connector 118">
+            <a:extLst>
+              <a:ext uri="{FF2B5EF4-FFF2-40B4-BE49-F238E27FC236}">
+                <a16:creationId xmlns:a16="http://schemas.microsoft.com/office/drawing/2014/main" id="{4D27C4C8-6BCC-A242-9606-3E169081BBBD}"/>
+              </a:ext>
+            </a:extLst>
+          </p:cNvPr>
+          <p:cNvCxnSpPr/>
+          <p:nvPr/>
+        </p:nvCxnSpPr>
+        <p:spPr>
+          <a:xfrm>
+            <a:off x="560439" y="3711678"/>
+            <a:ext cx="11238271" cy="0"/>
+          </a:xfrm>
+          <a:prstGeom prst="line">
+            <a:avLst/>
+          </a:prstGeom>
+        </p:spPr>
+        <p:style>
+          <a:lnRef idx="1">
+            <a:schemeClr val="accent1"/>
+          </a:lnRef>
+          <a:fillRef idx="0">
+            <a:schemeClr val="accent1"/>
+          </a:fillRef>
+          <a:effectRef idx="0">
+            <a:schemeClr val="accent1"/>
+          </a:effectRef>
+          <a:fontRef idx="minor">
+            <a:schemeClr val="tx1"/>
+          </a:fontRef>
+        </p:style>
+      </p:cxnSp>
+      <p:cxnSp>
+        <p:nvCxnSpPr>
+          <p:cNvPr id="120" name="Straight Connector 119">
+            <a:extLst>
+              <a:ext uri="{FF2B5EF4-FFF2-40B4-BE49-F238E27FC236}">
+                <a16:creationId xmlns:a16="http://schemas.microsoft.com/office/drawing/2014/main" id="{640028EC-1F2A-834A-9905-B9EA947C1BA1}"/>
+              </a:ext>
+            </a:extLst>
+          </p:cNvPr>
+          <p:cNvCxnSpPr/>
+          <p:nvPr/>
+        </p:nvCxnSpPr>
+        <p:spPr>
+          <a:xfrm>
+            <a:off x="560439" y="5899355"/>
+            <a:ext cx="11238271" cy="0"/>
+          </a:xfrm>
+          <a:prstGeom prst="line">
+            <a:avLst/>
+          </a:prstGeom>
+        </p:spPr>
+        <p:style>
+          <a:lnRef idx="1">
+            <a:schemeClr val="accent1"/>
+          </a:lnRef>
+          <a:fillRef idx="0">
+            <a:schemeClr val="accent1"/>
+          </a:fillRef>
+          <a:effectRef idx="0">
+            <a:schemeClr val="accent1"/>
+          </a:effectRef>
+          <a:fontRef idx="minor">
+            <a:schemeClr val="tx1"/>
+          </a:fontRef>
+        </p:style>
+      </p:cxnSp>
+      <p:cxnSp>
+        <p:nvCxnSpPr>
+          <p:cNvPr id="122" name="Straight Connector 121">
+            <a:extLst>
+              <a:ext uri="{FF2B5EF4-FFF2-40B4-BE49-F238E27FC236}">
+                <a16:creationId xmlns:a16="http://schemas.microsoft.com/office/drawing/2014/main" id="{9F2D93FF-A907-6D4E-9D17-3632F726E78D}"/>
+              </a:ext>
+            </a:extLst>
+          </p:cNvPr>
+          <p:cNvCxnSpPr>
+            <a:cxnSpLocks/>
+          </p:cNvCxnSpPr>
+          <p:nvPr/>
+        </p:nvCxnSpPr>
+        <p:spPr>
+          <a:xfrm>
+            <a:off x="560439" y="1553497"/>
+            <a:ext cx="0" cy="4345858"/>
+          </a:xfrm>
+          <a:prstGeom prst="line">
+            <a:avLst/>
+          </a:prstGeom>
+        </p:spPr>
+        <p:style>
+          <a:lnRef idx="1">
+            <a:schemeClr val="accent1"/>
+          </a:lnRef>
+          <a:fillRef idx="0">
+            <a:schemeClr val="accent1"/>
+          </a:fillRef>
+          <a:effectRef idx="0">
+            <a:schemeClr val="accent1"/>
+          </a:effectRef>
+          <a:fontRef idx="minor">
+            <a:schemeClr val="tx1"/>
+          </a:fontRef>
+        </p:style>
+      </p:cxnSp>
+      <p:cxnSp>
+        <p:nvCxnSpPr>
+          <p:cNvPr id="123" name="Straight Connector 122">
+            <a:extLst>
+              <a:ext uri="{FF2B5EF4-FFF2-40B4-BE49-F238E27FC236}">
+                <a16:creationId xmlns:a16="http://schemas.microsoft.com/office/drawing/2014/main" id="{13F1BA36-A0FA-3A40-8778-10293CF69CF8}"/>
+              </a:ext>
+            </a:extLst>
+          </p:cNvPr>
+          <p:cNvCxnSpPr/>
+          <p:nvPr/>
+        </p:nvCxnSpPr>
+        <p:spPr>
+          <a:xfrm>
+            <a:off x="11793794" y="1553497"/>
+            <a:ext cx="0" cy="4375355"/>
+          </a:xfrm>
+          <a:prstGeom prst="line">
+            <a:avLst/>
+          </a:prstGeom>
+        </p:spPr>
+        <p:style>
+          <a:lnRef idx="1">
+            <a:schemeClr val="accent1"/>
+          </a:lnRef>
+          <a:fillRef idx="0">
+            <a:schemeClr val="accent1"/>
+          </a:fillRef>
+          <a:effectRef idx="0">
+            <a:schemeClr val="accent1"/>
+          </a:effectRef>
+          <a:fontRef idx="minor">
+            <a:schemeClr val="tx1"/>
+          </a:fontRef>
+        </p:style>
+      </p:cxnSp>
+      <p:cxnSp>
+        <p:nvCxnSpPr>
+          <p:cNvPr id="124" name="Straight Connector 123">
+            <a:extLst>
+              <a:ext uri="{FF2B5EF4-FFF2-40B4-BE49-F238E27FC236}">
+                <a16:creationId xmlns:a16="http://schemas.microsoft.com/office/drawing/2014/main" id="{A977B9A0-1EC8-CF40-9A1E-7D45B8D94940}"/>
+              </a:ext>
+            </a:extLst>
+          </p:cNvPr>
+          <p:cNvCxnSpPr>
+            <a:cxnSpLocks/>
+          </p:cNvCxnSpPr>
+          <p:nvPr/>
+        </p:nvCxnSpPr>
+        <p:spPr>
+          <a:xfrm>
+            <a:off x="4104968" y="1553497"/>
+            <a:ext cx="0" cy="4345858"/>
+          </a:xfrm>
+          <a:prstGeom prst="line">
+            <a:avLst/>
+          </a:prstGeom>
+        </p:spPr>
+        <p:style>
+          <a:lnRef idx="1">
+            <a:schemeClr val="accent1"/>
+          </a:lnRef>
+          <a:fillRef idx="0">
+            <a:schemeClr val="accent1"/>
+          </a:fillRef>
+          <a:effectRef idx="0">
+            <a:schemeClr val="accent1"/>
+          </a:effectRef>
+          <a:fontRef idx="minor">
+            <a:schemeClr val="tx1"/>
+          </a:fontRef>
+        </p:style>
+      </p:cxnSp>
+      <p:cxnSp>
+        <p:nvCxnSpPr>
+          <p:cNvPr id="126" name="Straight Connector 125">
+            <a:extLst>
+              <a:ext uri="{FF2B5EF4-FFF2-40B4-BE49-F238E27FC236}">
+                <a16:creationId xmlns:a16="http://schemas.microsoft.com/office/drawing/2014/main" id="{FA73DEE9-4887-A34A-8F7C-595881793B92}"/>
+              </a:ext>
+            </a:extLst>
+          </p:cNvPr>
+          <p:cNvCxnSpPr>
+            <a:cxnSpLocks/>
+          </p:cNvCxnSpPr>
+          <p:nvPr/>
+        </p:nvCxnSpPr>
+        <p:spPr>
+          <a:xfrm>
+            <a:off x="7688826" y="1553497"/>
+            <a:ext cx="0" cy="4345858"/>
+          </a:xfrm>
+          <a:prstGeom prst="line">
+            <a:avLst/>
+          </a:prstGeom>
+        </p:spPr>
+        <p:style>
+          <a:lnRef idx="1">
+            <a:schemeClr val="accent1"/>
+          </a:lnRef>
+          <a:fillRef idx="0">
+            <a:schemeClr val="accent1"/>
+          </a:fillRef>
+          <a:effectRef idx="0">
+            <a:schemeClr val="accent1"/>
+          </a:effectRef>
+          <a:fontRef idx="minor">
+            <a:schemeClr val="tx1"/>
+          </a:fontRef>
+        </p:style>
+      </p:cxnSp>
+      <p:sp>
+        <p:nvSpPr>
+          <p:cNvPr id="127" name="Oval 126">
+            <a:extLst>
+              <a:ext uri="{FF2B5EF4-FFF2-40B4-BE49-F238E27FC236}">
+                <a16:creationId xmlns:a16="http://schemas.microsoft.com/office/drawing/2014/main" id="{CED2A29D-7D15-064D-9D6B-16B03A15A5FE}"/>
+              </a:ext>
+            </a:extLst>
+          </p:cNvPr>
+          <p:cNvSpPr/>
+          <p:nvPr/>
+        </p:nvSpPr>
+        <p:spPr>
+          <a:xfrm>
+            <a:off x="627673" y="1650589"/>
+            <a:ext cx="385484" cy="385484"/>
+          </a:xfrm>
+          <a:prstGeom prst="ellipse">
+            <a:avLst/>
+          </a:prstGeom>
+          <a:noFill/>
+        </p:spPr>
+        <p:style>
+          <a:lnRef idx="2">
+            <a:schemeClr val="accent1">
+              <a:shade val="50000"/>
+            </a:schemeClr>
+          </a:lnRef>
+          <a:fillRef idx="1">
+            <a:schemeClr val="accent1"/>
+          </a:fillRef>
+          <a:effectRef idx="0">
+            <a:schemeClr val="accent1"/>
+          </a:effectRef>
+          <a:fontRef idx="minor">
+            <a:schemeClr val="lt1"/>
+          </a:fontRef>
+        </p:style>
+        <p:txBody>
+          <a:bodyPr rtlCol="0" anchor="ctr"/>
+          <a:lstStyle/>
+          <a:p>
+            <a:pPr algn="ctr"/>
+            <a:r>
+              <a:rPr lang="en-US" dirty="0">
+                <a:solidFill>
+                  <a:srgbClr val="002060"/>
+                </a:solidFill>
+              </a:rPr>
+              <a:t>A</a:t>
+            </a:r>
+          </a:p>
+        </p:txBody>
+      </p:sp>
+      <p:sp>
+        <p:nvSpPr>
+          <p:cNvPr id="128" name="Oval 127">
+            <a:extLst>
+              <a:ext uri="{FF2B5EF4-FFF2-40B4-BE49-F238E27FC236}">
+                <a16:creationId xmlns:a16="http://schemas.microsoft.com/office/drawing/2014/main" id="{8018218E-4F58-3046-9C9F-9668908AB8F2}"/>
+              </a:ext>
+            </a:extLst>
+          </p:cNvPr>
+          <p:cNvSpPr/>
+          <p:nvPr/>
+        </p:nvSpPr>
+        <p:spPr>
+          <a:xfrm>
+            <a:off x="4199823" y="1647372"/>
+            <a:ext cx="385484" cy="385484"/>
+          </a:xfrm>
+          <a:prstGeom prst="ellipse">
+            <a:avLst/>
+          </a:prstGeom>
+          <a:noFill/>
+        </p:spPr>
+        <p:style>
+          <a:lnRef idx="2">
+            <a:schemeClr val="accent1">
+              <a:shade val="50000"/>
+            </a:schemeClr>
+          </a:lnRef>
+          <a:fillRef idx="1">
+            <a:schemeClr val="accent1"/>
+          </a:fillRef>
+          <a:effectRef idx="0">
+            <a:schemeClr val="accent1"/>
+          </a:effectRef>
+          <a:fontRef idx="minor">
+            <a:schemeClr val="lt1"/>
+          </a:fontRef>
+        </p:style>
+        <p:txBody>
+          <a:bodyPr rtlCol="0" anchor="ctr"/>
+          <a:lstStyle/>
+          <a:p>
+            <a:pPr algn="ctr"/>
+            <a:r>
+              <a:rPr lang="en-US" dirty="0">
+                <a:solidFill>
+                  <a:srgbClr val="002060"/>
+                </a:solidFill>
+              </a:rPr>
+              <a:t>B</a:t>
+            </a:r>
+          </a:p>
+        </p:txBody>
+      </p:sp>
+      <p:sp>
+        <p:nvSpPr>
+          <p:cNvPr id="129" name="Oval 128">
+            <a:extLst>
+              <a:ext uri="{FF2B5EF4-FFF2-40B4-BE49-F238E27FC236}">
+                <a16:creationId xmlns:a16="http://schemas.microsoft.com/office/drawing/2014/main" id="{1D4AB8CA-43D1-4D4B-B232-A8630383DCB0}"/>
+              </a:ext>
+            </a:extLst>
+          </p:cNvPr>
+          <p:cNvSpPr/>
+          <p:nvPr/>
+        </p:nvSpPr>
+        <p:spPr>
+          <a:xfrm>
+            <a:off x="7789747" y="1653986"/>
+            <a:ext cx="385484" cy="385484"/>
+          </a:xfrm>
+          <a:prstGeom prst="ellipse">
+            <a:avLst/>
+          </a:prstGeom>
+          <a:noFill/>
+        </p:spPr>
+        <p:style>
+          <a:lnRef idx="2">
+            <a:schemeClr val="accent1">
+              <a:shade val="50000"/>
+            </a:schemeClr>
+          </a:lnRef>
+          <a:fillRef idx="1">
+            <a:schemeClr val="accent1"/>
+          </a:fillRef>
+          <a:effectRef idx="0">
+            <a:schemeClr val="accent1"/>
+          </a:effectRef>
+          <a:fontRef idx="minor">
+            <a:schemeClr val="lt1"/>
+          </a:fontRef>
+        </p:style>
+        <p:txBody>
+          <a:bodyPr rtlCol="0" anchor="ctr"/>
+          <a:lstStyle/>
+          <a:p>
+            <a:pPr algn="ctr"/>
+            <a:r>
+              <a:rPr lang="en-US" dirty="0">
+                <a:solidFill>
+                  <a:srgbClr val="002060"/>
+                </a:solidFill>
+              </a:rPr>
+              <a:t>C</a:t>
+            </a:r>
+          </a:p>
+        </p:txBody>
+      </p:sp>
+      <p:sp>
+        <p:nvSpPr>
+          <p:cNvPr id="130" name="Oval 129">
+            <a:extLst>
+              <a:ext uri="{FF2B5EF4-FFF2-40B4-BE49-F238E27FC236}">
+                <a16:creationId xmlns:a16="http://schemas.microsoft.com/office/drawing/2014/main" id="{FDFFBD0C-2B88-9E47-A7E0-C71BCAF9D179}"/>
+              </a:ext>
+            </a:extLst>
+          </p:cNvPr>
+          <p:cNvSpPr/>
+          <p:nvPr/>
+        </p:nvSpPr>
+        <p:spPr>
+          <a:xfrm>
+            <a:off x="656882" y="3810108"/>
+            <a:ext cx="385484" cy="385484"/>
+          </a:xfrm>
+          <a:prstGeom prst="ellipse">
+            <a:avLst/>
+          </a:prstGeom>
+          <a:noFill/>
+        </p:spPr>
+        <p:style>
+          <a:lnRef idx="2">
+            <a:schemeClr val="accent1">
+              <a:shade val="50000"/>
+            </a:schemeClr>
+          </a:lnRef>
+          <a:fillRef idx="1">
+            <a:schemeClr val="accent1"/>
+          </a:fillRef>
+          <a:effectRef idx="0">
+            <a:schemeClr val="accent1"/>
+          </a:effectRef>
+          <a:fontRef idx="minor">
+            <a:schemeClr val="lt1"/>
+          </a:fontRef>
+        </p:style>
+        <p:txBody>
+          <a:bodyPr rtlCol="0" anchor="ctr"/>
+          <a:lstStyle/>
+          <a:p>
+            <a:pPr algn="ctr"/>
+            <a:r>
+              <a:rPr lang="en-US" dirty="0">
+                <a:solidFill>
+                  <a:srgbClr val="002060"/>
+                </a:solidFill>
+              </a:rPr>
+              <a:t>D</a:t>
+            </a:r>
+          </a:p>
+        </p:txBody>
+      </p:sp>
+      <p:sp>
+        <p:nvSpPr>
+          <p:cNvPr id="131" name="Oval 130">
+            <a:extLst>
+              <a:ext uri="{FF2B5EF4-FFF2-40B4-BE49-F238E27FC236}">
+                <a16:creationId xmlns:a16="http://schemas.microsoft.com/office/drawing/2014/main" id="{1C8FE1AA-FB1E-FD42-977D-E8A05FABBD23}"/>
+              </a:ext>
+            </a:extLst>
+          </p:cNvPr>
+          <p:cNvSpPr/>
+          <p:nvPr/>
+        </p:nvSpPr>
+        <p:spPr>
+          <a:xfrm>
+            <a:off x="7785846" y="3785817"/>
+            <a:ext cx="385484" cy="385484"/>
+          </a:xfrm>
+          <a:prstGeom prst="ellipse">
+            <a:avLst/>
+          </a:prstGeom>
+          <a:noFill/>
+        </p:spPr>
+        <p:style>
+          <a:lnRef idx="2">
+            <a:schemeClr val="accent1">
+              <a:shade val="50000"/>
+            </a:schemeClr>
+          </a:lnRef>
+          <a:fillRef idx="1">
+            <a:schemeClr val="accent1"/>
+          </a:fillRef>
+          <a:effectRef idx="0">
+            <a:schemeClr val="accent1"/>
+          </a:effectRef>
+          <a:fontRef idx="minor">
+            <a:schemeClr val="lt1"/>
+          </a:fontRef>
+        </p:style>
+        <p:txBody>
+          <a:bodyPr rtlCol="0" anchor="ctr"/>
+          <a:lstStyle/>
+          <a:p>
+            <a:pPr algn="ctr"/>
+            <a:r>
+              <a:rPr lang="en-US" dirty="0">
+                <a:solidFill>
+                  <a:srgbClr val="002060"/>
+                </a:solidFill>
+              </a:rPr>
+              <a:t>F</a:t>
+            </a:r>
+          </a:p>
+        </p:txBody>
+      </p:sp>
+      <p:sp>
+        <p:nvSpPr>
+          <p:cNvPr id="132" name="Oval 131">
+            <a:extLst>
+              <a:ext uri="{FF2B5EF4-FFF2-40B4-BE49-F238E27FC236}">
+                <a16:creationId xmlns:a16="http://schemas.microsoft.com/office/drawing/2014/main" id="{10A177C3-95A6-D745-A5E2-769C05E1576E}"/>
+              </a:ext>
+            </a:extLst>
+          </p:cNvPr>
+          <p:cNvSpPr/>
+          <p:nvPr/>
+        </p:nvSpPr>
+        <p:spPr>
+          <a:xfrm>
+            <a:off x="4202713" y="3810108"/>
+            <a:ext cx="385484" cy="385484"/>
+          </a:xfrm>
+          <a:prstGeom prst="ellipse">
+            <a:avLst/>
+          </a:prstGeom>
+          <a:noFill/>
+        </p:spPr>
+        <p:style>
+          <a:lnRef idx="2">
+            <a:schemeClr val="accent1">
+              <a:shade val="50000"/>
+            </a:schemeClr>
+          </a:lnRef>
+          <a:fillRef idx="1">
+            <a:schemeClr val="accent1"/>
+          </a:fillRef>
+          <a:effectRef idx="0">
+            <a:schemeClr val="accent1"/>
+          </a:effectRef>
+          <a:fontRef idx="minor">
+            <a:schemeClr val="lt1"/>
+          </a:fontRef>
+        </p:style>
+        <p:txBody>
+          <a:bodyPr rtlCol="0" anchor="ctr"/>
+          <a:lstStyle/>
+          <a:p>
+            <a:pPr algn="ctr"/>
+            <a:r>
+              <a:rPr lang="en-US" dirty="0">
+                <a:solidFill>
+                  <a:srgbClr val="002060"/>
+                </a:solidFill>
+              </a:rPr>
+              <a:t>E</a:t>
+            </a:r>
+          </a:p>
+        </p:txBody>
+      </p:sp>
+      <p:sp>
+        <p:nvSpPr>
+          <p:cNvPr id="133" name="Rectangle 132">
+            <a:extLst>
+              <a:ext uri="{FF2B5EF4-FFF2-40B4-BE49-F238E27FC236}">
+                <a16:creationId xmlns:a16="http://schemas.microsoft.com/office/drawing/2014/main" id="{429EAE05-3913-A64A-A800-061EFD0C60E9}"/>
+              </a:ext>
+            </a:extLst>
+          </p:cNvPr>
+          <p:cNvSpPr/>
+          <p:nvPr/>
+        </p:nvSpPr>
+        <p:spPr>
+          <a:xfrm rot="16200000">
+            <a:off x="-1809865" y="3528475"/>
+            <a:ext cx="4345859" cy="395904"/>
+          </a:xfrm>
+          <a:prstGeom prst="rect">
+            <a:avLst/>
+          </a:prstGeom>
+          <a:noFill/>
+        </p:spPr>
+        <p:style>
+          <a:lnRef idx="2">
+            <a:schemeClr val="accent1">
+              <a:shade val="50000"/>
+            </a:schemeClr>
+          </a:lnRef>
+          <a:fillRef idx="1">
+            <a:schemeClr val="accent1"/>
+          </a:fillRef>
+          <a:effectRef idx="0">
+            <a:schemeClr val="accent1"/>
+          </a:effectRef>
+          <a:fontRef idx="minor">
+            <a:schemeClr val="lt1"/>
+          </a:fontRef>
+        </p:style>
+        <p:txBody>
+          <a:bodyPr rtlCol="0" anchor="ctr"/>
+          <a:lstStyle/>
+          <a:p>
+            <a:pPr algn="ctr"/>
+            <a:r>
+              <a:rPr lang="en-US" dirty="0">
+                <a:solidFill>
+                  <a:srgbClr val="002060"/>
+                </a:solidFill>
+              </a:rPr>
+              <a:t>       SHARING                     NO SHARING</a:t>
+            </a:r>
+          </a:p>
+        </p:txBody>
+      </p:sp>
+      <p:cxnSp>
+        <p:nvCxnSpPr>
+          <p:cNvPr id="139" name="Straight Connector 138">
+            <a:extLst>
+              <a:ext uri="{FF2B5EF4-FFF2-40B4-BE49-F238E27FC236}">
+                <a16:creationId xmlns:a16="http://schemas.microsoft.com/office/drawing/2014/main" id="{37D48E4C-A43B-AA45-BC97-F31CCBCB4703}"/>
+              </a:ext>
+            </a:extLst>
+          </p:cNvPr>
+          <p:cNvCxnSpPr>
+            <a:cxnSpLocks/>
+          </p:cNvCxnSpPr>
+          <p:nvPr/>
+        </p:nvCxnSpPr>
+        <p:spPr>
+          <a:xfrm flipH="1">
+            <a:off x="165113" y="3713302"/>
+            <a:ext cx="395904" cy="0"/>
+          </a:xfrm>
+          <a:prstGeom prst="line">
+            <a:avLst/>
+          </a:prstGeom>
+        </p:spPr>
+        <p:style>
+          <a:lnRef idx="1">
+            <a:schemeClr val="accent1"/>
+          </a:lnRef>
+          <a:fillRef idx="0">
+            <a:schemeClr val="accent1"/>
+          </a:fillRef>
+          <a:effectRef idx="0">
+            <a:schemeClr val="accent1"/>
+          </a:effectRef>
+          <a:fontRef idx="minor">
+            <a:schemeClr val="tx1"/>
+          </a:fontRef>
+        </p:style>
+      </p:cxnSp>
     </p:spTree>
     <p:extLst>
       <p:ext uri="{BB962C8B-B14F-4D97-AF65-F5344CB8AC3E}">

--- a/images/images.pptx
+++ b/images/images.pptx
@@ -9,6 +9,9 @@
     <p:sldId id="262" r:id="rId3"/>
     <p:sldId id="261" r:id="rId4"/>
     <p:sldId id="259" r:id="rId5"/>
+    <p:sldId id="263" r:id="rId6"/>
+    <p:sldId id="264" r:id="rId7"/>
+    <p:sldId id="265" r:id="rId8"/>
   </p:sldIdLst>
   <p:sldSz cx="12192000" cy="6858000"/>
   <p:notesSz cx="6858000" cy="9144000"/>
@@ -346,7 +349,7 @@
           <a:p>
             <a:fld id="{77668D65-797A-CD4A-9857-9804BB008E34}" type="datetimeFigureOut">
               <a:rPr lang="en-US" smtClean="0"/>
-              <a:t>3/1/19</a:t>
+              <a:t>3/11/19</a:t>
             </a:fld>
             <a:endParaRPr lang="en-US"/>
           </a:p>
@@ -544,7 +547,7 @@
           <a:p>
             <a:fld id="{77668D65-797A-CD4A-9857-9804BB008E34}" type="datetimeFigureOut">
               <a:rPr lang="en-US" smtClean="0"/>
-              <a:t>3/1/19</a:t>
+              <a:t>3/11/19</a:t>
             </a:fld>
             <a:endParaRPr lang="en-US"/>
           </a:p>
@@ -752,7 +755,7 @@
           <a:p>
             <a:fld id="{77668D65-797A-CD4A-9857-9804BB008E34}" type="datetimeFigureOut">
               <a:rPr lang="en-US" smtClean="0"/>
-              <a:t>3/1/19</a:t>
+              <a:t>3/11/19</a:t>
             </a:fld>
             <a:endParaRPr lang="en-US"/>
           </a:p>
@@ -950,7 +953,7 @@
           <a:p>
             <a:fld id="{77668D65-797A-CD4A-9857-9804BB008E34}" type="datetimeFigureOut">
               <a:rPr lang="en-US" smtClean="0"/>
-              <a:t>3/1/19</a:t>
+              <a:t>3/11/19</a:t>
             </a:fld>
             <a:endParaRPr lang="en-US"/>
           </a:p>
@@ -1225,7 +1228,7 @@
           <a:p>
             <a:fld id="{77668D65-797A-CD4A-9857-9804BB008E34}" type="datetimeFigureOut">
               <a:rPr lang="en-US" smtClean="0"/>
-              <a:t>3/1/19</a:t>
+              <a:t>3/11/19</a:t>
             </a:fld>
             <a:endParaRPr lang="en-US"/>
           </a:p>
@@ -1490,7 +1493,7 @@
           <a:p>
             <a:fld id="{77668D65-797A-CD4A-9857-9804BB008E34}" type="datetimeFigureOut">
               <a:rPr lang="en-US" smtClean="0"/>
-              <a:t>3/1/19</a:t>
+              <a:t>3/11/19</a:t>
             </a:fld>
             <a:endParaRPr lang="en-US"/>
           </a:p>
@@ -1902,7 +1905,7 @@
           <a:p>
             <a:fld id="{77668D65-797A-CD4A-9857-9804BB008E34}" type="datetimeFigureOut">
               <a:rPr lang="en-US" smtClean="0"/>
-              <a:t>3/1/19</a:t>
+              <a:t>3/11/19</a:t>
             </a:fld>
             <a:endParaRPr lang="en-US"/>
           </a:p>
@@ -2043,7 +2046,7 @@
           <a:p>
             <a:fld id="{77668D65-797A-CD4A-9857-9804BB008E34}" type="datetimeFigureOut">
               <a:rPr lang="en-US" smtClean="0"/>
-              <a:t>3/1/19</a:t>
+              <a:t>3/11/19</a:t>
             </a:fld>
             <a:endParaRPr lang="en-US"/>
           </a:p>
@@ -2156,7 +2159,7 @@
           <a:p>
             <a:fld id="{77668D65-797A-CD4A-9857-9804BB008E34}" type="datetimeFigureOut">
               <a:rPr lang="en-US" smtClean="0"/>
-              <a:t>3/1/19</a:t>
+              <a:t>3/11/19</a:t>
             </a:fld>
             <a:endParaRPr lang="en-US"/>
           </a:p>
@@ -2467,7 +2470,7 @@
           <a:p>
             <a:fld id="{77668D65-797A-CD4A-9857-9804BB008E34}" type="datetimeFigureOut">
               <a:rPr lang="en-US" smtClean="0"/>
-              <a:t>3/1/19</a:t>
+              <a:t>3/11/19</a:t>
             </a:fld>
             <a:endParaRPr lang="en-US"/>
           </a:p>
@@ -2755,7 +2758,7 @@
           <a:p>
             <a:fld id="{77668D65-797A-CD4A-9857-9804BB008E34}" type="datetimeFigureOut">
               <a:rPr lang="en-US" smtClean="0"/>
-              <a:t>3/1/19</a:t>
+              <a:t>3/11/19</a:t>
             </a:fld>
             <a:endParaRPr lang="en-US"/>
           </a:p>
@@ -2996,7 +2999,7 @@
           <a:p>
             <a:fld id="{77668D65-797A-CD4A-9857-9804BB008E34}" type="datetimeFigureOut">
               <a:rPr lang="en-US" smtClean="0"/>
-              <a:t>3/1/19</a:t>
+              <a:t>3/11/19</a:t>
             </a:fld>
             <a:endParaRPr lang="en-US"/>
           </a:p>
@@ -5358,8 +5361,8 @@
           </a:p>
         </p:txBody>
       </p:sp>
-      <mc:AlternateContent xmlns:mc="http://schemas.openxmlformats.org/markup-compatibility/2006" xmlns:a14="http://schemas.microsoft.com/office/drawing/2010/main">
-        <mc:Choice Requires="a14">
+      <mc:AlternateContent xmlns:mc="http://schemas.openxmlformats.org/markup-compatibility/2006">
+        <mc:Choice xmlns:a14="http://schemas.microsoft.com/office/drawing/2010/main" Requires="a14">
           <p:sp>
             <p:nvSpPr>
               <p:cNvPr id="35" name="TextBox 34">
@@ -5374,7 +5377,7 @@
             </p:nvSpPr>
             <p:spPr>
               <a:xfrm>
-                <a:off x="10762962" y="1198591"/>
+                <a:off x="10745032" y="1144801"/>
                 <a:ext cx="365741" cy="369332"/>
               </a:xfrm>
               <a:prstGeom prst="rect">
@@ -5409,7 +5412,7 @@
             </p:txBody>
           </p:sp>
         </mc:Choice>
-        <mc:Fallback xmlns="">
+        <mc:Fallback>
           <p:sp>
             <p:nvSpPr>
               <p:cNvPr id="35" name="TextBox 34">
@@ -5426,7 +5429,7 @@
             </p:nvSpPr>
             <p:spPr>
               <a:xfrm>
-                <a:off x="10762962" y="1198591"/>
+                <a:off x="10745032" y="1144801"/>
                 <a:ext cx="365741" cy="369332"/>
               </a:xfrm>
               <a:prstGeom prst="rect">
@@ -17494,8 +17497,8 @@
           </p:sp>
         </mc:Fallback>
       </mc:AlternateContent>
-      <mc:AlternateContent xmlns:mc="http://schemas.openxmlformats.org/markup-compatibility/2006">
-        <mc:Choice xmlns:a14="http://schemas.microsoft.com/office/drawing/2010/main" Requires="a14">
+      <mc:AlternateContent xmlns:mc="http://schemas.openxmlformats.org/markup-compatibility/2006" xmlns:a14="http://schemas.microsoft.com/office/drawing/2010/main">
+        <mc:Choice Requires="a14">
           <p:sp>
             <p:nvSpPr>
               <p:cNvPr id="59" name="TextBox 58">
@@ -17564,7 +17567,7 @@
             </p:txBody>
           </p:sp>
         </mc:Choice>
-        <mc:Fallback>
+        <mc:Fallback xmlns="">
           <p:sp>
             <p:nvSpPr>
               <p:cNvPr id="59" name="TextBox 58">
@@ -22034,8 +22037,8 @@
           </a:fontRef>
         </p:style>
       </p:cxnSp>
-      <mc:AlternateContent xmlns:mc="http://schemas.openxmlformats.org/markup-compatibility/2006">
-        <mc:Choice xmlns:a14="http://schemas.microsoft.com/office/drawing/2010/main" Requires="a14">
+      <mc:AlternateContent xmlns:mc="http://schemas.openxmlformats.org/markup-compatibility/2006" xmlns:a14="http://schemas.microsoft.com/office/drawing/2010/main">
+        <mc:Choice Requires="a14">
           <p:sp>
             <p:nvSpPr>
               <p:cNvPr id="112" name="Rectangle 111">
@@ -22144,7 +22147,7 @@
             </p:txBody>
           </p:sp>
         </mc:Choice>
-        <mc:Fallback>
+        <mc:Fallback xmlns="">
           <p:sp>
             <p:nvSpPr>
               <p:cNvPr id="112" name="Rectangle 111">
@@ -22197,8 +22200,8 @@
           </p:sp>
         </mc:Fallback>
       </mc:AlternateContent>
-      <mc:AlternateContent xmlns:mc="http://schemas.openxmlformats.org/markup-compatibility/2006">
-        <mc:Choice xmlns:a14="http://schemas.microsoft.com/office/drawing/2010/main" Requires="a14">
+      <mc:AlternateContent xmlns:mc="http://schemas.openxmlformats.org/markup-compatibility/2006" xmlns:a14="http://schemas.microsoft.com/office/drawing/2010/main">
+        <mc:Choice Requires="a14">
           <p:sp>
             <p:nvSpPr>
               <p:cNvPr id="113" name="Rectangle 112">
@@ -22307,7 +22310,7 @@
             </p:txBody>
           </p:sp>
         </mc:Choice>
-        <mc:Fallback>
+        <mc:Fallback xmlns="">
           <p:sp>
             <p:nvSpPr>
               <p:cNvPr id="113" name="Rectangle 112">
@@ -22360,8 +22363,8 @@
           </p:sp>
         </mc:Fallback>
       </mc:AlternateContent>
-      <mc:AlternateContent xmlns:mc="http://schemas.openxmlformats.org/markup-compatibility/2006">
-        <mc:Choice xmlns:a14="http://schemas.microsoft.com/office/drawing/2010/main" Requires="a14">
+      <mc:AlternateContent xmlns:mc="http://schemas.openxmlformats.org/markup-compatibility/2006" xmlns:a14="http://schemas.microsoft.com/office/drawing/2010/main">
+        <mc:Choice Requires="a14">
           <p:sp>
             <p:nvSpPr>
               <p:cNvPr id="114" name="Rectangle 113">
@@ -22441,7 +22444,7 @@
             </p:txBody>
           </p:sp>
         </mc:Choice>
-        <mc:Fallback>
+        <mc:Fallback xmlns="">
           <p:sp>
             <p:nvSpPr>
               <p:cNvPr id="114" name="Rectangle 113">
@@ -22494,8 +22497,8 @@
           </p:sp>
         </mc:Fallback>
       </mc:AlternateContent>
-      <mc:AlternateContent xmlns:mc="http://schemas.openxmlformats.org/markup-compatibility/2006">
-        <mc:Choice xmlns:a14="http://schemas.microsoft.com/office/drawing/2010/main" Requires="a14">
+      <mc:AlternateContent xmlns:mc="http://schemas.openxmlformats.org/markup-compatibility/2006" xmlns:a14="http://schemas.microsoft.com/office/drawing/2010/main">
+        <mc:Choice Requires="a14">
           <p:sp>
             <p:nvSpPr>
               <p:cNvPr id="115" name="Rectangle 114">
@@ -22605,7 +22608,7 @@
             </p:txBody>
           </p:sp>
         </mc:Choice>
-        <mc:Fallback>
+        <mc:Fallback xmlns="">
           <p:sp>
             <p:nvSpPr>
               <p:cNvPr id="115" name="Rectangle 114">
@@ -23370,6 +23373,4306 @@
     <p:extLst>
       <p:ext uri="{BB962C8B-B14F-4D97-AF65-F5344CB8AC3E}">
         <p14:creationId xmlns:p14="http://schemas.microsoft.com/office/powerpoint/2010/main" val="2468987005"/>
+      </p:ext>
+    </p:extLst>
+  </p:cSld>
+  <p:clrMapOvr>
+    <a:masterClrMapping/>
+  </p:clrMapOvr>
+</p:sld>
+</file>
+
+<file path=ppt/slides/slide5.xml><?xml version="1.0" encoding="utf-8"?>
+<p:sld xmlns:a="http://schemas.openxmlformats.org/drawingml/2006/main" xmlns:r="http://schemas.openxmlformats.org/officeDocument/2006/relationships" xmlns:p="http://schemas.openxmlformats.org/presentationml/2006/main">
+  <p:cSld>
+    <p:spTree>
+      <p:nvGrpSpPr>
+        <p:cNvPr id="1" name=""/>
+        <p:cNvGrpSpPr/>
+        <p:nvPr/>
+      </p:nvGrpSpPr>
+      <p:grpSpPr>
+        <a:xfrm>
+          <a:off x="0" y="0"/>
+          <a:ext cx="0" cy="0"/>
+          <a:chOff x="0" y="0"/>
+          <a:chExt cx="0" cy="0"/>
+        </a:xfrm>
+      </p:grpSpPr>
+      <p:sp>
+        <p:nvSpPr>
+          <p:cNvPr id="2" name="Rectangle 1">
+            <a:extLst>
+              <a:ext uri="{FF2B5EF4-FFF2-40B4-BE49-F238E27FC236}">
+                <a16:creationId xmlns:a16="http://schemas.microsoft.com/office/drawing/2014/main" id="{67D53CA7-C2B3-E845-B5C7-0EACC5B33975}"/>
+              </a:ext>
+            </a:extLst>
+          </p:cNvPr>
+          <p:cNvSpPr/>
+          <p:nvPr/>
+        </p:nvSpPr>
+        <p:spPr>
+          <a:xfrm>
+            <a:off x="824733" y="2637410"/>
+            <a:ext cx="1712259" cy="896470"/>
+          </a:xfrm>
+          <a:prstGeom prst="rect">
+            <a:avLst/>
+          </a:prstGeom>
+          <a:solidFill>
+            <a:schemeClr val="accent5">
+              <a:lumMod val="40000"/>
+              <a:lumOff val="60000"/>
+            </a:schemeClr>
+          </a:solidFill>
+          <a:ln>
+            <a:solidFill>
+              <a:schemeClr val="accent5">
+                <a:lumMod val="40000"/>
+                <a:lumOff val="60000"/>
+              </a:schemeClr>
+            </a:solidFill>
+          </a:ln>
+        </p:spPr>
+        <p:style>
+          <a:lnRef idx="2">
+            <a:schemeClr val="accent1">
+              <a:shade val="50000"/>
+            </a:schemeClr>
+          </a:lnRef>
+          <a:fillRef idx="1">
+            <a:schemeClr val="accent1"/>
+          </a:fillRef>
+          <a:effectRef idx="0">
+            <a:schemeClr val="accent1"/>
+          </a:effectRef>
+          <a:fontRef idx="minor">
+            <a:schemeClr val="lt1"/>
+          </a:fontRef>
+        </p:style>
+        <p:txBody>
+          <a:bodyPr rtlCol="0" anchor="ctr"/>
+          <a:lstStyle/>
+          <a:p>
+            <a:pPr algn="ctr"/>
+            <a:endParaRPr lang="en-US"/>
+          </a:p>
+        </p:txBody>
+      </p:sp>
+      <p:sp>
+        <p:nvSpPr>
+          <p:cNvPr id="3" name="Rectangle 2">
+            <a:extLst>
+              <a:ext uri="{FF2B5EF4-FFF2-40B4-BE49-F238E27FC236}">
+                <a16:creationId xmlns:a16="http://schemas.microsoft.com/office/drawing/2014/main" id="{89CA3367-8A78-8040-8805-A89295F9C50C}"/>
+              </a:ext>
+            </a:extLst>
+          </p:cNvPr>
+          <p:cNvSpPr/>
+          <p:nvPr/>
+        </p:nvSpPr>
+        <p:spPr>
+          <a:xfrm>
+            <a:off x="3787535" y="2268078"/>
+            <a:ext cx="1712259" cy="448235"/>
+          </a:xfrm>
+          <a:prstGeom prst="rect">
+            <a:avLst/>
+          </a:prstGeom>
+          <a:solidFill>
+            <a:schemeClr val="accent4">
+              <a:lumMod val="40000"/>
+              <a:lumOff val="60000"/>
+            </a:schemeClr>
+          </a:solidFill>
+          <a:ln>
+            <a:solidFill>
+              <a:schemeClr val="accent4">
+                <a:lumMod val="60000"/>
+                <a:lumOff val="40000"/>
+              </a:schemeClr>
+            </a:solidFill>
+          </a:ln>
+        </p:spPr>
+        <p:style>
+          <a:lnRef idx="2">
+            <a:schemeClr val="accent1">
+              <a:shade val="50000"/>
+            </a:schemeClr>
+          </a:lnRef>
+          <a:fillRef idx="1">
+            <a:schemeClr val="accent1"/>
+          </a:fillRef>
+          <a:effectRef idx="0">
+            <a:schemeClr val="accent1"/>
+          </a:effectRef>
+          <a:fontRef idx="minor">
+            <a:schemeClr val="lt1"/>
+          </a:fontRef>
+        </p:style>
+        <p:txBody>
+          <a:bodyPr rtlCol="0" anchor="ctr"/>
+          <a:lstStyle/>
+          <a:p>
+            <a:pPr algn="ctr"/>
+            <a:endParaRPr lang="en-US"/>
+          </a:p>
+        </p:txBody>
+      </p:sp>
+      <p:sp>
+        <p:nvSpPr>
+          <p:cNvPr id="4" name="Rectangle 3">
+            <a:extLst>
+              <a:ext uri="{FF2B5EF4-FFF2-40B4-BE49-F238E27FC236}">
+                <a16:creationId xmlns:a16="http://schemas.microsoft.com/office/drawing/2014/main" id="{03D6EEDC-4B80-F547-BBA4-0A792CDAAF83}"/>
+              </a:ext>
+            </a:extLst>
+          </p:cNvPr>
+          <p:cNvSpPr/>
+          <p:nvPr/>
+        </p:nvSpPr>
+        <p:spPr>
+          <a:xfrm>
+            <a:off x="3787535" y="2967322"/>
+            <a:ext cx="1712259" cy="448235"/>
+          </a:xfrm>
+          <a:prstGeom prst="rect">
+            <a:avLst/>
+          </a:prstGeom>
+          <a:solidFill>
+            <a:schemeClr val="accent6">
+              <a:lumMod val="40000"/>
+              <a:lumOff val="60000"/>
+            </a:schemeClr>
+          </a:solidFill>
+          <a:ln>
+            <a:solidFill>
+              <a:schemeClr val="accent6">
+                <a:lumMod val="60000"/>
+                <a:lumOff val="40000"/>
+              </a:schemeClr>
+            </a:solidFill>
+          </a:ln>
+        </p:spPr>
+        <p:style>
+          <a:lnRef idx="2">
+            <a:schemeClr val="accent1">
+              <a:shade val="50000"/>
+            </a:schemeClr>
+          </a:lnRef>
+          <a:fillRef idx="1">
+            <a:schemeClr val="accent1"/>
+          </a:fillRef>
+          <a:effectRef idx="0">
+            <a:schemeClr val="accent1"/>
+          </a:effectRef>
+          <a:fontRef idx="minor">
+            <a:schemeClr val="lt1"/>
+          </a:fontRef>
+        </p:style>
+        <p:txBody>
+          <a:bodyPr rtlCol="0" anchor="ctr"/>
+          <a:lstStyle/>
+          <a:p>
+            <a:pPr algn="ctr"/>
+            <a:endParaRPr lang="en-US"/>
+          </a:p>
+        </p:txBody>
+      </p:sp>
+      <p:sp>
+        <p:nvSpPr>
+          <p:cNvPr id="5" name="Rectangle 4">
+            <a:extLst>
+              <a:ext uri="{FF2B5EF4-FFF2-40B4-BE49-F238E27FC236}">
+                <a16:creationId xmlns:a16="http://schemas.microsoft.com/office/drawing/2014/main" id="{1DEEE822-B9B4-E544-ADC5-4D70A570EB4B}"/>
+              </a:ext>
+            </a:extLst>
+          </p:cNvPr>
+          <p:cNvSpPr/>
+          <p:nvPr/>
+        </p:nvSpPr>
+        <p:spPr>
+          <a:xfrm>
+            <a:off x="3787535" y="3666566"/>
+            <a:ext cx="1712259" cy="448235"/>
+          </a:xfrm>
+          <a:prstGeom prst="rect">
+            <a:avLst/>
+          </a:prstGeom>
+          <a:solidFill>
+            <a:schemeClr val="accent2">
+              <a:lumMod val="40000"/>
+              <a:lumOff val="60000"/>
+            </a:schemeClr>
+          </a:solidFill>
+          <a:ln>
+            <a:solidFill>
+              <a:schemeClr val="accent2">
+                <a:lumMod val="60000"/>
+                <a:lumOff val="40000"/>
+              </a:schemeClr>
+            </a:solidFill>
+          </a:ln>
+        </p:spPr>
+        <p:style>
+          <a:lnRef idx="2">
+            <a:schemeClr val="accent1">
+              <a:shade val="50000"/>
+            </a:schemeClr>
+          </a:lnRef>
+          <a:fillRef idx="1">
+            <a:schemeClr val="accent1"/>
+          </a:fillRef>
+          <a:effectRef idx="0">
+            <a:schemeClr val="accent1"/>
+          </a:effectRef>
+          <a:fontRef idx="minor">
+            <a:schemeClr val="lt1"/>
+          </a:fontRef>
+        </p:style>
+        <p:txBody>
+          <a:bodyPr rtlCol="0" anchor="ctr"/>
+          <a:lstStyle/>
+          <a:p>
+            <a:pPr algn="ctr"/>
+            <a:endParaRPr lang="en-US"/>
+          </a:p>
+        </p:txBody>
+      </p:sp>
+      <p:cxnSp>
+        <p:nvCxnSpPr>
+          <p:cNvPr id="7" name="Straight Arrow Connector 6">
+            <a:extLst>
+              <a:ext uri="{FF2B5EF4-FFF2-40B4-BE49-F238E27FC236}">
+                <a16:creationId xmlns:a16="http://schemas.microsoft.com/office/drawing/2014/main" id="{00105F6A-D1D5-014C-A435-33BE57589744}"/>
+              </a:ext>
+            </a:extLst>
+          </p:cNvPr>
+          <p:cNvCxnSpPr/>
+          <p:nvPr/>
+        </p:nvCxnSpPr>
+        <p:spPr>
+          <a:xfrm>
+            <a:off x="600615" y="2637410"/>
+            <a:ext cx="0" cy="896470"/>
+          </a:xfrm>
+          <a:prstGeom prst="straightConnector1">
+            <a:avLst/>
+          </a:prstGeom>
+          <a:ln>
+            <a:headEnd type="triangle"/>
+            <a:tailEnd type="triangle"/>
+          </a:ln>
+        </p:spPr>
+        <p:style>
+          <a:lnRef idx="1">
+            <a:schemeClr val="accent1"/>
+          </a:lnRef>
+          <a:fillRef idx="0">
+            <a:schemeClr val="accent1"/>
+          </a:fillRef>
+          <a:effectRef idx="0">
+            <a:schemeClr val="accent1"/>
+          </a:effectRef>
+          <a:fontRef idx="minor">
+            <a:schemeClr val="tx1"/>
+          </a:fontRef>
+        </p:style>
+      </p:cxnSp>
+      <p:sp>
+        <p:nvSpPr>
+          <p:cNvPr id="8" name="TextBox 7">
+            <a:extLst>
+              <a:ext uri="{FF2B5EF4-FFF2-40B4-BE49-F238E27FC236}">
+                <a16:creationId xmlns:a16="http://schemas.microsoft.com/office/drawing/2014/main" id="{8D99E211-2C2E-1544-AAF7-FABF1A96CB40}"/>
+              </a:ext>
+            </a:extLst>
+          </p:cNvPr>
+          <p:cNvSpPr txBox="1"/>
+          <p:nvPr/>
+        </p:nvSpPr>
+        <p:spPr>
+          <a:xfrm>
+            <a:off x="218779" y="2900979"/>
+            <a:ext cx="381836" cy="369332"/>
+          </a:xfrm>
+          <a:prstGeom prst="rect">
+            <a:avLst/>
+          </a:prstGeom>
+          <a:noFill/>
+        </p:spPr>
+        <p:txBody>
+          <a:bodyPr wrap="none" rtlCol="0">
+            <a:spAutoFit/>
+          </a:bodyPr>
+          <a:lstStyle/>
+          <a:p>
+            <a:r>
+              <a:rPr lang="en-US" dirty="0"/>
+              <a:t>M</a:t>
+            </a:r>
+          </a:p>
+        </p:txBody>
+      </p:sp>
+      <p:cxnSp>
+        <p:nvCxnSpPr>
+          <p:cNvPr id="10" name="Straight Arrow Connector 9">
+            <a:extLst>
+              <a:ext uri="{FF2B5EF4-FFF2-40B4-BE49-F238E27FC236}">
+                <a16:creationId xmlns:a16="http://schemas.microsoft.com/office/drawing/2014/main" id="{D916499F-4B77-3045-BD56-31BD4896A1F0}"/>
+              </a:ext>
+            </a:extLst>
+          </p:cNvPr>
+          <p:cNvCxnSpPr/>
+          <p:nvPr/>
+        </p:nvCxnSpPr>
+        <p:spPr>
+          <a:xfrm>
+            <a:off x="824733" y="2395363"/>
+            <a:ext cx="1712259" cy="0"/>
+          </a:xfrm>
+          <a:prstGeom prst="straightConnector1">
+            <a:avLst/>
+          </a:prstGeom>
+          <a:ln>
+            <a:headEnd type="triangle"/>
+            <a:tailEnd type="triangle"/>
+          </a:ln>
+        </p:spPr>
+        <p:style>
+          <a:lnRef idx="1">
+            <a:schemeClr val="accent1"/>
+          </a:lnRef>
+          <a:fillRef idx="0">
+            <a:schemeClr val="accent1"/>
+          </a:fillRef>
+          <a:effectRef idx="0">
+            <a:schemeClr val="accent1"/>
+          </a:effectRef>
+          <a:fontRef idx="minor">
+            <a:schemeClr val="tx1"/>
+          </a:fontRef>
+        </p:style>
+      </p:cxnSp>
+      <p:sp>
+        <p:nvSpPr>
+          <p:cNvPr id="11" name="TextBox 10">
+            <a:extLst>
+              <a:ext uri="{FF2B5EF4-FFF2-40B4-BE49-F238E27FC236}">
+                <a16:creationId xmlns:a16="http://schemas.microsoft.com/office/drawing/2014/main" id="{CA42D462-FBBA-4D4F-A79F-A0931217367D}"/>
+              </a:ext>
+            </a:extLst>
+          </p:cNvPr>
+          <p:cNvSpPr txBox="1"/>
+          <p:nvPr/>
+        </p:nvSpPr>
+        <p:spPr>
+          <a:xfrm>
+            <a:off x="1539637" y="2034107"/>
+            <a:ext cx="282450" cy="369332"/>
+          </a:xfrm>
+          <a:prstGeom prst="rect">
+            <a:avLst/>
+          </a:prstGeom>
+          <a:noFill/>
+        </p:spPr>
+        <p:txBody>
+          <a:bodyPr wrap="none" rtlCol="0">
+            <a:spAutoFit/>
+          </a:bodyPr>
+          <a:lstStyle/>
+          <a:p>
+            <a:r>
+              <a:rPr lang="en-US" dirty="0"/>
+              <a:t>L</a:t>
+            </a:r>
+          </a:p>
+        </p:txBody>
+      </p:sp>
+      <p:cxnSp>
+        <p:nvCxnSpPr>
+          <p:cNvPr id="12" name="Straight Arrow Connector 11">
+            <a:extLst>
+              <a:ext uri="{FF2B5EF4-FFF2-40B4-BE49-F238E27FC236}">
+                <a16:creationId xmlns:a16="http://schemas.microsoft.com/office/drawing/2014/main" id="{6B26CC6D-18C1-3647-9676-725986FB767A}"/>
+              </a:ext>
+            </a:extLst>
+          </p:cNvPr>
+          <p:cNvCxnSpPr>
+            <a:cxnSpLocks/>
+          </p:cNvCxnSpPr>
+          <p:nvPr/>
+        </p:nvCxnSpPr>
+        <p:spPr>
+          <a:xfrm>
+            <a:off x="3662031" y="2268078"/>
+            <a:ext cx="0" cy="448235"/>
+          </a:xfrm>
+          <a:prstGeom prst="straightConnector1">
+            <a:avLst/>
+          </a:prstGeom>
+          <a:ln>
+            <a:headEnd type="triangle"/>
+            <a:tailEnd type="triangle"/>
+          </a:ln>
+        </p:spPr>
+        <p:style>
+          <a:lnRef idx="1">
+            <a:schemeClr val="accent1"/>
+          </a:lnRef>
+          <a:fillRef idx="0">
+            <a:schemeClr val="accent1"/>
+          </a:fillRef>
+          <a:effectRef idx="0">
+            <a:schemeClr val="accent1"/>
+          </a:effectRef>
+          <a:fontRef idx="minor">
+            <a:schemeClr val="tx1"/>
+          </a:fontRef>
+        </p:style>
+      </p:cxnSp>
+      <mc:AlternateContent xmlns:mc="http://schemas.openxmlformats.org/markup-compatibility/2006">
+        <mc:Choice xmlns:a14="http://schemas.microsoft.com/office/drawing/2010/main" Requires="a14">
+          <p:sp>
+            <p:nvSpPr>
+              <p:cNvPr id="14" name="TextBox 13">
+                <a:extLst>
+                  <a:ext uri="{FF2B5EF4-FFF2-40B4-BE49-F238E27FC236}">
+                    <a16:creationId xmlns:a16="http://schemas.microsoft.com/office/drawing/2014/main" id="{585C4A74-F4E1-5040-A8F0-A2CF99C68ABE}"/>
+                  </a:ext>
+                </a:extLst>
+              </p:cNvPr>
+              <p:cNvSpPr txBox="1"/>
+              <p:nvPr/>
+            </p:nvSpPr>
+            <p:spPr>
+              <a:xfrm>
+                <a:off x="3171655" y="2268078"/>
+                <a:ext cx="527196" cy="369332"/>
+              </a:xfrm>
+              <a:prstGeom prst="rect">
+                <a:avLst/>
+              </a:prstGeom>
+              <a:noFill/>
+            </p:spPr>
+            <p:txBody>
+              <a:bodyPr wrap="none" rtlCol="0">
+                <a:spAutoFit/>
+              </a:bodyPr>
+              <a:lstStyle/>
+              <a:p>
+                <a14:m>
+                  <m:oMathPara xmlns:m="http://schemas.openxmlformats.org/officeDocument/2006/math">
+                    <m:oMathParaPr>
+                      <m:jc m:val="centerGroup"/>
+                    </m:oMathParaPr>
+                    <m:oMath xmlns:m="http://schemas.openxmlformats.org/officeDocument/2006/math">
+                      <m:sSub>
+                        <m:sSubPr>
+                          <m:ctrlPr>
+                            <a:rPr lang="en-US" i="1" smtClean="0">
+                              <a:latin typeface="Cambria Math" panose="02040503050406030204" pitchFamily="18" charset="0"/>
+                            </a:rPr>
+                          </m:ctrlPr>
+                        </m:sSubPr>
+                        <m:e>
+                          <m:r>
+                            <a:rPr lang="es-ES" b="0" i="1" smtClean="0">
+                              <a:latin typeface="Cambria Math" panose="02040503050406030204" pitchFamily="18" charset="0"/>
+                            </a:rPr>
+                            <m:t>𝑀</m:t>
+                          </m:r>
+                        </m:e>
+                        <m:sub>
+                          <m:r>
+                            <a:rPr lang="es-ES" b="0" i="1" smtClean="0">
+                              <a:latin typeface="Cambria Math" panose="02040503050406030204" pitchFamily="18" charset="0"/>
+                            </a:rPr>
+                            <m:t>𝑒</m:t>
+                          </m:r>
+                        </m:sub>
+                      </m:sSub>
+                    </m:oMath>
+                  </m:oMathPara>
+                </a14:m>
+                <a:endParaRPr lang="en-US" dirty="0"/>
+              </a:p>
+            </p:txBody>
+          </p:sp>
+        </mc:Choice>
+        <mc:Fallback>
+          <p:sp>
+            <p:nvSpPr>
+              <p:cNvPr id="14" name="TextBox 13">
+                <a:extLst>
+                  <a:ext uri="{FF2B5EF4-FFF2-40B4-BE49-F238E27FC236}">
+                    <a16:creationId xmlns:a16="http://schemas.microsoft.com/office/drawing/2014/main" id="{585C4A74-F4E1-5040-A8F0-A2CF99C68ABE}"/>
+                  </a:ext>
+                </a:extLst>
+              </p:cNvPr>
+              <p:cNvSpPr txBox="1">
+                <a:spLocks noRot="1" noChangeAspect="1" noMove="1" noResize="1" noEditPoints="1" noAdjustHandles="1" noChangeArrowheads="1" noChangeShapeType="1" noTextEdit="1"/>
+              </p:cNvSpPr>
+              <p:nvPr/>
+            </p:nvSpPr>
+            <p:spPr>
+              <a:xfrm>
+                <a:off x="3171655" y="2268078"/>
+                <a:ext cx="527196" cy="369332"/>
+              </a:xfrm>
+              <a:prstGeom prst="rect">
+                <a:avLst/>
+              </a:prstGeom>
+              <a:blipFill>
+                <a:blip r:embed="rId2"/>
+                <a:stretch>
+                  <a:fillRect/>
+                </a:stretch>
+              </a:blipFill>
+            </p:spPr>
+            <p:txBody>
+              <a:bodyPr/>
+              <a:lstStyle/>
+              <a:p>
+                <a:r>
+                  <a:rPr lang="en-US">
+                    <a:noFill/>
+                  </a:rPr>
+                  <a:t> </a:t>
+                </a:r>
+              </a:p>
+            </p:txBody>
+          </p:sp>
+        </mc:Fallback>
+      </mc:AlternateContent>
+      <p:cxnSp>
+        <p:nvCxnSpPr>
+          <p:cNvPr id="15" name="Straight Arrow Connector 14">
+            <a:extLst>
+              <a:ext uri="{FF2B5EF4-FFF2-40B4-BE49-F238E27FC236}">
+                <a16:creationId xmlns:a16="http://schemas.microsoft.com/office/drawing/2014/main" id="{B211364C-D971-EB41-9986-08EA550198EC}"/>
+              </a:ext>
+            </a:extLst>
+          </p:cNvPr>
+          <p:cNvCxnSpPr/>
+          <p:nvPr/>
+        </p:nvCxnSpPr>
+        <p:spPr>
+          <a:xfrm>
+            <a:off x="3787535" y="2133607"/>
+            <a:ext cx="1712259" cy="0"/>
+          </a:xfrm>
+          <a:prstGeom prst="straightConnector1">
+            <a:avLst/>
+          </a:prstGeom>
+          <a:ln>
+            <a:headEnd type="triangle"/>
+            <a:tailEnd type="triangle"/>
+          </a:ln>
+        </p:spPr>
+        <p:style>
+          <a:lnRef idx="1">
+            <a:schemeClr val="accent1"/>
+          </a:lnRef>
+          <a:fillRef idx="0">
+            <a:schemeClr val="accent1"/>
+          </a:fillRef>
+          <a:effectRef idx="0">
+            <a:schemeClr val="accent1"/>
+          </a:effectRef>
+          <a:fontRef idx="minor">
+            <a:schemeClr val="tx1"/>
+          </a:fontRef>
+        </p:style>
+      </p:cxnSp>
+      <mc:AlternateContent xmlns:mc="http://schemas.openxmlformats.org/markup-compatibility/2006">
+        <mc:Choice xmlns:a14="http://schemas.microsoft.com/office/drawing/2010/main" Requires="a14">
+          <p:sp>
+            <p:nvSpPr>
+              <p:cNvPr id="22" name="TextBox 21">
+                <a:extLst>
+                  <a:ext uri="{FF2B5EF4-FFF2-40B4-BE49-F238E27FC236}">
+                    <a16:creationId xmlns:a16="http://schemas.microsoft.com/office/drawing/2014/main" id="{7FBDA812-EB0D-B349-9D4E-B666C75ED86A}"/>
+                  </a:ext>
+                </a:extLst>
+              </p:cNvPr>
+              <p:cNvSpPr txBox="1"/>
+              <p:nvPr/>
+            </p:nvSpPr>
+            <p:spPr>
+              <a:xfrm>
+                <a:off x="4195400" y="1773242"/>
+                <a:ext cx="896527" cy="369332"/>
+              </a:xfrm>
+              <a:prstGeom prst="rect">
+                <a:avLst/>
+              </a:prstGeom>
+              <a:noFill/>
+            </p:spPr>
+            <p:txBody>
+              <a:bodyPr wrap="none" rtlCol="0">
+                <a:spAutoFit/>
+              </a:bodyPr>
+              <a:lstStyle/>
+              <a:p>
+                <a14:m>
+                  <m:oMathPara xmlns:m="http://schemas.openxmlformats.org/officeDocument/2006/math">
+                    <m:oMathParaPr>
+                      <m:jc m:val="centerGroup"/>
+                    </m:oMathParaPr>
+                    <m:oMath xmlns:m="http://schemas.openxmlformats.org/officeDocument/2006/math">
+                      <m:sSub>
+                        <m:sSubPr>
+                          <m:ctrlPr>
+                            <a:rPr lang="en-US" i="1" smtClean="0">
+                              <a:latin typeface="Cambria Math" panose="02040503050406030204" pitchFamily="18" charset="0"/>
+                            </a:rPr>
+                          </m:ctrlPr>
+                        </m:sSubPr>
+                        <m:e>
+                          <m:r>
+                            <a:rPr lang="es-ES" b="0" i="1" smtClean="0">
+                              <a:latin typeface="Cambria Math" panose="02040503050406030204" pitchFamily="18" charset="0"/>
+                            </a:rPr>
+                            <m:t>𝐿</m:t>
+                          </m:r>
+                        </m:e>
+                        <m:sub>
+                          <m:r>
+                            <a:rPr lang="es-ES" b="0" i="1" smtClean="0">
+                              <a:latin typeface="Cambria Math" panose="02040503050406030204" pitchFamily="18" charset="0"/>
+                            </a:rPr>
+                            <m:t>𝑒</m:t>
+                          </m:r>
+                        </m:sub>
+                      </m:sSub>
+                      <m:r>
+                        <a:rPr lang="es-ES" b="0" i="1" smtClean="0">
+                          <a:latin typeface="Cambria Math" panose="02040503050406030204" pitchFamily="18" charset="0"/>
+                        </a:rPr>
+                        <m:t>=</m:t>
+                      </m:r>
+                      <m:r>
+                        <a:rPr lang="es-ES" b="0" i="1" smtClean="0">
+                          <a:latin typeface="Cambria Math" panose="02040503050406030204" pitchFamily="18" charset="0"/>
+                        </a:rPr>
+                        <m:t>𝐿</m:t>
+                      </m:r>
+                    </m:oMath>
+                  </m:oMathPara>
+                </a14:m>
+                <a:endParaRPr lang="en-US" dirty="0"/>
+              </a:p>
+            </p:txBody>
+          </p:sp>
+        </mc:Choice>
+        <mc:Fallback>
+          <p:sp>
+            <p:nvSpPr>
+              <p:cNvPr id="22" name="TextBox 21">
+                <a:extLst>
+                  <a:ext uri="{FF2B5EF4-FFF2-40B4-BE49-F238E27FC236}">
+                    <a16:creationId xmlns:a16="http://schemas.microsoft.com/office/drawing/2014/main" id="{7FBDA812-EB0D-B349-9D4E-B666C75ED86A}"/>
+                  </a:ext>
+                </a:extLst>
+              </p:cNvPr>
+              <p:cNvSpPr txBox="1">
+                <a:spLocks noRot="1" noChangeAspect="1" noMove="1" noResize="1" noEditPoints="1" noAdjustHandles="1" noChangeArrowheads="1" noChangeShapeType="1" noTextEdit="1"/>
+              </p:cNvSpPr>
+              <p:nvPr/>
+            </p:nvSpPr>
+            <p:spPr>
+              <a:xfrm>
+                <a:off x="4195400" y="1773242"/>
+                <a:ext cx="896527" cy="369332"/>
+              </a:xfrm>
+              <a:prstGeom prst="rect">
+                <a:avLst/>
+              </a:prstGeom>
+              <a:blipFill>
+                <a:blip r:embed="rId3"/>
+                <a:stretch>
+                  <a:fillRect/>
+                </a:stretch>
+              </a:blipFill>
+            </p:spPr>
+            <p:txBody>
+              <a:bodyPr/>
+              <a:lstStyle/>
+              <a:p>
+                <a:r>
+                  <a:rPr lang="en-US">
+                    <a:noFill/>
+                  </a:rPr>
+                  <a:t> </a:t>
+                </a:r>
+              </a:p>
+            </p:txBody>
+          </p:sp>
+        </mc:Fallback>
+      </mc:AlternateContent>
+      <p:sp>
+        <p:nvSpPr>
+          <p:cNvPr id="34" name="TextBox 33">
+            <a:extLst>
+              <a:ext uri="{FF2B5EF4-FFF2-40B4-BE49-F238E27FC236}">
+                <a16:creationId xmlns:a16="http://schemas.microsoft.com/office/drawing/2014/main" id="{229DAEDE-52D3-B541-B84F-6ECBE6090A13}"/>
+              </a:ext>
+            </a:extLst>
+          </p:cNvPr>
+          <p:cNvSpPr txBox="1"/>
+          <p:nvPr/>
+        </p:nvSpPr>
+        <p:spPr>
+          <a:xfrm>
+            <a:off x="3437912" y="1335741"/>
+            <a:ext cx="2189638" cy="369332"/>
+          </a:xfrm>
+          <a:prstGeom prst="rect">
+            <a:avLst/>
+          </a:prstGeom>
+          <a:noFill/>
+        </p:spPr>
+        <p:txBody>
+          <a:bodyPr wrap="none" rtlCol="0">
+            <a:spAutoFit/>
+          </a:bodyPr>
+          <a:lstStyle/>
+          <a:p>
+            <a:r>
+              <a:rPr lang="en-US" dirty="0"/>
+              <a:t>A: Horizontal Division</a:t>
+            </a:r>
+          </a:p>
+        </p:txBody>
+      </p:sp>
+      <p:sp>
+        <p:nvSpPr>
+          <p:cNvPr id="35" name="Rectangle 34">
+            <a:extLst>
+              <a:ext uri="{FF2B5EF4-FFF2-40B4-BE49-F238E27FC236}">
+                <a16:creationId xmlns:a16="http://schemas.microsoft.com/office/drawing/2014/main" id="{189D335E-C268-E04B-B2B5-CB29D8864DA6}"/>
+              </a:ext>
+            </a:extLst>
+          </p:cNvPr>
+          <p:cNvSpPr/>
+          <p:nvPr/>
+        </p:nvSpPr>
+        <p:spPr>
+          <a:xfrm>
+            <a:off x="6792573" y="2332608"/>
+            <a:ext cx="2176563" cy="322730"/>
+          </a:xfrm>
+          <a:prstGeom prst="rect">
+            <a:avLst/>
+          </a:prstGeom>
+          <a:solidFill>
+            <a:schemeClr val="accent4">
+              <a:lumMod val="40000"/>
+              <a:lumOff val="60000"/>
+            </a:schemeClr>
+          </a:solidFill>
+          <a:ln>
+            <a:solidFill>
+              <a:schemeClr val="accent4">
+                <a:lumMod val="60000"/>
+                <a:lumOff val="40000"/>
+              </a:schemeClr>
+            </a:solidFill>
+          </a:ln>
+        </p:spPr>
+        <p:style>
+          <a:lnRef idx="2">
+            <a:schemeClr val="accent1">
+              <a:shade val="50000"/>
+            </a:schemeClr>
+          </a:lnRef>
+          <a:fillRef idx="1">
+            <a:schemeClr val="accent1"/>
+          </a:fillRef>
+          <a:effectRef idx="0">
+            <a:schemeClr val="accent1"/>
+          </a:effectRef>
+          <a:fontRef idx="minor">
+            <a:schemeClr val="lt1"/>
+          </a:fontRef>
+        </p:style>
+        <p:txBody>
+          <a:bodyPr rtlCol="0" anchor="ctr"/>
+          <a:lstStyle/>
+          <a:p>
+            <a:pPr algn="ctr"/>
+            <a:endParaRPr lang="en-US"/>
+          </a:p>
+        </p:txBody>
+      </p:sp>
+      <p:sp>
+        <p:nvSpPr>
+          <p:cNvPr id="36" name="Rectangle 35">
+            <a:extLst>
+              <a:ext uri="{FF2B5EF4-FFF2-40B4-BE49-F238E27FC236}">
+                <a16:creationId xmlns:a16="http://schemas.microsoft.com/office/drawing/2014/main" id="{A7832DF5-F424-B247-80E5-4391E12A93DB}"/>
+              </a:ext>
+            </a:extLst>
+          </p:cNvPr>
+          <p:cNvSpPr/>
+          <p:nvPr/>
+        </p:nvSpPr>
+        <p:spPr>
+          <a:xfrm>
+            <a:off x="6792573" y="3031852"/>
+            <a:ext cx="2176563" cy="322730"/>
+          </a:xfrm>
+          <a:prstGeom prst="rect">
+            <a:avLst/>
+          </a:prstGeom>
+          <a:solidFill>
+            <a:schemeClr val="accent6">
+              <a:lumMod val="40000"/>
+              <a:lumOff val="60000"/>
+            </a:schemeClr>
+          </a:solidFill>
+          <a:ln>
+            <a:solidFill>
+              <a:schemeClr val="accent6">
+                <a:lumMod val="60000"/>
+                <a:lumOff val="40000"/>
+              </a:schemeClr>
+            </a:solidFill>
+          </a:ln>
+        </p:spPr>
+        <p:style>
+          <a:lnRef idx="2">
+            <a:schemeClr val="accent1">
+              <a:shade val="50000"/>
+            </a:schemeClr>
+          </a:lnRef>
+          <a:fillRef idx="1">
+            <a:schemeClr val="accent1"/>
+          </a:fillRef>
+          <a:effectRef idx="0">
+            <a:schemeClr val="accent1"/>
+          </a:effectRef>
+          <a:fontRef idx="minor">
+            <a:schemeClr val="lt1"/>
+          </a:fontRef>
+        </p:style>
+        <p:txBody>
+          <a:bodyPr rtlCol="0" anchor="ctr"/>
+          <a:lstStyle/>
+          <a:p>
+            <a:pPr algn="ctr"/>
+            <a:endParaRPr lang="en-US"/>
+          </a:p>
+        </p:txBody>
+      </p:sp>
+      <p:sp>
+        <p:nvSpPr>
+          <p:cNvPr id="37" name="Rectangle 36">
+            <a:extLst>
+              <a:ext uri="{FF2B5EF4-FFF2-40B4-BE49-F238E27FC236}">
+                <a16:creationId xmlns:a16="http://schemas.microsoft.com/office/drawing/2014/main" id="{FDF23902-68B3-244C-BF5C-F773615D7B2B}"/>
+              </a:ext>
+            </a:extLst>
+          </p:cNvPr>
+          <p:cNvSpPr/>
+          <p:nvPr/>
+        </p:nvSpPr>
+        <p:spPr>
+          <a:xfrm>
+            <a:off x="6792573" y="3731096"/>
+            <a:ext cx="2176563" cy="322730"/>
+          </a:xfrm>
+          <a:prstGeom prst="rect">
+            <a:avLst/>
+          </a:prstGeom>
+          <a:solidFill>
+            <a:schemeClr val="accent2">
+              <a:lumMod val="40000"/>
+              <a:lumOff val="60000"/>
+            </a:schemeClr>
+          </a:solidFill>
+          <a:ln>
+            <a:solidFill>
+              <a:schemeClr val="accent2">
+                <a:lumMod val="60000"/>
+                <a:lumOff val="40000"/>
+              </a:schemeClr>
+            </a:solidFill>
+          </a:ln>
+        </p:spPr>
+        <p:style>
+          <a:lnRef idx="2">
+            <a:schemeClr val="accent1">
+              <a:shade val="50000"/>
+            </a:schemeClr>
+          </a:lnRef>
+          <a:fillRef idx="1">
+            <a:schemeClr val="accent1"/>
+          </a:fillRef>
+          <a:effectRef idx="0">
+            <a:schemeClr val="accent1"/>
+          </a:effectRef>
+          <a:fontRef idx="minor">
+            <a:schemeClr val="lt1"/>
+          </a:fontRef>
+        </p:style>
+        <p:txBody>
+          <a:bodyPr rtlCol="0" anchor="ctr"/>
+          <a:lstStyle/>
+          <a:p>
+            <a:pPr algn="ctr"/>
+            <a:endParaRPr lang="en-US"/>
+          </a:p>
+        </p:txBody>
+      </p:sp>
+      <p:cxnSp>
+        <p:nvCxnSpPr>
+          <p:cNvPr id="38" name="Straight Arrow Connector 37">
+            <a:extLst>
+              <a:ext uri="{FF2B5EF4-FFF2-40B4-BE49-F238E27FC236}">
+                <a16:creationId xmlns:a16="http://schemas.microsoft.com/office/drawing/2014/main" id="{D120D054-BF92-E94F-9DA5-A60DC95B6122}"/>
+              </a:ext>
+            </a:extLst>
+          </p:cNvPr>
+          <p:cNvCxnSpPr>
+            <a:cxnSpLocks/>
+          </p:cNvCxnSpPr>
+          <p:nvPr/>
+        </p:nvCxnSpPr>
+        <p:spPr>
+          <a:xfrm>
+            <a:off x="6687621" y="2268078"/>
+            <a:ext cx="0" cy="448235"/>
+          </a:xfrm>
+          <a:prstGeom prst="straightConnector1">
+            <a:avLst/>
+          </a:prstGeom>
+          <a:ln>
+            <a:headEnd type="triangle"/>
+            <a:tailEnd type="triangle"/>
+          </a:ln>
+        </p:spPr>
+        <p:style>
+          <a:lnRef idx="1">
+            <a:schemeClr val="accent1"/>
+          </a:lnRef>
+          <a:fillRef idx="0">
+            <a:schemeClr val="accent1"/>
+          </a:fillRef>
+          <a:effectRef idx="0">
+            <a:schemeClr val="accent1"/>
+          </a:effectRef>
+          <a:fontRef idx="minor">
+            <a:schemeClr val="tx1"/>
+          </a:fontRef>
+        </p:style>
+      </p:cxnSp>
+      <mc:AlternateContent xmlns:mc="http://schemas.openxmlformats.org/markup-compatibility/2006">
+        <mc:Choice xmlns:a14="http://schemas.microsoft.com/office/drawing/2010/main" Requires="a14">
+          <p:sp>
+            <p:nvSpPr>
+              <p:cNvPr id="39" name="TextBox 38">
+                <a:extLst>
+                  <a:ext uri="{FF2B5EF4-FFF2-40B4-BE49-F238E27FC236}">
+                    <a16:creationId xmlns:a16="http://schemas.microsoft.com/office/drawing/2014/main" id="{1E41E511-E1C6-954E-9075-AB0B7214EB5D}"/>
+                  </a:ext>
+                </a:extLst>
+              </p:cNvPr>
+              <p:cNvSpPr txBox="1"/>
+              <p:nvPr/>
+            </p:nvSpPr>
+            <p:spPr>
+              <a:xfrm>
+                <a:off x="6197245" y="2268078"/>
+                <a:ext cx="527196" cy="369332"/>
+              </a:xfrm>
+              <a:prstGeom prst="rect">
+                <a:avLst/>
+              </a:prstGeom>
+              <a:noFill/>
+            </p:spPr>
+            <p:txBody>
+              <a:bodyPr wrap="none" rtlCol="0">
+                <a:spAutoFit/>
+              </a:bodyPr>
+              <a:lstStyle/>
+              <a:p>
+                <a14:m>
+                  <m:oMathPara xmlns:m="http://schemas.openxmlformats.org/officeDocument/2006/math">
+                    <m:oMathParaPr>
+                      <m:jc m:val="centerGroup"/>
+                    </m:oMathParaPr>
+                    <m:oMath xmlns:m="http://schemas.openxmlformats.org/officeDocument/2006/math">
+                      <m:sSub>
+                        <m:sSubPr>
+                          <m:ctrlPr>
+                            <a:rPr lang="en-US" i="1" smtClean="0">
+                              <a:latin typeface="Cambria Math" panose="02040503050406030204" pitchFamily="18" charset="0"/>
+                            </a:rPr>
+                          </m:ctrlPr>
+                        </m:sSubPr>
+                        <m:e>
+                          <m:r>
+                            <a:rPr lang="es-ES" b="0" i="1" smtClean="0">
+                              <a:latin typeface="Cambria Math" panose="02040503050406030204" pitchFamily="18" charset="0"/>
+                            </a:rPr>
+                            <m:t>𝑀</m:t>
+                          </m:r>
+                        </m:e>
+                        <m:sub>
+                          <m:r>
+                            <a:rPr lang="es-ES" b="0" i="1" smtClean="0">
+                              <a:latin typeface="Cambria Math" panose="02040503050406030204" pitchFamily="18" charset="0"/>
+                            </a:rPr>
+                            <m:t>𝑒</m:t>
+                          </m:r>
+                        </m:sub>
+                      </m:sSub>
+                    </m:oMath>
+                  </m:oMathPara>
+                </a14:m>
+                <a:endParaRPr lang="en-US" dirty="0"/>
+              </a:p>
+            </p:txBody>
+          </p:sp>
+        </mc:Choice>
+        <mc:Fallback>
+          <p:sp>
+            <p:nvSpPr>
+              <p:cNvPr id="39" name="TextBox 38">
+                <a:extLst>
+                  <a:ext uri="{FF2B5EF4-FFF2-40B4-BE49-F238E27FC236}">
+                    <a16:creationId xmlns:a16="http://schemas.microsoft.com/office/drawing/2014/main" id="{1E41E511-E1C6-954E-9075-AB0B7214EB5D}"/>
+                  </a:ext>
+                </a:extLst>
+              </p:cNvPr>
+              <p:cNvSpPr txBox="1">
+                <a:spLocks noRot="1" noChangeAspect="1" noMove="1" noResize="1" noEditPoints="1" noAdjustHandles="1" noChangeArrowheads="1" noChangeShapeType="1" noTextEdit="1"/>
+              </p:cNvSpPr>
+              <p:nvPr/>
+            </p:nvSpPr>
+            <p:spPr>
+              <a:xfrm>
+                <a:off x="6197245" y="2268078"/>
+                <a:ext cx="527196" cy="369332"/>
+              </a:xfrm>
+              <a:prstGeom prst="rect">
+                <a:avLst/>
+              </a:prstGeom>
+              <a:blipFill>
+                <a:blip r:embed="rId4"/>
+                <a:stretch>
+                  <a:fillRect/>
+                </a:stretch>
+              </a:blipFill>
+            </p:spPr>
+            <p:txBody>
+              <a:bodyPr/>
+              <a:lstStyle/>
+              <a:p>
+                <a:r>
+                  <a:rPr lang="en-US">
+                    <a:noFill/>
+                  </a:rPr>
+                  <a:t> </a:t>
+                </a:r>
+              </a:p>
+            </p:txBody>
+          </p:sp>
+        </mc:Fallback>
+      </mc:AlternateContent>
+      <p:cxnSp>
+        <p:nvCxnSpPr>
+          <p:cNvPr id="40" name="Straight Arrow Connector 39">
+            <a:extLst>
+              <a:ext uri="{FF2B5EF4-FFF2-40B4-BE49-F238E27FC236}">
+                <a16:creationId xmlns:a16="http://schemas.microsoft.com/office/drawing/2014/main" id="{E47B8E27-24C8-C742-A92D-BD2844AF9539}"/>
+              </a:ext>
+            </a:extLst>
+          </p:cNvPr>
+          <p:cNvCxnSpPr>
+            <a:cxnSpLocks/>
+          </p:cNvCxnSpPr>
+          <p:nvPr/>
+        </p:nvCxnSpPr>
+        <p:spPr>
+          <a:xfrm>
+            <a:off x="6813125" y="2133607"/>
+            <a:ext cx="2156011" cy="0"/>
+          </a:xfrm>
+          <a:prstGeom prst="straightConnector1">
+            <a:avLst/>
+          </a:prstGeom>
+          <a:ln>
+            <a:headEnd type="triangle"/>
+            <a:tailEnd type="triangle"/>
+          </a:ln>
+        </p:spPr>
+        <p:style>
+          <a:lnRef idx="1">
+            <a:schemeClr val="accent1"/>
+          </a:lnRef>
+          <a:fillRef idx="0">
+            <a:schemeClr val="accent1"/>
+          </a:fillRef>
+          <a:effectRef idx="0">
+            <a:schemeClr val="accent1"/>
+          </a:effectRef>
+          <a:fontRef idx="minor">
+            <a:schemeClr val="tx1"/>
+          </a:fontRef>
+        </p:style>
+      </p:cxnSp>
+      <mc:AlternateContent xmlns:mc="http://schemas.openxmlformats.org/markup-compatibility/2006">
+        <mc:Choice xmlns:a14="http://schemas.microsoft.com/office/drawing/2010/main" Requires="a14">
+          <p:sp>
+            <p:nvSpPr>
+              <p:cNvPr id="41" name="TextBox 40">
+                <a:extLst>
+                  <a:ext uri="{FF2B5EF4-FFF2-40B4-BE49-F238E27FC236}">
+                    <a16:creationId xmlns:a16="http://schemas.microsoft.com/office/drawing/2014/main" id="{6B5F66FB-F13D-B448-AC09-14E6AE771B47}"/>
+                  </a:ext>
+                </a:extLst>
+              </p:cNvPr>
+              <p:cNvSpPr txBox="1"/>
+              <p:nvPr/>
+            </p:nvSpPr>
+            <p:spPr>
+              <a:xfrm>
+                <a:off x="7220990" y="1773242"/>
+                <a:ext cx="1301318" cy="369332"/>
+              </a:xfrm>
+              <a:prstGeom prst="rect">
+                <a:avLst/>
+              </a:prstGeom>
+              <a:noFill/>
+            </p:spPr>
+            <p:txBody>
+              <a:bodyPr wrap="none" rtlCol="0">
+                <a:spAutoFit/>
+              </a:bodyPr>
+              <a:lstStyle/>
+              <a:p>
+                <a14:m>
+                  <m:oMathPara xmlns:m="http://schemas.openxmlformats.org/officeDocument/2006/math">
+                    <m:oMathParaPr>
+                      <m:jc m:val="centerGroup"/>
+                    </m:oMathParaPr>
+                    <m:oMath xmlns:m="http://schemas.openxmlformats.org/officeDocument/2006/math">
+                      <m:sSub>
+                        <m:sSubPr>
+                          <m:ctrlPr>
+                            <a:rPr lang="en-US" i="1" smtClean="0">
+                              <a:latin typeface="Cambria Math" panose="02040503050406030204" pitchFamily="18" charset="0"/>
+                            </a:rPr>
+                          </m:ctrlPr>
+                        </m:sSubPr>
+                        <m:e>
+                          <m:r>
+                            <a:rPr lang="es-ES" b="0" i="1" smtClean="0">
+                              <a:latin typeface="Cambria Math" panose="02040503050406030204" pitchFamily="18" charset="0"/>
+                            </a:rPr>
+                            <m:t>𝐿</m:t>
+                          </m:r>
+                        </m:e>
+                        <m:sub>
+                          <m:r>
+                            <a:rPr lang="es-ES" b="0" i="1" smtClean="0">
+                              <a:latin typeface="Cambria Math" panose="02040503050406030204" pitchFamily="18" charset="0"/>
+                            </a:rPr>
+                            <m:t>𝑒</m:t>
+                          </m:r>
+                        </m:sub>
+                      </m:sSub>
+                      <m:r>
+                        <a:rPr lang="es-ES" b="0" i="1" smtClean="0">
+                          <a:latin typeface="Cambria Math" panose="02040503050406030204" pitchFamily="18" charset="0"/>
+                        </a:rPr>
+                        <m:t> (</m:t>
+                      </m:r>
+                      <m:r>
+                        <a:rPr lang="es-ES" b="0" i="1" smtClean="0">
+                          <a:latin typeface="Cambria Math" panose="02040503050406030204" pitchFamily="18" charset="0"/>
+                        </a:rPr>
+                        <m:t>𝑔𝑖𝑣𝑒𝑛</m:t>
+                      </m:r>
+                      <m:r>
+                        <a:rPr lang="es-ES" b="0" i="1" smtClean="0">
+                          <a:latin typeface="Cambria Math" panose="02040503050406030204" pitchFamily="18" charset="0"/>
+                        </a:rPr>
+                        <m:t>)</m:t>
+                      </m:r>
+                    </m:oMath>
+                  </m:oMathPara>
+                </a14:m>
+                <a:endParaRPr lang="en-US" dirty="0"/>
+              </a:p>
+            </p:txBody>
+          </p:sp>
+        </mc:Choice>
+        <mc:Fallback>
+          <p:sp>
+            <p:nvSpPr>
+              <p:cNvPr id="41" name="TextBox 40">
+                <a:extLst>
+                  <a:ext uri="{FF2B5EF4-FFF2-40B4-BE49-F238E27FC236}">
+                    <a16:creationId xmlns:a16="http://schemas.microsoft.com/office/drawing/2014/main" id="{6B5F66FB-F13D-B448-AC09-14E6AE771B47}"/>
+                  </a:ext>
+                </a:extLst>
+              </p:cNvPr>
+              <p:cNvSpPr txBox="1">
+                <a:spLocks noRot="1" noChangeAspect="1" noMove="1" noResize="1" noEditPoints="1" noAdjustHandles="1" noChangeArrowheads="1" noChangeShapeType="1" noTextEdit="1"/>
+              </p:cNvSpPr>
+              <p:nvPr/>
+            </p:nvSpPr>
+            <p:spPr>
+              <a:xfrm>
+                <a:off x="7220990" y="1773242"/>
+                <a:ext cx="1301318" cy="369332"/>
+              </a:xfrm>
+              <a:prstGeom prst="rect">
+                <a:avLst/>
+              </a:prstGeom>
+              <a:blipFill>
+                <a:blip r:embed="rId5"/>
+                <a:stretch>
+                  <a:fillRect b="-13333"/>
+                </a:stretch>
+              </a:blipFill>
+            </p:spPr>
+            <p:txBody>
+              <a:bodyPr/>
+              <a:lstStyle/>
+              <a:p>
+                <a:r>
+                  <a:rPr lang="en-US">
+                    <a:noFill/>
+                  </a:rPr>
+                  <a:t> </a:t>
+                </a:r>
+              </a:p>
+            </p:txBody>
+          </p:sp>
+        </mc:Fallback>
+      </mc:AlternateContent>
+      <p:sp>
+        <p:nvSpPr>
+          <p:cNvPr id="42" name="TextBox 41">
+            <a:extLst>
+              <a:ext uri="{FF2B5EF4-FFF2-40B4-BE49-F238E27FC236}">
+                <a16:creationId xmlns:a16="http://schemas.microsoft.com/office/drawing/2014/main" id="{477AC6E4-2974-0642-B9E3-870C05FB8CF8}"/>
+              </a:ext>
+            </a:extLst>
+          </p:cNvPr>
+          <p:cNvSpPr txBox="1"/>
+          <p:nvPr/>
+        </p:nvSpPr>
+        <p:spPr>
+          <a:xfrm>
+            <a:off x="6096000" y="1335741"/>
+            <a:ext cx="3520131" cy="369332"/>
+          </a:xfrm>
+          <a:prstGeom prst="rect">
+            <a:avLst/>
+          </a:prstGeom>
+          <a:noFill/>
+        </p:spPr>
+        <p:txBody>
+          <a:bodyPr wrap="none" rtlCol="0">
+            <a:spAutoFit/>
+          </a:bodyPr>
+          <a:lstStyle/>
+          <a:p>
+            <a:r>
+              <a:rPr lang="en-US" dirty="0"/>
+              <a:t>AB: Conditioned Horizontal Division</a:t>
+            </a:r>
+          </a:p>
+        </p:txBody>
+      </p:sp>
+    </p:spTree>
+    <p:extLst>
+      <p:ext uri="{BB962C8B-B14F-4D97-AF65-F5344CB8AC3E}">
+        <p14:creationId xmlns:p14="http://schemas.microsoft.com/office/powerpoint/2010/main" val="2719070373"/>
+      </p:ext>
+    </p:extLst>
+  </p:cSld>
+  <p:clrMapOvr>
+    <a:masterClrMapping/>
+  </p:clrMapOvr>
+</p:sld>
+</file>
+
+<file path=ppt/slides/slide6.xml><?xml version="1.0" encoding="utf-8"?>
+<p:sld xmlns:a="http://schemas.openxmlformats.org/drawingml/2006/main" xmlns:r="http://schemas.openxmlformats.org/officeDocument/2006/relationships" xmlns:p="http://schemas.openxmlformats.org/presentationml/2006/main">
+  <p:cSld>
+    <p:spTree>
+      <p:nvGrpSpPr>
+        <p:cNvPr id="1" name=""/>
+        <p:cNvGrpSpPr/>
+        <p:nvPr/>
+      </p:nvGrpSpPr>
+      <p:grpSpPr>
+        <a:xfrm>
+          <a:off x="0" y="0"/>
+          <a:ext cx="0" cy="0"/>
+          <a:chOff x="0" y="0"/>
+          <a:chExt cx="0" cy="0"/>
+        </a:xfrm>
+      </p:grpSpPr>
+      <p:sp>
+        <p:nvSpPr>
+          <p:cNvPr id="2" name="Rectangle 1">
+            <a:extLst>
+              <a:ext uri="{FF2B5EF4-FFF2-40B4-BE49-F238E27FC236}">
+                <a16:creationId xmlns:a16="http://schemas.microsoft.com/office/drawing/2014/main" id="{67D53CA7-C2B3-E845-B5C7-0EACC5B33975}"/>
+              </a:ext>
+            </a:extLst>
+          </p:cNvPr>
+          <p:cNvSpPr/>
+          <p:nvPr/>
+        </p:nvSpPr>
+        <p:spPr>
+          <a:xfrm>
+            <a:off x="1123335" y="3042845"/>
+            <a:ext cx="1712259" cy="896470"/>
+          </a:xfrm>
+          <a:prstGeom prst="rect">
+            <a:avLst/>
+          </a:prstGeom>
+          <a:solidFill>
+            <a:schemeClr val="accent5">
+              <a:lumMod val="40000"/>
+              <a:lumOff val="60000"/>
+            </a:schemeClr>
+          </a:solidFill>
+          <a:ln>
+            <a:solidFill>
+              <a:schemeClr val="accent5">
+                <a:lumMod val="40000"/>
+                <a:lumOff val="60000"/>
+              </a:schemeClr>
+            </a:solidFill>
+          </a:ln>
+        </p:spPr>
+        <p:style>
+          <a:lnRef idx="2">
+            <a:schemeClr val="accent1">
+              <a:shade val="50000"/>
+            </a:schemeClr>
+          </a:lnRef>
+          <a:fillRef idx="1">
+            <a:schemeClr val="accent1"/>
+          </a:fillRef>
+          <a:effectRef idx="0">
+            <a:schemeClr val="accent1"/>
+          </a:effectRef>
+          <a:fontRef idx="minor">
+            <a:schemeClr val="lt1"/>
+          </a:fontRef>
+        </p:style>
+        <p:txBody>
+          <a:bodyPr rtlCol="0" anchor="ctr"/>
+          <a:lstStyle/>
+          <a:p>
+            <a:pPr algn="ctr"/>
+            <a:endParaRPr lang="en-US"/>
+          </a:p>
+        </p:txBody>
+      </p:sp>
+      <p:cxnSp>
+        <p:nvCxnSpPr>
+          <p:cNvPr id="7" name="Straight Arrow Connector 6">
+            <a:extLst>
+              <a:ext uri="{FF2B5EF4-FFF2-40B4-BE49-F238E27FC236}">
+                <a16:creationId xmlns:a16="http://schemas.microsoft.com/office/drawing/2014/main" id="{00105F6A-D1D5-014C-A435-33BE57589744}"/>
+              </a:ext>
+            </a:extLst>
+          </p:cNvPr>
+          <p:cNvCxnSpPr/>
+          <p:nvPr/>
+        </p:nvCxnSpPr>
+        <p:spPr>
+          <a:xfrm>
+            <a:off x="899217" y="3042845"/>
+            <a:ext cx="0" cy="896470"/>
+          </a:xfrm>
+          <a:prstGeom prst="straightConnector1">
+            <a:avLst/>
+          </a:prstGeom>
+          <a:ln>
+            <a:headEnd type="triangle"/>
+            <a:tailEnd type="triangle"/>
+          </a:ln>
+        </p:spPr>
+        <p:style>
+          <a:lnRef idx="1">
+            <a:schemeClr val="accent1"/>
+          </a:lnRef>
+          <a:fillRef idx="0">
+            <a:schemeClr val="accent1"/>
+          </a:fillRef>
+          <a:effectRef idx="0">
+            <a:schemeClr val="accent1"/>
+          </a:effectRef>
+          <a:fontRef idx="minor">
+            <a:schemeClr val="tx1"/>
+          </a:fontRef>
+        </p:style>
+      </p:cxnSp>
+      <p:sp>
+        <p:nvSpPr>
+          <p:cNvPr id="8" name="TextBox 7">
+            <a:extLst>
+              <a:ext uri="{FF2B5EF4-FFF2-40B4-BE49-F238E27FC236}">
+                <a16:creationId xmlns:a16="http://schemas.microsoft.com/office/drawing/2014/main" id="{8D99E211-2C2E-1544-AAF7-FABF1A96CB40}"/>
+              </a:ext>
+            </a:extLst>
+          </p:cNvPr>
+          <p:cNvSpPr txBox="1"/>
+          <p:nvPr/>
+        </p:nvSpPr>
+        <p:spPr>
+          <a:xfrm>
+            <a:off x="517381" y="3306414"/>
+            <a:ext cx="381836" cy="369332"/>
+          </a:xfrm>
+          <a:prstGeom prst="rect">
+            <a:avLst/>
+          </a:prstGeom>
+          <a:noFill/>
+        </p:spPr>
+        <p:txBody>
+          <a:bodyPr wrap="none" rtlCol="0">
+            <a:spAutoFit/>
+          </a:bodyPr>
+          <a:lstStyle/>
+          <a:p>
+            <a:r>
+              <a:rPr lang="en-US" dirty="0"/>
+              <a:t>M</a:t>
+            </a:r>
+          </a:p>
+        </p:txBody>
+      </p:sp>
+      <p:cxnSp>
+        <p:nvCxnSpPr>
+          <p:cNvPr id="10" name="Straight Arrow Connector 9">
+            <a:extLst>
+              <a:ext uri="{FF2B5EF4-FFF2-40B4-BE49-F238E27FC236}">
+                <a16:creationId xmlns:a16="http://schemas.microsoft.com/office/drawing/2014/main" id="{D916499F-4B77-3045-BD56-31BD4896A1F0}"/>
+              </a:ext>
+            </a:extLst>
+          </p:cNvPr>
+          <p:cNvCxnSpPr/>
+          <p:nvPr/>
+        </p:nvCxnSpPr>
+        <p:spPr>
+          <a:xfrm>
+            <a:off x="1123335" y="2800798"/>
+            <a:ext cx="1712259" cy="0"/>
+          </a:xfrm>
+          <a:prstGeom prst="straightConnector1">
+            <a:avLst/>
+          </a:prstGeom>
+          <a:ln>
+            <a:headEnd type="triangle"/>
+            <a:tailEnd type="triangle"/>
+          </a:ln>
+        </p:spPr>
+        <p:style>
+          <a:lnRef idx="1">
+            <a:schemeClr val="accent1"/>
+          </a:lnRef>
+          <a:fillRef idx="0">
+            <a:schemeClr val="accent1"/>
+          </a:fillRef>
+          <a:effectRef idx="0">
+            <a:schemeClr val="accent1"/>
+          </a:effectRef>
+          <a:fontRef idx="minor">
+            <a:schemeClr val="tx1"/>
+          </a:fontRef>
+        </p:style>
+      </p:cxnSp>
+      <p:sp>
+        <p:nvSpPr>
+          <p:cNvPr id="11" name="TextBox 10">
+            <a:extLst>
+              <a:ext uri="{FF2B5EF4-FFF2-40B4-BE49-F238E27FC236}">
+                <a16:creationId xmlns:a16="http://schemas.microsoft.com/office/drawing/2014/main" id="{CA42D462-FBBA-4D4F-A79F-A0931217367D}"/>
+              </a:ext>
+            </a:extLst>
+          </p:cNvPr>
+          <p:cNvSpPr txBox="1"/>
+          <p:nvPr/>
+        </p:nvSpPr>
+        <p:spPr>
+          <a:xfrm>
+            <a:off x="1838239" y="2439542"/>
+            <a:ext cx="282450" cy="369332"/>
+          </a:xfrm>
+          <a:prstGeom prst="rect">
+            <a:avLst/>
+          </a:prstGeom>
+          <a:noFill/>
+        </p:spPr>
+        <p:txBody>
+          <a:bodyPr wrap="none" rtlCol="0">
+            <a:spAutoFit/>
+          </a:bodyPr>
+          <a:lstStyle/>
+          <a:p>
+            <a:r>
+              <a:rPr lang="en-US" dirty="0"/>
+              <a:t>L</a:t>
+            </a:r>
+          </a:p>
+        </p:txBody>
+      </p:sp>
+      <p:sp>
+        <p:nvSpPr>
+          <p:cNvPr id="25" name="Rectangle 24">
+            <a:extLst>
+              <a:ext uri="{FF2B5EF4-FFF2-40B4-BE49-F238E27FC236}">
+                <a16:creationId xmlns:a16="http://schemas.microsoft.com/office/drawing/2014/main" id="{2BB5EE3F-EA8C-3541-B76E-3600EB2B05A4}"/>
+              </a:ext>
+            </a:extLst>
+          </p:cNvPr>
+          <p:cNvSpPr/>
+          <p:nvPr/>
+        </p:nvSpPr>
+        <p:spPr>
+          <a:xfrm>
+            <a:off x="4000112" y="2052032"/>
+            <a:ext cx="1712259" cy="896470"/>
+          </a:xfrm>
+          <a:prstGeom prst="rect">
+            <a:avLst/>
+          </a:prstGeom>
+          <a:solidFill>
+            <a:schemeClr val="accent4">
+              <a:lumMod val="40000"/>
+              <a:lumOff val="60000"/>
+            </a:schemeClr>
+          </a:solidFill>
+          <a:ln>
+            <a:solidFill>
+              <a:schemeClr val="accent4">
+                <a:lumMod val="60000"/>
+                <a:lumOff val="40000"/>
+              </a:schemeClr>
+            </a:solidFill>
+          </a:ln>
+        </p:spPr>
+        <p:style>
+          <a:lnRef idx="2">
+            <a:schemeClr val="accent1">
+              <a:shade val="50000"/>
+            </a:schemeClr>
+          </a:lnRef>
+          <a:fillRef idx="1">
+            <a:schemeClr val="accent1"/>
+          </a:fillRef>
+          <a:effectRef idx="0">
+            <a:schemeClr val="accent1"/>
+          </a:effectRef>
+          <a:fontRef idx="minor">
+            <a:schemeClr val="lt1"/>
+          </a:fontRef>
+        </p:style>
+        <p:txBody>
+          <a:bodyPr rtlCol="0" anchor="ctr"/>
+          <a:lstStyle/>
+          <a:p>
+            <a:pPr algn="ctr"/>
+            <a:endParaRPr lang="en-US"/>
+          </a:p>
+        </p:txBody>
+      </p:sp>
+      <p:sp>
+        <p:nvSpPr>
+          <p:cNvPr id="26" name="Rectangle 25">
+            <a:extLst>
+              <a:ext uri="{FF2B5EF4-FFF2-40B4-BE49-F238E27FC236}">
+                <a16:creationId xmlns:a16="http://schemas.microsoft.com/office/drawing/2014/main" id="{D4F72141-3AA6-CE45-B685-206446D01A83}"/>
+              </a:ext>
+            </a:extLst>
+          </p:cNvPr>
+          <p:cNvSpPr/>
+          <p:nvPr/>
+        </p:nvSpPr>
+        <p:spPr>
+          <a:xfrm>
+            <a:off x="4000112" y="3100898"/>
+            <a:ext cx="1712259" cy="896470"/>
+          </a:xfrm>
+          <a:prstGeom prst="rect">
+            <a:avLst/>
+          </a:prstGeom>
+          <a:solidFill>
+            <a:schemeClr val="accent6">
+              <a:lumMod val="40000"/>
+              <a:lumOff val="60000"/>
+            </a:schemeClr>
+          </a:solidFill>
+          <a:ln>
+            <a:solidFill>
+              <a:schemeClr val="accent6">
+                <a:lumMod val="60000"/>
+                <a:lumOff val="40000"/>
+              </a:schemeClr>
+            </a:solidFill>
+          </a:ln>
+        </p:spPr>
+        <p:style>
+          <a:lnRef idx="2">
+            <a:schemeClr val="accent1">
+              <a:shade val="50000"/>
+            </a:schemeClr>
+          </a:lnRef>
+          <a:fillRef idx="1">
+            <a:schemeClr val="accent1"/>
+          </a:fillRef>
+          <a:effectRef idx="0">
+            <a:schemeClr val="accent1"/>
+          </a:effectRef>
+          <a:fontRef idx="minor">
+            <a:schemeClr val="lt1"/>
+          </a:fontRef>
+        </p:style>
+        <p:txBody>
+          <a:bodyPr rtlCol="0" anchor="ctr"/>
+          <a:lstStyle/>
+          <a:p>
+            <a:pPr algn="ctr"/>
+            <a:endParaRPr lang="en-US"/>
+          </a:p>
+        </p:txBody>
+      </p:sp>
+      <p:sp>
+        <p:nvSpPr>
+          <p:cNvPr id="27" name="Rectangle 26">
+            <a:extLst>
+              <a:ext uri="{FF2B5EF4-FFF2-40B4-BE49-F238E27FC236}">
+                <a16:creationId xmlns:a16="http://schemas.microsoft.com/office/drawing/2014/main" id="{E7B57AF6-21C8-4645-9F40-86F1464F73B1}"/>
+              </a:ext>
+            </a:extLst>
+          </p:cNvPr>
+          <p:cNvSpPr/>
+          <p:nvPr/>
+        </p:nvSpPr>
+        <p:spPr>
+          <a:xfrm>
+            <a:off x="4000112" y="4149764"/>
+            <a:ext cx="1712259" cy="896470"/>
+          </a:xfrm>
+          <a:prstGeom prst="rect">
+            <a:avLst/>
+          </a:prstGeom>
+          <a:solidFill>
+            <a:schemeClr val="accent2">
+              <a:lumMod val="40000"/>
+              <a:lumOff val="60000"/>
+            </a:schemeClr>
+          </a:solidFill>
+          <a:ln>
+            <a:solidFill>
+              <a:schemeClr val="accent2">
+                <a:lumMod val="60000"/>
+                <a:lumOff val="40000"/>
+              </a:schemeClr>
+            </a:solidFill>
+          </a:ln>
+        </p:spPr>
+        <p:style>
+          <a:lnRef idx="2">
+            <a:schemeClr val="accent1">
+              <a:shade val="50000"/>
+            </a:schemeClr>
+          </a:lnRef>
+          <a:fillRef idx="1">
+            <a:schemeClr val="accent1"/>
+          </a:fillRef>
+          <a:effectRef idx="0">
+            <a:schemeClr val="accent1"/>
+          </a:effectRef>
+          <a:fontRef idx="minor">
+            <a:schemeClr val="lt1"/>
+          </a:fontRef>
+        </p:style>
+        <p:txBody>
+          <a:bodyPr rtlCol="0" anchor="ctr"/>
+          <a:lstStyle/>
+          <a:p>
+            <a:pPr algn="ctr"/>
+            <a:endParaRPr lang="en-US"/>
+          </a:p>
+        </p:txBody>
+      </p:sp>
+      <p:cxnSp>
+        <p:nvCxnSpPr>
+          <p:cNvPr id="28" name="Straight Arrow Connector 27">
+            <a:extLst>
+              <a:ext uri="{FF2B5EF4-FFF2-40B4-BE49-F238E27FC236}">
+                <a16:creationId xmlns:a16="http://schemas.microsoft.com/office/drawing/2014/main" id="{E0B56DD5-0D60-5C49-971D-747252ABBCC6}"/>
+              </a:ext>
+            </a:extLst>
+          </p:cNvPr>
+          <p:cNvCxnSpPr>
+            <a:cxnSpLocks/>
+          </p:cNvCxnSpPr>
+          <p:nvPr/>
+        </p:nvCxnSpPr>
+        <p:spPr>
+          <a:xfrm>
+            <a:off x="3847713" y="2052032"/>
+            <a:ext cx="0" cy="896470"/>
+          </a:xfrm>
+          <a:prstGeom prst="straightConnector1">
+            <a:avLst/>
+          </a:prstGeom>
+          <a:ln>
+            <a:headEnd type="triangle"/>
+            <a:tailEnd type="triangle"/>
+          </a:ln>
+        </p:spPr>
+        <p:style>
+          <a:lnRef idx="1">
+            <a:schemeClr val="accent1"/>
+          </a:lnRef>
+          <a:fillRef idx="0">
+            <a:schemeClr val="accent1"/>
+          </a:fillRef>
+          <a:effectRef idx="0">
+            <a:schemeClr val="accent1"/>
+          </a:effectRef>
+          <a:fontRef idx="minor">
+            <a:schemeClr val="tx1"/>
+          </a:fontRef>
+        </p:style>
+      </p:cxnSp>
+      <mc:AlternateContent xmlns:mc="http://schemas.openxmlformats.org/markup-compatibility/2006">
+        <mc:Choice xmlns:a14="http://schemas.microsoft.com/office/drawing/2010/main" Requires="a14">
+          <p:sp>
+            <p:nvSpPr>
+              <p:cNvPr id="29" name="TextBox 28">
+                <a:extLst>
+                  <a:ext uri="{FF2B5EF4-FFF2-40B4-BE49-F238E27FC236}">
+                    <a16:creationId xmlns:a16="http://schemas.microsoft.com/office/drawing/2014/main" id="{AF8F7ECC-C9C7-E94C-9128-6C3FC01D89D4}"/>
+                  </a:ext>
+                </a:extLst>
+              </p:cNvPr>
+              <p:cNvSpPr txBox="1"/>
+              <p:nvPr/>
+            </p:nvSpPr>
+            <p:spPr>
+              <a:xfrm rot="16200000">
+                <a:off x="3124037" y="2342492"/>
+                <a:ext cx="1031373" cy="369332"/>
+              </a:xfrm>
+              <a:prstGeom prst="rect">
+                <a:avLst/>
+              </a:prstGeom>
+              <a:noFill/>
+            </p:spPr>
+            <p:txBody>
+              <a:bodyPr wrap="none" rtlCol="0">
+                <a:spAutoFit/>
+              </a:bodyPr>
+              <a:lstStyle/>
+              <a:p>
+                <a14:m>
+                  <m:oMathPara xmlns:m="http://schemas.openxmlformats.org/officeDocument/2006/math">
+                    <m:oMathParaPr>
+                      <m:jc m:val="centerGroup"/>
+                    </m:oMathParaPr>
+                    <m:oMath xmlns:m="http://schemas.openxmlformats.org/officeDocument/2006/math">
+                      <m:sSub>
+                        <m:sSubPr>
+                          <m:ctrlPr>
+                            <a:rPr lang="en-US" i="1" smtClean="0">
+                              <a:latin typeface="Cambria Math" panose="02040503050406030204" pitchFamily="18" charset="0"/>
+                            </a:rPr>
+                          </m:ctrlPr>
+                        </m:sSubPr>
+                        <m:e>
+                          <m:r>
+                            <a:rPr lang="es-ES" b="0" i="1" smtClean="0">
+                              <a:latin typeface="Cambria Math" panose="02040503050406030204" pitchFamily="18" charset="0"/>
+                            </a:rPr>
+                            <m:t>𝑀</m:t>
+                          </m:r>
+                        </m:e>
+                        <m:sub>
+                          <m:r>
+                            <a:rPr lang="es-ES" b="0" i="1" smtClean="0">
+                              <a:latin typeface="Cambria Math" panose="02040503050406030204" pitchFamily="18" charset="0"/>
+                            </a:rPr>
+                            <m:t>𝑒</m:t>
+                          </m:r>
+                        </m:sub>
+                      </m:sSub>
+                      <m:r>
+                        <a:rPr lang="es-ES" b="0" i="1" smtClean="0">
+                          <a:latin typeface="Cambria Math" panose="02040503050406030204" pitchFamily="18" charset="0"/>
+                        </a:rPr>
+                        <m:t>=</m:t>
+                      </m:r>
+                      <m:r>
+                        <a:rPr lang="es-ES" b="0" i="1" smtClean="0">
+                          <a:latin typeface="Cambria Math" panose="02040503050406030204" pitchFamily="18" charset="0"/>
+                        </a:rPr>
+                        <m:t>𝑀</m:t>
+                      </m:r>
+                    </m:oMath>
+                  </m:oMathPara>
+                </a14:m>
+                <a:endParaRPr lang="en-US" dirty="0"/>
+              </a:p>
+            </p:txBody>
+          </p:sp>
+        </mc:Choice>
+        <mc:Fallback>
+          <p:sp>
+            <p:nvSpPr>
+              <p:cNvPr id="29" name="TextBox 28">
+                <a:extLst>
+                  <a:ext uri="{FF2B5EF4-FFF2-40B4-BE49-F238E27FC236}">
+                    <a16:creationId xmlns:a16="http://schemas.microsoft.com/office/drawing/2014/main" id="{AF8F7ECC-C9C7-E94C-9128-6C3FC01D89D4}"/>
+                  </a:ext>
+                </a:extLst>
+              </p:cNvPr>
+              <p:cNvSpPr txBox="1">
+                <a:spLocks noRot="1" noChangeAspect="1" noMove="1" noResize="1" noEditPoints="1" noAdjustHandles="1" noChangeArrowheads="1" noChangeShapeType="1" noTextEdit="1"/>
+              </p:cNvSpPr>
+              <p:nvPr/>
+            </p:nvSpPr>
+            <p:spPr>
+              <a:xfrm rot="16200000">
+                <a:off x="3124037" y="2342492"/>
+                <a:ext cx="1031373" cy="369332"/>
+              </a:xfrm>
+              <a:prstGeom prst="rect">
+                <a:avLst/>
+              </a:prstGeom>
+              <a:blipFill>
+                <a:blip r:embed="rId2"/>
+                <a:stretch>
+                  <a:fillRect/>
+                </a:stretch>
+              </a:blipFill>
+            </p:spPr>
+            <p:txBody>
+              <a:bodyPr/>
+              <a:lstStyle/>
+              <a:p>
+                <a:r>
+                  <a:rPr lang="en-US">
+                    <a:noFill/>
+                  </a:rPr>
+                  <a:t> </a:t>
+                </a:r>
+              </a:p>
+            </p:txBody>
+          </p:sp>
+        </mc:Fallback>
+      </mc:AlternateContent>
+      <p:cxnSp>
+        <p:nvCxnSpPr>
+          <p:cNvPr id="30" name="Straight Arrow Connector 29">
+            <a:extLst>
+              <a:ext uri="{FF2B5EF4-FFF2-40B4-BE49-F238E27FC236}">
+                <a16:creationId xmlns:a16="http://schemas.microsoft.com/office/drawing/2014/main" id="{A95999B9-B2B3-5941-8C6D-0A3C4043E943}"/>
+              </a:ext>
+            </a:extLst>
+          </p:cNvPr>
+          <p:cNvCxnSpPr>
+            <a:cxnSpLocks/>
+          </p:cNvCxnSpPr>
+          <p:nvPr/>
+        </p:nvCxnSpPr>
+        <p:spPr>
+          <a:xfrm>
+            <a:off x="4000112" y="1917561"/>
+            <a:ext cx="1712259" cy="0"/>
+          </a:xfrm>
+          <a:prstGeom prst="straightConnector1">
+            <a:avLst/>
+          </a:prstGeom>
+          <a:ln>
+            <a:headEnd type="triangle"/>
+            <a:tailEnd type="triangle"/>
+          </a:ln>
+        </p:spPr>
+        <p:style>
+          <a:lnRef idx="1">
+            <a:schemeClr val="accent1"/>
+          </a:lnRef>
+          <a:fillRef idx="0">
+            <a:schemeClr val="accent1"/>
+          </a:fillRef>
+          <a:effectRef idx="0">
+            <a:schemeClr val="accent1"/>
+          </a:effectRef>
+          <a:fontRef idx="minor">
+            <a:schemeClr val="tx1"/>
+          </a:fontRef>
+        </p:style>
+      </p:cxnSp>
+      <mc:AlternateContent xmlns:mc="http://schemas.openxmlformats.org/markup-compatibility/2006">
+        <mc:Choice xmlns:a14="http://schemas.microsoft.com/office/drawing/2010/main" Requires="a14">
+          <p:sp>
+            <p:nvSpPr>
+              <p:cNvPr id="31" name="TextBox 30">
+                <a:extLst>
+                  <a:ext uri="{FF2B5EF4-FFF2-40B4-BE49-F238E27FC236}">
+                    <a16:creationId xmlns:a16="http://schemas.microsoft.com/office/drawing/2014/main" id="{E92A7F68-EFC7-4948-BC3E-5DF6B001AF66}"/>
+                  </a:ext>
+                </a:extLst>
+              </p:cNvPr>
+              <p:cNvSpPr txBox="1"/>
+              <p:nvPr/>
+            </p:nvSpPr>
+            <p:spPr>
+              <a:xfrm>
+                <a:off x="4622748" y="1548229"/>
+                <a:ext cx="466986" cy="369332"/>
+              </a:xfrm>
+              <a:prstGeom prst="rect">
+                <a:avLst/>
+              </a:prstGeom>
+              <a:noFill/>
+            </p:spPr>
+            <p:txBody>
+              <a:bodyPr wrap="none" rtlCol="0">
+                <a:spAutoFit/>
+              </a:bodyPr>
+              <a:lstStyle/>
+              <a:p>
+                <a14:m>
+                  <m:oMathPara xmlns:m="http://schemas.openxmlformats.org/officeDocument/2006/math">
+                    <m:oMathParaPr>
+                      <m:jc m:val="centerGroup"/>
+                    </m:oMathParaPr>
+                    <m:oMath xmlns:m="http://schemas.openxmlformats.org/officeDocument/2006/math">
+                      <m:sSub>
+                        <m:sSubPr>
+                          <m:ctrlPr>
+                            <a:rPr lang="en-US" i="1" smtClean="0">
+                              <a:latin typeface="Cambria Math" panose="02040503050406030204" pitchFamily="18" charset="0"/>
+                            </a:rPr>
+                          </m:ctrlPr>
+                        </m:sSubPr>
+                        <m:e>
+                          <m:r>
+                            <a:rPr lang="es-ES" b="0" i="1" smtClean="0">
+                              <a:latin typeface="Cambria Math" panose="02040503050406030204" pitchFamily="18" charset="0"/>
+                            </a:rPr>
+                            <m:t>𝐿</m:t>
+                          </m:r>
+                        </m:e>
+                        <m:sub>
+                          <m:r>
+                            <a:rPr lang="es-ES" b="0" i="1" smtClean="0">
+                              <a:latin typeface="Cambria Math" panose="02040503050406030204" pitchFamily="18" charset="0"/>
+                            </a:rPr>
+                            <m:t>𝑒</m:t>
+                          </m:r>
+                        </m:sub>
+                      </m:sSub>
+                    </m:oMath>
+                  </m:oMathPara>
+                </a14:m>
+                <a:endParaRPr lang="en-US" dirty="0"/>
+              </a:p>
+            </p:txBody>
+          </p:sp>
+        </mc:Choice>
+        <mc:Fallback>
+          <p:sp>
+            <p:nvSpPr>
+              <p:cNvPr id="31" name="TextBox 30">
+                <a:extLst>
+                  <a:ext uri="{FF2B5EF4-FFF2-40B4-BE49-F238E27FC236}">
+                    <a16:creationId xmlns:a16="http://schemas.microsoft.com/office/drawing/2014/main" id="{E92A7F68-EFC7-4948-BC3E-5DF6B001AF66}"/>
+                  </a:ext>
+                </a:extLst>
+              </p:cNvPr>
+              <p:cNvSpPr txBox="1">
+                <a:spLocks noRot="1" noChangeAspect="1" noMove="1" noResize="1" noEditPoints="1" noAdjustHandles="1" noChangeArrowheads="1" noChangeShapeType="1" noTextEdit="1"/>
+              </p:cNvSpPr>
+              <p:nvPr/>
+            </p:nvSpPr>
+            <p:spPr>
+              <a:xfrm>
+                <a:off x="4622748" y="1548229"/>
+                <a:ext cx="466986" cy="369332"/>
+              </a:xfrm>
+              <a:prstGeom prst="rect">
+                <a:avLst/>
+              </a:prstGeom>
+              <a:blipFill>
+                <a:blip r:embed="rId3"/>
+                <a:stretch>
+                  <a:fillRect/>
+                </a:stretch>
+              </a:blipFill>
+            </p:spPr>
+            <p:txBody>
+              <a:bodyPr/>
+              <a:lstStyle/>
+              <a:p>
+                <a:r>
+                  <a:rPr lang="en-US">
+                    <a:noFill/>
+                  </a:rPr>
+                  <a:t> </a:t>
+                </a:r>
+              </a:p>
+            </p:txBody>
+          </p:sp>
+        </mc:Fallback>
+      </mc:AlternateContent>
+      <p:sp>
+        <p:nvSpPr>
+          <p:cNvPr id="34" name="TextBox 33">
+            <a:extLst>
+              <a:ext uri="{FF2B5EF4-FFF2-40B4-BE49-F238E27FC236}">
+                <a16:creationId xmlns:a16="http://schemas.microsoft.com/office/drawing/2014/main" id="{229DAEDE-52D3-B541-B84F-6ECBE6090A13}"/>
+              </a:ext>
+            </a:extLst>
+          </p:cNvPr>
+          <p:cNvSpPr txBox="1"/>
+          <p:nvPr/>
+        </p:nvSpPr>
+        <p:spPr>
+          <a:xfrm>
+            <a:off x="3711388" y="1213828"/>
+            <a:ext cx="1921745" cy="369332"/>
+          </a:xfrm>
+          <a:prstGeom prst="rect">
+            <a:avLst/>
+          </a:prstGeom>
+          <a:noFill/>
+        </p:spPr>
+        <p:txBody>
+          <a:bodyPr wrap="none" rtlCol="0">
+            <a:spAutoFit/>
+          </a:bodyPr>
+          <a:lstStyle/>
+          <a:p>
+            <a:r>
+              <a:rPr lang="en-US" dirty="0"/>
+              <a:t>B: Vertical Division</a:t>
+            </a:r>
+          </a:p>
+        </p:txBody>
+      </p:sp>
+      <p:sp>
+        <p:nvSpPr>
+          <p:cNvPr id="42" name="TextBox 41">
+            <a:extLst>
+              <a:ext uri="{FF2B5EF4-FFF2-40B4-BE49-F238E27FC236}">
+                <a16:creationId xmlns:a16="http://schemas.microsoft.com/office/drawing/2014/main" id="{477AC6E4-2974-0642-B9E3-870C05FB8CF8}"/>
+              </a:ext>
+            </a:extLst>
+          </p:cNvPr>
+          <p:cNvSpPr txBox="1"/>
+          <p:nvPr/>
+        </p:nvSpPr>
+        <p:spPr>
+          <a:xfrm>
+            <a:off x="6369476" y="1213828"/>
+            <a:ext cx="3258008" cy="369332"/>
+          </a:xfrm>
+          <a:prstGeom prst="rect">
+            <a:avLst/>
+          </a:prstGeom>
+          <a:noFill/>
+        </p:spPr>
+        <p:txBody>
+          <a:bodyPr wrap="none" rtlCol="0">
+            <a:spAutoFit/>
+          </a:bodyPr>
+          <a:lstStyle/>
+          <a:p>
+            <a:r>
+              <a:rPr lang="en-US" dirty="0"/>
+              <a:t>BA: Conditioned Vertical Division</a:t>
+            </a:r>
+          </a:p>
+        </p:txBody>
+      </p:sp>
+      <p:sp>
+        <p:nvSpPr>
+          <p:cNvPr id="47" name="Rectangle 46">
+            <a:extLst>
+              <a:ext uri="{FF2B5EF4-FFF2-40B4-BE49-F238E27FC236}">
+                <a16:creationId xmlns:a16="http://schemas.microsoft.com/office/drawing/2014/main" id="{971241F2-256C-CA44-8241-716CECCE1741}"/>
+              </a:ext>
+            </a:extLst>
+          </p:cNvPr>
+          <p:cNvSpPr/>
+          <p:nvPr/>
+        </p:nvSpPr>
+        <p:spPr>
+          <a:xfrm>
+            <a:off x="7130655" y="2052032"/>
+            <a:ext cx="2291251" cy="757515"/>
+          </a:xfrm>
+          <a:prstGeom prst="rect">
+            <a:avLst/>
+          </a:prstGeom>
+          <a:solidFill>
+            <a:schemeClr val="accent4">
+              <a:lumMod val="40000"/>
+              <a:lumOff val="60000"/>
+            </a:schemeClr>
+          </a:solidFill>
+          <a:ln>
+            <a:solidFill>
+              <a:schemeClr val="accent4">
+                <a:lumMod val="60000"/>
+                <a:lumOff val="40000"/>
+              </a:schemeClr>
+            </a:solidFill>
+          </a:ln>
+        </p:spPr>
+        <p:style>
+          <a:lnRef idx="2">
+            <a:schemeClr val="accent1">
+              <a:shade val="50000"/>
+            </a:schemeClr>
+          </a:lnRef>
+          <a:fillRef idx="1">
+            <a:schemeClr val="accent1"/>
+          </a:fillRef>
+          <a:effectRef idx="0">
+            <a:schemeClr val="accent1"/>
+          </a:effectRef>
+          <a:fontRef idx="minor">
+            <a:schemeClr val="lt1"/>
+          </a:fontRef>
+        </p:style>
+        <p:txBody>
+          <a:bodyPr rtlCol="0" anchor="ctr"/>
+          <a:lstStyle/>
+          <a:p>
+            <a:pPr algn="ctr"/>
+            <a:endParaRPr lang="en-US"/>
+          </a:p>
+        </p:txBody>
+      </p:sp>
+      <p:sp>
+        <p:nvSpPr>
+          <p:cNvPr id="48" name="Rectangle 47">
+            <a:extLst>
+              <a:ext uri="{FF2B5EF4-FFF2-40B4-BE49-F238E27FC236}">
+                <a16:creationId xmlns:a16="http://schemas.microsoft.com/office/drawing/2014/main" id="{608134B8-3D14-D144-A2BC-910C7AE11744}"/>
+              </a:ext>
+            </a:extLst>
+          </p:cNvPr>
+          <p:cNvSpPr/>
+          <p:nvPr/>
+        </p:nvSpPr>
+        <p:spPr>
+          <a:xfrm>
+            <a:off x="7130655" y="3100898"/>
+            <a:ext cx="2291251" cy="757515"/>
+          </a:xfrm>
+          <a:prstGeom prst="rect">
+            <a:avLst/>
+          </a:prstGeom>
+          <a:solidFill>
+            <a:schemeClr val="accent6">
+              <a:lumMod val="40000"/>
+              <a:lumOff val="60000"/>
+            </a:schemeClr>
+          </a:solidFill>
+          <a:ln>
+            <a:solidFill>
+              <a:schemeClr val="accent6">
+                <a:lumMod val="60000"/>
+                <a:lumOff val="40000"/>
+              </a:schemeClr>
+            </a:solidFill>
+          </a:ln>
+        </p:spPr>
+        <p:style>
+          <a:lnRef idx="2">
+            <a:schemeClr val="accent1">
+              <a:shade val="50000"/>
+            </a:schemeClr>
+          </a:lnRef>
+          <a:fillRef idx="1">
+            <a:schemeClr val="accent1"/>
+          </a:fillRef>
+          <a:effectRef idx="0">
+            <a:schemeClr val="accent1"/>
+          </a:effectRef>
+          <a:fontRef idx="minor">
+            <a:schemeClr val="lt1"/>
+          </a:fontRef>
+        </p:style>
+        <p:txBody>
+          <a:bodyPr rtlCol="0" anchor="ctr"/>
+          <a:lstStyle/>
+          <a:p>
+            <a:pPr algn="ctr"/>
+            <a:endParaRPr lang="en-US"/>
+          </a:p>
+        </p:txBody>
+      </p:sp>
+      <p:sp>
+        <p:nvSpPr>
+          <p:cNvPr id="49" name="Rectangle 48">
+            <a:extLst>
+              <a:ext uri="{FF2B5EF4-FFF2-40B4-BE49-F238E27FC236}">
+                <a16:creationId xmlns:a16="http://schemas.microsoft.com/office/drawing/2014/main" id="{8607FA21-97A5-C14F-8730-A63D662889D9}"/>
+              </a:ext>
+            </a:extLst>
+          </p:cNvPr>
+          <p:cNvSpPr/>
+          <p:nvPr/>
+        </p:nvSpPr>
+        <p:spPr>
+          <a:xfrm>
+            <a:off x="7130655" y="4149764"/>
+            <a:ext cx="2291251" cy="757515"/>
+          </a:xfrm>
+          <a:prstGeom prst="rect">
+            <a:avLst/>
+          </a:prstGeom>
+          <a:solidFill>
+            <a:schemeClr val="accent2">
+              <a:lumMod val="40000"/>
+              <a:lumOff val="60000"/>
+            </a:schemeClr>
+          </a:solidFill>
+          <a:ln>
+            <a:solidFill>
+              <a:schemeClr val="accent2">
+                <a:lumMod val="60000"/>
+                <a:lumOff val="40000"/>
+              </a:schemeClr>
+            </a:solidFill>
+          </a:ln>
+        </p:spPr>
+        <p:style>
+          <a:lnRef idx="2">
+            <a:schemeClr val="accent1">
+              <a:shade val="50000"/>
+            </a:schemeClr>
+          </a:lnRef>
+          <a:fillRef idx="1">
+            <a:schemeClr val="accent1"/>
+          </a:fillRef>
+          <a:effectRef idx="0">
+            <a:schemeClr val="accent1"/>
+          </a:effectRef>
+          <a:fontRef idx="minor">
+            <a:schemeClr val="lt1"/>
+          </a:fontRef>
+        </p:style>
+        <p:txBody>
+          <a:bodyPr rtlCol="0" anchor="ctr"/>
+          <a:lstStyle/>
+          <a:p>
+            <a:pPr algn="ctr"/>
+            <a:endParaRPr lang="en-US"/>
+          </a:p>
+        </p:txBody>
+      </p:sp>
+      <p:cxnSp>
+        <p:nvCxnSpPr>
+          <p:cNvPr id="50" name="Straight Arrow Connector 49">
+            <a:extLst>
+              <a:ext uri="{FF2B5EF4-FFF2-40B4-BE49-F238E27FC236}">
+                <a16:creationId xmlns:a16="http://schemas.microsoft.com/office/drawing/2014/main" id="{5E1F3D84-DB5B-A74B-8E63-270BD163AEAA}"/>
+              </a:ext>
+            </a:extLst>
+          </p:cNvPr>
+          <p:cNvCxnSpPr>
+            <a:cxnSpLocks/>
+          </p:cNvCxnSpPr>
+          <p:nvPr/>
+        </p:nvCxnSpPr>
+        <p:spPr>
+          <a:xfrm>
+            <a:off x="6978256" y="2052032"/>
+            <a:ext cx="0" cy="896470"/>
+          </a:xfrm>
+          <a:prstGeom prst="straightConnector1">
+            <a:avLst/>
+          </a:prstGeom>
+          <a:ln>
+            <a:headEnd type="triangle"/>
+            <a:tailEnd type="triangle"/>
+          </a:ln>
+        </p:spPr>
+        <p:style>
+          <a:lnRef idx="1">
+            <a:schemeClr val="accent1"/>
+          </a:lnRef>
+          <a:fillRef idx="0">
+            <a:schemeClr val="accent1"/>
+          </a:fillRef>
+          <a:effectRef idx="0">
+            <a:schemeClr val="accent1"/>
+          </a:effectRef>
+          <a:fontRef idx="minor">
+            <a:schemeClr val="tx1"/>
+          </a:fontRef>
+        </p:style>
+      </p:cxnSp>
+      <mc:AlternateContent xmlns:mc="http://schemas.openxmlformats.org/markup-compatibility/2006">
+        <mc:Choice xmlns:a14="http://schemas.microsoft.com/office/drawing/2010/main" Requires="a14">
+          <p:sp>
+            <p:nvSpPr>
+              <p:cNvPr id="51" name="TextBox 50">
+                <a:extLst>
+                  <a:ext uri="{FF2B5EF4-FFF2-40B4-BE49-F238E27FC236}">
+                    <a16:creationId xmlns:a16="http://schemas.microsoft.com/office/drawing/2014/main" id="{3F7EDF32-73C3-AB43-9BAA-62195F68E053}"/>
+                  </a:ext>
+                </a:extLst>
+              </p:cNvPr>
+              <p:cNvSpPr txBox="1"/>
+              <p:nvPr/>
+            </p:nvSpPr>
+            <p:spPr>
+              <a:xfrm rot="16200000">
+                <a:off x="6115153" y="2342492"/>
+                <a:ext cx="1310230" cy="369332"/>
+              </a:xfrm>
+              <a:prstGeom prst="rect">
+                <a:avLst/>
+              </a:prstGeom>
+              <a:noFill/>
+            </p:spPr>
+            <p:txBody>
+              <a:bodyPr wrap="none" rtlCol="0">
+                <a:spAutoFit/>
+              </a:bodyPr>
+              <a:lstStyle/>
+              <a:p>
+                <a14:m>
+                  <m:oMathPara xmlns:m="http://schemas.openxmlformats.org/officeDocument/2006/math">
+                    <m:oMathParaPr>
+                      <m:jc m:val="centerGroup"/>
+                    </m:oMathParaPr>
+                    <m:oMath xmlns:m="http://schemas.openxmlformats.org/officeDocument/2006/math">
+                      <m:sSub>
+                        <m:sSubPr>
+                          <m:ctrlPr>
+                            <a:rPr lang="en-US" i="1" smtClean="0">
+                              <a:latin typeface="Cambria Math" panose="02040503050406030204" pitchFamily="18" charset="0"/>
+                            </a:rPr>
+                          </m:ctrlPr>
+                        </m:sSubPr>
+                        <m:e>
+                          <m:r>
+                            <a:rPr lang="es-ES" b="0" i="1" smtClean="0">
+                              <a:latin typeface="Cambria Math" panose="02040503050406030204" pitchFamily="18" charset="0"/>
+                            </a:rPr>
+                            <m:t>𝑀</m:t>
+                          </m:r>
+                        </m:e>
+                        <m:sub>
+                          <m:r>
+                            <a:rPr lang="es-ES" b="0" i="1" smtClean="0">
+                              <a:latin typeface="Cambria Math" panose="02040503050406030204" pitchFamily="18" charset="0"/>
+                            </a:rPr>
+                            <m:t>𝑒</m:t>
+                          </m:r>
+                        </m:sub>
+                      </m:sSub>
+                      <m:r>
+                        <a:rPr lang="es-ES" b="0" i="1" smtClean="0">
+                          <a:latin typeface="Cambria Math" panose="02040503050406030204" pitchFamily="18" charset="0"/>
+                        </a:rPr>
+                        <m:t>(</m:t>
+                      </m:r>
+                      <m:r>
+                        <a:rPr lang="es-ES" b="0" i="1" smtClean="0">
+                          <a:latin typeface="Cambria Math" panose="02040503050406030204" pitchFamily="18" charset="0"/>
+                        </a:rPr>
+                        <m:t>𝑔𝑖𝑣𝑒𝑛</m:t>
+                      </m:r>
+                      <m:r>
+                        <a:rPr lang="es-ES" b="0" i="1" smtClean="0">
+                          <a:latin typeface="Cambria Math" panose="02040503050406030204" pitchFamily="18" charset="0"/>
+                        </a:rPr>
+                        <m:t>)</m:t>
+                      </m:r>
+                    </m:oMath>
+                  </m:oMathPara>
+                </a14:m>
+                <a:endParaRPr lang="en-US" dirty="0"/>
+              </a:p>
+            </p:txBody>
+          </p:sp>
+        </mc:Choice>
+        <mc:Fallback>
+          <p:sp>
+            <p:nvSpPr>
+              <p:cNvPr id="51" name="TextBox 50">
+                <a:extLst>
+                  <a:ext uri="{FF2B5EF4-FFF2-40B4-BE49-F238E27FC236}">
+                    <a16:creationId xmlns:a16="http://schemas.microsoft.com/office/drawing/2014/main" id="{3F7EDF32-73C3-AB43-9BAA-62195F68E053}"/>
+                  </a:ext>
+                </a:extLst>
+              </p:cNvPr>
+              <p:cNvSpPr txBox="1">
+                <a:spLocks noRot="1" noChangeAspect="1" noMove="1" noResize="1" noEditPoints="1" noAdjustHandles="1" noChangeArrowheads="1" noChangeShapeType="1" noTextEdit="1"/>
+              </p:cNvSpPr>
+              <p:nvPr/>
+            </p:nvSpPr>
+            <p:spPr>
+              <a:xfrm rot="16200000">
+                <a:off x="6115153" y="2342492"/>
+                <a:ext cx="1310230" cy="369332"/>
+              </a:xfrm>
+              <a:prstGeom prst="rect">
+                <a:avLst/>
+              </a:prstGeom>
+              <a:blipFill>
+                <a:blip r:embed="rId4"/>
+                <a:stretch>
+                  <a:fillRect r="-13333"/>
+                </a:stretch>
+              </a:blipFill>
+            </p:spPr>
+            <p:txBody>
+              <a:bodyPr/>
+              <a:lstStyle/>
+              <a:p>
+                <a:r>
+                  <a:rPr lang="en-US">
+                    <a:noFill/>
+                  </a:rPr>
+                  <a:t> </a:t>
+                </a:r>
+              </a:p>
+            </p:txBody>
+          </p:sp>
+        </mc:Fallback>
+      </mc:AlternateContent>
+      <p:cxnSp>
+        <p:nvCxnSpPr>
+          <p:cNvPr id="52" name="Straight Arrow Connector 51">
+            <a:extLst>
+              <a:ext uri="{FF2B5EF4-FFF2-40B4-BE49-F238E27FC236}">
+                <a16:creationId xmlns:a16="http://schemas.microsoft.com/office/drawing/2014/main" id="{772E2D3A-8190-A945-9DB3-EE9F1912FCF1}"/>
+              </a:ext>
+            </a:extLst>
+          </p:cNvPr>
+          <p:cNvCxnSpPr>
+            <a:cxnSpLocks/>
+          </p:cNvCxnSpPr>
+          <p:nvPr/>
+        </p:nvCxnSpPr>
+        <p:spPr>
+          <a:xfrm>
+            <a:off x="7130655" y="1917561"/>
+            <a:ext cx="2291251" cy="0"/>
+          </a:xfrm>
+          <a:prstGeom prst="straightConnector1">
+            <a:avLst/>
+          </a:prstGeom>
+          <a:ln>
+            <a:headEnd type="triangle"/>
+            <a:tailEnd type="triangle"/>
+          </a:ln>
+        </p:spPr>
+        <p:style>
+          <a:lnRef idx="1">
+            <a:schemeClr val="accent1"/>
+          </a:lnRef>
+          <a:fillRef idx="0">
+            <a:schemeClr val="accent1"/>
+          </a:fillRef>
+          <a:effectRef idx="0">
+            <a:schemeClr val="accent1"/>
+          </a:effectRef>
+          <a:fontRef idx="minor">
+            <a:schemeClr val="tx1"/>
+          </a:fontRef>
+        </p:style>
+      </p:cxnSp>
+      <mc:AlternateContent xmlns:mc="http://schemas.openxmlformats.org/markup-compatibility/2006">
+        <mc:Choice xmlns:a14="http://schemas.microsoft.com/office/drawing/2010/main" Requires="a14">
+          <p:sp>
+            <p:nvSpPr>
+              <p:cNvPr id="53" name="TextBox 52">
+                <a:extLst>
+                  <a:ext uri="{FF2B5EF4-FFF2-40B4-BE49-F238E27FC236}">
+                    <a16:creationId xmlns:a16="http://schemas.microsoft.com/office/drawing/2014/main" id="{74D1F2DF-7F85-B740-AF75-F317483E0ED1}"/>
+                  </a:ext>
+                </a:extLst>
+              </p:cNvPr>
+              <p:cNvSpPr txBox="1"/>
+              <p:nvPr/>
+            </p:nvSpPr>
+            <p:spPr>
+              <a:xfrm>
+                <a:off x="8174632" y="1565695"/>
+                <a:ext cx="466986" cy="369332"/>
+              </a:xfrm>
+              <a:prstGeom prst="rect">
+                <a:avLst/>
+              </a:prstGeom>
+              <a:noFill/>
+            </p:spPr>
+            <p:txBody>
+              <a:bodyPr wrap="none" rtlCol="0">
+                <a:spAutoFit/>
+              </a:bodyPr>
+              <a:lstStyle/>
+              <a:p>
+                <a14:m>
+                  <m:oMathPara xmlns:m="http://schemas.openxmlformats.org/officeDocument/2006/math">
+                    <m:oMathParaPr>
+                      <m:jc m:val="centerGroup"/>
+                    </m:oMathParaPr>
+                    <m:oMath xmlns:m="http://schemas.openxmlformats.org/officeDocument/2006/math">
+                      <m:sSub>
+                        <m:sSubPr>
+                          <m:ctrlPr>
+                            <a:rPr lang="en-US" i="1" smtClean="0">
+                              <a:latin typeface="Cambria Math" panose="02040503050406030204" pitchFamily="18" charset="0"/>
+                            </a:rPr>
+                          </m:ctrlPr>
+                        </m:sSubPr>
+                        <m:e>
+                          <m:r>
+                            <a:rPr lang="es-ES" b="0" i="1" smtClean="0">
+                              <a:latin typeface="Cambria Math" panose="02040503050406030204" pitchFamily="18" charset="0"/>
+                            </a:rPr>
+                            <m:t>𝐿</m:t>
+                          </m:r>
+                        </m:e>
+                        <m:sub>
+                          <m:r>
+                            <a:rPr lang="es-ES" b="0" i="1" smtClean="0">
+                              <a:latin typeface="Cambria Math" panose="02040503050406030204" pitchFamily="18" charset="0"/>
+                            </a:rPr>
+                            <m:t>𝑒</m:t>
+                          </m:r>
+                        </m:sub>
+                      </m:sSub>
+                    </m:oMath>
+                  </m:oMathPara>
+                </a14:m>
+                <a:endParaRPr lang="en-US" dirty="0"/>
+              </a:p>
+            </p:txBody>
+          </p:sp>
+        </mc:Choice>
+        <mc:Fallback>
+          <p:sp>
+            <p:nvSpPr>
+              <p:cNvPr id="53" name="TextBox 52">
+                <a:extLst>
+                  <a:ext uri="{FF2B5EF4-FFF2-40B4-BE49-F238E27FC236}">
+                    <a16:creationId xmlns:a16="http://schemas.microsoft.com/office/drawing/2014/main" id="{74D1F2DF-7F85-B740-AF75-F317483E0ED1}"/>
+                  </a:ext>
+                </a:extLst>
+              </p:cNvPr>
+              <p:cNvSpPr txBox="1">
+                <a:spLocks noRot="1" noChangeAspect="1" noMove="1" noResize="1" noEditPoints="1" noAdjustHandles="1" noChangeArrowheads="1" noChangeShapeType="1" noTextEdit="1"/>
+              </p:cNvSpPr>
+              <p:nvPr/>
+            </p:nvSpPr>
+            <p:spPr>
+              <a:xfrm>
+                <a:off x="8174632" y="1565695"/>
+                <a:ext cx="466986" cy="369332"/>
+              </a:xfrm>
+              <a:prstGeom prst="rect">
+                <a:avLst/>
+              </a:prstGeom>
+              <a:blipFill>
+                <a:blip r:embed="rId5"/>
+                <a:stretch>
+                  <a:fillRect/>
+                </a:stretch>
+              </a:blipFill>
+            </p:spPr>
+            <p:txBody>
+              <a:bodyPr/>
+              <a:lstStyle/>
+              <a:p>
+                <a:r>
+                  <a:rPr lang="en-US">
+                    <a:noFill/>
+                  </a:rPr>
+                  <a:t> </a:t>
+                </a:r>
+              </a:p>
+            </p:txBody>
+          </p:sp>
+        </mc:Fallback>
+      </mc:AlternateContent>
+    </p:spTree>
+    <p:extLst>
+      <p:ext uri="{BB962C8B-B14F-4D97-AF65-F5344CB8AC3E}">
+        <p14:creationId xmlns:p14="http://schemas.microsoft.com/office/powerpoint/2010/main" val="3462539595"/>
+      </p:ext>
+    </p:extLst>
+  </p:cSld>
+  <p:clrMapOvr>
+    <a:masterClrMapping/>
+  </p:clrMapOvr>
+</p:sld>
+</file>
+
+<file path=ppt/slides/slide7.xml><?xml version="1.0" encoding="utf-8"?>
+<p:sld xmlns:a="http://schemas.openxmlformats.org/drawingml/2006/main" xmlns:r="http://schemas.openxmlformats.org/officeDocument/2006/relationships" xmlns:p="http://schemas.openxmlformats.org/presentationml/2006/main">
+  <p:cSld>
+    <p:spTree>
+      <p:nvGrpSpPr>
+        <p:cNvPr id="1" name=""/>
+        <p:cNvGrpSpPr/>
+        <p:nvPr/>
+      </p:nvGrpSpPr>
+      <p:grpSpPr>
+        <a:xfrm>
+          <a:off x="0" y="0"/>
+          <a:ext cx="0" cy="0"/>
+          <a:chOff x="0" y="0"/>
+          <a:chExt cx="0" cy="0"/>
+        </a:xfrm>
+      </p:grpSpPr>
+      <p:sp>
+        <p:nvSpPr>
+          <p:cNvPr id="2" name="Rectangle 1">
+            <a:extLst>
+              <a:ext uri="{FF2B5EF4-FFF2-40B4-BE49-F238E27FC236}">
+                <a16:creationId xmlns:a16="http://schemas.microsoft.com/office/drawing/2014/main" id="{67D53CA7-C2B3-E845-B5C7-0EACC5B33975}"/>
+              </a:ext>
+            </a:extLst>
+          </p:cNvPr>
+          <p:cNvSpPr/>
+          <p:nvPr/>
+        </p:nvSpPr>
+        <p:spPr>
+          <a:xfrm>
+            <a:off x="987103" y="3429000"/>
+            <a:ext cx="1712259" cy="896470"/>
+          </a:xfrm>
+          <a:prstGeom prst="rect">
+            <a:avLst/>
+          </a:prstGeom>
+          <a:solidFill>
+            <a:schemeClr val="accent5">
+              <a:lumMod val="40000"/>
+              <a:lumOff val="60000"/>
+            </a:schemeClr>
+          </a:solidFill>
+          <a:ln>
+            <a:solidFill>
+              <a:schemeClr val="accent5">
+                <a:lumMod val="40000"/>
+                <a:lumOff val="60000"/>
+              </a:schemeClr>
+            </a:solidFill>
+          </a:ln>
+        </p:spPr>
+        <p:style>
+          <a:lnRef idx="2">
+            <a:schemeClr val="accent1">
+              <a:shade val="50000"/>
+            </a:schemeClr>
+          </a:lnRef>
+          <a:fillRef idx="1">
+            <a:schemeClr val="accent1"/>
+          </a:fillRef>
+          <a:effectRef idx="0">
+            <a:schemeClr val="accent1"/>
+          </a:effectRef>
+          <a:fontRef idx="minor">
+            <a:schemeClr val="lt1"/>
+          </a:fontRef>
+        </p:style>
+        <p:txBody>
+          <a:bodyPr rtlCol="0" anchor="ctr"/>
+          <a:lstStyle/>
+          <a:p>
+            <a:pPr algn="ctr"/>
+            <a:endParaRPr lang="en-US"/>
+          </a:p>
+        </p:txBody>
+      </p:sp>
+      <p:cxnSp>
+        <p:nvCxnSpPr>
+          <p:cNvPr id="7" name="Straight Arrow Connector 6">
+            <a:extLst>
+              <a:ext uri="{FF2B5EF4-FFF2-40B4-BE49-F238E27FC236}">
+                <a16:creationId xmlns:a16="http://schemas.microsoft.com/office/drawing/2014/main" id="{00105F6A-D1D5-014C-A435-33BE57589744}"/>
+              </a:ext>
+            </a:extLst>
+          </p:cNvPr>
+          <p:cNvCxnSpPr/>
+          <p:nvPr/>
+        </p:nvCxnSpPr>
+        <p:spPr>
+          <a:xfrm>
+            <a:off x="762985" y="3429000"/>
+            <a:ext cx="0" cy="896470"/>
+          </a:xfrm>
+          <a:prstGeom prst="straightConnector1">
+            <a:avLst/>
+          </a:prstGeom>
+          <a:ln>
+            <a:headEnd type="triangle"/>
+            <a:tailEnd type="triangle"/>
+          </a:ln>
+        </p:spPr>
+        <p:style>
+          <a:lnRef idx="1">
+            <a:schemeClr val="accent1"/>
+          </a:lnRef>
+          <a:fillRef idx="0">
+            <a:schemeClr val="accent1"/>
+          </a:fillRef>
+          <a:effectRef idx="0">
+            <a:schemeClr val="accent1"/>
+          </a:effectRef>
+          <a:fontRef idx="minor">
+            <a:schemeClr val="tx1"/>
+          </a:fontRef>
+        </p:style>
+      </p:cxnSp>
+      <p:sp>
+        <p:nvSpPr>
+          <p:cNvPr id="8" name="TextBox 7">
+            <a:extLst>
+              <a:ext uri="{FF2B5EF4-FFF2-40B4-BE49-F238E27FC236}">
+                <a16:creationId xmlns:a16="http://schemas.microsoft.com/office/drawing/2014/main" id="{8D99E211-2C2E-1544-AAF7-FABF1A96CB40}"/>
+              </a:ext>
+            </a:extLst>
+          </p:cNvPr>
+          <p:cNvSpPr txBox="1"/>
+          <p:nvPr/>
+        </p:nvSpPr>
+        <p:spPr>
+          <a:xfrm>
+            <a:off x="381149" y="3692569"/>
+            <a:ext cx="381836" cy="369332"/>
+          </a:xfrm>
+          <a:prstGeom prst="rect">
+            <a:avLst/>
+          </a:prstGeom>
+          <a:noFill/>
+        </p:spPr>
+        <p:txBody>
+          <a:bodyPr wrap="none" rtlCol="0">
+            <a:spAutoFit/>
+          </a:bodyPr>
+          <a:lstStyle/>
+          <a:p>
+            <a:r>
+              <a:rPr lang="en-US" dirty="0"/>
+              <a:t>M</a:t>
+            </a:r>
+          </a:p>
+        </p:txBody>
+      </p:sp>
+      <p:cxnSp>
+        <p:nvCxnSpPr>
+          <p:cNvPr id="10" name="Straight Arrow Connector 9">
+            <a:extLst>
+              <a:ext uri="{FF2B5EF4-FFF2-40B4-BE49-F238E27FC236}">
+                <a16:creationId xmlns:a16="http://schemas.microsoft.com/office/drawing/2014/main" id="{D916499F-4B77-3045-BD56-31BD4896A1F0}"/>
+              </a:ext>
+            </a:extLst>
+          </p:cNvPr>
+          <p:cNvCxnSpPr/>
+          <p:nvPr/>
+        </p:nvCxnSpPr>
+        <p:spPr>
+          <a:xfrm>
+            <a:off x="987103" y="3186953"/>
+            <a:ext cx="1712259" cy="0"/>
+          </a:xfrm>
+          <a:prstGeom prst="straightConnector1">
+            <a:avLst/>
+          </a:prstGeom>
+          <a:ln>
+            <a:headEnd type="triangle"/>
+            <a:tailEnd type="triangle"/>
+          </a:ln>
+        </p:spPr>
+        <p:style>
+          <a:lnRef idx="1">
+            <a:schemeClr val="accent1"/>
+          </a:lnRef>
+          <a:fillRef idx="0">
+            <a:schemeClr val="accent1"/>
+          </a:fillRef>
+          <a:effectRef idx="0">
+            <a:schemeClr val="accent1"/>
+          </a:effectRef>
+          <a:fontRef idx="minor">
+            <a:schemeClr val="tx1"/>
+          </a:fontRef>
+        </p:style>
+      </p:cxnSp>
+      <p:sp>
+        <p:nvSpPr>
+          <p:cNvPr id="11" name="TextBox 10">
+            <a:extLst>
+              <a:ext uri="{FF2B5EF4-FFF2-40B4-BE49-F238E27FC236}">
+                <a16:creationId xmlns:a16="http://schemas.microsoft.com/office/drawing/2014/main" id="{CA42D462-FBBA-4D4F-A79F-A0931217367D}"/>
+              </a:ext>
+            </a:extLst>
+          </p:cNvPr>
+          <p:cNvSpPr txBox="1"/>
+          <p:nvPr/>
+        </p:nvSpPr>
+        <p:spPr>
+          <a:xfrm>
+            <a:off x="1702007" y="2825697"/>
+            <a:ext cx="282450" cy="369332"/>
+          </a:xfrm>
+          <a:prstGeom prst="rect">
+            <a:avLst/>
+          </a:prstGeom>
+          <a:noFill/>
+        </p:spPr>
+        <p:txBody>
+          <a:bodyPr wrap="none" rtlCol="0">
+            <a:spAutoFit/>
+          </a:bodyPr>
+          <a:lstStyle/>
+          <a:p>
+            <a:r>
+              <a:rPr lang="en-US" dirty="0"/>
+              <a:t>L</a:t>
+            </a:r>
+          </a:p>
+        </p:txBody>
+      </p:sp>
+      <p:sp>
+        <p:nvSpPr>
+          <p:cNvPr id="25" name="Rectangle 24">
+            <a:extLst>
+              <a:ext uri="{FF2B5EF4-FFF2-40B4-BE49-F238E27FC236}">
+                <a16:creationId xmlns:a16="http://schemas.microsoft.com/office/drawing/2014/main" id="{2BB5EE3F-EA8C-3541-B76E-3600EB2B05A4}"/>
+              </a:ext>
+            </a:extLst>
+          </p:cNvPr>
+          <p:cNvSpPr/>
+          <p:nvPr/>
+        </p:nvSpPr>
+        <p:spPr>
+          <a:xfrm>
+            <a:off x="3623595" y="2326342"/>
+            <a:ext cx="204334" cy="896470"/>
+          </a:xfrm>
+          <a:prstGeom prst="rect">
+            <a:avLst/>
+          </a:prstGeom>
+          <a:solidFill>
+            <a:schemeClr val="accent4">
+              <a:lumMod val="40000"/>
+              <a:lumOff val="60000"/>
+            </a:schemeClr>
+          </a:solidFill>
+          <a:ln>
+            <a:solidFill>
+              <a:schemeClr val="accent4">
+                <a:lumMod val="60000"/>
+                <a:lumOff val="40000"/>
+              </a:schemeClr>
+            </a:solidFill>
+          </a:ln>
+        </p:spPr>
+        <p:style>
+          <a:lnRef idx="2">
+            <a:schemeClr val="accent1">
+              <a:shade val="50000"/>
+            </a:schemeClr>
+          </a:lnRef>
+          <a:fillRef idx="1">
+            <a:schemeClr val="accent1"/>
+          </a:fillRef>
+          <a:effectRef idx="0">
+            <a:schemeClr val="accent1"/>
+          </a:effectRef>
+          <a:fontRef idx="minor">
+            <a:schemeClr val="lt1"/>
+          </a:fontRef>
+        </p:style>
+        <p:txBody>
+          <a:bodyPr rtlCol="0" anchor="ctr"/>
+          <a:lstStyle/>
+          <a:p>
+            <a:pPr algn="ctr"/>
+            <a:endParaRPr lang="en-US"/>
+          </a:p>
+        </p:txBody>
+      </p:sp>
+      <p:sp>
+        <p:nvSpPr>
+          <p:cNvPr id="26" name="Rectangle 25">
+            <a:extLst>
+              <a:ext uri="{FF2B5EF4-FFF2-40B4-BE49-F238E27FC236}">
+                <a16:creationId xmlns:a16="http://schemas.microsoft.com/office/drawing/2014/main" id="{D4F72141-3AA6-CE45-B685-206446D01A83}"/>
+              </a:ext>
+            </a:extLst>
+          </p:cNvPr>
+          <p:cNvSpPr/>
+          <p:nvPr/>
+        </p:nvSpPr>
+        <p:spPr>
+          <a:xfrm>
+            <a:off x="3623595" y="3375208"/>
+            <a:ext cx="204334" cy="896470"/>
+          </a:xfrm>
+          <a:prstGeom prst="rect">
+            <a:avLst/>
+          </a:prstGeom>
+          <a:solidFill>
+            <a:schemeClr val="accent6">
+              <a:lumMod val="40000"/>
+              <a:lumOff val="60000"/>
+            </a:schemeClr>
+          </a:solidFill>
+          <a:ln>
+            <a:solidFill>
+              <a:schemeClr val="accent6">
+                <a:lumMod val="60000"/>
+                <a:lumOff val="40000"/>
+              </a:schemeClr>
+            </a:solidFill>
+          </a:ln>
+        </p:spPr>
+        <p:style>
+          <a:lnRef idx="2">
+            <a:schemeClr val="accent1">
+              <a:shade val="50000"/>
+            </a:schemeClr>
+          </a:lnRef>
+          <a:fillRef idx="1">
+            <a:schemeClr val="accent1"/>
+          </a:fillRef>
+          <a:effectRef idx="0">
+            <a:schemeClr val="accent1"/>
+          </a:effectRef>
+          <a:fontRef idx="minor">
+            <a:schemeClr val="lt1"/>
+          </a:fontRef>
+        </p:style>
+        <p:txBody>
+          <a:bodyPr rtlCol="0" anchor="ctr"/>
+          <a:lstStyle/>
+          <a:p>
+            <a:pPr algn="ctr"/>
+            <a:endParaRPr lang="en-US"/>
+          </a:p>
+        </p:txBody>
+      </p:sp>
+      <p:sp>
+        <p:nvSpPr>
+          <p:cNvPr id="27" name="Rectangle 26">
+            <a:extLst>
+              <a:ext uri="{FF2B5EF4-FFF2-40B4-BE49-F238E27FC236}">
+                <a16:creationId xmlns:a16="http://schemas.microsoft.com/office/drawing/2014/main" id="{E7B57AF6-21C8-4645-9F40-86F1464F73B1}"/>
+              </a:ext>
+            </a:extLst>
+          </p:cNvPr>
+          <p:cNvSpPr/>
+          <p:nvPr/>
+        </p:nvSpPr>
+        <p:spPr>
+          <a:xfrm>
+            <a:off x="3623595" y="4424074"/>
+            <a:ext cx="204334" cy="896470"/>
+          </a:xfrm>
+          <a:prstGeom prst="rect">
+            <a:avLst/>
+          </a:prstGeom>
+          <a:solidFill>
+            <a:schemeClr val="accent2">
+              <a:lumMod val="40000"/>
+              <a:lumOff val="60000"/>
+            </a:schemeClr>
+          </a:solidFill>
+          <a:ln>
+            <a:solidFill>
+              <a:schemeClr val="accent2">
+                <a:lumMod val="60000"/>
+                <a:lumOff val="40000"/>
+              </a:schemeClr>
+            </a:solidFill>
+          </a:ln>
+        </p:spPr>
+        <p:style>
+          <a:lnRef idx="2">
+            <a:schemeClr val="accent1">
+              <a:shade val="50000"/>
+            </a:schemeClr>
+          </a:lnRef>
+          <a:fillRef idx="1">
+            <a:schemeClr val="accent1"/>
+          </a:fillRef>
+          <a:effectRef idx="0">
+            <a:schemeClr val="accent1"/>
+          </a:effectRef>
+          <a:fontRef idx="minor">
+            <a:schemeClr val="lt1"/>
+          </a:fontRef>
+        </p:style>
+        <p:txBody>
+          <a:bodyPr rtlCol="0" anchor="ctr"/>
+          <a:lstStyle/>
+          <a:p>
+            <a:pPr algn="ctr"/>
+            <a:endParaRPr lang="en-US"/>
+          </a:p>
+        </p:txBody>
+      </p:sp>
+      <p:cxnSp>
+        <p:nvCxnSpPr>
+          <p:cNvPr id="28" name="Straight Arrow Connector 27">
+            <a:extLst>
+              <a:ext uri="{FF2B5EF4-FFF2-40B4-BE49-F238E27FC236}">
+                <a16:creationId xmlns:a16="http://schemas.microsoft.com/office/drawing/2014/main" id="{E0B56DD5-0D60-5C49-971D-747252ABBCC6}"/>
+              </a:ext>
+            </a:extLst>
+          </p:cNvPr>
+          <p:cNvCxnSpPr>
+            <a:cxnSpLocks/>
+          </p:cNvCxnSpPr>
+          <p:nvPr/>
+        </p:nvCxnSpPr>
+        <p:spPr>
+          <a:xfrm>
+            <a:off x="3471195" y="2326342"/>
+            <a:ext cx="0" cy="896470"/>
+          </a:xfrm>
+          <a:prstGeom prst="straightConnector1">
+            <a:avLst/>
+          </a:prstGeom>
+          <a:ln>
+            <a:headEnd type="triangle"/>
+            <a:tailEnd type="triangle"/>
+          </a:ln>
+        </p:spPr>
+        <p:style>
+          <a:lnRef idx="1">
+            <a:schemeClr val="accent1"/>
+          </a:lnRef>
+          <a:fillRef idx="0">
+            <a:schemeClr val="accent1"/>
+          </a:fillRef>
+          <a:effectRef idx="0">
+            <a:schemeClr val="accent1"/>
+          </a:effectRef>
+          <a:fontRef idx="minor">
+            <a:schemeClr val="tx1"/>
+          </a:fontRef>
+        </p:style>
+      </p:cxnSp>
+      <mc:AlternateContent xmlns:mc="http://schemas.openxmlformats.org/markup-compatibility/2006">
+        <mc:Choice xmlns:a14="http://schemas.microsoft.com/office/drawing/2010/main" Requires="a14">
+          <p:sp>
+            <p:nvSpPr>
+              <p:cNvPr id="29" name="TextBox 28">
+                <a:extLst>
+                  <a:ext uri="{FF2B5EF4-FFF2-40B4-BE49-F238E27FC236}">
+                    <a16:creationId xmlns:a16="http://schemas.microsoft.com/office/drawing/2014/main" id="{AF8F7ECC-C9C7-E94C-9128-6C3FC01D89D4}"/>
+                  </a:ext>
+                </a:extLst>
+              </p:cNvPr>
+              <p:cNvSpPr txBox="1"/>
+              <p:nvPr/>
+            </p:nvSpPr>
+            <p:spPr>
+              <a:xfrm rot="16200000">
+                <a:off x="2747519" y="2616802"/>
+                <a:ext cx="1031373" cy="369332"/>
+              </a:xfrm>
+              <a:prstGeom prst="rect">
+                <a:avLst/>
+              </a:prstGeom>
+              <a:noFill/>
+            </p:spPr>
+            <p:txBody>
+              <a:bodyPr wrap="none" rtlCol="0">
+                <a:spAutoFit/>
+              </a:bodyPr>
+              <a:lstStyle/>
+              <a:p>
+                <a14:m>
+                  <m:oMathPara xmlns:m="http://schemas.openxmlformats.org/officeDocument/2006/math">
+                    <m:oMathParaPr>
+                      <m:jc m:val="centerGroup"/>
+                    </m:oMathParaPr>
+                    <m:oMath xmlns:m="http://schemas.openxmlformats.org/officeDocument/2006/math">
+                      <m:sSub>
+                        <m:sSubPr>
+                          <m:ctrlPr>
+                            <a:rPr lang="en-US" i="1" smtClean="0">
+                              <a:latin typeface="Cambria Math" panose="02040503050406030204" pitchFamily="18" charset="0"/>
+                            </a:rPr>
+                          </m:ctrlPr>
+                        </m:sSubPr>
+                        <m:e>
+                          <m:r>
+                            <a:rPr lang="es-ES" b="0" i="1" smtClean="0">
+                              <a:latin typeface="Cambria Math" panose="02040503050406030204" pitchFamily="18" charset="0"/>
+                            </a:rPr>
+                            <m:t>𝑀</m:t>
+                          </m:r>
+                        </m:e>
+                        <m:sub>
+                          <m:r>
+                            <a:rPr lang="es-ES" b="0" i="1" smtClean="0">
+                              <a:latin typeface="Cambria Math" panose="02040503050406030204" pitchFamily="18" charset="0"/>
+                            </a:rPr>
+                            <m:t>𝑒</m:t>
+                          </m:r>
+                        </m:sub>
+                      </m:sSub>
+                      <m:r>
+                        <a:rPr lang="es-ES" b="0" i="1" smtClean="0">
+                          <a:latin typeface="Cambria Math" panose="02040503050406030204" pitchFamily="18" charset="0"/>
+                        </a:rPr>
+                        <m:t>=</m:t>
+                      </m:r>
+                      <m:r>
+                        <a:rPr lang="es-ES" b="0" i="1" smtClean="0">
+                          <a:latin typeface="Cambria Math" panose="02040503050406030204" pitchFamily="18" charset="0"/>
+                        </a:rPr>
+                        <m:t>𝑀</m:t>
+                      </m:r>
+                    </m:oMath>
+                  </m:oMathPara>
+                </a14:m>
+                <a:endParaRPr lang="en-US" dirty="0"/>
+              </a:p>
+            </p:txBody>
+          </p:sp>
+        </mc:Choice>
+        <mc:Fallback>
+          <p:sp>
+            <p:nvSpPr>
+              <p:cNvPr id="29" name="TextBox 28">
+                <a:extLst>
+                  <a:ext uri="{FF2B5EF4-FFF2-40B4-BE49-F238E27FC236}">
+                    <a16:creationId xmlns:a16="http://schemas.microsoft.com/office/drawing/2014/main" id="{AF8F7ECC-C9C7-E94C-9128-6C3FC01D89D4}"/>
+                  </a:ext>
+                </a:extLst>
+              </p:cNvPr>
+              <p:cNvSpPr txBox="1">
+                <a:spLocks noRot="1" noChangeAspect="1" noMove="1" noResize="1" noEditPoints="1" noAdjustHandles="1" noChangeArrowheads="1" noChangeShapeType="1" noTextEdit="1"/>
+              </p:cNvSpPr>
+              <p:nvPr/>
+            </p:nvSpPr>
+            <p:spPr>
+              <a:xfrm rot="16200000">
+                <a:off x="2747519" y="2616802"/>
+                <a:ext cx="1031373" cy="369332"/>
+              </a:xfrm>
+              <a:prstGeom prst="rect">
+                <a:avLst/>
+              </a:prstGeom>
+              <a:blipFill>
+                <a:blip r:embed="rId2"/>
+                <a:stretch>
+                  <a:fillRect/>
+                </a:stretch>
+              </a:blipFill>
+            </p:spPr>
+            <p:txBody>
+              <a:bodyPr/>
+              <a:lstStyle/>
+              <a:p>
+                <a:r>
+                  <a:rPr lang="en-US">
+                    <a:noFill/>
+                  </a:rPr>
+                  <a:t> </a:t>
+                </a:r>
+              </a:p>
+            </p:txBody>
+          </p:sp>
+        </mc:Fallback>
+      </mc:AlternateContent>
+      <p:cxnSp>
+        <p:nvCxnSpPr>
+          <p:cNvPr id="30" name="Straight Arrow Connector 29">
+            <a:extLst>
+              <a:ext uri="{FF2B5EF4-FFF2-40B4-BE49-F238E27FC236}">
+                <a16:creationId xmlns:a16="http://schemas.microsoft.com/office/drawing/2014/main" id="{A95999B9-B2B3-5941-8C6D-0A3C4043E943}"/>
+              </a:ext>
+            </a:extLst>
+          </p:cNvPr>
+          <p:cNvCxnSpPr>
+            <a:cxnSpLocks/>
+          </p:cNvCxnSpPr>
+          <p:nvPr/>
+        </p:nvCxnSpPr>
+        <p:spPr>
+          <a:xfrm>
+            <a:off x="3623594" y="2191871"/>
+            <a:ext cx="1712259" cy="0"/>
+          </a:xfrm>
+          <a:prstGeom prst="straightConnector1">
+            <a:avLst/>
+          </a:prstGeom>
+          <a:ln>
+            <a:headEnd type="triangle"/>
+            <a:tailEnd type="triangle"/>
+          </a:ln>
+        </p:spPr>
+        <p:style>
+          <a:lnRef idx="1">
+            <a:schemeClr val="accent1"/>
+          </a:lnRef>
+          <a:fillRef idx="0">
+            <a:schemeClr val="accent1"/>
+          </a:fillRef>
+          <a:effectRef idx="0">
+            <a:schemeClr val="accent1"/>
+          </a:effectRef>
+          <a:fontRef idx="minor">
+            <a:schemeClr val="tx1"/>
+          </a:fontRef>
+        </p:style>
+      </p:cxnSp>
+      <mc:AlternateContent xmlns:mc="http://schemas.openxmlformats.org/markup-compatibility/2006">
+        <mc:Choice xmlns:a14="http://schemas.microsoft.com/office/drawing/2010/main" Requires="a14">
+          <p:sp>
+            <p:nvSpPr>
+              <p:cNvPr id="31" name="TextBox 30">
+                <a:extLst>
+                  <a:ext uri="{FF2B5EF4-FFF2-40B4-BE49-F238E27FC236}">
+                    <a16:creationId xmlns:a16="http://schemas.microsoft.com/office/drawing/2014/main" id="{E92A7F68-EFC7-4948-BC3E-5DF6B001AF66}"/>
+                  </a:ext>
+                </a:extLst>
+              </p:cNvPr>
+              <p:cNvSpPr txBox="1"/>
+              <p:nvPr/>
+            </p:nvSpPr>
+            <p:spPr>
+              <a:xfrm>
+                <a:off x="4246230" y="1822539"/>
+                <a:ext cx="896592" cy="369332"/>
+              </a:xfrm>
+              <a:prstGeom prst="rect">
+                <a:avLst/>
+              </a:prstGeom>
+              <a:noFill/>
+            </p:spPr>
+            <p:txBody>
+              <a:bodyPr wrap="none" rtlCol="0">
+                <a:spAutoFit/>
+              </a:bodyPr>
+              <a:lstStyle/>
+              <a:p>
+                <a14:m>
+                  <m:oMathPara xmlns:m="http://schemas.openxmlformats.org/officeDocument/2006/math">
+                    <m:oMathParaPr>
+                      <m:jc m:val="centerGroup"/>
+                    </m:oMathParaPr>
+                    <m:oMath xmlns:m="http://schemas.openxmlformats.org/officeDocument/2006/math">
+                      <m:sSub>
+                        <m:sSubPr>
+                          <m:ctrlPr>
+                            <a:rPr lang="en-US" i="1" smtClean="0">
+                              <a:latin typeface="Cambria Math" panose="02040503050406030204" pitchFamily="18" charset="0"/>
+                            </a:rPr>
+                          </m:ctrlPr>
+                        </m:sSubPr>
+                        <m:e>
+                          <m:r>
+                            <a:rPr lang="es-ES" b="0" i="1" smtClean="0">
+                              <a:latin typeface="Cambria Math" panose="02040503050406030204" pitchFamily="18" charset="0"/>
+                            </a:rPr>
+                            <m:t>𝐿</m:t>
+                          </m:r>
+                        </m:e>
+                        <m:sub>
+                          <m:r>
+                            <a:rPr lang="es-ES" b="0" i="1" smtClean="0">
+                              <a:latin typeface="Cambria Math" panose="02040503050406030204" pitchFamily="18" charset="0"/>
+                            </a:rPr>
+                            <m:t>𝑒</m:t>
+                          </m:r>
+                        </m:sub>
+                      </m:sSub>
+                      <m:r>
+                        <a:rPr lang="es-ES" b="0" i="1" smtClean="0">
+                          <a:latin typeface="Cambria Math" panose="02040503050406030204" pitchFamily="18" charset="0"/>
+                        </a:rPr>
+                        <m:t>=1</m:t>
+                      </m:r>
+                    </m:oMath>
+                  </m:oMathPara>
+                </a14:m>
+                <a:endParaRPr lang="en-US" dirty="0"/>
+              </a:p>
+            </p:txBody>
+          </p:sp>
+        </mc:Choice>
+        <mc:Fallback>
+          <p:sp>
+            <p:nvSpPr>
+              <p:cNvPr id="31" name="TextBox 30">
+                <a:extLst>
+                  <a:ext uri="{FF2B5EF4-FFF2-40B4-BE49-F238E27FC236}">
+                    <a16:creationId xmlns:a16="http://schemas.microsoft.com/office/drawing/2014/main" id="{E92A7F68-EFC7-4948-BC3E-5DF6B001AF66}"/>
+                  </a:ext>
+                </a:extLst>
+              </p:cNvPr>
+              <p:cNvSpPr txBox="1">
+                <a:spLocks noRot="1" noChangeAspect="1" noMove="1" noResize="1" noEditPoints="1" noAdjustHandles="1" noChangeArrowheads="1" noChangeShapeType="1" noTextEdit="1"/>
+              </p:cNvSpPr>
+              <p:nvPr/>
+            </p:nvSpPr>
+            <p:spPr>
+              <a:xfrm>
+                <a:off x="4246230" y="1822539"/>
+                <a:ext cx="896592" cy="369332"/>
+              </a:xfrm>
+              <a:prstGeom prst="rect">
+                <a:avLst/>
+              </a:prstGeom>
+              <a:blipFill>
+                <a:blip r:embed="rId3"/>
+                <a:stretch>
+                  <a:fillRect/>
+                </a:stretch>
+              </a:blipFill>
+            </p:spPr>
+            <p:txBody>
+              <a:bodyPr/>
+              <a:lstStyle/>
+              <a:p>
+                <a:r>
+                  <a:rPr lang="en-US">
+                    <a:noFill/>
+                  </a:rPr>
+                  <a:t> </a:t>
+                </a:r>
+              </a:p>
+            </p:txBody>
+          </p:sp>
+        </mc:Fallback>
+      </mc:AlternateContent>
+      <p:sp>
+        <p:nvSpPr>
+          <p:cNvPr id="34" name="TextBox 33">
+            <a:extLst>
+              <a:ext uri="{FF2B5EF4-FFF2-40B4-BE49-F238E27FC236}">
+                <a16:creationId xmlns:a16="http://schemas.microsoft.com/office/drawing/2014/main" id="{229DAEDE-52D3-B541-B84F-6ECBE6090A13}"/>
+              </a:ext>
+            </a:extLst>
+          </p:cNvPr>
+          <p:cNvSpPr txBox="1"/>
+          <p:nvPr/>
+        </p:nvSpPr>
+        <p:spPr>
+          <a:xfrm>
+            <a:off x="3334870" y="1488138"/>
+            <a:ext cx="1315745" cy="369332"/>
+          </a:xfrm>
+          <a:prstGeom prst="rect">
+            <a:avLst/>
+          </a:prstGeom>
+          <a:noFill/>
+        </p:spPr>
+        <p:txBody>
+          <a:bodyPr wrap="none" rtlCol="0">
+            <a:spAutoFit/>
+          </a:bodyPr>
+          <a:lstStyle/>
+          <a:p>
+            <a:r>
+              <a:rPr lang="en-US" dirty="0"/>
+              <a:t>C: Recursive</a:t>
+            </a:r>
+          </a:p>
+        </p:txBody>
+      </p:sp>
+      <p:cxnSp>
+        <p:nvCxnSpPr>
+          <p:cNvPr id="4" name="Curved Connector 3">
+            <a:extLst>
+              <a:ext uri="{FF2B5EF4-FFF2-40B4-BE49-F238E27FC236}">
+                <a16:creationId xmlns:a16="http://schemas.microsoft.com/office/drawing/2014/main" id="{DF7AFB3C-52F5-2A49-9556-484387207DA4}"/>
+              </a:ext>
+            </a:extLst>
+          </p:cNvPr>
+          <p:cNvCxnSpPr>
+            <a:cxnSpLocks/>
+            <a:stCxn id="25" idx="0"/>
+            <a:endCxn id="25" idx="3"/>
+          </p:cNvCxnSpPr>
+          <p:nvPr/>
+        </p:nvCxnSpPr>
+        <p:spPr>
+          <a:xfrm rot="16200000" flipH="1">
+            <a:off x="3552727" y="2499376"/>
+            <a:ext cx="448235" cy="102167"/>
+          </a:xfrm>
+          <a:prstGeom prst="curvedConnector4">
+            <a:avLst>
+              <a:gd name="adj1" fmla="val -19000"/>
+              <a:gd name="adj2" fmla="val 367625"/>
+            </a:avLst>
+          </a:prstGeom>
+          <a:ln>
+            <a:solidFill>
+              <a:schemeClr val="accent4">
+                <a:lumMod val="40000"/>
+                <a:lumOff val="60000"/>
+              </a:schemeClr>
+            </a:solidFill>
+            <a:prstDash val="dash"/>
+            <a:tailEnd type="triangle"/>
+          </a:ln>
+        </p:spPr>
+        <p:style>
+          <a:lnRef idx="1">
+            <a:schemeClr val="accent1"/>
+          </a:lnRef>
+          <a:fillRef idx="0">
+            <a:schemeClr val="accent1"/>
+          </a:fillRef>
+          <a:effectRef idx="0">
+            <a:schemeClr val="accent1"/>
+          </a:effectRef>
+          <a:fontRef idx="minor">
+            <a:schemeClr val="tx1"/>
+          </a:fontRef>
+        </p:style>
+      </p:cxnSp>
+      <p:cxnSp>
+        <p:nvCxnSpPr>
+          <p:cNvPr id="32" name="Curved Connector 31">
+            <a:extLst>
+              <a:ext uri="{FF2B5EF4-FFF2-40B4-BE49-F238E27FC236}">
+                <a16:creationId xmlns:a16="http://schemas.microsoft.com/office/drawing/2014/main" id="{A8D8771C-9631-2240-A69F-02BC406836DE}"/>
+              </a:ext>
+            </a:extLst>
+          </p:cNvPr>
+          <p:cNvCxnSpPr>
+            <a:cxnSpLocks/>
+            <a:stCxn id="26" idx="0"/>
+            <a:endCxn id="26" idx="3"/>
+          </p:cNvCxnSpPr>
+          <p:nvPr/>
+        </p:nvCxnSpPr>
+        <p:spPr>
+          <a:xfrm rot="16200000" flipH="1">
+            <a:off x="3552727" y="3548242"/>
+            <a:ext cx="448235" cy="102167"/>
+          </a:xfrm>
+          <a:prstGeom prst="curvedConnector4">
+            <a:avLst>
+              <a:gd name="adj1" fmla="val -23000"/>
+              <a:gd name="adj2" fmla="val 323751"/>
+            </a:avLst>
+          </a:prstGeom>
+          <a:ln>
+            <a:solidFill>
+              <a:schemeClr val="accent6">
+                <a:lumMod val="40000"/>
+                <a:lumOff val="60000"/>
+              </a:schemeClr>
+            </a:solidFill>
+            <a:prstDash val="dash"/>
+            <a:tailEnd type="triangle"/>
+          </a:ln>
+        </p:spPr>
+        <p:style>
+          <a:lnRef idx="1">
+            <a:schemeClr val="accent1"/>
+          </a:lnRef>
+          <a:fillRef idx="0">
+            <a:schemeClr val="accent1"/>
+          </a:fillRef>
+          <a:effectRef idx="0">
+            <a:schemeClr val="accent1"/>
+          </a:effectRef>
+          <a:fontRef idx="minor">
+            <a:schemeClr val="tx1"/>
+          </a:fontRef>
+        </p:style>
+      </p:cxnSp>
+      <p:cxnSp>
+        <p:nvCxnSpPr>
+          <p:cNvPr id="35" name="Curved Connector 34">
+            <a:extLst>
+              <a:ext uri="{FF2B5EF4-FFF2-40B4-BE49-F238E27FC236}">
+                <a16:creationId xmlns:a16="http://schemas.microsoft.com/office/drawing/2014/main" id="{AFCD3787-020B-C249-BA1E-B6A0253217E9}"/>
+              </a:ext>
+            </a:extLst>
+          </p:cNvPr>
+          <p:cNvCxnSpPr>
+            <a:cxnSpLocks/>
+            <a:stCxn id="27" idx="0"/>
+            <a:endCxn id="27" idx="3"/>
+          </p:cNvCxnSpPr>
+          <p:nvPr/>
+        </p:nvCxnSpPr>
+        <p:spPr>
+          <a:xfrm rot="16200000" flipH="1">
+            <a:off x="3552727" y="4597108"/>
+            <a:ext cx="448235" cy="102167"/>
+          </a:xfrm>
+          <a:prstGeom prst="curvedConnector4">
+            <a:avLst>
+              <a:gd name="adj1" fmla="val -23000"/>
+              <a:gd name="adj2" fmla="val 323751"/>
+            </a:avLst>
+          </a:prstGeom>
+          <a:ln>
+            <a:solidFill>
+              <a:schemeClr val="accent2">
+                <a:lumMod val="40000"/>
+                <a:lumOff val="60000"/>
+              </a:schemeClr>
+            </a:solidFill>
+            <a:prstDash val="dash"/>
+            <a:tailEnd type="triangle"/>
+          </a:ln>
+        </p:spPr>
+        <p:style>
+          <a:lnRef idx="1">
+            <a:schemeClr val="accent1"/>
+          </a:lnRef>
+          <a:fillRef idx="0">
+            <a:schemeClr val="accent1"/>
+          </a:fillRef>
+          <a:effectRef idx="0">
+            <a:schemeClr val="accent1"/>
+          </a:effectRef>
+          <a:fontRef idx="minor">
+            <a:schemeClr val="tx1"/>
+          </a:fontRef>
+        </p:style>
+      </p:cxnSp>
+      <p:sp>
+        <p:nvSpPr>
+          <p:cNvPr id="38" name="TextBox 37">
+            <a:extLst>
+              <a:ext uri="{FF2B5EF4-FFF2-40B4-BE49-F238E27FC236}">
+                <a16:creationId xmlns:a16="http://schemas.microsoft.com/office/drawing/2014/main" id="{7503CDFC-B7A4-CC40-9539-C85E29197D1A}"/>
+              </a:ext>
+            </a:extLst>
+          </p:cNvPr>
+          <p:cNvSpPr txBox="1"/>
+          <p:nvPr/>
+        </p:nvSpPr>
+        <p:spPr>
+          <a:xfrm>
+            <a:off x="5889812" y="1453207"/>
+            <a:ext cx="2654253" cy="369332"/>
+          </a:xfrm>
+          <a:prstGeom prst="rect">
+            <a:avLst/>
+          </a:prstGeom>
+          <a:noFill/>
+        </p:spPr>
+        <p:txBody>
+          <a:bodyPr wrap="none" rtlCol="0">
+            <a:spAutoFit/>
+          </a:bodyPr>
+          <a:lstStyle/>
+          <a:p>
+            <a:r>
+              <a:rPr lang="en-US" dirty="0"/>
+              <a:t>CA: Conditioned Recursive</a:t>
+            </a:r>
+          </a:p>
+        </p:txBody>
+      </p:sp>
+      <p:sp>
+        <p:nvSpPr>
+          <p:cNvPr id="40" name="Rectangle 39">
+            <a:extLst>
+              <a:ext uri="{FF2B5EF4-FFF2-40B4-BE49-F238E27FC236}">
+                <a16:creationId xmlns:a16="http://schemas.microsoft.com/office/drawing/2014/main" id="{0782BEB9-FE38-C84F-8E88-86E2DF1C897C}"/>
+              </a:ext>
+            </a:extLst>
+          </p:cNvPr>
+          <p:cNvSpPr/>
+          <p:nvPr/>
+        </p:nvSpPr>
+        <p:spPr>
+          <a:xfrm>
+            <a:off x="6279852" y="2451849"/>
+            <a:ext cx="204334" cy="694769"/>
+          </a:xfrm>
+          <a:prstGeom prst="rect">
+            <a:avLst/>
+          </a:prstGeom>
+          <a:solidFill>
+            <a:schemeClr val="accent4">
+              <a:lumMod val="40000"/>
+              <a:lumOff val="60000"/>
+            </a:schemeClr>
+          </a:solidFill>
+          <a:ln>
+            <a:solidFill>
+              <a:schemeClr val="accent4">
+                <a:lumMod val="60000"/>
+                <a:lumOff val="40000"/>
+              </a:schemeClr>
+            </a:solidFill>
+          </a:ln>
+        </p:spPr>
+        <p:style>
+          <a:lnRef idx="2">
+            <a:schemeClr val="accent1">
+              <a:shade val="50000"/>
+            </a:schemeClr>
+          </a:lnRef>
+          <a:fillRef idx="1">
+            <a:schemeClr val="accent1"/>
+          </a:fillRef>
+          <a:effectRef idx="0">
+            <a:schemeClr val="accent1"/>
+          </a:effectRef>
+          <a:fontRef idx="minor">
+            <a:schemeClr val="lt1"/>
+          </a:fontRef>
+        </p:style>
+        <p:txBody>
+          <a:bodyPr rtlCol="0" anchor="ctr"/>
+          <a:lstStyle/>
+          <a:p>
+            <a:pPr algn="ctr"/>
+            <a:endParaRPr lang="en-US"/>
+          </a:p>
+        </p:txBody>
+      </p:sp>
+      <p:sp>
+        <p:nvSpPr>
+          <p:cNvPr id="41" name="Rectangle 40">
+            <a:extLst>
+              <a:ext uri="{FF2B5EF4-FFF2-40B4-BE49-F238E27FC236}">
+                <a16:creationId xmlns:a16="http://schemas.microsoft.com/office/drawing/2014/main" id="{9D0DAEB6-4AFF-3C48-937B-69A797CA59B1}"/>
+              </a:ext>
+            </a:extLst>
+          </p:cNvPr>
+          <p:cNvSpPr/>
+          <p:nvPr/>
+        </p:nvSpPr>
+        <p:spPr>
+          <a:xfrm>
+            <a:off x="6279852" y="3500715"/>
+            <a:ext cx="204334" cy="694769"/>
+          </a:xfrm>
+          <a:prstGeom prst="rect">
+            <a:avLst/>
+          </a:prstGeom>
+          <a:solidFill>
+            <a:schemeClr val="accent6">
+              <a:lumMod val="40000"/>
+              <a:lumOff val="60000"/>
+            </a:schemeClr>
+          </a:solidFill>
+          <a:ln>
+            <a:solidFill>
+              <a:schemeClr val="accent6">
+                <a:lumMod val="60000"/>
+                <a:lumOff val="40000"/>
+              </a:schemeClr>
+            </a:solidFill>
+          </a:ln>
+        </p:spPr>
+        <p:style>
+          <a:lnRef idx="2">
+            <a:schemeClr val="accent1">
+              <a:shade val="50000"/>
+            </a:schemeClr>
+          </a:lnRef>
+          <a:fillRef idx="1">
+            <a:schemeClr val="accent1"/>
+          </a:fillRef>
+          <a:effectRef idx="0">
+            <a:schemeClr val="accent1"/>
+          </a:effectRef>
+          <a:fontRef idx="minor">
+            <a:schemeClr val="lt1"/>
+          </a:fontRef>
+        </p:style>
+        <p:txBody>
+          <a:bodyPr rtlCol="0" anchor="ctr"/>
+          <a:lstStyle/>
+          <a:p>
+            <a:pPr algn="ctr"/>
+            <a:endParaRPr lang="en-US"/>
+          </a:p>
+        </p:txBody>
+      </p:sp>
+      <p:sp>
+        <p:nvSpPr>
+          <p:cNvPr id="43" name="Rectangle 42">
+            <a:extLst>
+              <a:ext uri="{FF2B5EF4-FFF2-40B4-BE49-F238E27FC236}">
+                <a16:creationId xmlns:a16="http://schemas.microsoft.com/office/drawing/2014/main" id="{2324A838-B2E9-E04A-A937-F892782D0386}"/>
+              </a:ext>
+            </a:extLst>
+          </p:cNvPr>
+          <p:cNvSpPr/>
+          <p:nvPr/>
+        </p:nvSpPr>
+        <p:spPr>
+          <a:xfrm>
+            <a:off x="6279852" y="4549581"/>
+            <a:ext cx="204334" cy="694769"/>
+          </a:xfrm>
+          <a:prstGeom prst="rect">
+            <a:avLst/>
+          </a:prstGeom>
+          <a:solidFill>
+            <a:schemeClr val="accent2">
+              <a:lumMod val="40000"/>
+              <a:lumOff val="60000"/>
+            </a:schemeClr>
+          </a:solidFill>
+          <a:ln>
+            <a:solidFill>
+              <a:schemeClr val="accent2">
+                <a:lumMod val="60000"/>
+                <a:lumOff val="40000"/>
+              </a:schemeClr>
+            </a:solidFill>
+          </a:ln>
+        </p:spPr>
+        <p:style>
+          <a:lnRef idx="2">
+            <a:schemeClr val="accent1">
+              <a:shade val="50000"/>
+            </a:schemeClr>
+          </a:lnRef>
+          <a:fillRef idx="1">
+            <a:schemeClr val="accent1"/>
+          </a:fillRef>
+          <a:effectRef idx="0">
+            <a:schemeClr val="accent1"/>
+          </a:effectRef>
+          <a:fontRef idx="minor">
+            <a:schemeClr val="lt1"/>
+          </a:fontRef>
+        </p:style>
+        <p:txBody>
+          <a:bodyPr rtlCol="0" anchor="ctr"/>
+          <a:lstStyle/>
+          <a:p>
+            <a:pPr algn="ctr"/>
+            <a:endParaRPr lang="en-US"/>
+          </a:p>
+        </p:txBody>
+      </p:sp>
+      <p:cxnSp>
+        <p:nvCxnSpPr>
+          <p:cNvPr id="44" name="Straight Arrow Connector 43">
+            <a:extLst>
+              <a:ext uri="{FF2B5EF4-FFF2-40B4-BE49-F238E27FC236}">
+                <a16:creationId xmlns:a16="http://schemas.microsoft.com/office/drawing/2014/main" id="{992542AB-35DD-CF49-A49F-31AE5DF43E9C}"/>
+              </a:ext>
+            </a:extLst>
+          </p:cNvPr>
+          <p:cNvCxnSpPr>
+            <a:cxnSpLocks/>
+          </p:cNvCxnSpPr>
+          <p:nvPr/>
+        </p:nvCxnSpPr>
+        <p:spPr>
+          <a:xfrm>
+            <a:off x="6127452" y="2451849"/>
+            <a:ext cx="0" cy="694769"/>
+          </a:xfrm>
+          <a:prstGeom prst="straightConnector1">
+            <a:avLst/>
+          </a:prstGeom>
+          <a:ln>
+            <a:headEnd type="triangle"/>
+            <a:tailEnd type="triangle"/>
+          </a:ln>
+        </p:spPr>
+        <p:style>
+          <a:lnRef idx="1">
+            <a:schemeClr val="accent1"/>
+          </a:lnRef>
+          <a:fillRef idx="0">
+            <a:schemeClr val="accent1"/>
+          </a:fillRef>
+          <a:effectRef idx="0">
+            <a:schemeClr val="accent1"/>
+          </a:effectRef>
+          <a:fontRef idx="minor">
+            <a:schemeClr val="tx1"/>
+          </a:fontRef>
+        </p:style>
+      </p:cxnSp>
+      <mc:AlternateContent xmlns:mc="http://schemas.openxmlformats.org/markup-compatibility/2006">
+        <mc:Choice xmlns:a14="http://schemas.microsoft.com/office/drawing/2010/main" Requires="a14">
+          <p:sp>
+            <p:nvSpPr>
+              <p:cNvPr id="45" name="TextBox 44">
+                <a:extLst>
+                  <a:ext uri="{FF2B5EF4-FFF2-40B4-BE49-F238E27FC236}">
+                    <a16:creationId xmlns:a16="http://schemas.microsoft.com/office/drawing/2014/main" id="{9ED06322-89D0-234B-9CDA-65D3892FF7E5}"/>
+                  </a:ext>
+                </a:extLst>
+              </p:cNvPr>
+              <p:cNvSpPr txBox="1"/>
+              <p:nvPr/>
+            </p:nvSpPr>
+            <p:spPr>
+              <a:xfrm rot="16200000">
+                <a:off x="5224770" y="2715417"/>
+                <a:ext cx="1310230" cy="369332"/>
+              </a:xfrm>
+              <a:prstGeom prst="rect">
+                <a:avLst/>
+              </a:prstGeom>
+              <a:noFill/>
+            </p:spPr>
+            <p:txBody>
+              <a:bodyPr wrap="none" rtlCol="0">
+                <a:spAutoFit/>
+              </a:bodyPr>
+              <a:lstStyle/>
+              <a:p>
+                <a14:m>
+                  <m:oMathPara xmlns:m="http://schemas.openxmlformats.org/officeDocument/2006/math">
+                    <m:oMathParaPr>
+                      <m:jc m:val="centerGroup"/>
+                    </m:oMathParaPr>
+                    <m:oMath xmlns:m="http://schemas.openxmlformats.org/officeDocument/2006/math">
+                      <m:sSub>
+                        <m:sSubPr>
+                          <m:ctrlPr>
+                            <a:rPr lang="en-US" i="1" smtClean="0">
+                              <a:latin typeface="Cambria Math" panose="02040503050406030204" pitchFamily="18" charset="0"/>
+                            </a:rPr>
+                          </m:ctrlPr>
+                        </m:sSubPr>
+                        <m:e>
+                          <m:r>
+                            <a:rPr lang="es-ES" b="0" i="1" smtClean="0">
+                              <a:latin typeface="Cambria Math" panose="02040503050406030204" pitchFamily="18" charset="0"/>
+                            </a:rPr>
+                            <m:t>𝑀</m:t>
+                          </m:r>
+                        </m:e>
+                        <m:sub>
+                          <m:r>
+                            <a:rPr lang="es-ES" b="0" i="1" smtClean="0">
+                              <a:latin typeface="Cambria Math" panose="02040503050406030204" pitchFamily="18" charset="0"/>
+                            </a:rPr>
+                            <m:t>𝑒</m:t>
+                          </m:r>
+                        </m:sub>
+                      </m:sSub>
+                      <m:r>
+                        <a:rPr lang="es-ES" b="0" i="1" smtClean="0">
+                          <a:latin typeface="Cambria Math" panose="02040503050406030204" pitchFamily="18" charset="0"/>
+                        </a:rPr>
+                        <m:t>(</m:t>
+                      </m:r>
+                      <m:r>
+                        <a:rPr lang="es-ES" b="0" i="1" smtClean="0">
+                          <a:latin typeface="Cambria Math" panose="02040503050406030204" pitchFamily="18" charset="0"/>
+                        </a:rPr>
+                        <m:t>𝑔𝑖𝑣𝑒𝑛</m:t>
+                      </m:r>
+                      <m:r>
+                        <a:rPr lang="es-ES" b="0" i="1" smtClean="0">
+                          <a:latin typeface="Cambria Math" panose="02040503050406030204" pitchFamily="18" charset="0"/>
+                        </a:rPr>
+                        <m:t>)</m:t>
+                      </m:r>
+                    </m:oMath>
+                  </m:oMathPara>
+                </a14:m>
+                <a:endParaRPr lang="en-US" dirty="0"/>
+              </a:p>
+            </p:txBody>
+          </p:sp>
+        </mc:Choice>
+        <mc:Fallback>
+          <p:sp>
+            <p:nvSpPr>
+              <p:cNvPr id="45" name="TextBox 44">
+                <a:extLst>
+                  <a:ext uri="{FF2B5EF4-FFF2-40B4-BE49-F238E27FC236}">
+                    <a16:creationId xmlns:a16="http://schemas.microsoft.com/office/drawing/2014/main" id="{9ED06322-89D0-234B-9CDA-65D3892FF7E5}"/>
+                  </a:ext>
+                </a:extLst>
+              </p:cNvPr>
+              <p:cNvSpPr txBox="1">
+                <a:spLocks noRot="1" noChangeAspect="1" noMove="1" noResize="1" noEditPoints="1" noAdjustHandles="1" noChangeArrowheads="1" noChangeShapeType="1" noTextEdit="1"/>
+              </p:cNvSpPr>
+              <p:nvPr/>
+            </p:nvSpPr>
+            <p:spPr>
+              <a:xfrm rot="16200000">
+                <a:off x="5224770" y="2715417"/>
+                <a:ext cx="1310230" cy="369332"/>
+              </a:xfrm>
+              <a:prstGeom prst="rect">
+                <a:avLst/>
+              </a:prstGeom>
+              <a:blipFill>
+                <a:blip r:embed="rId4"/>
+                <a:stretch>
+                  <a:fillRect r="-9677"/>
+                </a:stretch>
+              </a:blipFill>
+            </p:spPr>
+            <p:txBody>
+              <a:bodyPr/>
+              <a:lstStyle/>
+              <a:p>
+                <a:r>
+                  <a:rPr lang="en-US">
+                    <a:noFill/>
+                  </a:rPr>
+                  <a:t> </a:t>
+                </a:r>
+              </a:p>
+            </p:txBody>
+          </p:sp>
+        </mc:Fallback>
+      </mc:AlternateContent>
+      <p:cxnSp>
+        <p:nvCxnSpPr>
+          <p:cNvPr id="46" name="Straight Arrow Connector 45">
+            <a:extLst>
+              <a:ext uri="{FF2B5EF4-FFF2-40B4-BE49-F238E27FC236}">
+                <a16:creationId xmlns:a16="http://schemas.microsoft.com/office/drawing/2014/main" id="{E7BD627A-C755-F241-8EA5-BC82AF0573D4}"/>
+              </a:ext>
+            </a:extLst>
+          </p:cNvPr>
+          <p:cNvCxnSpPr>
+            <a:cxnSpLocks/>
+          </p:cNvCxnSpPr>
+          <p:nvPr/>
+        </p:nvCxnSpPr>
+        <p:spPr>
+          <a:xfrm>
+            <a:off x="6279851" y="2191871"/>
+            <a:ext cx="1712259" cy="0"/>
+          </a:xfrm>
+          <a:prstGeom prst="straightConnector1">
+            <a:avLst/>
+          </a:prstGeom>
+          <a:ln>
+            <a:headEnd type="triangle"/>
+            <a:tailEnd type="triangle"/>
+          </a:ln>
+        </p:spPr>
+        <p:style>
+          <a:lnRef idx="1">
+            <a:schemeClr val="accent1"/>
+          </a:lnRef>
+          <a:fillRef idx="0">
+            <a:schemeClr val="accent1"/>
+          </a:fillRef>
+          <a:effectRef idx="0">
+            <a:schemeClr val="accent1"/>
+          </a:effectRef>
+          <a:fontRef idx="minor">
+            <a:schemeClr val="tx1"/>
+          </a:fontRef>
+        </p:style>
+      </p:cxnSp>
+      <mc:AlternateContent xmlns:mc="http://schemas.openxmlformats.org/markup-compatibility/2006">
+        <mc:Choice xmlns:a14="http://schemas.microsoft.com/office/drawing/2010/main" Requires="a14">
+          <p:sp>
+            <p:nvSpPr>
+              <p:cNvPr id="54" name="TextBox 53">
+                <a:extLst>
+                  <a:ext uri="{FF2B5EF4-FFF2-40B4-BE49-F238E27FC236}">
+                    <a16:creationId xmlns:a16="http://schemas.microsoft.com/office/drawing/2014/main" id="{763059FA-FAD3-D148-B823-FE100BD864A6}"/>
+                  </a:ext>
+                </a:extLst>
+              </p:cNvPr>
+              <p:cNvSpPr txBox="1"/>
+              <p:nvPr/>
+            </p:nvSpPr>
+            <p:spPr>
+              <a:xfrm>
+                <a:off x="6902487" y="1822539"/>
+                <a:ext cx="896592" cy="369332"/>
+              </a:xfrm>
+              <a:prstGeom prst="rect">
+                <a:avLst/>
+              </a:prstGeom>
+              <a:noFill/>
+            </p:spPr>
+            <p:txBody>
+              <a:bodyPr wrap="none" rtlCol="0">
+                <a:spAutoFit/>
+              </a:bodyPr>
+              <a:lstStyle/>
+              <a:p>
+                <a14:m>
+                  <m:oMathPara xmlns:m="http://schemas.openxmlformats.org/officeDocument/2006/math">
+                    <m:oMathParaPr>
+                      <m:jc m:val="centerGroup"/>
+                    </m:oMathParaPr>
+                    <m:oMath xmlns:m="http://schemas.openxmlformats.org/officeDocument/2006/math">
+                      <m:sSub>
+                        <m:sSubPr>
+                          <m:ctrlPr>
+                            <a:rPr lang="en-US" i="1" smtClean="0">
+                              <a:latin typeface="Cambria Math" panose="02040503050406030204" pitchFamily="18" charset="0"/>
+                            </a:rPr>
+                          </m:ctrlPr>
+                        </m:sSubPr>
+                        <m:e>
+                          <m:r>
+                            <a:rPr lang="es-ES" b="0" i="1" smtClean="0">
+                              <a:latin typeface="Cambria Math" panose="02040503050406030204" pitchFamily="18" charset="0"/>
+                            </a:rPr>
+                            <m:t>𝐿</m:t>
+                          </m:r>
+                        </m:e>
+                        <m:sub>
+                          <m:r>
+                            <a:rPr lang="es-ES" b="0" i="1" smtClean="0">
+                              <a:latin typeface="Cambria Math" panose="02040503050406030204" pitchFamily="18" charset="0"/>
+                            </a:rPr>
+                            <m:t>𝑒</m:t>
+                          </m:r>
+                        </m:sub>
+                      </m:sSub>
+                      <m:r>
+                        <a:rPr lang="es-ES" b="0" i="1" smtClean="0">
+                          <a:latin typeface="Cambria Math" panose="02040503050406030204" pitchFamily="18" charset="0"/>
+                        </a:rPr>
+                        <m:t>=1</m:t>
+                      </m:r>
+                    </m:oMath>
+                  </m:oMathPara>
+                </a14:m>
+                <a:endParaRPr lang="en-US" dirty="0"/>
+              </a:p>
+            </p:txBody>
+          </p:sp>
+        </mc:Choice>
+        <mc:Fallback>
+          <p:sp>
+            <p:nvSpPr>
+              <p:cNvPr id="54" name="TextBox 53">
+                <a:extLst>
+                  <a:ext uri="{FF2B5EF4-FFF2-40B4-BE49-F238E27FC236}">
+                    <a16:creationId xmlns:a16="http://schemas.microsoft.com/office/drawing/2014/main" id="{763059FA-FAD3-D148-B823-FE100BD864A6}"/>
+                  </a:ext>
+                </a:extLst>
+              </p:cNvPr>
+              <p:cNvSpPr txBox="1">
+                <a:spLocks noRot="1" noChangeAspect="1" noMove="1" noResize="1" noEditPoints="1" noAdjustHandles="1" noChangeArrowheads="1" noChangeShapeType="1" noTextEdit="1"/>
+              </p:cNvSpPr>
+              <p:nvPr/>
+            </p:nvSpPr>
+            <p:spPr>
+              <a:xfrm>
+                <a:off x="6902487" y="1822539"/>
+                <a:ext cx="896592" cy="369332"/>
+              </a:xfrm>
+              <a:prstGeom prst="rect">
+                <a:avLst/>
+              </a:prstGeom>
+              <a:blipFill>
+                <a:blip r:embed="rId5"/>
+                <a:stretch>
+                  <a:fillRect/>
+                </a:stretch>
+              </a:blipFill>
+            </p:spPr>
+            <p:txBody>
+              <a:bodyPr/>
+              <a:lstStyle/>
+              <a:p>
+                <a:r>
+                  <a:rPr lang="en-US">
+                    <a:noFill/>
+                  </a:rPr>
+                  <a:t> </a:t>
+                </a:r>
+              </a:p>
+            </p:txBody>
+          </p:sp>
+        </mc:Fallback>
+      </mc:AlternateContent>
+      <p:cxnSp>
+        <p:nvCxnSpPr>
+          <p:cNvPr id="55" name="Curved Connector 54">
+            <a:extLst>
+              <a:ext uri="{FF2B5EF4-FFF2-40B4-BE49-F238E27FC236}">
+                <a16:creationId xmlns:a16="http://schemas.microsoft.com/office/drawing/2014/main" id="{B7FB6492-C2A5-BB4C-9B83-3B76F4F48D36}"/>
+              </a:ext>
+            </a:extLst>
+          </p:cNvPr>
+          <p:cNvCxnSpPr>
+            <a:cxnSpLocks/>
+            <a:stCxn id="40" idx="0"/>
+            <a:endCxn id="40" idx="3"/>
+          </p:cNvCxnSpPr>
+          <p:nvPr/>
+        </p:nvCxnSpPr>
+        <p:spPr>
+          <a:xfrm rot="16200000" flipH="1">
+            <a:off x="6259409" y="2574458"/>
+            <a:ext cx="347385" cy="102167"/>
+          </a:xfrm>
+          <a:prstGeom prst="curvedConnector4">
+            <a:avLst>
+              <a:gd name="adj1" fmla="val -16774"/>
+              <a:gd name="adj2" fmla="val 323751"/>
+            </a:avLst>
+          </a:prstGeom>
+          <a:ln>
+            <a:solidFill>
+              <a:schemeClr val="accent4">
+                <a:lumMod val="40000"/>
+                <a:lumOff val="60000"/>
+              </a:schemeClr>
+            </a:solidFill>
+            <a:prstDash val="dash"/>
+            <a:tailEnd type="triangle"/>
+          </a:ln>
+        </p:spPr>
+        <p:style>
+          <a:lnRef idx="1">
+            <a:schemeClr val="accent1"/>
+          </a:lnRef>
+          <a:fillRef idx="0">
+            <a:schemeClr val="accent1"/>
+          </a:fillRef>
+          <a:effectRef idx="0">
+            <a:schemeClr val="accent1"/>
+          </a:effectRef>
+          <a:fontRef idx="minor">
+            <a:schemeClr val="tx1"/>
+          </a:fontRef>
+        </p:style>
+      </p:cxnSp>
+      <p:cxnSp>
+        <p:nvCxnSpPr>
+          <p:cNvPr id="56" name="Curved Connector 55">
+            <a:extLst>
+              <a:ext uri="{FF2B5EF4-FFF2-40B4-BE49-F238E27FC236}">
+                <a16:creationId xmlns:a16="http://schemas.microsoft.com/office/drawing/2014/main" id="{4B9894DD-1441-1445-AA5A-BFFA0EE3A290}"/>
+              </a:ext>
+            </a:extLst>
+          </p:cNvPr>
+          <p:cNvCxnSpPr>
+            <a:cxnSpLocks/>
+            <a:stCxn id="41" idx="0"/>
+            <a:endCxn id="41" idx="3"/>
+          </p:cNvCxnSpPr>
+          <p:nvPr/>
+        </p:nvCxnSpPr>
+        <p:spPr>
+          <a:xfrm rot="16200000" flipH="1">
+            <a:off x="6259409" y="3623324"/>
+            <a:ext cx="347385" cy="102167"/>
+          </a:xfrm>
+          <a:prstGeom prst="curvedConnector4">
+            <a:avLst>
+              <a:gd name="adj1" fmla="val -37419"/>
+              <a:gd name="adj2" fmla="val 323751"/>
+            </a:avLst>
+          </a:prstGeom>
+          <a:ln>
+            <a:solidFill>
+              <a:schemeClr val="accent6">
+                <a:lumMod val="40000"/>
+                <a:lumOff val="60000"/>
+              </a:schemeClr>
+            </a:solidFill>
+            <a:prstDash val="dash"/>
+            <a:tailEnd type="triangle"/>
+          </a:ln>
+        </p:spPr>
+        <p:style>
+          <a:lnRef idx="1">
+            <a:schemeClr val="accent1"/>
+          </a:lnRef>
+          <a:fillRef idx="0">
+            <a:schemeClr val="accent1"/>
+          </a:fillRef>
+          <a:effectRef idx="0">
+            <a:schemeClr val="accent1"/>
+          </a:effectRef>
+          <a:fontRef idx="minor">
+            <a:schemeClr val="tx1"/>
+          </a:fontRef>
+        </p:style>
+      </p:cxnSp>
+      <p:cxnSp>
+        <p:nvCxnSpPr>
+          <p:cNvPr id="57" name="Curved Connector 56">
+            <a:extLst>
+              <a:ext uri="{FF2B5EF4-FFF2-40B4-BE49-F238E27FC236}">
+                <a16:creationId xmlns:a16="http://schemas.microsoft.com/office/drawing/2014/main" id="{CD1755D6-07F4-204F-9093-795D0D221E55}"/>
+              </a:ext>
+            </a:extLst>
+          </p:cNvPr>
+          <p:cNvCxnSpPr>
+            <a:cxnSpLocks/>
+            <a:stCxn id="43" idx="0"/>
+            <a:endCxn id="43" idx="3"/>
+          </p:cNvCxnSpPr>
+          <p:nvPr/>
+        </p:nvCxnSpPr>
+        <p:spPr>
+          <a:xfrm rot="16200000" flipH="1">
+            <a:off x="6259409" y="4672190"/>
+            <a:ext cx="347385" cy="102167"/>
+          </a:xfrm>
+          <a:prstGeom prst="curvedConnector4">
+            <a:avLst>
+              <a:gd name="adj1" fmla="val -34838"/>
+              <a:gd name="adj2" fmla="val 323751"/>
+            </a:avLst>
+          </a:prstGeom>
+          <a:ln>
+            <a:solidFill>
+              <a:schemeClr val="accent2">
+                <a:lumMod val="40000"/>
+                <a:lumOff val="60000"/>
+              </a:schemeClr>
+            </a:solidFill>
+            <a:prstDash val="dash"/>
+            <a:tailEnd type="triangle"/>
+          </a:ln>
+        </p:spPr>
+        <p:style>
+          <a:lnRef idx="1">
+            <a:schemeClr val="accent1"/>
+          </a:lnRef>
+          <a:fillRef idx="0">
+            <a:schemeClr val="accent1"/>
+          </a:fillRef>
+          <a:effectRef idx="0">
+            <a:schemeClr val="accent1"/>
+          </a:effectRef>
+          <a:fontRef idx="minor">
+            <a:schemeClr val="tx1"/>
+          </a:fontRef>
+        </p:style>
+      </p:cxnSp>
+    </p:spTree>
+    <p:extLst>
+      <p:ext uri="{BB962C8B-B14F-4D97-AF65-F5344CB8AC3E}">
+        <p14:creationId xmlns:p14="http://schemas.microsoft.com/office/powerpoint/2010/main" val="3982121406"/>
       </p:ext>
     </p:extLst>
   </p:cSld>

--- a/images/images.pptx
+++ b/images/images.pptx
@@ -17812,7 +17812,7 @@
         </p:nvSpPr>
         <p:spPr>
           <a:xfrm>
-            <a:off x="1289477" y="1884373"/>
+            <a:off x="2645403" y="1810536"/>
             <a:ext cx="1712259" cy="896470"/>
           </a:xfrm>
           <a:prstGeom prst="rect">
@@ -17872,7 +17872,7 @@
         </p:nvSpPr>
         <p:spPr>
           <a:xfrm>
-            <a:off x="4252279" y="1515041"/>
+            <a:off x="5608205" y="1441204"/>
             <a:ext cx="1712259" cy="448235"/>
           </a:xfrm>
           <a:prstGeom prst="rect">
@@ -17932,7 +17932,7 @@
         </p:nvSpPr>
         <p:spPr>
           <a:xfrm>
-            <a:off x="4252279" y="2214285"/>
+            <a:off x="5608205" y="2140448"/>
             <a:ext cx="1712259" cy="448235"/>
           </a:xfrm>
           <a:prstGeom prst="rect">
@@ -17992,7 +17992,7 @@
         </p:nvSpPr>
         <p:spPr>
           <a:xfrm>
-            <a:off x="4252279" y="2913529"/>
+            <a:off x="5608205" y="2839692"/>
             <a:ext cx="1712259" cy="448235"/>
           </a:xfrm>
           <a:prstGeom prst="rect">
@@ -18052,7 +18052,7 @@
         </p:nvCxnSpPr>
         <p:spPr>
           <a:xfrm>
-            <a:off x="1065359" y="1884373"/>
+            <a:off x="2421285" y="1810536"/>
             <a:ext cx="0" cy="896470"/>
           </a:xfrm>
           <a:prstGeom prst="straightConnector1">
@@ -18092,7 +18092,7 @@
         </p:nvSpPr>
         <p:spPr>
           <a:xfrm>
-            <a:off x="683523" y="2147942"/>
+            <a:off x="2039449" y="2074105"/>
             <a:ext cx="381836" cy="369332"/>
           </a:xfrm>
           <a:prstGeom prst="rect">
@@ -18127,7 +18127,7 @@
         </p:nvCxnSpPr>
         <p:spPr>
           <a:xfrm>
-            <a:off x="1289477" y="1642326"/>
+            <a:off x="2645403" y="1568489"/>
             <a:ext cx="1712259" cy="0"/>
           </a:xfrm>
           <a:prstGeom prst="straightConnector1">
@@ -18167,7 +18167,7 @@
         </p:nvSpPr>
         <p:spPr>
           <a:xfrm>
-            <a:off x="2004381" y="1281070"/>
+            <a:off x="3360307" y="1207233"/>
             <a:ext cx="282450" cy="369332"/>
           </a:xfrm>
           <a:prstGeom prst="rect">
@@ -18204,7 +18204,7 @@
         </p:nvCxnSpPr>
         <p:spPr>
           <a:xfrm>
-            <a:off x="4126775" y="1515041"/>
+            <a:off x="5482701" y="1441204"/>
             <a:ext cx="0" cy="448235"/>
           </a:xfrm>
           <a:prstGeom prst="straightConnector1">
@@ -18246,7 +18246,7 @@
             </p:nvSpPr>
             <p:spPr>
               <a:xfrm>
-                <a:off x="3636399" y="1515041"/>
+                <a:off x="4992325" y="1441204"/>
                 <a:ext cx="527196" cy="369332"/>
               </a:xfrm>
               <a:prstGeom prst="rect">
@@ -18317,7 +18317,7 @@
             </p:nvSpPr>
             <p:spPr>
               <a:xfrm>
-                <a:off x="3636399" y="1515041"/>
+                <a:off x="4992325" y="1441204"/>
                 <a:ext cx="527196" cy="369332"/>
               </a:xfrm>
               <a:prstGeom prst="rect">
@@ -18359,7 +18359,7 @@
         </p:nvCxnSpPr>
         <p:spPr>
           <a:xfrm>
-            <a:off x="4252279" y="1380570"/>
+            <a:off x="5608205" y="1306733"/>
             <a:ext cx="1712259" cy="0"/>
           </a:xfrm>
           <a:prstGeom prst="straightConnector1">
@@ -18401,7 +18401,7 @@
             </p:nvSpPr>
             <p:spPr>
               <a:xfrm>
-                <a:off x="4660144" y="1020205"/>
+                <a:off x="6016070" y="946368"/>
                 <a:ext cx="896527" cy="369332"/>
               </a:xfrm>
               <a:prstGeom prst="rect">
@@ -18484,7 +18484,7 @@
             </p:nvSpPr>
             <p:spPr>
               <a:xfrm>
-                <a:off x="4660144" y="1020205"/>
+                <a:off x="6016070" y="946368"/>
                 <a:ext cx="896527" cy="369332"/>
               </a:xfrm>
               <a:prstGeom prst="rect">
@@ -18526,7 +18526,7 @@
         </p:nvSpPr>
         <p:spPr>
           <a:xfrm>
-            <a:off x="3902656" y="582704"/>
+            <a:off x="5258582" y="508867"/>
             <a:ext cx="2189638" cy="369332"/>
           </a:xfrm>
           <a:prstGeom prst="rect">
@@ -18769,8 +18769,8 @@
           </a:fontRef>
         </p:style>
       </p:cxnSp>
-      <mc:AlternateContent xmlns:mc="http://schemas.openxmlformats.org/markup-compatibility/2006">
-        <mc:Choice xmlns:a14="http://schemas.microsoft.com/office/drawing/2010/main" Requires="a14">
+      <mc:AlternateContent xmlns:mc="http://schemas.openxmlformats.org/markup-compatibility/2006" xmlns:a14="http://schemas.microsoft.com/office/drawing/2010/main">
+        <mc:Choice Requires="a14">
           <p:sp>
             <p:nvSpPr>
               <p:cNvPr id="39" name="TextBox 38">
@@ -18839,7 +18839,7 @@
             </p:txBody>
           </p:sp>
         </mc:Choice>
-        <mc:Fallback>
+        <mc:Fallback xmlns="">
           <p:sp>
             <p:nvSpPr>
               <p:cNvPr id="39" name="TextBox 38">
@@ -18926,8 +18926,8 @@
           </a:fontRef>
         </p:style>
       </p:cxnSp>
-      <mc:AlternateContent xmlns:mc="http://schemas.openxmlformats.org/markup-compatibility/2006">
-        <mc:Choice xmlns:a14="http://schemas.microsoft.com/office/drawing/2010/main" Requires="a14">
+      <mc:AlternateContent xmlns:mc="http://schemas.openxmlformats.org/markup-compatibility/2006" xmlns:a14="http://schemas.microsoft.com/office/drawing/2010/main">
+        <mc:Choice Requires="a14">
           <p:sp>
             <p:nvSpPr>
               <p:cNvPr id="41" name="TextBox 40">
@@ -19014,7 +19014,7 @@
             </p:txBody>
           </p:sp>
         </mc:Choice>
-        <mc:Fallback>
+        <mc:Fallback xmlns="">
           <p:sp>
             <p:nvSpPr>
               <p:cNvPr id="41" name="TextBox 40">
@@ -19059,8 +19059,8 @@
           </p:sp>
         </mc:Fallback>
       </mc:AlternateContent>
-      <mc:AlternateContent xmlns:mc="http://schemas.openxmlformats.org/markup-compatibility/2006">
-        <mc:Choice xmlns:a14="http://schemas.microsoft.com/office/drawing/2010/main" Requires="a14">
+      <mc:AlternateContent xmlns:mc="http://schemas.openxmlformats.org/markup-compatibility/2006" xmlns:a14="http://schemas.microsoft.com/office/drawing/2010/main">
+        <mc:Choice Requires="a14">
           <p:sp>
             <p:nvSpPr>
               <p:cNvPr id="42" name="TextBox 41">
@@ -19139,7 +19139,7 @@
             </p:txBody>
           </p:sp>
         </mc:Choice>
-        <mc:Fallback>
+        <mc:Fallback xmlns="">
           <p:sp>
             <p:nvSpPr>
               <p:cNvPr id="42" name="TextBox 41">
@@ -19198,7 +19198,7 @@
         </p:nvSpPr>
         <p:spPr>
           <a:xfrm>
-            <a:off x="6092294" y="1465736"/>
+            <a:off x="7448220" y="1391899"/>
             <a:ext cx="45719" cy="1963264"/>
           </a:xfrm>
           <a:prstGeom prst="rightBrace">
@@ -19242,7 +19242,7 @@
         </p:nvSpPr>
         <p:spPr>
           <a:xfrm>
-            <a:off x="6138013" y="2262702"/>
+            <a:off x="7493939" y="2188865"/>
             <a:ext cx="304892" cy="369332"/>
           </a:xfrm>
           <a:prstGeom prst="rect">
@@ -19356,7 +19356,7 @@
         </p:nvSpPr>
         <p:spPr>
           <a:xfrm>
-            <a:off x="6569287" y="4650898"/>
+            <a:off x="6216094" y="4650898"/>
             <a:ext cx="2176563" cy="322730"/>
           </a:xfrm>
           <a:prstGeom prst="rect">
@@ -19416,7 +19416,7 @@
         </p:nvSpPr>
         <p:spPr>
           <a:xfrm>
-            <a:off x="6569287" y="5350142"/>
+            <a:off x="6216094" y="5350142"/>
             <a:ext cx="2176563" cy="322730"/>
           </a:xfrm>
           <a:prstGeom prst="rect">
@@ -19476,7 +19476,7 @@
         </p:nvSpPr>
         <p:spPr>
           <a:xfrm>
-            <a:off x="6569287" y="6049386"/>
+            <a:off x="6216094" y="6049386"/>
             <a:ext cx="2176563" cy="322730"/>
           </a:xfrm>
           <a:prstGeom prst="rect">
@@ -19538,7 +19538,7 @@
         </p:nvCxnSpPr>
         <p:spPr>
           <a:xfrm>
-            <a:off x="6464335" y="4586368"/>
+            <a:off x="6111142" y="4586368"/>
             <a:ext cx="0" cy="448235"/>
           </a:xfrm>
           <a:prstGeom prst="straightConnector1">
@@ -19580,7 +19580,7 @@
             </p:nvSpPr>
             <p:spPr>
               <a:xfrm>
-                <a:off x="5973959" y="4586368"/>
+                <a:off x="5620766" y="4586368"/>
                 <a:ext cx="527196" cy="369332"/>
               </a:xfrm>
               <a:prstGeom prst="rect">
@@ -19651,7 +19651,7 @@
             </p:nvSpPr>
             <p:spPr>
               <a:xfrm>
-                <a:off x="5973959" y="4586368"/>
+                <a:off x="5620766" y="4586368"/>
                 <a:ext cx="527196" cy="369332"/>
               </a:xfrm>
               <a:prstGeom prst="rect">
@@ -19695,7 +19695,7 @@
         </p:nvCxnSpPr>
         <p:spPr>
           <a:xfrm>
-            <a:off x="6589839" y="4451897"/>
+            <a:off x="6236646" y="4451897"/>
             <a:ext cx="2156011" cy="0"/>
           </a:xfrm>
           <a:prstGeom prst="straightConnector1">
@@ -19737,7 +19737,7 @@
             </p:nvSpPr>
             <p:spPr>
               <a:xfrm>
-                <a:off x="6934308" y="4076870"/>
+                <a:off x="6581115" y="4076870"/>
                 <a:ext cx="1301318" cy="369332"/>
               </a:xfrm>
               <a:prstGeom prst="rect">
@@ -19826,7 +19826,7 @@
             </p:nvSpPr>
             <p:spPr>
               <a:xfrm>
-                <a:off x="6934308" y="4076870"/>
+                <a:off x="6581115" y="4076870"/>
                 <a:ext cx="1301318" cy="369332"/>
               </a:xfrm>
               <a:prstGeom prst="rect">
@@ -19870,7 +19870,7 @@
             </p:nvSpPr>
             <p:spPr>
               <a:xfrm>
-                <a:off x="5872714" y="3654031"/>
+                <a:off x="5519521" y="3654031"/>
                 <a:ext cx="4398705" cy="369332"/>
               </a:xfrm>
               <a:prstGeom prst="rect">
@@ -19951,7 +19951,7 @@
             </p:nvSpPr>
             <p:spPr>
               <a:xfrm>
-                <a:off x="5872714" y="3654031"/>
+                <a:off x="5519521" y="3654031"/>
                 <a:ext cx="4398705" cy="369332"/>
               </a:xfrm>
               <a:prstGeom prst="rect">
@@ -19960,7 +19960,7 @@
               <a:blipFill>
                 <a:blip r:embed="rId9"/>
                 <a:stretch>
-                  <a:fillRect l="-862" t="-10345" b="-24138"/>
+                  <a:fillRect l="-1153" t="-10345" b="-24138"/>
                 </a:stretch>
               </a:blipFill>
             </p:spPr>
@@ -19993,7 +19993,7 @@
         </p:nvSpPr>
         <p:spPr>
           <a:xfrm>
-            <a:off x="8938381" y="4506574"/>
+            <a:off x="8585188" y="4506574"/>
             <a:ext cx="45719" cy="1963264"/>
           </a:xfrm>
           <a:prstGeom prst="rightBrace">
@@ -20037,7 +20037,7 @@
         </p:nvSpPr>
         <p:spPr>
           <a:xfrm>
-            <a:off x="8984100" y="5303540"/>
+            <a:off x="8630907" y="5303540"/>
             <a:ext cx="304892" cy="369332"/>
           </a:xfrm>
           <a:prstGeom prst="rect">
@@ -20102,7 +20102,7 @@
         </p:nvSpPr>
         <p:spPr>
           <a:xfrm>
-            <a:off x="856422" y="3102666"/>
+            <a:off x="596744" y="1471043"/>
             <a:ext cx="1712259" cy="896470"/>
           </a:xfrm>
           <a:prstGeom prst="rect">
@@ -20162,7 +20162,7 @@
         </p:nvCxnSpPr>
         <p:spPr>
           <a:xfrm>
-            <a:off x="632304" y="3102666"/>
+            <a:off x="372626" y="1471043"/>
             <a:ext cx="0" cy="896470"/>
           </a:xfrm>
           <a:prstGeom prst="straightConnector1">
@@ -20202,7 +20202,7 @@
         </p:nvSpPr>
         <p:spPr>
           <a:xfrm>
-            <a:off x="250468" y="3366235"/>
+            <a:off x="-9210" y="1734612"/>
             <a:ext cx="381836" cy="369332"/>
           </a:xfrm>
           <a:prstGeom prst="rect">
@@ -20237,7 +20237,7 @@
         </p:nvCxnSpPr>
         <p:spPr>
           <a:xfrm>
-            <a:off x="856422" y="2860619"/>
+            <a:off x="596744" y="1228996"/>
             <a:ext cx="1712259" cy="0"/>
           </a:xfrm>
           <a:prstGeom prst="straightConnector1">
@@ -20277,7 +20277,7 @@
         </p:nvSpPr>
         <p:spPr>
           <a:xfrm>
-            <a:off x="1571326" y="2499363"/>
+            <a:off x="1311648" y="867740"/>
             <a:ext cx="282450" cy="369332"/>
           </a:xfrm>
           <a:prstGeom prst="rect">
@@ -20312,7 +20312,7 @@
         </p:nvSpPr>
         <p:spPr>
           <a:xfrm>
-            <a:off x="3733200" y="2111853"/>
+            <a:off x="978170" y="3718794"/>
             <a:ext cx="907166" cy="896470"/>
           </a:xfrm>
           <a:prstGeom prst="rect">
@@ -20372,7 +20372,7 @@
         </p:nvSpPr>
         <p:spPr>
           <a:xfrm>
-            <a:off x="3733200" y="3160719"/>
+            <a:off x="978170" y="4767660"/>
             <a:ext cx="907166" cy="896470"/>
           </a:xfrm>
           <a:prstGeom prst="rect">
@@ -20432,7 +20432,7 @@
         </p:nvSpPr>
         <p:spPr>
           <a:xfrm>
-            <a:off x="3733200" y="4209585"/>
+            <a:off x="978170" y="5816526"/>
             <a:ext cx="907166" cy="896470"/>
           </a:xfrm>
           <a:prstGeom prst="rect">
@@ -20494,7 +20494,7 @@
         </p:nvCxnSpPr>
         <p:spPr>
           <a:xfrm>
-            <a:off x="3580800" y="2111853"/>
+            <a:off x="825770" y="3718794"/>
             <a:ext cx="0" cy="896470"/>
           </a:xfrm>
           <a:prstGeom prst="straightConnector1">
@@ -20536,7 +20536,7 @@
             </p:nvSpPr>
             <p:spPr>
               <a:xfrm rot="16200000">
-                <a:off x="2857124" y="2402313"/>
+                <a:off x="102094" y="4009254"/>
                 <a:ext cx="1031373" cy="369332"/>
               </a:xfrm>
               <a:prstGeom prst="rect">
@@ -20619,7 +20619,7 @@
             </p:nvSpPr>
             <p:spPr>
               <a:xfrm rot="16200000">
-                <a:off x="2857124" y="2402313"/>
+                <a:off x="102094" y="4009254"/>
                 <a:ext cx="1031373" cy="369332"/>
               </a:xfrm>
               <a:prstGeom prst="rect">
@@ -20663,7 +20663,7 @@
         </p:nvCxnSpPr>
         <p:spPr>
           <a:xfrm>
-            <a:off x="3708452" y="1977382"/>
+            <a:off x="953422" y="3584323"/>
             <a:ext cx="907167" cy="0"/>
           </a:xfrm>
           <a:prstGeom prst="straightConnector1">
@@ -20705,7 +20705,7 @@
             </p:nvSpPr>
             <p:spPr>
               <a:xfrm>
-                <a:off x="3938361" y="1600187"/>
+                <a:off x="1219380" y="3241833"/>
                 <a:ext cx="466986" cy="369332"/>
               </a:xfrm>
               <a:prstGeom prst="rect">
@@ -20776,7 +20776,7 @@
             </p:nvSpPr>
             <p:spPr>
               <a:xfrm>
-                <a:off x="3938361" y="1600187"/>
+                <a:off x="1219380" y="3241833"/>
                 <a:ext cx="466986" cy="369332"/>
               </a:xfrm>
               <a:prstGeom prst="rect">
@@ -20818,7 +20818,7 @@
         </p:nvSpPr>
         <p:spPr>
           <a:xfrm>
-            <a:off x="3444475" y="1273649"/>
+            <a:off x="654494" y="317780"/>
             <a:ext cx="1921745" cy="369332"/>
           </a:xfrm>
           <a:prstGeom prst="rect">
@@ -20855,7 +20855,7 @@
             </p:nvSpPr>
             <p:spPr>
               <a:xfrm>
-                <a:off x="6530739" y="123507"/>
+                <a:off x="3492818" y="2822645"/>
                 <a:ext cx="4265655" cy="369332"/>
               </a:xfrm>
               <a:prstGeom prst="rect">
@@ -20936,7 +20936,7 @@
             </p:nvSpPr>
             <p:spPr>
               <a:xfrm>
-                <a:off x="6530739" y="123507"/>
+                <a:off x="3492818" y="2822645"/>
                 <a:ext cx="4265655" cy="369332"/>
               </a:xfrm>
               <a:prstGeom prst="rect">
@@ -20945,7 +20945,7 @@
               <a:blipFill>
                 <a:blip r:embed="rId4"/>
                 <a:stretch>
-                  <a:fillRect l="-890" t="-6667" b="-23333"/>
+                  <a:fillRect l="-890" t="-3333" b="-26667"/>
                 </a:stretch>
               </a:blipFill>
             </p:spPr>
@@ -20978,7 +20978,7 @@
         </p:nvSpPr>
         <p:spPr>
           <a:xfrm>
-            <a:off x="7291918" y="961712"/>
+            <a:off x="4381729" y="3691206"/>
             <a:ext cx="2291251" cy="495308"/>
           </a:xfrm>
           <a:prstGeom prst="rect">
@@ -21038,7 +21038,7 @@
         </p:nvSpPr>
         <p:spPr>
           <a:xfrm>
-            <a:off x="7291918" y="1582051"/>
+            <a:off x="4381729" y="4311545"/>
             <a:ext cx="2291251" cy="495308"/>
           </a:xfrm>
           <a:prstGeom prst="rect">
@@ -21098,7 +21098,7 @@
         </p:nvSpPr>
         <p:spPr>
           <a:xfrm>
-            <a:off x="7291918" y="2176657"/>
+            <a:off x="4381729" y="4906151"/>
             <a:ext cx="2291251" cy="495308"/>
           </a:xfrm>
           <a:prstGeom prst="rect">
@@ -21160,7 +21160,7 @@
         </p:nvCxnSpPr>
         <p:spPr>
           <a:xfrm>
-            <a:off x="7139519" y="961711"/>
+            <a:off x="4229330" y="3691205"/>
             <a:ext cx="0" cy="896470"/>
           </a:xfrm>
           <a:prstGeom prst="straightConnector1">
@@ -21202,7 +21202,7 @@
             </p:nvSpPr>
             <p:spPr>
               <a:xfrm rot="16200000">
-                <a:off x="6276416" y="1252171"/>
+                <a:off x="3366227" y="3981665"/>
                 <a:ext cx="1310230" cy="369332"/>
               </a:xfrm>
               <a:prstGeom prst="rect">
@@ -21291,7 +21291,7 @@
             </p:nvSpPr>
             <p:spPr>
               <a:xfrm rot="16200000">
-                <a:off x="6276416" y="1252171"/>
+                <a:off x="3366227" y="3981665"/>
                 <a:ext cx="1310230" cy="369332"/>
               </a:xfrm>
               <a:prstGeom prst="rect">
@@ -21335,7 +21335,7 @@
         </p:nvCxnSpPr>
         <p:spPr>
           <a:xfrm>
-            <a:off x="7291918" y="827240"/>
+            <a:off x="4381729" y="3556734"/>
             <a:ext cx="2291251" cy="0"/>
           </a:xfrm>
           <a:prstGeom prst="straightConnector1">
@@ -21377,7 +21377,7 @@
             </p:nvSpPr>
             <p:spPr>
               <a:xfrm>
-                <a:off x="8335895" y="475374"/>
+                <a:off x="5305523" y="3165605"/>
                 <a:ext cx="466986" cy="369332"/>
               </a:xfrm>
               <a:prstGeom prst="rect">
@@ -21448,7 +21448,7 @@
             </p:nvSpPr>
             <p:spPr>
               <a:xfrm>
-                <a:off x="8335895" y="475374"/>
+                <a:off x="5305523" y="3165605"/>
                 <a:ext cx="466986" cy="369332"/>
               </a:xfrm>
               <a:prstGeom prst="rect">
@@ -21490,7 +21490,7 @@
         </p:nvSpPr>
         <p:spPr>
           <a:xfrm>
-            <a:off x="4802208" y="2121034"/>
+            <a:off x="2047178" y="3727975"/>
             <a:ext cx="55828" cy="3012130"/>
           </a:xfrm>
           <a:prstGeom prst="rightBrace">
@@ -21534,7 +21534,7 @@
         </p:nvSpPr>
         <p:spPr>
           <a:xfrm>
-            <a:off x="4858036" y="3442433"/>
+            <a:off x="2147559" y="5049374"/>
             <a:ext cx="372307" cy="369332"/>
           </a:xfrm>
           <a:prstGeom prst="rect">
@@ -21569,7 +21569,7 @@
         </p:nvSpPr>
         <p:spPr>
           <a:xfrm>
-            <a:off x="9758890" y="781722"/>
+            <a:off x="6848701" y="3511216"/>
             <a:ext cx="45719" cy="1963264"/>
           </a:xfrm>
           <a:prstGeom prst="rightBrace">
@@ -21613,7 +21613,7 @@
         </p:nvSpPr>
         <p:spPr>
           <a:xfrm>
-            <a:off x="9804609" y="1578688"/>
+            <a:off x="6894420" y="4308182"/>
             <a:ext cx="304892" cy="369332"/>
           </a:xfrm>
           <a:prstGeom prst="rect">
@@ -21650,7 +21650,7 @@
             </p:nvSpPr>
             <p:spPr>
               <a:xfrm>
-                <a:off x="6429090" y="2860619"/>
+                <a:off x="7810272" y="2822477"/>
                 <a:ext cx="4265655" cy="369332"/>
               </a:xfrm>
               <a:prstGeom prst="rect">
@@ -21731,7 +21731,7 @@
             </p:nvSpPr>
             <p:spPr>
               <a:xfrm>
-                <a:off x="6429090" y="2860619"/>
+                <a:off x="7810272" y="2822477"/>
                 <a:ext cx="4265655" cy="369332"/>
               </a:xfrm>
               <a:prstGeom prst="rect">
@@ -21773,7 +21773,7 @@
         </p:nvSpPr>
         <p:spPr>
           <a:xfrm>
-            <a:off x="7183155" y="3662084"/>
+            <a:off x="10088385" y="3625990"/>
             <a:ext cx="671862" cy="939802"/>
           </a:xfrm>
           <a:prstGeom prst="rect">
@@ -21833,7 +21833,7 @@
         </p:nvSpPr>
         <p:spPr>
           <a:xfrm>
-            <a:off x="7190270" y="4689728"/>
+            <a:off x="10095500" y="4653634"/>
             <a:ext cx="671862" cy="939802"/>
           </a:xfrm>
           <a:prstGeom prst="rect">
@@ -21893,7 +21893,7 @@
         </p:nvSpPr>
         <p:spPr>
           <a:xfrm>
-            <a:off x="7190270" y="5717373"/>
+            <a:off x="10095500" y="5681279"/>
             <a:ext cx="671862" cy="939802"/>
           </a:xfrm>
           <a:prstGeom prst="rect">
@@ -21955,7 +21955,7 @@
         </p:nvCxnSpPr>
         <p:spPr>
           <a:xfrm>
-            <a:off x="7037870" y="3698823"/>
+            <a:off x="9943100" y="3662729"/>
             <a:ext cx="0" cy="896470"/>
           </a:xfrm>
           <a:prstGeom prst="straightConnector1">
@@ -21997,7 +21997,7 @@
             </p:nvSpPr>
             <p:spPr>
               <a:xfrm rot="16200000">
-                <a:off x="6174767" y="3989283"/>
+                <a:off x="9079997" y="3953189"/>
                 <a:ext cx="1310230" cy="369332"/>
               </a:xfrm>
               <a:prstGeom prst="rect">
@@ -22086,7 +22086,7 @@
             </p:nvSpPr>
             <p:spPr>
               <a:xfrm rot="16200000">
-                <a:off x="6174767" y="3989283"/>
+                <a:off x="9079997" y="3953189"/>
                 <a:ext cx="1310230" cy="369332"/>
               </a:xfrm>
               <a:prstGeom prst="rect">
@@ -22130,7 +22130,7 @@
         </p:nvCxnSpPr>
         <p:spPr>
           <a:xfrm>
-            <a:off x="7190269" y="3564352"/>
+            <a:off x="10095499" y="3528258"/>
             <a:ext cx="664748" cy="0"/>
           </a:xfrm>
           <a:prstGeom prst="straightConnector1">
@@ -22172,7 +22172,7 @@
             </p:nvSpPr>
             <p:spPr>
               <a:xfrm>
-                <a:off x="7304063" y="3217734"/>
+                <a:off x="10209293" y="3181640"/>
                 <a:ext cx="466986" cy="369332"/>
               </a:xfrm>
               <a:prstGeom prst="rect">
@@ -22243,7 +22243,7 @@
             </p:nvSpPr>
             <p:spPr>
               <a:xfrm>
-                <a:off x="7304063" y="3217734"/>
+                <a:off x="10209293" y="3181640"/>
                 <a:ext cx="466986" cy="369332"/>
               </a:xfrm>
               <a:prstGeom prst="rect">
@@ -22285,7 +22285,7 @@
         </p:nvSpPr>
         <p:spPr>
           <a:xfrm>
-            <a:off x="7977904" y="3662083"/>
+            <a:off x="10883134" y="3625989"/>
             <a:ext cx="45719" cy="2995092"/>
           </a:xfrm>
           <a:prstGeom prst="rightBrace">
@@ -22329,7 +22329,7 @@
         </p:nvSpPr>
         <p:spPr>
           <a:xfrm>
-            <a:off x="8022457" y="4973255"/>
+            <a:off x="10927687" y="4937161"/>
             <a:ext cx="304892" cy="369332"/>
           </a:xfrm>
           <a:prstGeom prst="rect">

--- a/images/images.pptx
+++ b/images/images.pptx
@@ -12,6 +12,7 @@
     <p:sldId id="264" r:id="rId6"/>
     <p:sldId id="265" r:id="rId7"/>
     <p:sldId id="259" r:id="rId8"/>
+    <p:sldId id="266" r:id="rId9"/>
   </p:sldIdLst>
   <p:sldSz cx="12192000" cy="6858000"/>
   <p:notesSz cx="6858000" cy="9144000"/>
@@ -29622,6 +29623,1611 @@
 </p:sld>
 </file>
 
+<file path=ppt/slides/slide8.xml><?xml version="1.0" encoding="utf-8"?>
+<p:sld xmlns:a="http://schemas.openxmlformats.org/drawingml/2006/main" xmlns:r="http://schemas.openxmlformats.org/officeDocument/2006/relationships" xmlns:p="http://schemas.openxmlformats.org/presentationml/2006/main">
+  <p:cSld>
+    <p:spTree>
+      <p:nvGrpSpPr>
+        <p:cNvPr id="1" name=""/>
+        <p:cNvGrpSpPr/>
+        <p:nvPr/>
+      </p:nvGrpSpPr>
+      <p:grpSpPr>
+        <a:xfrm>
+          <a:off x="0" y="0"/>
+          <a:ext cx="0" cy="0"/>
+          <a:chOff x="0" y="0"/>
+          <a:chExt cx="0" cy="0"/>
+        </a:xfrm>
+      </p:grpSpPr>
+      <mc:AlternateContent xmlns:mc="http://schemas.openxmlformats.org/markup-compatibility/2006">
+        <mc:Choice xmlns:a14="http://schemas.microsoft.com/office/drawing/2010/main" Requires="a14">
+          <p:sp>
+            <p:nvSpPr>
+              <p:cNvPr id="112" name="Rectangle 111">
+                <a:extLst>
+                  <a:ext uri="{FF2B5EF4-FFF2-40B4-BE49-F238E27FC236}">
+                    <a16:creationId xmlns:a16="http://schemas.microsoft.com/office/drawing/2014/main" id="{B644517A-F991-C946-93D8-DD0AFF6C381F}"/>
+                  </a:ext>
+                </a:extLst>
+              </p:cNvPr>
+              <p:cNvSpPr/>
+              <p:nvPr/>
+            </p:nvSpPr>
+            <p:spPr>
+              <a:xfrm>
+                <a:off x="1750181" y="995459"/>
+                <a:ext cx="448236" cy="497542"/>
+              </a:xfrm>
+              <a:prstGeom prst="rect">
+                <a:avLst/>
+              </a:prstGeom>
+              <a:solidFill>
+                <a:schemeClr val="accent4">
+                  <a:lumMod val="40000"/>
+                  <a:lumOff val="60000"/>
+                </a:schemeClr>
+              </a:solidFill>
+              <a:ln>
+                <a:solidFill>
+                  <a:schemeClr val="accent4">
+                    <a:lumMod val="60000"/>
+                    <a:lumOff val="40000"/>
+                  </a:schemeClr>
+                </a:solidFill>
+              </a:ln>
+            </p:spPr>
+            <p:style>
+              <a:lnRef idx="2">
+                <a:schemeClr val="accent1">
+                  <a:shade val="50000"/>
+                </a:schemeClr>
+              </a:lnRef>
+              <a:fillRef idx="1">
+                <a:schemeClr val="accent1"/>
+              </a:fillRef>
+              <a:effectRef idx="0">
+                <a:schemeClr val="accent1"/>
+              </a:effectRef>
+              <a:fontRef idx="minor">
+                <a:schemeClr val="lt1"/>
+              </a:fontRef>
+            </p:style>
+            <p:txBody>
+              <a:bodyPr lIns="182880" rIns="91440" rtlCol="0" anchor="ctr"/>
+              <a:lstStyle/>
+              <a:p>
+                <a:pPr algn="ctr"/>
+                <a14:m>
+                  <m:oMathPara xmlns:m="http://schemas.openxmlformats.org/officeDocument/2006/math">
+                    <m:oMathParaPr>
+                      <m:jc m:val="centerGroup"/>
+                    </m:oMathParaPr>
+                    <m:oMath xmlns:m="http://schemas.openxmlformats.org/officeDocument/2006/math">
+                      <m:sSub>
+                        <m:sSubPr>
+                          <m:ctrlPr>
+                            <a:rPr lang="en-US" i="1" dirty="0" smtClean="0">
+                              <a:solidFill>
+                                <a:schemeClr val="tx1"/>
+                              </a:solidFill>
+                              <a:latin typeface="Cambria Math" panose="02040503050406030204" pitchFamily="18" charset="0"/>
+                            </a:rPr>
+                          </m:ctrlPr>
+                        </m:sSubPr>
+                        <m:e>
+                          <m:r>
+                            <a:rPr lang="es-ES" i="1" dirty="0">
+                              <a:solidFill>
+                                <a:schemeClr val="tx1"/>
+                              </a:solidFill>
+                              <a:latin typeface="Cambria Math" panose="02040503050406030204" pitchFamily="18" charset="0"/>
+                            </a:rPr>
+                            <m:t>𝑉</m:t>
+                          </m:r>
+                        </m:e>
+                        <m:sub>
+                          <m:r>
+                            <a:rPr lang="es-ES" i="1" dirty="0">
+                              <a:solidFill>
+                                <a:schemeClr val="tx1"/>
+                              </a:solidFill>
+                              <a:latin typeface="Cambria Math" panose="02040503050406030204" pitchFamily="18" charset="0"/>
+                            </a:rPr>
+                            <m:t>𝑚</m:t>
+                          </m:r>
+                        </m:sub>
+                      </m:sSub>
+                    </m:oMath>
+                  </m:oMathPara>
+                </a14:m>
+                <a:endParaRPr lang="en-US" dirty="0">
+                  <a:solidFill>
+                    <a:schemeClr val="tx1"/>
+                  </a:solidFill>
+                </a:endParaRPr>
+              </a:p>
+            </p:txBody>
+          </p:sp>
+        </mc:Choice>
+        <mc:Fallback>
+          <p:sp>
+            <p:nvSpPr>
+              <p:cNvPr id="112" name="Rectangle 111">
+                <a:extLst>
+                  <a:ext uri="{FF2B5EF4-FFF2-40B4-BE49-F238E27FC236}">
+                    <a16:creationId xmlns:a16="http://schemas.microsoft.com/office/drawing/2014/main" id="{B644517A-F991-C946-93D8-DD0AFF6C381F}"/>
+                  </a:ext>
+                </a:extLst>
+              </p:cNvPr>
+              <p:cNvSpPr>
+                <a:spLocks noRot="1" noChangeAspect="1" noMove="1" noResize="1" noEditPoints="1" noAdjustHandles="1" noChangeArrowheads="1" noChangeShapeType="1" noTextEdit="1"/>
+              </p:cNvSpPr>
+              <p:nvPr/>
+            </p:nvSpPr>
+            <p:spPr>
+              <a:xfrm>
+                <a:off x="1750181" y="995459"/>
+                <a:ext cx="448236" cy="497542"/>
+              </a:xfrm>
+              <a:prstGeom prst="rect">
+                <a:avLst/>
+              </a:prstGeom>
+              <a:blipFill>
+                <a:blip r:embed="rId2"/>
+                <a:stretch>
+                  <a:fillRect/>
+                </a:stretch>
+              </a:blipFill>
+              <a:ln>
+                <a:solidFill>
+                  <a:schemeClr val="accent4">
+                    <a:lumMod val="60000"/>
+                    <a:lumOff val="40000"/>
+                  </a:schemeClr>
+                </a:solidFill>
+              </a:ln>
+            </p:spPr>
+            <p:txBody>
+              <a:bodyPr/>
+              <a:lstStyle/>
+              <a:p>
+                <a:r>
+                  <a:rPr lang="en-US">
+                    <a:noFill/>
+                  </a:rPr>
+                  <a:t> </a:t>
+                </a:r>
+              </a:p>
+            </p:txBody>
+          </p:sp>
+        </mc:Fallback>
+      </mc:AlternateContent>
+      <mc:AlternateContent xmlns:mc="http://schemas.openxmlformats.org/markup-compatibility/2006">
+        <mc:Choice xmlns:a14="http://schemas.microsoft.com/office/drawing/2010/main" Requires="a14">
+          <p:sp>
+            <p:nvSpPr>
+              <p:cNvPr id="113" name="Rectangle 112">
+                <a:extLst>
+                  <a:ext uri="{FF2B5EF4-FFF2-40B4-BE49-F238E27FC236}">
+                    <a16:creationId xmlns:a16="http://schemas.microsoft.com/office/drawing/2014/main" id="{E3B67087-7958-CC4F-AA4A-B3A8600C0968}"/>
+                  </a:ext>
+                </a:extLst>
+              </p:cNvPr>
+              <p:cNvSpPr/>
+              <p:nvPr/>
+            </p:nvSpPr>
+            <p:spPr>
+              <a:xfrm>
+                <a:off x="1750181" y="1571246"/>
+                <a:ext cx="448236" cy="497542"/>
+              </a:xfrm>
+              <a:prstGeom prst="rect">
+                <a:avLst/>
+              </a:prstGeom>
+              <a:solidFill>
+                <a:schemeClr val="accent6">
+                  <a:lumMod val="40000"/>
+                  <a:lumOff val="60000"/>
+                </a:schemeClr>
+              </a:solidFill>
+              <a:ln>
+                <a:solidFill>
+                  <a:schemeClr val="accent6">
+                    <a:lumMod val="60000"/>
+                    <a:lumOff val="40000"/>
+                  </a:schemeClr>
+                </a:solidFill>
+              </a:ln>
+            </p:spPr>
+            <p:style>
+              <a:lnRef idx="2">
+                <a:schemeClr val="accent1">
+                  <a:shade val="50000"/>
+                </a:schemeClr>
+              </a:lnRef>
+              <a:fillRef idx="1">
+                <a:schemeClr val="accent1"/>
+              </a:fillRef>
+              <a:effectRef idx="0">
+                <a:schemeClr val="accent1"/>
+              </a:effectRef>
+              <a:fontRef idx="minor">
+                <a:schemeClr val="lt1"/>
+              </a:fontRef>
+            </p:style>
+            <p:txBody>
+              <a:bodyPr lIns="182880" rIns="91440" rtlCol="0" anchor="ctr"/>
+              <a:lstStyle/>
+              <a:p>
+                <a:pPr algn="ctr"/>
+                <a14:m>
+                  <m:oMathPara xmlns:m="http://schemas.openxmlformats.org/officeDocument/2006/math">
+                    <m:oMathParaPr>
+                      <m:jc m:val="centerGroup"/>
+                    </m:oMathParaPr>
+                    <m:oMath xmlns:m="http://schemas.openxmlformats.org/officeDocument/2006/math">
+                      <m:sSup>
+                        <m:sSupPr>
+                          <m:ctrlPr>
+                            <a:rPr lang="en-US" i="1" smtClean="0">
+                              <a:solidFill>
+                                <a:schemeClr val="tx1"/>
+                              </a:solidFill>
+                              <a:latin typeface="Cambria Math" panose="02040503050406030204" pitchFamily="18" charset="0"/>
+                            </a:rPr>
+                          </m:ctrlPr>
+                        </m:sSupPr>
+                        <m:e>
+                          <m:r>
+                            <a:rPr lang="es-ES" i="1">
+                              <a:solidFill>
+                                <a:schemeClr val="tx1"/>
+                              </a:solidFill>
+                              <a:latin typeface="Cambria Math" panose="02040503050406030204" pitchFamily="18" charset="0"/>
+                            </a:rPr>
+                            <m:t>𝑊</m:t>
+                          </m:r>
+                        </m:e>
+                        <m:sup>
+                          <m:r>
+                            <a:rPr lang="es-ES" i="1">
+                              <a:solidFill>
+                                <a:schemeClr val="tx1"/>
+                              </a:solidFill>
+                              <a:latin typeface="Cambria Math" panose="02040503050406030204" pitchFamily="18" charset="0"/>
+                            </a:rPr>
+                            <m:t>𝑙</m:t>
+                          </m:r>
+                        </m:sup>
+                      </m:sSup>
+                    </m:oMath>
+                  </m:oMathPara>
+                </a14:m>
+                <a:endParaRPr lang="en-US" dirty="0">
+                  <a:solidFill>
+                    <a:schemeClr val="tx1"/>
+                  </a:solidFill>
+                </a:endParaRPr>
+              </a:p>
+            </p:txBody>
+          </p:sp>
+        </mc:Choice>
+        <mc:Fallback>
+          <p:sp>
+            <p:nvSpPr>
+              <p:cNvPr id="113" name="Rectangle 112">
+                <a:extLst>
+                  <a:ext uri="{FF2B5EF4-FFF2-40B4-BE49-F238E27FC236}">
+                    <a16:creationId xmlns:a16="http://schemas.microsoft.com/office/drawing/2014/main" id="{E3B67087-7958-CC4F-AA4A-B3A8600C0968}"/>
+                  </a:ext>
+                </a:extLst>
+              </p:cNvPr>
+              <p:cNvSpPr>
+                <a:spLocks noRot="1" noChangeAspect="1" noMove="1" noResize="1" noEditPoints="1" noAdjustHandles="1" noChangeArrowheads="1" noChangeShapeType="1" noTextEdit="1"/>
+              </p:cNvSpPr>
+              <p:nvPr/>
+            </p:nvSpPr>
+            <p:spPr>
+              <a:xfrm>
+                <a:off x="1750181" y="1571246"/>
+                <a:ext cx="448236" cy="497542"/>
+              </a:xfrm>
+              <a:prstGeom prst="rect">
+                <a:avLst/>
+              </a:prstGeom>
+              <a:blipFill>
+                <a:blip r:embed="rId3"/>
+                <a:stretch>
+                  <a:fillRect/>
+                </a:stretch>
+              </a:blipFill>
+              <a:ln>
+                <a:solidFill>
+                  <a:schemeClr val="accent6">
+                    <a:lumMod val="60000"/>
+                    <a:lumOff val="40000"/>
+                  </a:schemeClr>
+                </a:solidFill>
+              </a:ln>
+            </p:spPr>
+            <p:txBody>
+              <a:bodyPr/>
+              <a:lstStyle/>
+              <a:p>
+                <a:r>
+                  <a:rPr lang="en-US">
+                    <a:noFill/>
+                  </a:rPr>
+                  <a:t> </a:t>
+                </a:r>
+              </a:p>
+            </p:txBody>
+          </p:sp>
+        </mc:Fallback>
+      </mc:AlternateContent>
+      <mc:AlternateContent xmlns:mc="http://schemas.openxmlformats.org/markup-compatibility/2006">
+        <mc:Choice xmlns:a14="http://schemas.microsoft.com/office/drawing/2010/main" Requires="a14">
+          <p:sp>
+            <p:nvSpPr>
+              <p:cNvPr id="114" name="Rectangle 113">
+                <a:extLst>
+                  <a:ext uri="{FF2B5EF4-FFF2-40B4-BE49-F238E27FC236}">
+                    <a16:creationId xmlns:a16="http://schemas.microsoft.com/office/drawing/2014/main" id="{0634C613-509B-634F-A1DA-83322729F34B}"/>
+                  </a:ext>
+                </a:extLst>
+              </p:cNvPr>
+              <p:cNvSpPr/>
+              <p:nvPr/>
+            </p:nvSpPr>
+            <p:spPr>
+              <a:xfrm>
+                <a:off x="1748669" y="2142077"/>
+                <a:ext cx="448236" cy="497542"/>
+              </a:xfrm>
+              <a:prstGeom prst="rect">
+                <a:avLst/>
+              </a:prstGeom>
+              <a:solidFill>
+                <a:schemeClr val="accent2">
+                  <a:lumMod val="40000"/>
+                  <a:lumOff val="60000"/>
+                </a:schemeClr>
+              </a:solidFill>
+              <a:ln>
+                <a:solidFill>
+                  <a:schemeClr val="accent2">
+                    <a:lumMod val="60000"/>
+                    <a:lumOff val="40000"/>
+                  </a:schemeClr>
+                </a:solidFill>
+              </a:ln>
+            </p:spPr>
+            <p:style>
+              <a:lnRef idx="2">
+                <a:schemeClr val="accent1">
+                  <a:shade val="50000"/>
+                </a:schemeClr>
+              </a:lnRef>
+              <a:fillRef idx="1">
+                <a:schemeClr val="accent1"/>
+              </a:fillRef>
+              <a:effectRef idx="0">
+                <a:schemeClr val="accent1"/>
+              </a:effectRef>
+              <a:fontRef idx="minor">
+                <a:schemeClr val="lt1"/>
+              </a:fontRef>
+            </p:style>
+            <p:txBody>
+              <a:bodyPr lIns="182880" rIns="91440" rtlCol="0" anchor="ctr"/>
+              <a:lstStyle/>
+              <a:p>
+                <a:pPr algn="ctr"/>
+                <a14:m>
+                  <m:oMathPara xmlns:m="http://schemas.openxmlformats.org/officeDocument/2006/math">
+                    <m:oMathParaPr>
+                      <m:jc m:val="centerGroup"/>
+                    </m:oMathParaPr>
+                    <m:oMath xmlns:m="http://schemas.openxmlformats.org/officeDocument/2006/math">
+                      <m:r>
+                        <a:rPr lang="es-ES" b="0" i="1" smtClean="0">
+                          <a:solidFill>
+                            <a:schemeClr val="tx1"/>
+                          </a:solidFill>
+                          <a:latin typeface="Cambria Math" panose="02040503050406030204" pitchFamily="18" charset="0"/>
+                        </a:rPr>
+                        <m:t>𝐶</m:t>
+                      </m:r>
+                    </m:oMath>
+                  </m:oMathPara>
+                </a14:m>
+                <a:endParaRPr lang="en-US" dirty="0"/>
+              </a:p>
+            </p:txBody>
+          </p:sp>
+        </mc:Choice>
+        <mc:Fallback>
+          <p:sp>
+            <p:nvSpPr>
+              <p:cNvPr id="114" name="Rectangle 113">
+                <a:extLst>
+                  <a:ext uri="{FF2B5EF4-FFF2-40B4-BE49-F238E27FC236}">
+                    <a16:creationId xmlns:a16="http://schemas.microsoft.com/office/drawing/2014/main" id="{0634C613-509B-634F-A1DA-83322729F34B}"/>
+                  </a:ext>
+                </a:extLst>
+              </p:cNvPr>
+              <p:cNvSpPr>
+                <a:spLocks noRot="1" noChangeAspect="1" noMove="1" noResize="1" noEditPoints="1" noAdjustHandles="1" noChangeArrowheads="1" noChangeShapeType="1" noTextEdit="1"/>
+              </p:cNvSpPr>
+              <p:nvPr/>
+            </p:nvSpPr>
+            <p:spPr>
+              <a:xfrm>
+                <a:off x="1748669" y="2142077"/>
+                <a:ext cx="448236" cy="497542"/>
+              </a:xfrm>
+              <a:prstGeom prst="rect">
+                <a:avLst/>
+              </a:prstGeom>
+              <a:blipFill>
+                <a:blip r:embed="rId4"/>
+                <a:stretch>
+                  <a:fillRect/>
+                </a:stretch>
+              </a:blipFill>
+              <a:ln>
+                <a:solidFill>
+                  <a:schemeClr val="accent2">
+                    <a:lumMod val="60000"/>
+                    <a:lumOff val="40000"/>
+                  </a:schemeClr>
+                </a:solidFill>
+              </a:ln>
+            </p:spPr>
+            <p:txBody>
+              <a:bodyPr/>
+              <a:lstStyle/>
+              <a:p>
+                <a:r>
+                  <a:rPr lang="en-US">
+                    <a:noFill/>
+                  </a:rPr>
+                  <a:t> </a:t>
+                </a:r>
+              </a:p>
+            </p:txBody>
+          </p:sp>
+        </mc:Fallback>
+      </mc:AlternateContent>
+      <p:sp>
+        <p:nvSpPr>
+          <p:cNvPr id="116" name="TextBox 115">
+            <a:extLst>
+              <a:ext uri="{FF2B5EF4-FFF2-40B4-BE49-F238E27FC236}">
+                <a16:creationId xmlns:a16="http://schemas.microsoft.com/office/drawing/2014/main" id="{D2A76362-243B-3C4A-B5D0-455D60B9A63A}"/>
+              </a:ext>
+            </a:extLst>
+          </p:cNvPr>
+          <p:cNvSpPr txBox="1"/>
+          <p:nvPr/>
+        </p:nvSpPr>
+        <p:spPr>
+          <a:xfrm>
+            <a:off x="3376508" y="626127"/>
+            <a:ext cx="864019" cy="369332"/>
+          </a:xfrm>
+          <a:prstGeom prst="rect">
+            <a:avLst/>
+          </a:prstGeom>
+          <a:noFill/>
+        </p:spPr>
+        <p:txBody>
+          <a:bodyPr wrap="none" rtlCol="0">
+            <a:spAutoFit/>
+          </a:bodyPr>
+          <a:lstStyle/>
+          <a:p>
+            <a:r>
+              <a:rPr lang="en-US" dirty="0"/>
+              <a:t>Legend</a:t>
+            </a:r>
+          </a:p>
+        </p:txBody>
+      </p:sp>
+      <p:sp>
+        <p:nvSpPr>
+          <p:cNvPr id="100" name="Rectangle 99">
+            <a:extLst>
+              <a:ext uri="{FF2B5EF4-FFF2-40B4-BE49-F238E27FC236}">
+                <a16:creationId xmlns:a16="http://schemas.microsoft.com/office/drawing/2014/main" id="{A9665318-3E26-A443-AA51-AA59490C95EC}"/>
+              </a:ext>
+            </a:extLst>
+          </p:cNvPr>
+          <p:cNvSpPr/>
+          <p:nvPr/>
+        </p:nvSpPr>
+        <p:spPr>
+          <a:xfrm>
+            <a:off x="2116001" y="2904300"/>
+            <a:ext cx="448236" cy="497542"/>
+          </a:xfrm>
+          <a:prstGeom prst="rect">
+            <a:avLst/>
+          </a:prstGeom>
+          <a:solidFill>
+            <a:schemeClr val="accent4">
+              <a:lumMod val="40000"/>
+              <a:lumOff val="60000"/>
+            </a:schemeClr>
+          </a:solidFill>
+          <a:ln>
+            <a:solidFill>
+              <a:schemeClr val="accent4">
+                <a:lumMod val="60000"/>
+                <a:lumOff val="40000"/>
+              </a:schemeClr>
+            </a:solidFill>
+          </a:ln>
+        </p:spPr>
+        <p:style>
+          <a:lnRef idx="2">
+            <a:schemeClr val="accent1">
+              <a:shade val="50000"/>
+            </a:schemeClr>
+          </a:lnRef>
+          <a:fillRef idx="1">
+            <a:schemeClr val="accent1"/>
+          </a:fillRef>
+          <a:effectRef idx="0">
+            <a:schemeClr val="accent1"/>
+          </a:effectRef>
+          <a:fontRef idx="minor">
+            <a:schemeClr val="lt1"/>
+          </a:fontRef>
+        </p:style>
+        <p:txBody>
+          <a:bodyPr rtlCol="0" anchor="ctr"/>
+          <a:lstStyle/>
+          <a:p>
+            <a:pPr algn="ctr"/>
+            <a:endParaRPr lang="en-US"/>
+          </a:p>
+        </p:txBody>
+      </p:sp>
+      <p:sp>
+        <p:nvSpPr>
+          <p:cNvPr id="101" name="Rectangle 100">
+            <a:extLst>
+              <a:ext uri="{FF2B5EF4-FFF2-40B4-BE49-F238E27FC236}">
+                <a16:creationId xmlns:a16="http://schemas.microsoft.com/office/drawing/2014/main" id="{03124A20-7C3B-AF46-A362-57E39D2C5A83}"/>
+              </a:ext>
+            </a:extLst>
+          </p:cNvPr>
+          <p:cNvSpPr/>
+          <p:nvPr/>
+        </p:nvSpPr>
+        <p:spPr>
+          <a:xfrm>
+            <a:off x="2940921" y="2904300"/>
+            <a:ext cx="448236" cy="497542"/>
+          </a:xfrm>
+          <a:prstGeom prst="rect">
+            <a:avLst/>
+          </a:prstGeom>
+          <a:solidFill>
+            <a:schemeClr val="accent6">
+              <a:lumMod val="40000"/>
+              <a:lumOff val="60000"/>
+            </a:schemeClr>
+          </a:solidFill>
+          <a:ln>
+            <a:solidFill>
+              <a:schemeClr val="accent6">
+                <a:lumMod val="60000"/>
+                <a:lumOff val="40000"/>
+              </a:schemeClr>
+            </a:solidFill>
+          </a:ln>
+        </p:spPr>
+        <p:style>
+          <a:lnRef idx="2">
+            <a:schemeClr val="accent1">
+              <a:shade val="50000"/>
+            </a:schemeClr>
+          </a:lnRef>
+          <a:fillRef idx="1">
+            <a:schemeClr val="accent1"/>
+          </a:fillRef>
+          <a:effectRef idx="0">
+            <a:schemeClr val="accent1"/>
+          </a:effectRef>
+          <a:fontRef idx="minor">
+            <a:schemeClr val="lt1"/>
+          </a:fontRef>
+        </p:style>
+        <p:txBody>
+          <a:bodyPr rtlCol="0" anchor="ctr"/>
+          <a:lstStyle/>
+          <a:p>
+            <a:pPr algn="ctr"/>
+            <a:endParaRPr lang="en-US"/>
+          </a:p>
+        </p:txBody>
+      </p:sp>
+      <p:cxnSp>
+        <p:nvCxnSpPr>
+          <p:cNvPr id="103" name="Straight Arrow Connector 102">
+            <a:extLst>
+              <a:ext uri="{FF2B5EF4-FFF2-40B4-BE49-F238E27FC236}">
+                <a16:creationId xmlns:a16="http://schemas.microsoft.com/office/drawing/2014/main" id="{ADEF5C5B-CBC5-0C47-9569-09357B83610B}"/>
+              </a:ext>
+            </a:extLst>
+          </p:cNvPr>
+          <p:cNvCxnSpPr>
+            <a:cxnSpLocks/>
+            <a:stCxn id="100" idx="3"/>
+            <a:endCxn id="101" idx="1"/>
+          </p:cNvCxnSpPr>
+          <p:nvPr/>
+        </p:nvCxnSpPr>
+        <p:spPr>
+          <a:xfrm>
+            <a:off x="2564237" y="3153071"/>
+            <a:ext cx="376684" cy="0"/>
+          </a:xfrm>
+          <a:prstGeom prst="straightConnector1">
+            <a:avLst/>
+          </a:prstGeom>
+          <a:ln>
+            <a:solidFill>
+              <a:schemeClr val="accent4">
+                <a:lumMod val="40000"/>
+                <a:lumOff val="60000"/>
+              </a:schemeClr>
+            </a:solidFill>
+            <a:tailEnd type="triangle"/>
+          </a:ln>
+        </p:spPr>
+        <p:style>
+          <a:lnRef idx="1">
+            <a:schemeClr val="accent1"/>
+          </a:lnRef>
+          <a:fillRef idx="0">
+            <a:schemeClr val="accent1"/>
+          </a:fillRef>
+          <a:effectRef idx="0">
+            <a:schemeClr val="accent1"/>
+          </a:effectRef>
+          <a:fontRef idx="minor">
+            <a:schemeClr val="tx1"/>
+          </a:fontRef>
+        </p:style>
+      </p:cxnSp>
+      <p:cxnSp>
+        <p:nvCxnSpPr>
+          <p:cNvPr id="104" name="Straight Arrow Connector 103">
+            <a:extLst>
+              <a:ext uri="{FF2B5EF4-FFF2-40B4-BE49-F238E27FC236}">
+                <a16:creationId xmlns:a16="http://schemas.microsoft.com/office/drawing/2014/main" id="{D60CBF29-3716-DA43-A453-54AAD7927240}"/>
+              </a:ext>
+            </a:extLst>
+          </p:cNvPr>
+          <p:cNvCxnSpPr>
+            <a:cxnSpLocks/>
+            <a:stCxn id="101" idx="3"/>
+            <a:endCxn id="141" idx="1"/>
+          </p:cNvCxnSpPr>
+          <p:nvPr/>
+        </p:nvCxnSpPr>
+        <p:spPr>
+          <a:xfrm>
+            <a:off x="3389157" y="3153071"/>
+            <a:ext cx="412459" cy="1"/>
+          </a:xfrm>
+          <a:prstGeom prst="straightConnector1">
+            <a:avLst/>
+          </a:prstGeom>
+          <a:ln>
+            <a:solidFill>
+              <a:schemeClr val="accent6">
+                <a:lumMod val="60000"/>
+                <a:lumOff val="40000"/>
+              </a:schemeClr>
+            </a:solidFill>
+            <a:tailEnd type="triangle"/>
+          </a:ln>
+        </p:spPr>
+        <p:style>
+          <a:lnRef idx="1">
+            <a:schemeClr val="accent1"/>
+          </a:lnRef>
+          <a:fillRef idx="0">
+            <a:schemeClr val="accent1"/>
+          </a:fillRef>
+          <a:effectRef idx="0">
+            <a:schemeClr val="accent1"/>
+          </a:effectRef>
+          <a:fontRef idx="minor">
+            <a:schemeClr val="tx1"/>
+          </a:fontRef>
+        </p:style>
+      </p:cxnSp>
+      <p:sp>
+        <p:nvSpPr>
+          <p:cNvPr id="134" name="Rectangle 133">
+            <a:extLst>
+              <a:ext uri="{FF2B5EF4-FFF2-40B4-BE49-F238E27FC236}">
+                <a16:creationId xmlns:a16="http://schemas.microsoft.com/office/drawing/2014/main" id="{3DE24562-6767-EF4D-A1D4-A020D7139082}"/>
+              </a:ext>
+            </a:extLst>
+          </p:cNvPr>
+          <p:cNvSpPr/>
+          <p:nvPr/>
+        </p:nvSpPr>
+        <p:spPr>
+          <a:xfrm>
+            <a:off x="5487231" y="2904300"/>
+            <a:ext cx="448236" cy="497542"/>
+          </a:xfrm>
+          <a:prstGeom prst="rect">
+            <a:avLst/>
+          </a:prstGeom>
+          <a:solidFill>
+            <a:schemeClr val="accent2">
+              <a:lumMod val="40000"/>
+              <a:lumOff val="60000"/>
+            </a:schemeClr>
+          </a:solidFill>
+          <a:ln>
+            <a:solidFill>
+              <a:schemeClr val="accent2">
+                <a:lumMod val="60000"/>
+                <a:lumOff val="40000"/>
+              </a:schemeClr>
+            </a:solidFill>
+          </a:ln>
+        </p:spPr>
+        <p:style>
+          <a:lnRef idx="2">
+            <a:schemeClr val="accent1">
+              <a:shade val="50000"/>
+            </a:schemeClr>
+          </a:lnRef>
+          <a:fillRef idx="1">
+            <a:schemeClr val="accent1"/>
+          </a:fillRef>
+          <a:effectRef idx="0">
+            <a:schemeClr val="accent1"/>
+          </a:effectRef>
+          <a:fontRef idx="minor">
+            <a:schemeClr val="lt1"/>
+          </a:fontRef>
+        </p:style>
+        <p:txBody>
+          <a:bodyPr rtlCol="0" anchor="ctr"/>
+          <a:lstStyle/>
+          <a:p>
+            <a:pPr algn="ctr"/>
+            <a:endParaRPr lang="en-US"/>
+          </a:p>
+        </p:txBody>
+      </p:sp>
+      <p:sp>
+        <p:nvSpPr>
+          <p:cNvPr id="141" name="Rectangle 140">
+            <a:extLst>
+              <a:ext uri="{FF2B5EF4-FFF2-40B4-BE49-F238E27FC236}">
+                <a16:creationId xmlns:a16="http://schemas.microsoft.com/office/drawing/2014/main" id="{F0160E1E-A8FB-A041-9EFB-C84F91610D45}"/>
+              </a:ext>
+            </a:extLst>
+          </p:cNvPr>
+          <p:cNvSpPr/>
+          <p:nvPr/>
+        </p:nvSpPr>
+        <p:spPr>
+          <a:xfrm>
+            <a:off x="3801616" y="2904301"/>
+            <a:ext cx="448236" cy="497542"/>
+          </a:xfrm>
+          <a:prstGeom prst="rect">
+            <a:avLst/>
+          </a:prstGeom>
+          <a:solidFill>
+            <a:schemeClr val="accent6">
+              <a:lumMod val="40000"/>
+              <a:lumOff val="60000"/>
+            </a:schemeClr>
+          </a:solidFill>
+          <a:ln>
+            <a:solidFill>
+              <a:schemeClr val="accent6">
+                <a:lumMod val="60000"/>
+                <a:lumOff val="40000"/>
+              </a:schemeClr>
+            </a:solidFill>
+          </a:ln>
+        </p:spPr>
+        <p:style>
+          <a:lnRef idx="2">
+            <a:schemeClr val="accent1">
+              <a:shade val="50000"/>
+            </a:schemeClr>
+          </a:lnRef>
+          <a:fillRef idx="1">
+            <a:schemeClr val="accent1"/>
+          </a:fillRef>
+          <a:effectRef idx="0">
+            <a:schemeClr val="accent1"/>
+          </a:effectRef>
+          <a:fontRef idx="minor">
+            <a:schemeClr val="lt1"/>
+          </a:fontRef>
+        </p:style>
+        <p:txBody>
+          <a:bodyPr rtlCol="0" anchor="ctr"/>
+          <a:lstStyle/>
+          <a:p>
+            <a:pPr algn="ctr"/>
+            <a:endParaRPr lang="en-US"/>
+          </a:p>
+        </p:txBody>
+      </p:sp>
+      <p:cxnSp>
+        <p:nvCxnSpPr>
+          <p:cNvPr id="142" name="Straight Arrow Connector 141">
+            <a:extLst>
+              <a:ext uri="{FF2B5EF4-FFF2-40B4-BE49-F238E27FC236}">
+                <a16:creationId xmlns:a16="http://schemas.microsoft.com/office/drawing/2014/main" id="{A516C72D-1F74-354D-AFB6-37E4A44A34B7}"/>
+              </a:ext>
+            </a:extLst>
+          </p:cNvPr>
+          <p:cNvCxnSpPr>
+            <a:cxnSpLocks/>
+            <a:stCxn id="141" idx="3"/>
+            <a:endCxn id="143" idx="1"/>
+          </p:cNvCxnSpPr>
+          <p:nvPr/>
+        </p:nvCxnSpPr>
+        <p:spPr>
+          <a:xfrm flipV="1">
+            <a:off x="4249852" y="3153071"/>
+            <a:ext cx="412460" cy="1"/>
+          </a:xfrm>
+          <a:prstGeom prst="straightConnector1">
+            <a:avLst/>
+          </a:prstGeom>
+          <a:ln>
+            <a:solidFill>
+              <a:schemeClr val="accent6">
+                <a:lumMod val="60000"/>
+                <a:lumOff val="40000"/>
+              </a:schemeClr>
+            </a:solidFill>
+            <a:tailEnd type="triangle"/>
+          </a:ln>
+        </p:spPr>
+        <p:style>
+          <a:lnRef idx="1">
+            <a:schemeClr val="accent1"/>
+          </a:lnRef>
+          <a:fillRef idx="0">
+            <a:schemeClr val="accent1"/>
+          </a:fillRef>
+          <a:effectRef idx="0">
+            <a:schemeClr val="accent1"/>
+          </a:effectRef>
+          <a:fontRef idx="minor">
+            <a:schemeClr val="tx1"/>
+          </a:fontRef>
+        </p:style>
+      </p:cxnSp>
+      <p:sp>
+        <p:nvSpPr>
+          <p:cNvPr id="143" name="Rectangle 142">
+            <a:extLst>
+              <a:ext uri="{FF2B5EF4-FFF2-40B4-BE49-F238E27FC236}">
+                <a16:creationId xmlns:a16="http://schemas.microsoft.com/office/drawing/2014/main" id="{BDAB4625-330F-CA4A-91DF-76CA1C5ABCC7}"/>
+              </a:ext>
+            </a:extLst>
+          </p:cNvPr>
+          <p:cNvSpPr/>
+          <p:nvPr/>
+        </p:nvSpPr>
+        <p:spPr>
+          <a:xfrm>
+            <a:off x="4662312" y="2904300"/>
+            <a:ext cx="448236" cy="497542"/>
+          </a:xfrm>
+          <a:prstGeom prst="rect">
+            <a:avLst/>
+          </a:prstGeom>
+          <a:solidFill>
+            <a:schemeClr val="accent6">
+              <a:lumMod val="40000"/>
+              <a:lumOff val="60000"/>
+            </a:schemeClr>
+          </a:solidFill>
+          <a:ln>
+            <a:solidFill>
+              <a:schemeClr val="accent6">
+                <a:lumMod val="60000"/>
+                <a:lumOff val="40000"/>
+              </a:schemeClr>
+            </a:solidFill>
+          </a:ln>
+        </p:spPr>
+        <p:style>
+          <a:lnRef idx="2">
+            <a:schemeClr val="accent1">
+              <a:shade val="50000"/>
+            </a:schemeClr>
+          </a:lnRef>
+          <a:fillRef idx="1">
+            <a:schemeClr val="accent1"/>
+          </a:fillRef>
+          <a:effectRef idx="0">
+            <a:schemeClr val="accent1"/>
+          </a:effectRef>
+          <a:fontRef idx="minor">
+            <a:schemeClr val="lt1"/>
+          </a:fontRef>
+        </p:style>
+        <p:txBody>
+          <a:bodyPr rtlCol="0" anchor="ctr"/>
+          <a:lstStyle/>
+          <a:p>
+            <a:pPr algn="ctr"/>
+            <a:endParaRPr lang="en-US"/>
+          </a:p>
+        </p:txBody>
+      </p:sp>
+      <p:cxnSp>
+        <p:nvCxnSpPr>
+          <p:cNvPr id="144" name="Straight Arrow Connector 143">
+            <a:extLst>
+              <a:ext uri="{FF2B5EF4-FFF2-40B4-BE49-F238E27FC236}">
+                <a16:creationId xmlns:a16="http://schemas.microsoft.com/office/drawing/2014/main" id="{0FBD8C3E-79F3-674A-874B-FC26BB0A6F3C}"/>
+              </a:ext>
+            </a:extLst>
+          </p:cNvPr>
+          <p:cNvCxnSpPr>
+            <a:cxnSpLocks/>
+            <a:stCxn id="143" idx="3"/>
+            <a:endCxn id="134" idx="1"/>
+          </p:cNvCxnSpPr>
+          <p:nvPr/>
+        </p:nvCxnSpPr>
+        <p:spPr>
+          <a:xfrm>
+            <a:off x="5110548" y="3153071"/>
+            <a:ext cx="376683" cy="0"/>
+          </a:xfrm>
+          <a:prstGeom prst="straightConnector1">
+            <a:avLst/>
+          </a:prstGeom>
+          <a:ln>
+            <a:solidFill>
+              <a:schemeClr val="accent6">
+                <a:lumMod val="60000"/>
+                <a:lumOff val="40000"/>
+              </a:schemeClr>
+            </a:solidFill>
+            <a:tailEnd type="triangle"/>
+          </a:ln>
+        </p:spPr>
+        <p:style>
+          <a:lnRef idx="1">
+            <a:schemeClr val="accent1"/>
+          </a:lnRef>
+          <a:fillRef idx="0">
+            <a:schemeClr val="accent1"/>
+          </a:fillRef>
+          <a:effectRef idx="0">
+            <a:schemeClr val="accent1"/>
+          </a:effectRef>
+          <a:fontRef idx="minor">
+            <a:schemeClr val="tx1"/>
+          </a:fontRef>
+        </p:style>
+      </p:cxnSp>
+      <p:sp>
+        <p:nvSpPr>
+          <p:cNvPr id="145" name="Rectangle 144">
+            <a:extLst>
+              <a:ext uri="{FF2B5EF4-FFF2-40B4-BE49-F238E27FC236}">
+                <a16:creationId xmlns:a16="http://schemas.microsoft.com/office/drawing/2014/main" id="{91DB5C37-A6C8-5C43-A4B8-24F14535456D}"/>
+              </a:ext>
+            </a:extLst>
+          </p:cNvPr>
+          <p:cNvSpPr/>
+          <p:nvPr/>
+        </p:nvSpPr>
+        <p:spPr>
+          <a:xfrm>
+            <a:off x="1650258" y="4737138"/>
+            <a:ext cx="448236" cy="497542"/>
+          </a:xfrm>
+          <a:prstGeom prst="rect">
+            <a:avLst/>
+          </a:prstGeom>
+          <a:solidFill>
+            <a:schemeClr val="accent4">
+              <a:lumMod val="40000"/>
+              <a:lumOff val="60000"/>
+            </a:schemeClr>
+          </a:solidFill>
+          <a:ln>
+            <a:solidFill>
+              <a:schemeClr val="accent4">
+                <a:lumMod val="60000"/>
+                <a:lumOff val="40000"/>
+              </a:schemeClr>
+            </a:solidFill>
+          </a:ln>
+        </p:spPr>
+        <p:style>
+          <a:lnRef idx="2">
+            <a:schemeClr val="accent1">
+              <a:shade val="50000"/>
+            </a:schemeClr>
+          </a:lnRef>
+          <a:fillRef idx="1">
+            <a:schemeClr val="accent1"/>
+          </a:fillRef>
+          <a:effectRef idx="0">
+            <a:schemeClr val="accent1"/>
+          </a:effectRef>
+          <a:fontRef idx="minor">
+            <a:schemeClr val="lt1"/>
+          </a:fontRef>
+        </p:style>
+        <p:txBody>
+          <a:bodyPr rtlCol="0" anchor="ctr"/>
+          <a:lstStyle/>
+          <a:p>
+            <a:pPr algn="ctr"/>
+            <a:endParaRPr lang="en-US"/>
+          </a:p>
+        </p:txBody>
+      </p:sp>
+      <p:sp>
+        <p:nvSpPr>
+          <p:cNvPr id="146" name="Rectangle 145">
+            <a:extLst>
+              <a:ext uri="{FF2B5EF4-FFF2-40B4-BE49-F238E27FC236}">
+                <a16:creationId xmlns:a16="http://schemas.microsoft.com/office/drawing/2014/main" id="{863DF44C-7043-854E-BF8E-938C329835D2}"/>
+              </a:ext>
+            </a:extLst>
+          </p:cNvPr>
+          <p:cNvSpPr/>
+          <p:nvPr/>
+        </p:nvSpPr>
+        <p:spPr>
+          <a:xfrm>
+            <a:off x="2475178" y="4737138"/>
+            <a:ext cx="448236" cy="497542"/>
+          </a:xfrm>
+          <a:prstGeom prst="rect">
+            <a:avLst/>
+          </a:prstGeom>
+          <a:solidFill>
+            <a:schemeClr val="accent6">
+              <a:lumMod val="40000"/>
+              <a:lumOff val="60000"/>
+            </a:schemeClr>
+          </a:solidFill>
+          <a:ln>
+            <a:solidFill>
+              <a:schemeClr val="accent6">
+                <a:lumMod val="60000"/>
+                <a:lumOff val="40000"/>
+              </a:schemeClr>
+            </a:solidFill>
+          </a:ln>
+        </p:spPr>
+        <p:style>
+          <a:lnRef idx="2">
+            <a:schemeClr val="accent1">
+              <a:shade val="50000"/>
+            </a:schemeClr>
+          </a:lnRef>
+          <a:fillRef idx="1">
+            <a:schemeClr val="accent1"/>
+          </a:fillRef>
+          <a:effectRef idx="0">
+            <a:schemeClr val="accent1"/>
+          </a:effectRef>
+          <a:fontRef idx="minor">
+            <a:schemeClr val="lt1"/>
+          </a:fontRef>
+        </p:style>
+        <p:txBody>
+          <a:bodyPr rtlCol="0" anchor="ctr"/>
+          <a:lstStyle/>
+          <a:p>
+            <a:pPr algn="ctr"/>
+            <a:endParaRPr lang="en-US"/>
+          </a:p>
+        </p:txBody>
+      </p:sp>
+      <p:cxnSp>
+        <p:nvCxnSpPr>
+          <p:cNvPr id="147" name="Straight Arrow Connector 146">
+            <a:extLst>
+              <a:ext uri="{FF2B5EF4-FFF2-40B4-BE49-F238E27FC236}">
+                <a16:creationId xmlns:a16="http://schemas.microsoft.com/office/drawing/2014/main" id="{5AF28F79-5B01-9446-9C2A-4CCFD2CF0014}"/>
+              </a:ext>
+            </a:extLst>
+          </p:cNvPr>
+          <p:cNvCxnSpPr>
+            <a:cxnSpLocks/>
+            <a:stCxn id="145" idx="3"/>
+            <a:endCxn id="146" idx="1"/>
+          </p:cNvCxnSpPr>
+          <p:nvPr/>
+        </p:nvCxnSpPr>
+        <p:spPr>
+          <a:xfrm>
+            <a:off x="2098494" y="4985909"/>
+            <a:ext cx="376684" cy="0"/>
+          </a:xfrm>
+          <a:prstGeom prst="straightConnector1">
+            <a:avLst/>
+          </a:prstGeom>
+          <a:ln>
+            <a:solidFill>
+              <a:schemeClr val="bg1">
+                <a:lumMod val="85000"/>
+              </a:schemeClr>
+            </a:solidFill>
+            <a:tailEnd type="triangle"/>
+          </a:ln>
+        </p:spPr>
+        <p:style>
+          <a:lnRef idx="1">
+            <a:schemeClr val="accent1"/>
+          </a:lnRef>
+          <a:fillRef idx="0">
+            <a:schemeClr val="accent1"/>
+          </a:fillRef>
+          <a:effectRef idx="0">
+            <a:schemeClr val="accent1"/>
+          </a:effectRef>
+          <a:fontRef idx="minor">
+            <a:schemeClr val="tx1"/>
+          </a:fontRef>
+        </p:style>
+      </p:cxnSp>
+      <p:sp>
+        <p:nvSpPr>
+          <p:cNvPr id="149" name="Rectangle 148">
+            <a:extLst>
+              <a:ext uri="{FF2B5EF4-FFF2-40B4-BE49-F238E27FC236}">
+                <a16:creationId xmlns:a16="http://schemas.microsoft.com/office/drawing/2014/main" id="{15E95E48-CE36-6949-9A9D-6DE134CD8666}"/>
+              </a:ext>
+            </a:extLst>
+          </p:cNvPr>
+          <p:cNvSpPr/>
+          <p:nvPr/>
+        </p:nvSpPr>
+        <p:spPr>
+          <a:xfrm>
+            <a:off x="5021488" y="4737138"/>
+            <a:ext cx="448236" cy="497542"/>
+          </a:xfrm>
+          <a:prstGeom prst="rect">
+            <a:avLst/>
+          </a:prstGeom>
+          <a:solidFill>
+            <a:schemeClr val="accent2">
+              <a:lumMod val="40000"/>
+              <a:lumOff val="60000"/>
+            </a:schemeClr>
+          </a:solidFill>
+          <a:ln>
+            <a:solidFill>
+              <a:schemeClr val="accent2">
+                <a:lumMod val="60000"/>
+                <a:lumOff val="40000"/>
+              </a:schemeClr>
+            </a:solidFill>
+          </a:ln>
+        </p:spPr>
+        <p:style>
+          <a:lnRef idx="2">
+            <a:schemeClr val="accent1">
+              <a:shade val="50000"/>
+            </a:schemeClr>
+          </a:lnRef>
+          <a:fillRef idx="1">
+            <a:schemeClr val="accent1"/>
+          </a:fillRef>
+          <a:effectRef idx="0">
+            <a:schemeClr val="accent1"/>
+          </a:effectRef>
+          <a:fontRef idx="minor">
+            <a:schemeClr val="lt1"/>
+          </a:fontRef>
+        </p:style>
+        <p:txBody>
+          <a:bodyPr rtlCol="0" anchor="ctr"/>
+          <a:lstStyle/>
+          <a:p>
+            <a:pPr algn="ctr"/>
+            <a:endParaRPr lang="en-US"/>
+          </a:p>
+        </p:txBody>
+      </p:sp>
+      <p:sp>
+        <p:nvSpPr>
+          <p:cNvPr id="74" name="TextBox 73">
+            <a:extLst>
+              <a:ext uri="{FF2B5EF4-FFF2-40B4-BE49-F238E27FC236}">
+                <a16:creationId xmlns:a16="http://schemas.microsoft.com/office/drawing/2014/main" id="{561C5CFB-AFBE-E24E-A1B5-4A9768E769E9}"/>
+              </a:ext>
+            </a:extLst>
+          </p:cNvPr>
+          <p:cNvSpPr txBox="1"/>
+          <p:nvPr/>
+        </p:nvSpPr>
+        <p:spPr>
+          <a:xfrm>
+            <a:off x="2475178" y="1059563"/>
+            <a:ext cx="3558346" cy="369332"/>
+          </a:xfrm>
+          <a:prstGeom prst="rect">
+            <a:avLst/>
+          </a:prstGeom>
+          <a:noFill/>
+        </p:spPr>
+        <p:txBody>
+          <a:bodyPr wrap="none" rtlCol="0">
+            <a:spAutoFit/>
+          </a:bodyPr>
+          <a:lstStyle/>
+          <a:p>
+            <a:r>
+              <a:rPr lang="en-US" dirty="0"/>
+              <a:t>First layer of M kernels of size 8x8x3</a:t>
+            </a:r>
+          </a:p>
+        </p:txBody>
+      </p:sp>
+      <mc:AlternateContent xmlns:mc="http://schemas.openxmlformats.org/markup-compatibility/2006">
+        <mc:Choice xmlns:a14="http://schemas.microsoft.com/office/drawing/2010/main" Requires="a14">
+          <p:sp>
+            <p:nvSpPr>
+              <p:cNvPr id="90" name="TextBox 89">
+                <a:extLst>
+                  <a:ext uri="{FF2B5EF4-FFF2-40B4-BE49-F238E27FC236}">
+                    <a16:creationId xmlns:a16="http://schemas.microsoft.com/office/drawing/2014/main" id="{53A628FF-C6F2-0E4F-B407-DB83C01DA2F3}"/>
+                  </a:ext>
+                </a:extLst>
+              </p:cNvPr>
+              <p:cNvSpPr txBox="1"/>
+              <p:nvPr/>
+            </p:nvSpPr>
+            <p:spPr>
+              <a:xfrm>
+                <a:off x="2498789" y="1614020"/>
+                <a:ext cx="4574073" cy="369332"/>
+              </a:xfrm>
+              <a:prstGeom prst="rect">
+                <a:avLst/>
+              </a:prstGeom>
+              <a:noFill/>
+            </p:spPr>
+            <p:txBody>
+              <a:bodyPr wrap="none" rtlCol="0">
+                <a:spAutoFit/>
+              </a:bodyPr>
+              <a:lstStyle/>
+              <a:p>
+                <a14:m>
+                  <m:oMath xmlns:m="http://schemas.openxmlformats.org/officeDocument/2006/math">
+                    <m:r>
+                      <a:rPr lang="es-ES" b="0" i="1" smtClean="0">
+                        <a:latin typeface="Cambria Math" panose="02040503050406030204" pitchFamily="18" charset="0"/>
+                      </a:rPr>
+                      <m:t>𝐿</m:t>
+                    </m:r>
+                  </m:oMath>
+                </a14:m>
+                <a:r>
+                  <a:rPr lang="en-US" dirty="0"/>
+                  <a:t> succeeding convolutional layers of size 3x3M</a:t>
+                </a:r>
+              </a:p>
+            </p:txBody>
+          </p:sp>
+        </mc:Choice>
+        <mc:Fallback>
+          <p:sp>
+            <p:nvSpPr>
+              <p:cNvPr id="90" name="TextBox 89">
+                <a:extLst>
+                  <a:ext uri="{FF2B5EF4-FFF2-40B4-BE49-F238E27FC236}">
+                    <a16:creationId xmlns:a16="http://schemas.microsoft.com/office/drawing/2014/main" id="{53A628FF-C6F2-0E4F-B407-DB83C01DA2F3}"/>
+                  </a:ext>
+                </a:extLst>
+              </p:cNvPr>
+              <p:cNvSpPr txBox="1">
+                <a:spLocks noRot="1" noChangeAspect="1" noMove="1" noResize="1" noEditPoints="1" noAdjustHandles="1" noChangeArrowheads="1" noChangeShapeType="1" noTextEdit="1"/>
+              </p:cNvSpPr>
+              <p:nvPr/>
+            </p:nvSpPr>
+            <p:spPr>
+              <a:xfrm>
+                <a:off x="2498789" y="1614020"/>
+                <a:ext cx="4574073" cy="369332"/>
+              </a:xfrm>
+              <a:prstGeom prst="rect">
+                <a:avLst/>
+              </a:prstGeom>
+              <a:blipFill>
+                <a:blip r:embed="rId5"/>
+                <a:stretch>
+                  <a:fillRect t="-6667" b="-26667"/>
+                </a:stretch>
+              </a:blipFill>
+            </p:spPr>
+            <p:txBody>
+              <a:bodyPr/>
+              <a:lstStyle/>
+              <a:p>
+                <a:r>
+                  <a:rPr lang="en-US">
+                    <a:noFill/>
+                  </a:rPr>
+                  <a:t> </a:t>
+                </a:r>
+              </a:p>
+            </p:txBody>
+          </p:sp>
+        </mc:Fallback>
+      </mc:AlternateContent>
+      <p:sp>
+        <p:nvSpPr>
+          <p:cNvPr id="91" name="TextBox 90">
+            <a:extLst>
+              <a:ext uri="{FF2B5EF4-FFF2-40B4-BE49-F238E27FC236}">
+                <a16:creationId xmlns:a16="http://schemas.microsoft.com/office/drawing/2014/main" id="{B3BF1889-2F23-B34F-BB3E-B1DA61AE3764}"/>
+              </a:ext>
+            </a:extLst>
+          </p:cNvPr>
+          <p:cNvSpPr txBox="1"/>
+          <p:nvPr/>
+        </p:nvSpPr>
+        <p:spPr>
+          <a:xfrm>
+            <a:off x="2475614" y="2168477"/>
+            <a:ext cx="3081806" cy="369332"/>
+          </a:xfrm>
+          <a:prstGeom prst="rect">
+            <a:avLst/>
+          </a:prstGeom>
+          <a:noFill/>
+        </p:spPr>
+        <p:txBody>
+          <a:bodyPr wrap="none" rtlCol="0">
+            <a:spAutoFit/>
+          </a:bodyPr>
+          <a:lstStyle/>
+          <a:p>
+            <a:r>
+              <a:rPr lang="en-US" dirty="0"/>
+              <a:t>Dense Layer of size [8x8xM,10]</a:t>
+            </a:r>
+          </a:p>
+        </p:txBody>
+      </p:sp>
+      <p:sp>
+        <p:nvSpPr>
+          <p:cNvPr id="154" name="Rectangle 153">
+            <a:extLst>
+              <a:ext uri="{FF2B5EF4-FFF2-40B4-BE49-F238E27FC236}">
+                <a16:creationId xmlns:a16="http://schemas.microsoft.com/office/drawing/2014/main" id="{6F1EC704-C7ED-7C41-BFCD-B8C299256788}"/>
+              </a:ext>
+            </a:extLst>
+          </p:cNvPr>
+          <p:cNvSpPr/>
+          <p:nvPr/>
+        </p:nvSpPr>
+        <p:spPr>
+          <a:xfrm>
+            <a:off x="1326858" y="2904300"/>
+            <a:ext cx="448236" cy="497542"/>
+          </a:xfrm>
+          <a:prstGeom prst="rect">
+            <a:avLst/>
+          </a:prstGeom>
+          <a:solidFill>
+            <a:schemeClr val="bg1">
+              <a:lumMod val="85000"/>
+            </a:schemeClr>
+          </a:solidFill>
+          <a:ln>
+            <a:solidFill>
+              <a:schemeClr val="tx1"/>
+            </a:solidFill>
+          </a:ln>
+        </p:spPr>
+        <p:style>
+          <a:lnRef idx="2">
+            <a:schemeClr val="accent1">
+              <a:shade val="50000"/>
+            </a:schemeClr>
+          </a:lnRef>
+          <a:fillRef idx="1">
+            <a:schemeClr val="accent1"/>
+          </a:fillRef>
+          <a:effectRef idx="0">
+            <a:schemeClr val="accent1"/>
+          </a:effectRef>
+          <a:fontRef idx="minor">
+            <a:schemeClr val="lt1"/>
+          </a:fontRef>
+        </p:style>
+        <p:txBody>
+          <a:bodyPr rtlCol="0" anchor="ctr"/>
+          <a:lstStyle/>
+          <a:p>
+            <a:pPr algn="ctr"/>
+            <a:r>
+              <a:rPr lang="en-US" dirty="0">
+                <a:solidFill>
+                  <a:schemeClr val="tx1"/>
+                </a:solidFill>
+              </a:rPr>
+              <a:t>X</a:t>
+            </a:r>
+          </a:p>
+        </p:txBody>
+      </p:sp>
+      <p:cxnSp>
+        <p:nvCxnSpPr>
+          <p:cNvPr id="99" name="Straight Arrow Connector 98">
+            <a:extLst>
+              <a:ext uri="{FF2B5EF4-FFF2-40B4-BE49-F238E27FC236}">
+                <a16:creationId xmlns:a16="http://schemas.microsoft.com/office/drawing/2014/main" id="{9B9C42CA-3133-CD48-93DB-E6806573CBFC}"/>
+              </a:ext>
+            </a:extLst>
+          </p:cNvPr>
+          <p:cNvCxnSpPr>
+            <a:stCxn id="154" idx="3"/>
+            <a:endCxn id="100" idx="1"/>
+          </p:cNvCxnSpPr>
+          <p:nvPr/>
+        </p:nvCxnSpPr>
+        <p:spPr>
+          <a:xfrm>
+            <a:off x="1775094" y="3153071"/>
+            <a:ext cx="340907" cy="0"/>
+          </a:xfrm>
+          <a:prstGeom prst="straightConnector1">
+            <a:avLst/>
+          </a:prstGeom>
+          <a:ln>
+            <a:solidFill>
+              <a:schemeClr val="accent4">
+                <a:lumMod val="40000"/>
+                <a:lumOff val="60000"/>
+              </a:schemeClr>
+            </a:solidFill>
+            <a:tailEnd type="triangle"/>
+          </a:ln>
+        </p:spPr>
+        <p:style>
+          <a:lnRef idx="1">
+            <a:schemeClr val="accent1"/>
+          </a:lnRef>
+          <a:fillRef idx="0">
+            <a:schemeClr val="accent1"/>
+          </a:fillRef>
+          <a:effectRef idx="0">
+            <a:schemeClr val="accent1"/>
+          </a:effectRef>
+          <a:fontRef idx="minor">
+            <a:schemeClr val="tx1"/>
+          </a:fontRef>
+        </p:style>
+      </p:cxnSp>
+      <p:cxnSp>
+        <p:nvCxnSpPr>
+          <p:cNvPr id="156" name="Straight Arrow Connector 155">
+            <a:extLst>
+              <a:ext uri="{FF2B5EF4-FFF2-40B4-BE49-F238E27FC236}">
+                <a16:creationId xmlns:a16="http://schemas.microsoft.com/office/drawing/2014/main" id="{221D0FC7-27AA-8D43-848D-7C091FD9C8EB}"/>
+              </a:ext>
+            </a:extLst>
+          </p:cNvPr>
+          <p:cNvCxnSpPr>
+            <a:stCxn id="134" idx="3"/>
+          </p:cNvCxnSpPr>
+          <p:nvPr/>
+        </p:nvCxnSpPr>
+        <p:spPr>
+          <a:xfrm>
+            <a:off x="5935467" y="3153071"/>
+            <a:ext cx="302963" cy="0"/>
+          </a:xfrm>
+          <a:prstGeom prst="straightConnector1">
+            <a:avLst/>
+          </a:prstGeom>
+          <a:ln>
+            <a:solidFill>
+              <a:schemeClr val="accent2">
+                <a:lumMod val="40000"/>
+                <a:lumOff val="60000"/>
+              </a:schemeClr>
+            </a:solidFill>
+            <a:tailEnd type="triangle"/>
+          </a:ln>
+        </p:spPr>
+        <p:style>
+          <a:lnRef idx="1">
+            <a:schemeClr val="accent1"/>
+          </a:lnRef>
+          <a:fillRef idx="0">
+            <a:schemeClr val="accent1"/>
+          </a:fillRef>
+          <a:effectRef idx="0">
+            <a:schemeClr val="accent1"/>
+          </a:effectRef>
+          <a:fontRef idx="minor">
+            <a:schemeClr val="tx1"/>
+          </a:fontRef>
+        </p:style>
+      </p:cxnSp>
+      <p:sp>
+        <p:nvSpPr>
+          <p:cNvPr id="157" name="TextBox 156">
+            <a:extLst>
+              <a:ext uri="{FF2B5EF4-FFF2-40B4-BE49-F238E27FC236}">
+                <a16:creationId xmlns:a16="http://schemas.microsoft.com/office/drawing/2014/main" id="{7D8D8D5B-EA91-674F-9B6D-38AD524E71EE}"/>
+              </a:ext>
+            </a:extLst>
+          </p:cNvPr>
+          <p:cNvSpPr txBox="1"/>
+          <p:nvPr/>
+        </p:nvSpPr>
+        <p:spPr>
+          <a:xfrm>
+            <a:off x="6312150" y="2968405"/>
+            <a:ext cx="296876" cy="369332"/>
+          </a:xfrm>
+          <a:prstGeom prst="rect">
+            <a:avLst/>
+          </a:prstGeom>
+          <a:noFill/>
+        </p:spPr>
+        <p:txBody>
+          <a:bodyPr wrap="none" rtlCol="0">
+            <a:spAutoFit/>
+          </a:bodyPr>
+          <a:lstStyle/>
+          <a:p>
+            <a:r>
+              <a:rPr lang="en-US" dirty="0"/>
+              <a:t>Y</a:t>
+            </a:r>
+          </a:p>
+        </p:txBody>
+      </p:sp>
+    </p:spTree>
+    <p:extLst>
+      <p:ext uri="{BB962C8B-B14F-4D97-AF65-F5344CB8AC3E}">
+        <p14:creationId xmlns:p14="http://schemas.microsoft.com/office/powerpoint/2010/main" val="1196856311"/>
+      </p:ext>
+    </p:extLst>
+  </p:cSld>
+  <p:clrMapOvr>
+    <a:masterClrMapping/>
+  </p:clrMapOvr>
+</p:sld>
+</file>
+
 <file path=ppt/theme/theme1.xml><?xml version="1.0" encoding="utf-8"?>
 <a:theme xmlns:a="http://schemas.openxmlformats.org/drawingml/2006/main" name="Office Theme">
   <a:themeElements>

--- a/images/images.pptx
+++ b/images/images.pptx
@@ -8,11 +8,11 @@
     <p:sldId id="260" r:id="rId2"/>
     <p:sldId id="262" r:id="rId3"/>
     <p:sldId id="261" r:id="rId4"/>
-    <p:sldId id="263" r:id="rId5"/>
-    <p:sldId id="264" r:id="rId6"/>
-    <p:sldId id="265" r:id="rId7"/>
-    <p:sldId id="259" r:id="rId8"/>
-    <p:sldId id="266" r:id="rId9"/>
+    <p:sldId id="266" r:id="rId5"/>
+    <p:sldId id="263" r:id="rId6"/>
+    <p:sldId id="264" r:id="rId7"/>
+    <p:sldId id="265" r:id="rId8"/>
+    <p:sldId id="259" r:id="rId9"/>
   </p:sldIdLst>
   <p:sldSz cx="12192000" cy="6858000"/>
   <p:notesSz cx="6858000" cy="9144000"/>
@@ -17799,6 +17799,1626 @@
           <a:chExt cx="0" cy="0"/>
         </a:xfrm>
       </p:grpSpPr>
+      <mc:AlternateContent xmlns:mc="http://schemas.openxmlformats.org/markup-compatibility/2006" xmlns:a14="http://schemas.microsoft.com/office/drawing/2010/main">
+        <mc:Choice Requires="a14">
+          <p:sp>
+            <p:nvSpPr>
+              <p:cNvPr id="112" name="Rectangle 111">
+                <a:extLst>
+                  <a:ext uri="{FF2B5EF4-FFF2-40B4-BE49-F238E27FC236}">
+                    <a16:creationId xmlns:a16="http://schemas.microsoft.com/office/drawing/2014/main" id="{B644517A-F991-C946-93D8-DD0AFF6C381F}"/>
+                  </a:ext>
+                </a:extLst>
+              </p:cNvPr>
+              <p:cNvSpPr/>
+              <p:nvPr/>
+            </p:nvSpPr>
+            <p:spPr>
+              <a:xfrm>
+                <a:off x="1750181" y="995459"/>
+                <a:ext cx="448236" cy="497542"/>
+              </a:xfrm>
+              <a:prstGeom prst="rect">
+                <a:avLst/>
+              </a:prstGeom>
+              <a:solidFill>
+                <a:schemeClr val="accent4">
+                  <a:lumMod val="40000"/>
+                  <a:lumOff val="60000"/>
+                </a:schemeClr>
+              </a:solidFill>
+              <a:ln>
+                <a:solidFill>
+                  <a:schemeClr val="accent4">
+                    <a:lumMod val="60000"/>
+                    <a:lumOff val="40000"/>
+                  </a:schemeClr>
+                </a:solidFill>
+              </a:ln>
+            </p:spPr>
+            <p:style>
+              <a:lnRef idx="2">
+                <a:schemeClr val="accent1">
+                  <a:shade val="50000"/>
+                </a:schemeClr>
+              </a:lnRef>
+              <a:fillRef idx="1">
+                <a:schemeClr val="accent1"/>
+              </a:fillRef>
+              <a:effectRef idx="0">
+                <a:schemeClr val="accent1"/>
+              </a:effectRef>
+              <a:fontRef idx="minor">
+                <a:schemeClr val="lt1"/>
+              </a:fontRef>
+            </p:style>
+            <p:txBody>
+              <a:bodyPr lIns="182880" rIns="91440" rtlCol="0" anchor="ctr"/>
+              <a:lstStyle/>
+              <a:p>
+                <a:pPr algn="ctr"/>
+                <a14:m>
+                  <m:oMathPara xmlns:m="http://schemas.openxmlformats.org/officeDocument/2006/math">
+                    <m:oMathParaPr>
+                      <m:jc m:val="centerGroup"/>
+                    </m:oMathParaPr>
+                    <m:oMath xmlns:m="http://schemas.openxmlformats.org/officeDocument/2006/math">
+                      <m:sSub>
+                        <m:sSubPr>
+                          <m:ctrlPr>
+                            <a:rPr lang="en-US" i="1" dirty="0" smtClean="0">
+                              <a:solidFill>
+                                <a:schemeClr val="tx1"/>
+                              </a:solidFill>
+                              <a:latin typeface="Cambria Math" panose="02040503050406030204" pitchFamily="18" charset="0"/>
+                            </a:rPr>
+                          </m:ctrlPr>
+                        </m:sSubPr>
+                        <m:e>
+                          <m:r>
+                            <a:rPr lang="es-ES" i="1" dirty="0">
+                              <a:solidFill>
+                                <a:schemeClr val="tx1"/>
+                              </a:solidFill>
+                              <a:latin typeface="Cambria Math" panose="02040503050406030204" pitchFamily="18" charset="0"/>
+                            </a:rPr>
+                            <m:t>𝑉</m:t>
+                          </m:r>
+                        </m:e>
+                        <m:sub>
+                          <m:r>
+                            <a:rPr lang="es-ES" i="1" dirty="0">
+                              <a:solidFill>
+                                <a:schemeClr val="tx1"/>
+                              </a:solidFill>
+                              <a:latin typeface="Cambria Math" panose="02040503050406030204" pitchFamily="18" charset="0"/>
+                            </a:rPr>
+                            <m:t>𝑚</m:t>
+                          </m:r>
+                        </m:sub>
+                      </m:sSub>
+                    </m:oMath>
+                  </m:oMathPara>
+                </a14:m>
+                <a:endParaRPr lang="en-US" dirty="0">
+                  <a:solidFill>
+                    <a:schemeClr val="tx1"/>
+                  </a:solidFill>
+                </a:endParaRPr>
+              </a:p>
+            </p:txBody>
+          </p:sp>
+        </mc:Choice>
+        <mc:Fallback xmlns="">
+          <p:sp>
+            <p:nvSpPr>
+              <p:cNvPr id="112" name="Rectangle 111">
+                <a:extLst>
+                  <a:ext uri="{FF2B5EF4-FFF2-40B4-BE49-F238E27FC236}">
+                    <a16:creationId xmlns:a16="http://schemas.microsoft.com/office/drawing/2014/main" id="{B644517A-F991-C946-93D8-DD0AFF6C381F}"/>
+                  </a:ext>
+                </a:extLst>
+              </p:cNvPr>
+              <p:cNvSpPr>
+                <a:spLocks noRot="1" noChangeAspect="1" noMove="1" noResize="1" noEditPoints="1" noAdjustHandles="1" noChangeArrowheads="1" noChangeShapeType="1" noTextEdit="1"/>
+              </p:cNvSpPr>
+              <p:nvPr/>
+            </p:nvSpPr>
+            <p:spPr>
+              <a:xfrm>
+                <a:off x="1750181" y="995459"/>
+                <a:ext cx="448236" cy="497542"/>
+              </a:xfrm>
+              <a:prstGeom prst="rect">
+                <a:avLst/>
+              </a:prstGeom>
+              <a:blipFill>
+                <a:blip r:embed="rId2"/>
+                <a:stretch>
+                  <a:fillRect/>
+                </a:stretch>
+              </a:blipFill>
+              <a:ln>
+                <a:solidFill>
+                  <a:schemeClr val="accent4">
+                    <a:lumMod val="60000"/>
+                    <a:lumOff val="40000"/>
+                  </a:schemeClr>
+                </a:solidFill>
+              </a:ln>
+            </p:spPr>
+            <p:txBody>
+              <a:bodyPr/>
+              <a:lstStyle/>
+              <a:p>
+                <a:r>
+                  <a:rPr lang="en-US">
+                    <a:noFill/>
+                  </a:rPr>
+                  <a:t> </a:t>
+                </a:r>
+              </a:p>
+            </p:txBody>
+          </p:sp>
+        </mc:Fallback>
+      </mc:AlternateContent>
+      <mc:AlternateContent xmlns:mc="http://schemas.openxmlformats.org/markup-compatibility/2006" xmlns:a14="http://schemas.microsoft.com/office/drawing/2010/main">
+        <mc:Choice Requires="a14">
+          <p:sp>
+            <p:nvSpPr>
+              <p:cNvPr id="113" name="Rectangle 112">
+                <a:extLst>
+                  <a:ext uri="{FF2B5EF4-FFF2-40B4-BE49-F238E27FC236}">
+                    <a16:creationId xmlns:a16="http://schemas.microsoft.com/office/drawing/2014/main" id="{E3B67087-7958-CC4F-AA4A-B3A8600C0968}"/>
+                  </a:ext>
+                </a:extLst>
+              </p:cNvPr>
+              <p:cNvSpPr/>
+              <p:nvPr/>
+            </p:nvSpPr>
+            <p:spPr>
+              <a:xfrm>
+                <a:off x="1750181" y="1571246"/>
+                <a:ext cx="448236" cy="497542"/>
+              </a:xfrm>
+              <a:prstGeom prst="rect">
+                <a:avLst/>
+              </a:prstGeom>
+              <a:solidFill>
+                <a:schemeClr val="accent6">
+                  <a:lumMod val="40000"/>
+                  <a:lumOff val="60000"/>
+                </a:schemeClr>
+              </a:solidFill>
+              <a:ln>
+                <a:solidFill>
+                  <a:schemeClr val="accent6">
+                    <a:lumMod val="60000"/>
+                    <a:lumOff val="40000"/>
+                  </a:schemeClr>
+                </a:solidFill>
+              </a:ln>
+            </p:spPr>
+            <p:style>
+              <a:lnRef idx="2">
+                <a:schemeClr val="accent1">
+                  <a:shade val="50000"/>
+                </a:schemeClr>
+              </a:lnRef>
+              <a:fillRef idx="1">
+                <a:schemeClr val="accent1"/>
+              </a:fillRef>
+              <a:effectRef idx="0">
+                <a:schemeClr val="accent1"/>
+              </a:effectRef>
+              <a:fontRef idx="minor">
+                <a:schemeClr val="lt1"/>
+              </a:fontRef>
+            </p:style>
+            <p:txBody>
+              <a:bodyPr lIns="182880" rIns="91440" rtlCol="0" anchor="ctr"/>
+              <a:lstStyle/>
+              <a:p>
+                <a:pPr algn="ctr"/>
+                <a14:m>
+                  <m:oMathPara xmlns:m="http://schemas.openxmlformats.org/officeDocument/2006/math">
+                    <m:oMathParaPr>
+                      <m:jc m:val="centerGroup"/>
+                    </m:oMathParaPr>
+                    <m:oMath xmlns:m="http://schemas.openxmlformats.org/officeDocument/2006/math">
+                      <m:sSup>
+                        <m:sSupPr>
+                          <m:ctrlPr>
+                            <a:rPr lang="en-US" i="1" smtClean="0">
+                              <a:solidFill>
+                                <a:schemeClr val="tx1"/>
+                              </a:solidFill>
+                              <a:latin typeface="Cambria Math" panose="02040503050406030204" pitchFamily="18" charset="0"/>
+                            </a:rPr>
+                          </m:ctrlPr>
+                        </m:sSupPr>
+                        <m:e>
+                          <m:r>
+                            <a:rPr lang="es-ES" i="1">
+                              <a:solidFill>
+                                <a:schemeClr val="tx1"/>
+                              </a:solidFill>
+                              <a:latin typeface="Cambria Math" panose="02040503050406030204" pitchFamily="18" charset="0"/>
+                            </a:rPr>
+                            <m:t>𝑊</m:t>
+                          </m:r>
+                        </m:e>
+                        <m:sup>
+                          <m:r>
+                            <a:rPr lang="es-ES" i="1">
+                              <a:solidFill>
+                                <a:schemeClr val="tx1"/>
+                              </a:solidFill>
+                              <a:latin typeface="Cambria Math" panose="02040503050406030204" pitchFamily="18" charset="0"/>
+                            </a:rPr>
+                            <m:t>𝑙</m:t>
+                          </m:r>
+                        </m:sup>
+                      </m:sSup>
+                    </m:oMath>
+                  </m:oMathPara>
+                </a14:m>
+                <a:endParaRPr lang="en-US" dirty="0">
+                  <a:solidFill>
+                    <a:schemeClr val="tx1"/>
+                  </a:solidFill>
+                </a:endParaRPr>
+              </a:p>
+            </p:txBody>
+          </p:sp>
+        </mc:Choice>
+        <mc:Fallback xmlns="">
+          <p:sp>
+            <p:nvSpPr>
+              <p:cNvPr id="113" name="Rectangle 112">
+                <a:extLst>
+                  <a:ext uri="{FF2B5EF4-FFF2-40B4-BE49-F238E27FC236}">
+                    <a16:creationId xmlns:a16="http://schemas.microsoft.com/office/drawing/2014/main" id="{E3B67087-7958-CC4F-AA4A-B3A8600C0968}"/>
+                  </a:ext>
+                </a:extLst>
+              </p:cNvPr>
+              <p:cNvSpPr>
+                <a:spLocks noRot="1" noChangeAspect="1" noMove="1" noResize="1" noEditPoints="1" noAdjustHandles="1" noChangeArrowheads="1" noChangeShapeType="1" noTextEdit="1"/>
+              </p:cNvSpPr>
+              <p:nvPr/>
+            </p:nvSpPr>
+            <p:spPr>
+              <a:xfrm>
+                <a:off x="1750181" y="1571246"/>
+                <a:ext cx="448236" cy="497542"/>
+              </a:xfrm>
+              <a:prstGeom prst="rect">
+                <a:avLst/>
+              </a:prstGeom>
+              <a:blipFill>
+                <a:blip r:embed="rId3"/>
+                <a:stretch>
+                  <a:fillRect/>
+                </a:stretch>
+              </a:blipFill>
+              <a:ln>
+                <a:solidFill>
+                  <a:schemeClr val="accent6">
+                    <a:lumMod val="60000"/>
+                    <a:lumOff val="40000"/>
+                  </a:schemeClr>
+                </a:solidFill>
+              </a:ln>
+            </p:spPr>
+            <p:txBody>
+              <a:bodyPr/>
+              <a:lstStyle/>
+              <a:p>
+                <a:r>
+                  <a:rPr lang="en-US">
+                    <a:noFill/>
+                  </a:rPr>
+                  <a:t> </a:t>
+                </a:r>
+              </a:p>
+            </p:txBody>
+          </p:sp>
+        </mc:Fallback>
+      </mc:AlternateContent>
+      <mc:AlternateContent xmlns:mc="http://schemas.openxmlformats.org/markup-compatibility/2006" xmlns:a14="http://schemas.microsoft.com/office/drawing/2010/main">
+        <mc:Choice Requires="a14">
+          <p:sp>
+            <p:nvSpPr>
+              <p:cNvPr id="114" name="Rectangle 113">
+                <a:extLst>
+                  <a:ext uri="{FF2B5EF4-FFF2-40B4-BE49-F238E27FC236}">
+                    <a16:creationId xmlns:a16="http://schemas.microsoft.com/office/drawing/2014/main" id="{0634C613-509B-634F-A1DA-83322729F34B}"/>
+                  </a:ext>
+                </a:extLst>
+              </p:cNvPr>
+              <p:cNvSpPr/>
+              <p:nvPr/>
+            </p:nvSpPr>
+            <p:spPr>
+              <a:xfrm>
+                <a:off x="1748669" y="2142077"/>
+                <a:ext cx="448236" cy="497542"/>
+              </a:xfrm>
+              <a:prstGeom prst="rect">
+                <a:avLst/>
+              </a:prstGeom>
+              <a:solidFill>
+                <a:schemeClr val="accent2">
+                  <a:lumMod val="40000"/>
+                  <a:lumOff val="60000"/>
+                </a:schemeClr>
+              </a:solidFill>
+              <a:ln>
+                <a:solidFill>
+                  <a:schemeClr val="accent2">
+                    <a:lumMod val="60000"/>
+                    <a:lumOff val="40000"/>
+                  </a:schemeClr>
+                </a:solidFill>
+              </a:ln>
+            </p:spPr>
+            <p:style>
+              <a:lnRef idx="2">
+                <a:schemeClr val="accent1">
+                  <a:shade val="50000"/>
+                </a:schemeClr>
+              </a:lnRef>
+              <a:fillRef idx="1">
+                <a:schemeClr val="accent1"/>
+              </a:fillRef>
+              <a:effectRef idx="0">
+                <a:schemeClr val="accent1"/>
+              </a:effectRef>
+              <a:fontRef idx="minor">
+                <a:schemeClr val="lt1"/>
+              </a:fontRef>
+            </p:style>
+            <p:txBody>
+              <a:bodyPr lIns="182880" rIns="91440" rtlCol="0" anchor="ctr"/>
+              <a:lstStyle/>
+              <a:p>
+                <a:pPr algn="ctr"/>
+                <a14:m>
+                  <m:oMathPara xmlns:m="http://schemas.openxmlformats.org/officeDocument/2006/math">
+                    <m:oMathParaPr>
+                      <m:jc m:val="centerGroup"/>
+                    </m:oMathParaPr>
+                    <m:oMath xmlns:m="http://schemas.openxmlformats.org/officeDocument/2006/math">
+                      <m:r>
+                        <a:rPr lang="es-ES" b="0" i="1" smtClean="0">
+                          <a:solidFill>
+                            <a:schemeClr val="tx1"/>
+                          </a:solidFill>
+                          <a:latin typeface="Cambria Math" panose="02040503050406030204" pitchFamily="18" charset="0"/>
+                        </a:rPr>
+                        <m:t>𝐶</m:t>
+                      </m:r>
+                    </m:oMath>
+                  </m:oMathPara>
+                </a14:m>
+                <a:endParaRPr lang="en-US" dirty="0"/>
+              </a:p>
+            </p:txBody>
+          </p:sp>
+        </mc:Choice>
+        <mc:Fallback xmlns="">
+          <p:sp>
+            <p:nvSpPr>
+              <p:cNvPr id="114" name="Rectangle 113">
+                <a:extLst>
+                  <a:ext uri="{FF2B5EF4-FFF2-40B4-BE49-F238E27FC236}">
+                    <a16:creationId xmlns:a16="http://schemas.microsoft.com/office/drawing/2014/main" id="{0634C613-509B-634F-A1DA-83322729F34B}"/>
+                  </a:ext>
+                </a:extLst>
+              </p:cNvPr>
+              <p:cNvSpPr>
+                <a:spLocks noRot="1" noChangeAspect="1" noMove="1" noResize="1" noEditPoints="1" noAdjustHandles="1" noChangeArrowheads="1" noChangeShapeType="1" noTextEdit="1"/>
+              </p:cNvSpPr>
+              <p:nvPr/>
+            </p:nvSpPr>
+            <p:spPr>
+              <a:xfrm>
+                <a:off x="1748669" y="2142077"/>
+                <a:ext cx="448236" cy="497542"/>
+              </a:xfrm>
+              <a:prstGeom prst="rect">
+                <a:avLst/>
+              </a:prstGeom>
+              <a:blipFill>
+                <a:blip r:embed="rId4"/>
+                <a:stretch>
+                  <a:fillRect/>
+                </a:stretch>
+              </a:blipFill>
+              <a:ln>
+                <a:solidFill>
+                  <a:schemeClr val="accent2">
+                    <a:lumMod val="60000"/>
+                    <a:lumOff val="40000"/>
+                  </a:schemeClr>
+                </a:solidFill>
+              </a:ln>
+            </p:spPr>
+            <p:txBody>
+              <a:bodyPr/>
+              <a:lstStyle/>
+              <a:p>
+                <a:r>
+                  <a:rPr lang="en-US">
+                    <a:noFill/>
+                  </a:rPr>
+                  <a:t> </a:t>
+                </a:r>
+              </a:p>
+            </p:txBody>
+          </p:sp>
+        </mc:Fallback>
+      </mc:AlternateContent>
+      <p:sp>
+        <p:nvSpPr>
+          <p:cNvPr id="100" name="Rectangle 99">
+            <a:extLst>
+              <a:ext uri="{FF2B5EF4-FFF2-40B4-BE49-F238E27FC236}">
+                <a16:creationId xmlns:a16="http://schemas.microsoft.com/office/drawing/2014/main" id="{A9665318-3E26-A443-AA51-AA59490C95EC}"/>
+              </a:ext>
+            </a:extLst>
+          </p:cNvPr>
+          <p:cNvSpPr/>
+          <p:nvPr/>
+        </p:nvSpPr>
+        <p:spPr>
+          <a:xfrm>
+            <a:off x="2116001" y="2904300"/>
+            <a:ext cx="448236" cy="497542"/>
+          </a:xfrm>
+          <a:prstGeom prst="rect">
+            <a:avLst/>
+          </a:prstGeom>
+          <a:solidFill>
+            <a:schemeClr val="accent4">
+              <a:lumMod val="40000"/>
+              <a:lumOff val="60000"/>
+            </a:schemeClr>
+          </a:solidFill>
+          <a:ln>
+            <a:solidFill>
+              <a:schemeClr val="accent4">
+                <a:lumMod val="60000"/>
+                <a:lumOff val="40000"/>
+              </a:schemeClr>
+            </a:solidFill>
+          </a:ln>
+        </p:spPr>
+        <p:style>
+          <a:lnRef idx="2">
+            <a:schemeClr val="accent1">
+              <a:shade val="50000"/>
+            </a:schemeClr>
+          </a:lnRef>
+          <a:fillRef idx="1">
+            <a:schemeClr val="accent1"/>
+          </a:fillRef>
+          <a:effectRef idx="0">
+            <a:schemeClr val="accent1"/>
+          </a:effectRef>
+          <a:fontRef idx="minor">
+            <a:schemeClr val="lt1"/>
+          </a:fontRef>
+        </p:style>
+        <p:txBody>
+          <a:bodyPr rtlCol="0" anchor="ctr"/>
+          <a:lstStyle/>
+          <a:p>
+            <a:pPr algn="ctr"/>
+            <a:endParaRPr lang="en-US"/>
+          </a:p>
+        </p:txBody>
+      </p:sp>
+      <p:sp>
+        <p:nvSpPr>
+          <p:cNvPr id="101" name="Rectangle 100">
+            <a:extLst>
+              <a:ext uri="{FF2B5EF4-FFF2-40B4-BE49-F238E27FC236}">
+                <a16:creationId xmlns:a16="http://schemas.microsoft.com/office/drawing/2014/main" id="{03124A20-7C3B-AF46-A362-57E39D2C5A83}"/>
+              </a:ext>
+            </a:extLst>
+          </p:cNvPr>
+          <p:cNvSpPr/>
+          <p:nvPr/>
+        </p:nvSpPr>
+        <p:spPr>
+          <a:xfrm>
+            <a:off x="2940921" y="2904300"/>
+            <a:ext cx="448236" cy="497542"/>
+          </a:xfrm>
+          <a:prstGeom prst="rect">
+            <a:avLst/>
+          </a:prstGeom>
+          <a:solidFill>
+            <a:schemeClr val="accent6">
+              <a:lumMod val="40000"/>
+              <a:lumOff val="60000"/>
+            </a:schemeClr>
+          </a:solidFill>
+          <a:ln>
+            <a:solidFill>
+              <a:schemeClr val="accent6">
+                <a:lumMod val="60000"/>
+                <a:lumOff val="40000"/>
+              </a:schemeClr>
+            </a:solidFill>
+          </a:ln>
+        </p:spPr>
+        <p:style>
+          <a:lnRef idx="2">
+            <a:schemeClr val="accent1">
+              <a:shade val="50000"/>
+            </a:schemeClr>
+          </a:lnRef>
+          <a:fillRef idx="1">
+            <a:schemeClr val="accent1"/>
+          </a:fillRef>
+          <a:effectRef idx="0">
+            <a:schemeClr val="accent1"/>
+          </a:effectRef>
+          <a:fontRef idx="minor">
+            <a:schemeClr val="lt1"/>
+          </a:fontRef>
+        </p:style>
+        <p:txBody>
+          <a:bodyPr rtlCol="0" anchor="ctr"/>
+          <a:lstStyle/>
+          <a:p>
+            <a:pPr algn="ctr"/>
+            <a:endParaRPr lang="en-US"/>
+          </a:p>
+        </p:txBody>
+      </p:sp>
+      <p:cxnSp>
+        <p:nvCxnSpPr>
+          <p:cNvPr id="103" name="Straight Arrow Connector 102">
+            <a:extLst>
+              <a:ext uri="{FF2B5EF4-FFF2-40B4-BE49-F238E27FC236}">
+                <a16:creationId xmlns:a16="http://schemas.microsoft.com/office/drawing/2014/main" id="{ADEF5C5B-CBC5-0C47-9569-09357B83610B}"/>
+              </a:ext>
+            </a:extLst>
+          </p:cNvPr>
+          <p:cNvCxnSpPr>
+            <a:cxnSpLocks/>
+            <a:stCxn id="100" idx="3"/>
+            <a:endCxn id="101" idx="1"/>
+          </p:cNvCxnSpPr>
+          <p:nvPr/>
+        </p:nvCxnSpPr>
+        <p:spPr>
+          <a:xfrm>
+            <a:off x="2564237" y="3153071"/>
+            <a:ext cx="376684" cy="0"/>
+          </a:xfrm>
+          <a:prstGeom prst="straightConnector1">
+            <a:avLst/>
+          </a:prstGeom>
+          <a:ln>
+            <a:solidFill>
+              <a:schemeClr val="accent4">
+                <a:lumMod val="40000"/>
+                <a:lumOff val="60000"/>
+              </a:schemeClr>
+            </a:solidFill>
+            <a:tailEnd type="triangle"/>
+          </a:ln>
+        </p:spPr>
+        <p:style>
+          <a:lnRef idx="1">
+            <a:schemeClr val="accent1"/>
+          </a:lnRef>
+          <a:fillRef idx="0">
+            <a:schemeClr val="accent1"/>
+          </a:fillRef>
+          <a:effectRef idx="0">
+            <a:schemeClr val="accent1"/>
+          </a:effectRef>
+          <a:fontRef idx="minor">
+            <a:schemeClr val="tx1"/>
+          </a:fontRef>
+        </p:style>
+      </p:cxnSp>
+      <p:cxnSp>
+        <p:nvCxnSpPr>
+          <p:cNvPr id="104" name="Straight Arrow Connector 103">
+            <a:extLst>
+              <a:ext uri="{FF2B5EF4-FFF2-40B4-BE49-F238E27FC236}">
+                <a16:creationId xmlns:a16="http://schemas.microsoft.com/office/drawing/2014/main" id="{D60CBF29-3716-DA43-A453-54AAD7927240}"/>
+              </a:ext>
+            </a:extLst>
+          </p:cNvPr>
+          <p:cNvCxnSpPr>
+            <a:cxnSpLocks/>
+            <a:stCxn id="101" idx="3"/>
+            <a:endCxn id="141" idx="1"/>
+          </p:cNvCxnSpPr>
+          <p:nvPr/>
+        </p:nvCxnSpPr>
+        <p:spPr>
+          <a:xfrm>
+            <a:off x="3389157" y="3153071"/>
+            <a:ext cx="412459" cy="1"/>
+          </a:xfrm>
+          <a:prstGeom prst="straightConnector1">
+            <a:avLst/>
+          </a:prstGeom>
+          <a:ln>
+            <a:solidFill>
+              <a:schemeClr val="accent6">
+                <a:lumMod val="60000"/>
+                <a:lumOff val="40000"/>
+              </a:schemeClr>
+            </a:solidFill>
+            <a:tailEnd type="triangle"/>
+          </a:ln>
+        </p:spPr>
+        <p:style>
+          <a:lnRef idx="1">
+            <a:schemeClr val="accent1"/>
+          </a:lnRef>
+          <a:fillRef idx="0">
+            <a:schemeClr val="accent1"/>
+          </a:fillRef>
+          <a:effectRef idx="0">
+            <a:schemeClr val="accent1"/>
+          </a:effectRef>
+          <a:fontRef idx="minor">
+            <a:schemeClr val="tx1"/>
+          </a:fontRef>
+        </p:style>
+      </p:cxnSp>
+      <p:sp>
+        <p:nvSpPr>
+          <p:cNvPr id="134" name="Rectangle 133">
+            <a:extLst>
+              <a:ext uri="{FF2B5EF4-FFF2-40B4-BE49-F238E27FC236}">
+                <a16:creationId xmlns:a16="http://schemas.microsoft.com/office/drawing/2014/main" id="{3DE24562-6767-EF4D-A1D4-A020D7139082}"/>
+              </a:ext>
+            </a:extLst>
+          </p:cNvPr>
+          <p:cNvSpPr/>
+          <p:nvPr/>
+        </p:nvSpPr>
+        <p:spPr>
+          <a:xfrm>
+            <a:off x="5487231" y="2904300"/>
+            <a:ext cx="448236" cy="497542"/>
+          </a:xfrm>
+          <a:prstGeom prst="rect">
+            <a:avLst/>
+          </a:prstGeom>
+          <a:solidFill>
+            <a:schemeClr val="accent2">
+              <a:lumMod val="40000"/>
+              <a:lumOff val="60000"/>
+            </a:schemeClr>
+          </a:solidFill>
+          <a:ln>
+            <a:solidFill>
+              <a:schemeClr val="accent2">
+                <a:lumMod val="60000"/>
+                <a:lumOff val="40000"/>
+              </a:schemeClr>
+            </a:solidFill>
+          </a:ln>
+        </p:spPr>
+        <p:style>
+          <a:lnRef idx="2">
+            <a:schemeClr val="accent1">
+              <a:shade val="50000"/>
+            </a:schemeClr>
+          </a:lnRef>
+          <a:fillRef idx="1">
+            <a:schemeClr val="accent1"/>
+          </a:fillRef>
+          <a:effectRef idx="0">
+            <a:schemeClr val="accent1"/>
+          </a:effectRef>
+          <a:fontRef idx="minor">
+            <a:schemeClr val="lt1"/>
+          </a:fontRef>
+        </p:style>
+        <p:txBody>
+          <a:bodyPr rtlCol="0" anchor="ctr"/>
+          <a:lstStyle/>
+          <a:p>
+            <a:pPr algn="ctr"/>
+            <a:endParaRPr lang="en-US"/>
+          </a:p>
+        </p:txBody>
+      </p:sp>
+      <p:sp>
+        <p:nvSpPr>
+          <p:cNvPr id="141" name="Rectangle 140">
+            <a:extLst>
+              <a:ext uri="{FF2B5EF4-FFF2-40B4-BE49-F238E27FC236}">
+                <a16:creationId xmlns:a16="http://schemas.microsoft.com/office/drawing/2014/main" id="{F0160E1E-A8FB-A041-9EFB-C84F91610D45}"/>
+              </a:ext>
+            </a:extLst>
+          </p:cNvPr>
+          <p:cNvSpPr/>
+          <p:nvPr/>
+        </p:nvSpPr>
+        <p:spPr>
+          <a:xfrm>
+            <a:off x="3801616" y="2904301"/>
+            <a:ext cx="448236" cy="497542"/>
+          </a:xfrm>
+          <a:prstGeom prst="rect">
+            <a:avLst/>
+          </a:prstGeom>
+          <a:solidFill>
+            <a:schemeClr val="accent6">
+              <a:lumMod val="40000"/>
+              <a:lumOff val="60000"/>
+            </a:schemeClr>
+          </a:solidFill>
+          <a:ln>
+            <a:solidFill>
+              <a:schemeClr val="accent6">
+                <a:lumMod val="60000"/>
+                <a:lumOff val="40000"/>
+              </a:schemeClr>
+            </a:solidFill>
+          </a:ln>
+        </p:spPr>
+        <p:style>
+          <a:lnRef idx="2">
+            <a:schemeClr val="accent1">
+              <a:shade val="50000"/>
+            </a:schemeClr>
+          </a:lnRef>
+          <a:fillRef idx="1">
+            <a:schemeClr val="accent1"/>
+          </a:fillRef>
+          <a:effectRef idx="0">
+            <a:schemeClr val="accent1"/>
+          </a:effectRef>
+          <a:fontRef idx="minor">
+            <a:schemeClr val="lt1"/>
+          </a:fontRef>
+        </p:style>
+        <p:txBody>
+          <a:bodyPr rtlCol="0" anchor="ctr"/>
+          <a:lstStyle/>
+          <a:p>
+            <a:pPr algn="ctr"/>
+            <a:endParaRPr lang="en-US"/>
+          </a:p>
+        </p:txBody>
+      </p:sp>
+      <p:cxnSp>
+        <p:nvCxnSpPr>
+          <p:cNvPr id="142" name="Straight Arrow Connector 141">
+            <a:extLst>
+              <a:ext uri="{FF2B5EF4-FFF2-40B4-BE49-F238E27FC236}">
+                <a16:creationId xmlns:a16="http://schemas.microsoft.com/office/drawing/2014/main" id="{A516C72D-1F74-354D-AFB6-37E4A44A34B7}"/>
+              </a:ext>
+            </a:extLst>
+          </p:cNvPr>
+          <p:cNvCxnSpPr>
+            <a:cxnSpLocks/>
+            <a:stCxn id="141" idx="3"/>
+            <a:endCxn id="143" idx="1"/>
+          </p:cNvCxnSpPr>
+          <p:nvPr/>
+        </p:nvCxnSpPr>
+        <p:spPr>
+          <a:xfrm flipV="1">
+            <a:off x="4249852" y="3153071"/>
+            <a:ext cx="412460" cy="1"/>
+          </a:xfrm>
+          <a:prstGeom prst="straightConnector1">
+            <a:avLst/>
+          </a:prstGeom>
+          <a:ln>
+            <a:solidFill>
+              <a:schemeClr val="accent6">
+                <a:lumMod val="60000"/>
+                <a:lumOff val="40000"/>
+              </a:schemeClr>
+            </a:solidFill>
+            <a:tailEnd type="triangle"/>
+          </a:ln>
+        </p:spPr>
+        <p:style>
+          <a:lnRef idx="1">
+            <a:schemeClr val="accent1"/>
+          </a:lnRef>
+          <a:fillRef idx="0">
+            <a:schemeClr val="accent1"/>
+          </a:fillRef>
+          <a:effectRef idx="0">
+            <a:schemeClr val="accent1"/>
+          </a:effectRef>
+          <a:fontRef idx="minor">
+            <a:schemeClr val="tx1"/>
+          </a:fontRef>
+        </p:style>
+      </p:cxnSp>
+      <p:sp>
+        <p:nvSpPr>
+          <p:cNvPr id="143" name="Rectangle 142">
+            <a:extLst>
+              <a:ext uri="{FF2B5EF4-FFF2-40B4-BE49-F238E27FC236}">
+                <a16:creationId xmlns:a16="http://schemas.microsoft.com/office/drawing/2014/main" id="{BDAB4625-330F-CA4A-91DF-76CA1C5ABCC7}"/>
+              </a:ext>
+            </a:extLst>
+          </p:cNvPr>
+          <p:cNvSpPr/>
+          <p:nvPr/>
+        </p:nvSpPr>
+        <p:spPr>
+          <a:xfrm>
+            <a:off x="4662312" y="2904300"/>
+            <a:ext cx="448236" cy="497542"/>
+          </a:xfrm>
+          <a:prstGeom prst="rect">
+            <a:avLst/>
+          </a:prstGeom>
+          <a:solidFill>
+            <a:schemeClr val="accent6">
+              <a:lumMod val="40000"/>
+              <a:lumOff val="60000"/>
+            </a:schemeClr>
+          </a:solidFill>
+          <a:ln>
+            <a:solidFill>
+              <a:schemeClr val="accent6">
+                <a:lumMod val="60000"/>
+                <a:lumOff val="40000"/>
+              </a:schemeClr>
+            </a:solidFill>
+          </a:ln>
+        </p:spPr>
+        <p:style>
+          <a:lnRef idx="2">
+            <a:schemeClr val="accent1">
+              <a:shade val="50000"/>
+            </a:schemeClr>
+          </a:lnRef>
+          <a:fillRef idx="1">
+            <a:schemeClr val="accent1"/>
+          </a:fillRef>
+          <a:effectRef idx="0">
+            <a:schemeClr val="accent1"/>
+          </a:effectRef>
+          <a:fontRef idx="minor">
+            <a:schemeClr val="lt1"/>
+          </a:fontRef>
+        </p:style>
+        <p:txBody>
+          <a:bodyPr rtlCol="0" anchor="ctr"/>
+          <a:lstStyle/>
+          <a:p>
+            <a:pPr algn="ctr"/>
+            <a:endParaRPr lang="en-US"/>
+          </a:p>
+        </p:txBody>
+      </p:sp>
+      <p:cxnSp>
+        <p:nvCxnSpPr>
+          <p:cNvPr id="144" name="Straight Arrow Connector 143">
+            <a:extLst>
+              <a:ext uri="{FF2B5EF4-FFF2-40B4-BE49-F238E27FC236}">
+                <a16:creationId xmlns:a16="http://schemas.microsoft.com/office/drawing/2014/main" id="{0FBD8C3E-79F3-674A-874B-FC26BB0A6F3C}"/>
+              </a:ext>
+            </a:extLst>
+          </p:cNvPr>
+          <p:cNvCxnSpPr>
+            <a:cxnSpLocks/>
+            <a:stCxn id="143" idx="3"/>
+            <a:endCxn id="134" idx="1"/>
+          </p:cNvCxnSpPr>
+          <p:nvPr/>
+        </p:nvCxnSpPr>
+        <p:spPr>
+          <a:xfrm>
+            <a:off x="5110548" y="3153071"/>
+            <a:ext cx="376683" cy="0"/>
+          </a:xfrm>
+          <a:prstGeom prst="straightConnector1">
+            <a:avLst/>
+          </a:prstGeom>
+          <a:ln>
+            <a:solidFill>
+              <a:schemeClr val="accent6">
+                <a:lumMod val="60000"/>
+                <a:lumOff val="40000"/>
+              </a:schemeClr>
+            </a:solidFill>
+            <a:tailEnd type="triangle"/>
+          </a:ln>
+        </p:spPr>
+        <p:style>
+          <a:lnRef idx="1">
+            <a:schemeClr val="accent1"/>
+          </a:lnRef>
+          <a:fillRef idx="0">
+            <a:schemeClr val="accent1"/>
+          </a:fillRef>
+          <a:effectRef idx="0">
+            <a:schemeClr val="accent1"/>
+          </a:effectRef>
+          <a:fontRef idx="minor">
+            <a:schemeClr val="tx1"/>
+          </a:fontRef>
+        </p:style>
+      </p:cxnSp>
+      <p:sp>
+        <p:nvSpPr>
+          <p:cNvPr id="145" name="Rectangle 144">
+            <a:extLst>
+              <a:ext uri="{FF2B5EF4-FFF2-40B4-BE49-F238E27FC236}">
+                <a16:creationId xmlns:a16="http://schemas.microsoft.com/office/drawing/2014/main" id="{91DB5C37-A6C8-5C43-A4B8-24F14535456D}"/>
+              </a:ext>
+            </a:extLst>
+          </p:cNvPr>
+          <p:cNvSpPr/>
+          <p:nvPr/>
+        </p:nvSpPr>
+        <p:spPr>
+          <a:xfrm>
+            <a:off x="1650258" y="4737138"/>
+            <a:ext cx="448236" cy="497542"/>
+          </a:xfrm>
+          <a:prstGeom prst="rect">
+            <a:avLst/>
+          </a:prstGeom>
+          <a:solidFill>
+            <a:schemeClr val="accent4">
+              <a:lumMod val="40000"/>
+              <a:lumOff val="60000"/>
+            </a:schemeClr>
+          </a:solidFill>
+          <a:ln>
+            <a:solidFill>
+              <a:schemeClr val="accent4">
+                <a:lumMod val="60000"/>
+                <a:lumOff val="40000"/>
+              </a:schemeClr>
+            </a:solidFill>
+          </a:ln>
+        </p:spPr>
+        <p:style>
+          <a:lnRef idx="2">
+            <a:schemeClr val="accent1">
+              <a:shade val="50000"/>
+            </a:schemeClr>
+          </a:lnRef>
+          <a:fillRef idx="1">
+            <a:schemeClr val="accent1"/>
+          </a:fillRef>
+          <a:effectRef idx="0">
+            <a:schemeClr val="accent1"/>
+          </a:effectRef>
+          <a:fontRef idx="minor">
+            <a:schemeClr val="lt1"/>
+          </a:fontRef>
+        </p:style>
+        <p:txBody>
+          <a:bodyPr rtlCol="0" anchor="ctr"/>
+          <a:lstStyle/>
+          <a:p>
+            <a:pPr algn="ctr"/>
+            <a:endParaRPr lang="en-US"/>
+          </a:p>
+        </p:txBody>
+      </p:sp>
+      <p:sp>
+        <p:nvSpPr>
+          <p:cNvPr id="146" name="Rectangle 145">
+            <a:extLst>
+              <a:ext uri="{FF2B5EF4-FFF2-40B4-BE49-F238E27FC236}">
+                <a16:creationId xmlns:a16="http://schemas.microsoft.com/office/drawing/2014/main" id="{863DF44C-7043-854E-BF8E-938C329835D2}"/>
+              </a:ext>
+            </a:extLst>
+          </p:cNvPr>
+          <p:cNvSpPr/>
+          <p:nvPr/>
+        </p:nvSpPr>
+        <p:spPr>
+          <a:xfrm>
+            <a:off x="2475178" y="4737138"/>
+            <a:ext cx="448236" cy="497542"/>
+          </a:xfrm>
+          <a:prstGeom prst="rect">
+            <a:avLst/>
+          </a:prstGeom>
+          <a:solidFill>
+            <a:schemeClr val="accent6">
+              <a:lumMod val="40000"/>
+              <a:lumOff val="60000"/>
+            </a:schemeClr>
+          </a:solidFill>
+          <a:ln>
+            <a:solidFill>
+              <a:schemeClr val="accent6">
+                <a:lumMod val="60000"/>
+                <a:lumOff val="40000"/>
+              </a:schemeClr>
+            </a:solidFill>
+          </a:ln>
+        </p:spPr>
+        <p:style>
+          <a:lnRef idx="2">
+            <a:schemeClr val="accent1">
+              <a:shade val="50000"/>
+            </a:schemeClr>
+          </a:lnRef>
+          <a:fillRef idx="1">
+            <a:schemeClr val="accent1"/>
+          </a:fillRef>
+          <a:effectRef idx="0">
+            <a:schemeClr val="accent1"/>
+          </a:effectRef>
+          <a:fontRef idx="minor">
+            <a:schemeClr val="lt1"/>
+          </a:fontRef>
+        </p:style>
+        <p:txBody>
+          <a:bodyPr rtlCol="0" anchor="ctr"/>
+          <a:lstStyle/>
+          <a:p>
+            <a:pPr algn="ctr"/>
+            <a:endParaRPr lang="en-US"/>
+          </a:p>
+        </p:txBody>
+      </p:sp>
+      <p:cxnSp>
+        <p:nvCxnSpPr>
+          <p:cNvPr id="147" name="Straight Arrow Connector 146">
+            <a:extLst>
+              <a:ext uri="{FF2B5EF4-FFF2-40B4-BE49-F238E27FC236}">
+                <a16:creationId xmlns:a16="http://schemas.microsoft.com/office/drawing/2014/main" id="{5AF28F79-5B01-9446-9C2A-4CCFD2CF0014}"/>
+              </a:ext>
+            </a:extLst>
+          </p:cNvPr>
+          <p:cNvCxnSpPr>
+            <a:cxnSpLocks/>
+            <a:stCxn id="145" idx="3"/>
+            <a:endCxn id="146" idx="1"/>
+          </p:cNvCxnSpPr>
+          <p:nvPr/>
+        </p:nvCxnSpPr>
+        <p:spPr>
+          <a:xfrm>
+            <a:off x="2098494" y="4985909"/>
+            <a:ext cx="376684" cy="0"/>
+          </a:xfrm>
+          <a:prstGeom prst="straightConnector1">
+            <a:avLst/>
+          </a:prstGeom>
+          <a:ln>
+            <a:solidFill>
+              <a:schemeClr val="bg1">
+                <a:lumMod val="85000"/>
+              </a:schemeClr>
+            </a:solidFill>
+            <a:tailEnd type="triangle"/>
+          </a:ln>
+        </p:spPr>
+        <p:style>
+          <a:lnRef idx="1">
+            <a:schemeClr val="accent1"/>
+          </a:lnRef>
+          <a:fillRef idx="0">
+            <a:schemeClr val="accent1"/>
+          </a:fillRef>
+          <a:effectRef idx="0">
+            <a:schemeClr val="accent1"/>
+          </a:effectRef>
+          <a:fontRef idx="minor">
+            <a:schemeClr val="tx1"/>
+          </a:fontRef>
+        </p:style>
+      </p:cxnSp>
+      <p:sp>
+        <p:nvSpPr>
+          <p:cNvPr id="149" name="Rectangle 148">
+            <a:extLst>
+              <a:ext uri="{FF2B5EF4-FFF2-40B4-BE49-F238E27FC236}">
+                <a16:creationId xmlns:a16="http://schemas.microsoft.com/office/drawing/2014/main" id="{15E95E48-CE36-6949-9A9D-6DE134CD8666}"/>
+              </a:ext>
+            </a:extLst>
+          </p:cNvPr>
+          <p:cNvSpPr/>
+          <p:nvPr/>
+        </p:nvSpPr>
+        <p:spPr>
+          <a:xfrm>
+            <a:off x="5021488" y="4737138"/>
+            <a:ext cx="448236" cy="497542"/>
+          </a:xfrm>
+          <a:prstGeom prst="rect">
+            <a:avLst/>
+          </a:prstGeom>
+          <a:solidFill>
+            <a:schemeClr val="accent2">
+              <a:lumMod val="40000"/>
+              <a:lumOff val="60000"/>
+            </a:schemeClr>
+          </a:solidFill>
+          <a:ln>
+            <a:solidFill>
+              <a:schemeClr val="accent2">
+                <a:lumMod val="60000"/>
+                <a:lumOff val="40000"/>
+              </a:schemeClr>
+            </a:solidFill>
+          </a:ln>
+        </p:spPr>
+        <p:style>
+          <a:lnRef idx="2">
+            <a:schemeClr val="accent1">
+              <a:shade val="50000"/>
+            </a:schemeClr>
+          </a:lnRef>
+          <a:fillRef idx="1">
+            <a:schemeClr val="accent1"/>
+          </a:fillRef>
+          <a:effectRef idx="0">
+            <a:schemeClr val="accent1"/>
+          </a:effectRef>
+          <a:fontRef idx="minor">
+            <a:schemeClr val="lt1"/>
+          </a:fontRef>
+        </p:style>
+        <p:txBody>
+          <a:bodyPr rtlCol="0" anchor="ctr"/>
+          <a:lstStyle/>
+          <a:p>
+            <a:pPr algn="ctr"/>
+            <a:endParaRPr lang="en-US"/>
+          </a:p>
+        </p:txBody>
+      </p:sp>
+      <p:sp>
+        <p:nvSpPr>
+          <p:cNvPr id="74" name="TextBox 73">
+            <a:extLst>
+              <a:ext uri="{FF2B5EF4-FFF2-40B4-BE49-F238E27FC236}">
+                <a16:creationId xmlns:a16="http://schemas.microsoft.com/office/drawing/2014/main" id="{561C5CFB-AFBE-E24E-A1B5-4A9768E769E9}"/>
+              </a:ext>
+            </a:extLst>
+          </p:cNvPr>
+          <p:cNvSpPr txBox="1"/>
+          <p:nvPr/>
+        </p:nvSpPr>
+        <p:spPr>
+          <a:xfrm>
+            <a:off x="2475178" y="1059563"/>
+            <a:ext cx="3558346" cy="369332"/>
+          </a:xfrm>
+          <a:prstGeom prst="rect">
+            <a:avLst/>
+          </a:prstGeom>
+          <a:noFill/>
+        </p:spPr>
+        <p:txBody>
+          <a:bodyPr wrap="none" rtlCol="0">
+            <a:spAutoFit/>
+          </a:bodyPr>
+          <a:lstStyle/>
+          <a:p>
+            <a:r>
+              <a:rPr lang="en-US" dirty="0"/>
+              <a:t>First layer of M kernels of size 8x8x3</a:t>
+            </a:r>
+          </a:p>
+        </p:txBody>
+      </p:sp>
+      <mc:AlternateContent xmlns:mc="http://schemas.openxmlformats.org/markup-compatibility/2006" xmlns:a14="http://schemas.microsoft.com/office/drawing/2010/main">
+        <mc:Choice Requires="a14">
+          <p:sp>
+            <p:nvSpPr>
+              <p:cNvPr id="90" name="TextBox 89">
+                <a:extLst>
+                  <a:ext uri="{FF2B5EF4-FFF2-40B4-BE49-F238E27FC236}">
+                    <a16:creationId xmlns:a16="http://schemas.microsoft.com/office/drawing/2014/main" id="{53A628FF-C6F2-0E4F-B407-DB83C01DA2F3}"/>
+                  </a:ext>
+                </a:extLst>
+              </p:cNvPr>
+              <p:cNvSpPr txBox="1"/>
+              <p:nvPr/>
+            </p:nvSpPr>
+            <p:spPr>
+              <a:xfrm>
+                <a:off x="2498789" y="1614020"/>
+                <a:ext cx="4574073" cy="369332"/>
+              </a:xfrm>
+              <a:prstGeom prst="rect">
+                <a:avLst/>
+              </a:prstGeom>
+              <a:noFill/>
+            </p:spPr>
+            <p:txBody>
+              <a:bodyPr wrap="none" rtlCol="0">
+                <a:spAutoFit/>
+              </a:bodyPr>
+              <a:lstStyle/>
+              <a:p>
+                <a14:m>
+                  <m:oMath xmlns:m="http://schemas.openxmlformats.org/officeDocument/2006/math">
+                    <m:r>
+                      <a:rPr lang="es-ES" b="0" i="1" smtClean="0">
+                        <a:latin typeface="Cambria Math" panose="02040503050406030204" pitchFamily="18" charset="0"/>
+                      </a:rPr>
+                      <m:t>𝐿</m:t>
+                    </m:r>
+                  </m:oMath>
+                </a14:m>
+                <a:r>
+                  <a:rPr lang="en-US" dirty="0"/>
+                  <a:t> succeeding convolutional layers of size 3x3M</a:t>
+                </a:r>
+              </a:p>
+            </p:txBody>
+          </p:sp>
+        </mc:Choice>
+        <mc:Fallback xmlns="">
+          <p:sp>
+            <p:nvSpPr>
+              <p:cNvPr id="90" name="TextBox 89">
+                <a:extLst>
+                  <a:ext uri="{FF2B5EF4-FFF2-40B4-BE49-F238E27FC236}">
+                    <a16:creationId xmlns:a16="http://schemas.microsoft.com/office/drawing/2014/main" id="{53A628FF-C6F2-0E4F-B407-DB83C01DA2F3}"/>
+                  </a:ext>
+                </a:extLst>
+              </p:cNvPr>
+              <p:cNvSpPr txBox="1">
+                <a:spLocks noRot="1" noChangeAspect="1" noMove="1" noResize="1" noEditPoints="1" noAdjustHandles="1" noChangeArrowheads="1" noChangeShapeType="1" noTextEdit="1"/>
+              </p:cNvSpPr>
+              <p:nvPr/>
+            </p:nvSpPr>
+            <p:spPr>
+              <a:xfrm>
+                <a:off x="2498789" y="1614020"/>
+                <a:ext cx="4574073" cy="369332"/>
+              </a:xfrm>
+              <a:prstGeom prst="rect">
+                <a:avLst/>
+              </a:prstGeom>
+              <a:blipFill>
+                <a:blip r:embed="rId5"/>
+                <a:stretch>
+                  <a:fillRect t="-6667" b="-26667"/>
+                </a:stretch>
+              </a:blipFill>
+            </p:spPr>
+            <p:txBody>
+              <a:bodyPr/>
+              <a:lstStyle/>
+              <a:p>
+                <a:r>
+                  <a:rPr lang="en-US">
+                    <a:noFill/>
+                  </a:rPr>
+                  <a:t> </a:t>
+                </a:r>
+              </a:p>
+            </p:txBody>
+          </p:sp>
+        </mc:Fallback>
+      </mc:AlternateContent>
+      <p:sp>
+        <p:nvSpPr>
+          <p:cNvPr id="91" name="TextBox 90">
+            <a:extLst>
+              <a:ext uri="{FF2B5EF4-FFF2-40B4-BE49-F238E27FC236}">
+                <a16:creationId xmlns:a16="http://schemas.microsoft.com/office/drawing/2014/main" id="{B3BF1889-2F23-B34F-BB3E-B1DA61AE3764}"/>
+              </a:ext>
+            </a:extLst>
+          </p:cNvPr>
+          <p:cNvSpPr txBox="1"/>
+          <p:nvPr/>
+        </p:nvSpPr>
+        <p:spPr>
+          <a:xfrm>
+            <a:off x="2475614" y="2168477"/>
+            <a:ext cx="3081806" cy="369332"/>
+          </a:xfrm>
+          <a:prstGeom prst="rect">
+            <a:avLst/>
+          </a:prstGeom>
+          <a:noFill/>
+        </p:spPr>
+        <p:txBody>
+          <a:bodyPr wrap="none" rtlCol="0">
+            <a:spAutoFit/>
+          </a:bodyPr>
+          <a:lstStyle/>
+          <a:p>
+            <a:r>
+              <a:rPr lang="en-US" dirty="0"/>
+              <a:t>Dense Layer of size [8x8xM,10]</a:t>
+            </a:r>
+          </a:p>
+        </p:txBody>
+      </p:sp>
+      <p:sp>
+        <p:nvSpPr>
+          <p:cNvPr id="154" name="Rectangle 153">
+            <a:extLst>
+              <a:ext uri="{FF2B5EF4-FFF2-40B4-BE49-F238E27FC236}">
+                <a16:creationId xmlns:a16="http://schemas.microsoft.com/office/drawing/2014/main" id="{6F1EC704-C7ED-7C41-BFCD-B8C299256788}"/>
+              </a:ext>
+            </a:extLst>
+          </p:cNvPr>
+          <p:cNvSpPr/>
+          <p:nvPr/>
+        </p:nvSpPr>
+        <p:spPr>
+          <a:xfrm>
+            <a:off x="1326858" y="2904300"/>
+            <a:ext cx="448236" cy="497542"/>
+          </a:xfrm>
+          <a:prstGeom prst="rect">
+            <a:avLst/>
+          </a:prstGeom>
+          <a:solidFill>
+            <a:schemeClr val="bg1">
+              <a:lumMod val="85000"/>
+            </a:schemeClr>
+          </a:solidFill>
+          <a:ln>
+            <a:solidFill>
+              <a:schemeClr val="tx1"/>
+            </a:solidFill>
+          </a:ln>
+        </p:spPr>
+        <p:style>
+          <a:lnRef idx="2">
+            <a:schemeClr val="accent1">
+              <a:shade val="50000"/>
+            </a:schemeClr>
+          </a:lnRef>
+          <a:fillRef idx="1">
+            <a:schemeClr val="accent1"/>
+          </a:fillRef>
+          <a:effectRef idx="0">
+            <a:schemeClr val="accent1"/>
+          </a:effectRef>
+          <a:fontRef idx="minor">
+            <a:schemeClr val="lt1"/>
+          </a:fontRef>
+        </p:style>
+        <p:txBody>
+          <a:bodyPr rtlCol="0" anchor="ctr"/>
+          <a:lstStyle/>
+          <a:p>
+            <a:pPr algn="ctr"/>
+            <a:r>
+              <a:rPr lang="en-US" dirty="0">
+                <a:solidFill>
+                  <a:schemeClr val="tx1"/>
+                </a:solidFill>
+              </a:rPr>
+              <a:t>X</a:t>
+            </a:r>
+          </a:p>
+        </p:txBody>
+      </p:sp>
+      <p:cxnSp>
+        <p:nvCxnSpPr>
+          <p:cNvPr id="99" name="Straight Arrow Connector 98">
+            <a:extLst>
+              <a:ext uri="{FF2B5EF4-FFF2-40B4-BE49-F238E27FC236}">
+                <a16:creationId xmlns:a16="http://schemas.microsoft.com/office/drawing/2014/main" id="{9B9C42CA-3133-CD48-93DB-E6806573CBFC}"/>
+              </a:ext>
+            </a:extLst>
+          </p:cNvPr>
+          <p:cNvCxnSpPr>
+            <a:stCxn id="154" idx="3"/>
+            <a:endCxn id="100" idx="1"/>
+          </p:cNvCxnSpPr>
+          <p:nvPr/>
+        </p:nvCxnSpPr>
+        <p:spPr>
+          <a:xfrm>
+            <a:off x="1775094" y="3153071"/>
+            <a:ext cx="340907" cy="0"/>
+          </a:xfrm>
+          <a:prstGeom prst="straightConnector1">
+            <a:avLst/>
+          </a:prstGeom>
+          <a:ln>
+            <a:solidFill>
+              <a:schemeClr val="accent4">
+                <a:lumMod val="40000"/>
+                <a:lumOff val="60000"/>
+              </a:schemeClr>
+            </a:solidFill>
+            <a:tailEnd type="triangle"/>
+          </a:ln>
+        </p:spPr>
+        <p:style>
+          <a:lnRef idx="1">
+            <a:schemeClr val="accent1"/>
+          </a:lnRef>
+          <a:fillRef idx="0">
+            <a:schemeClr val="accent1"/>
+          </a:fillRef>
+          <a:effectRef idx="0">
+            <a:schemeClr val="accent1"/>
+          </a:effectRef>
+          <a:fontRef idx="minor">
+            <a:schemeClr val="tx1"/>
+          </a:fontRef>
+        </p:style>
+      </p:cxnSp>
+      <p:cxnSp>
+        <p:nvCxnSpPr>
+          <p:cNvPr id="156" name="Straight Arrow Connector 155">
+            <a:extLst>
+              <a:ext uri="{FF2B5EF4-FFF2-40B4-BE49-F238E27FC236}">
+                <a16:creationId xmlns:a16="http://schemas.microsoft.com/office/drawing/2014/main" id="{221D0FC7-27AA-8D43-848D-7C091FD9C8EB}"/>
+              </a:ext>
+            </a:extLst>
+          </p:cNvPr>
+          <p:cNvCxnSpPr>
+            <a:stCxn id="134" idx="3"/>
+          </p:cNvCxnSpPr>
+          <p:nvPr/>
+        </p:nvCxnSpPr>
+        <p:spPr>
+          <a:xfrm>
+            <a:off x="5935467" y="3153071"/>
+            <a:ext cx="302963" cy="0"/>
+          </a:xfrm>
+          <a:prstGeom prst="straightConnector1">
+            <a:avLst/>
+          </a:prstGeom>
+          <a:ln>
+            <a:solidFill>
+              <a:schemeClr val="accent2">
+                <a:lumMod val="40000"/>
+                <a:lumOff val="60000"/>
+              </a:schemeClr>
+            </a:solidFill>
+            <a:tailEnd type="triangle"/>
+          </a:ln>
+        </p:spPr>
+        <p:style>
+          <a:lnRef idx="1">
+            <a:schemeClr val="accent1"/>
+          </a:lnRef>
+          <a:fillRef idx="0">
+            <a:schemeClr val="accent1"/>
+          </a:fillRef>
+          <a:effectRef idx="0">
+            <a:schemeClr val="accent1"/>
+          </a:effectRef>
+          <a:fontRef idx="minor">
+            <a:schemeClr val="tx1"/>
+          </a:fontRef>
+        </p:style>
+      </p:cxnSp>
+      <p:sp>
+        <p:nvSpPr>
+          <p:cNvPr id="157" name="TextBox 156">
+            <a:extLst>
+              <a:ext uri="{FF2B5EF4-FFF2-40B4-BE49-F238E27FC236}">
+                <a16:creationId xmlns:a16="http://schemas.microsoft.com/office/drawing/2014/main" id="{7D8D8D5B-EA91-674F-9B6D-38AD524E71EE}"/>
+              </a:ext>
+            </a:extLst>
+          </p:cNvPr>
+          <p:cNvSpPr txBox="1"/>
+          <p:nvPr/>
+        </p:nvSpPr>
+        <p:spPr>
+          <a:xfrm>
+            <a:off x="6312150" y="2968405"/>
+            <a:ext cx="296876" cy="369332"/>
+          </a:xfrm>
+          <a:prstGeom prst="rect">
+            <a:avLst/>
+          </a:prstGeom>
+          <a:noFill/>
+        </p:spPr>
+        <p:txBody>
+          <a:bodyPr wrap="none" rtlCol="0">
+            <a:spAutoFit/>
+          </a:bodyPr>
+          <a:lstStyle/>
+          <a:p>
+            <a:r>
+              <a:rPr lang="en-US" dirty="0"/>
+              <a:t>Y</a:t>
+            </a:r>
+          </a:p>
+        </p:txBody>
+      </p:sp>
+      <p:sp>
+        <p:nvSpPr>
+          <p:cNvPr id="2" name="Rectangle 1">
+            <a:extLst>
+              <a:ext uri="{FF2B5EF4-FFF2-40B4-BE49-F238E27FC236}">
+                <a16:creationId xmlns:a16="http://schemas.microsoft.com/office/drawing/2014/main" id="{D6D57E57-233C-7C46-8D3B-F33D9172E5A4}"/>
+              </a:ext>
+            </a:extLst>
+          </p:cNvPr>
+          <p:cNvSpPr/>
+          <p:nvPr/>
+        </p:nvSpPr>
+        <p:spPr>
+          <a:xfrm>
+            <a:off x="995082" y="797859"/>
+            <a:ext cx="6149789" cy="1972235"/>
+          </a:xfrm>
+          <a:prstGeom prst="rect">
+            <a:avLst/>
+          </a:prstGeom>
+          <a:noFill/>
+          <a:ln>
+            <a:prstDash val="dash"/>
+          </a:ln>
+        </p:spPr>
+        <p:style>
+          <a:lnRef idx="2">
+            <a:schemeClr val="accent1">
+              <a:shade val="50000"/>
+            </a:schemeClr>
+          </a:lnRef>
+          <a:fillRef idx="1">
+            <a:schemeClr val="accent1"/>
+          </a:fillRef>
+          <a:effectRef idx="0">
+            <a:schemeClr val="accent1"/>
+          </a:effectRef>
+          <a:fontRef idx="minor">
+            <a:schemeClr val="lt1"/>
+          </a:fontRef>
+        </p:style>
+        <p:txBody>
+          <a:bodyPr rtlCol="0" anchor="ctr"/>
+          <a:lstStyle/>
+          <a:p>
+            <a:pPr algn="ctr"/>
+            <a:endParaRPr lang="en-US"/>
+          </a:p>
+        </p:txBody>
+      </p:sp>
+    </p:spTree>
+    <p:extLst>
+      <p:ext uri="{BB962C8B-B14F-4D97-AF65-F5344CB8AC3E}">
+        <p14:creationId xmlns:p14="http://schemas.microsoft.com/office/powerpoint/2010/main" val="1196856311"/>
+      </p:ext>
+    </p:extLst>
+  </p:cSld>
+  <p:clrMapOvr>
+    <a:masterClrMapping/>
+  </p:clrMapOvr>
+</p:sld>
+</file>
+
+<file path=ppt/slides/slide5.xml><?xml version="1.0" encoding="utf-8"?>
+<p:sld xmlns:a="http://schemas.openxmlformats.org/drawingml/2006/main" xmlns:r="http://schemas.openxmlformats.org/officeDocument/2006/relationships" xmlns:p="http://schemas.openxmlformats.org/presentationml/2006/main">
+  <p:cSld>
+    <p:spTree>
+      <p:nvGrpSpPr>
+        <p:cNvPr id="1" name=""/>
+        <p:cNvGrpSpPr/>
+        <p:nvPr/>
+      </p:nvGrpSpPr>
+      <p:grpSpPr>
+        <a:xfrm>
+          <a:off x="0" y="0"/>
+          <a:ext cx="0" cy="0"/>
+          <a:chOff x="0" y="0"/>
+          <a:chExt cx="0" cy="0"/>
+        </a:xfrm>
+      </p:grpSpPr>
       <p:sp>
         <p:nvSpPr>
           <p:cNvPr id="2" name="Rectangle 1">
@@ -18231,8 +19851,8 @@
           </a:fontRef>
         </p:style>
       </p:cxnSp>
-      <mc:AlternateContent xmlns:mc="http://schemas.openxmlformats.org/markup-compatibility/2006">
-        <mc:Choice xmlns:a14="http://schemas.microsoft.com/office/drawing/2010/main" Requires="a14">
+      <mc:AlternateContent xmlns:mc="http://schemas.openxmlformats.org/markup-compatibility/2006" xmlns:a14="http://schemas.microsoft.com/office/drawing/2010/main">
+        <mc:Choice Requires="a14">
           <p:sp>
             <p:nvSpPr>
               <p:cNvPr id="14" name="TextBox 13">
@@ -18301,7 +19921,7 @@
             </p:txBody>
           </p:sp>
         </mc:Choice>
-        <mc:Fallback>
+        <mc:Fallback xmlns="">
           <p:sp>
             <p:nvSpPr>
               <p:cNvPr id="14" name="TextBox 13">
@@ -18386,8 +20006,8 @@
           </a:fontRef>
         </p:style>
       </p:cxnSp>
-      <mc:AlternateContent xmlns:mc="http://schemas.openxmlformats.org/markup-compatibility/2006">
-        <mc:Choice xmlns:a14="http://schemas.microsoft.com/office/drawing/2010/main" Requires="a14">
+      <mc:AlternateContent xmlns:mc="http://schemas.openxmlformats.org/markup-compatibility/2006" xmlns:a14="http://schemas.microsoft.com/office/drawing/2010/main">
+        <mc:Choice Requires="a14">
           <p:sp>
             <p:nvSpPr>
               <p:cNvPr id="22" name="TextBox 21">
@@ -18468,7 +20088,7 @@
             </p:txBody>
           </p:sp>
         </mc:Choice>
-        <mc:Fallback>
+        <mc:Fallback xmlns="">
           <p:sp>
             <p:nvSpPr>
               <p:cNvPr id="22" name="TextBox 21">
@@ -18528,7 +20148,7 @@
         <p:spPr>
           <a:xfrm>
             <a:off x="3902656" y="582704"/>
-            <a:ext cx="2189638" cy="369332"/>
+            <a:ext cx="2306657" cy="369332"/>
           </a:xfrm>
           <a:prstGeom prst="rect">
             <a:avLst/>
@@ -18543,7 +20163,7 @@
           <a:p>
             <a:r>
               <a:rPr lang="en-US" dirty="0"/>
-              <a:t>A: Horizontal Division</a:t>
+              <a:t>A1: Horizontal Division</a:t>
             </a:r>
           </a:p>
         </p:txBody>
@@ -18770,8 +20390,8 @@
           </a:fontRef>
         </p:style>
       </p:cxnSp>
-      <mc:AlternateContent xmlns:mc="http://schemas.openxmlformats.org/markup-compatibility/2006">
-        <mc:Choice xmlns:a14="http://schemas.microsoft.com/office/drawing/2010/main" Requires="a14">
+      <mc:AlternateContent xmlns:mc="http://schemas.openxmlformats.org/markup-compatibility/2006" xmlns:a14="http://schemas.microsoft.com/office/drawing/2010/main">
+        <mc:Choice Requires="a14">
           <p:sp>
             <p:nvSpPr>
               <p:cNvPr id="39" name="TextBox 38">
@@ -18840,7 +20460,7 @@
             </p:txBody>
           </p:sp>
         </mc:Choice>
-        <mc:Fallback>
+        <mc:Fallback xmlns="">
           <p:sp>
             <p:nvSpPr>
               <p:cNvPr id="39" name="TextBox 38">
@@ -18927,8 +20547,8 @@
           </a:fontRef>
         </p:style>
       </p:cxnSp>
-      <mc:AlternateContent xmlns:mc="http://schemas.openxmlformats.org/markup-compatibility/2006">
-        <mc:Choice xmlns:a14="http://schemas.microsoft.com/office/drawing/2010/main" Requires="a14">
+      <mc:AlternateContent xmlns:mc="http://schemas.openxmlformats.org/markup-compatibility/2006" xmlns:a14="http://schemas.microsoft.com/office/drawing/2010/main">
+        <mc:Choice Requires="a14">
           <p:sp>
             <p:nvSpPr>
               <p:cNvPr id="41" name="TextBox 40">
@@ -19015,7 +20635,7 @@
             </p:txBody>
           </p:sp>
         </mc:Choice>
-        <mc:Fallback>
+        <mc:Fallback xmlns="">
           <p:sp>
             <p:nvSpPr>
               <p:cNvPr id="41" name="TextBox 40">
@@ -19077,7 +20697,7 @@
             <p:spPr>
               <a:xfrm>
                 <a:off x="638824" y="3654031"/>
-                <a:ext cx="4559005" cy="369332"/>
+                <a:ext cx="4398705" cy="369332"/>
               </a:xfrm>
               <a:prstGeom prst="rect">
                 <a:avLst/>
@@ -19092,7 +20712,7 @@
               <a:p>
                 <a:r>
                   <a:rPr lang="en-US" dirty="0"/>
-                  <a:t>A1.1: Conditioned Horizontal Division </a:t>
+                  <a:t>A2.1: Conditioned Horizontal Division </a:t>
                 </a:r>
                 <a14:m>
                   <m:oMath xmlns:m="http://schemas.openxmlformats.org/officeDocument/2006/math">
@@ -19158,7 +20778,7 @@
             <p:spPr>
               <a:xfrm>
                 <a:off x="638824" y="3654031"/>
-                <a:ext cx="4559005" cy="369332"/>
+                <a:ext cx="4398705" cy="369332"/>
               </a:xfrm>
               <a:prstGeom prst="rect">
                 <a:avLst/>
@@ -19166,7 +20786,7 @@
               <a:blipFill>
                 <a:blip r:embed="rId6"/>
                 <a:stretch>
-                  <a:fillRect l="-833" t="-10345" b="-24138"/>
+                  <a:fillRect l="-862" t="-10345" b="-24138"/>
                 </a:stretch>
               </a:blipFill>
             </p:spPr>
@@ -19565,8 +21185,8 @@
           </a:fontRef>
         </p:style>
       </p:cxnSp>
-      <mc:AlternateContent xmlns:mc="http://schemas.openxmlformats.org/markup-compatibility/2006">
-        <mc:Choice xmlns:a14="http://schemas.microsoft.com/office/drawing/2010/main" Requires="a14">
+      <mc:AlternateContent xmlns:mc="http://schemas.openxmlformats.org/markup-compatibility/2006" xmlns:a14="http://schemas.microsoft.com/office/drawing/2010/main">
+        <mc:Choice Requires="a14">
           <p:sp>
             <p:nvSpPr>
               <p:cNvPr id="31" name="TextBox 30">
@@ -19635,7 +21255,7 @@
             </p:txBody>
           </p:sp>
         </mc:Choice>
-        <mc:Fallback>
+        <mc:Fallback xmlns="">
           <p:sp>
             <p:nvSpPr>
               <p:cNvPr id="31" name="TextBox 30">
@@ -19722,8 +21342,8 @@
           </a:fontRef>
         </p:style>
       </p:cxnSp>
-      <mc:AlternateContent xmlns:mc="http://schemas.openxmlformats.org/markup-compatibility/2006">
-        <mc:Choice xmlns:a14="http://schemas.microsoft.com/office/drawing/2010/main" Requires="a14">
+      <mc:AlternateContent xmlns:mc="http://schemas.openxmlformats.org/markup-compatibility/2006" xmlns:a14="http://schemas.microsoft.com/office/drawing/2010/main">
+        <mc:Choice Requires="a14">
           <p:sp>
             <p:nvSpPr>
               <p:cNvPr id="33" name="TextBox 32">
@@ -19810,7 +21430,7 @@
             </p:txBody>
           </p:sp>
         </mc:Choice>
-        <mc:Fallback>
+        <mc:Fallback xmlns="">
           <p:sp>
             <p:nvSpPr>
               <p:cNvPr id="33" name="TextBox 32">
@@ -19887,7 +21507,7 @@
               <a:p>
                 <a:r>
                   <a:rPr lang="en-US" dirty="0"/>
-                  <a:t>A1.2: Conditioned Horizontal Division </a:t>
+                  <a:t>A2.2: Conditioned Horizontal Division </a:t>
                 </a:r>
                 <a14:m>
                   <m:oMath xmlns:m="http://schemas.openxmlformats.org/officeDocument/2006/math">
@@ -20072,7 +21692,7 @@
 </p:sld>
 </file>
 
-<file path=ppt/slides/slide5.xml><?xml version="1.0" encoding="utf-8"?>
+<file path=ppt/slides/slide6.xml><?xml version="1.0" encoding="utf-8"?>
 <p:sld xmlns:a="http://schemas.openxmlformats.org/drawingml/2006/main" xmlns:r="http://schemas.openxmlformats.org/officeDocument/2006/relationships" xmlns:p="http://schemas.openxmlformats.org/presentationml/2006/main">
   <p:cSld>
     <p:spTree>
@@ -20521,8 +22141,8 @@
           </a:fontRef>
         </p:style>
       </p:cxnSp>
-      <mc:AlternateContent xmlns:mc="http://schemas.openxmlformats.org/markup-compatibility/2006">
-        <mc:Choice xmlns:a14="http://schemas.microsoft.com/office/drawing/2010/main" Requires="a14">
+      <mc:AlternateContent xmlns:mc="http://schemas.openxmlformats.org/markup-compatibility/2006" xmlns:a14="http://schemas.microsoft.com/office/drawing/2010/main">
+        <mc:Choice Requires="a14">
           <p:sp>
             <p:nvSpPr>
               <p:cNvPr id="29" name="TextBox 28">
@@ -20603,7 +22223,7 @@
             </p:txBody>
           </p:sp>
         </mc:Choice>
-        <mc:Fallback>
+        <mc:Fallback xmlns="">
           <p:sp>
             <p:nvSpPr>
               <p:cNvPr id="29" name="TextBox 28">
@@ -20690,8 +22310,8 @@
           </a:fontRef>
         </p:style>
       </p:cxnSp>
-      <mc:AlternateContent xmlns:mc="http://schemas.openxmlformats.org/markup-compatibility/2006">
-        <mc:Choice xmlns:a14="http://schemas.microsoft.com/office/drawing/2010/main" Requires="a14">
+      <mc:AlternateContent xmlns:mc="http://schemas.openxmlformats.org/markup-compatibility/2006" xmlns:a14="http://schemas.microsoft.com/office/drawing/2010/main">
+        <mc:Choice Requires="a14">
           <p:sp>
             <p:nvSpPr>
               <p:cNvPr id="31" name="TextBox 30">
@@ -20760,7 +22380,7 @@
             </p:txBody>
           </p:sp>
         </mc:Choice>
-        <mc:Fallback>
+        <mc:Fallback xmlns="">
           <p:sp>
             <p:nvSpPr>
               <p:cNvPr id="31" name="TextBox 30">
@@ -20840,8 +22460,8 @@
           </a:p>
         </p:txBody>
       </p:sp>
-      <mc:AlternateContent xmlns:mc="http://schemas.openxmlformats.org/markup-compatibility/2006">
-        <mc:Choice xmlns:a14="http://schemas.microsoft.com/office/drawing/2010/main" Requires="a14">
+      <mc:AlternateContent xmlns:mc="http://schemas.openxmlformats.org/markup-compatibility/2006" xmlns:a14="http://schemas.microsoft.com/office/drawing/2010/main">
+        <mc:Choice Requires="a14">
           <p:sp>
             <p:nvSpPr>
               <p:cNvPr id="42" name="TextBox 41">
@@ -20920,7 +22540,7 @@
             </p:txBody>
           </p:sp>
         </mc:Choice>
-        <mc:Fallback>
+        <mc:Fallback xmlns="">
           <p:sp>
             <p:nvSpPr>
               <p:cNvPr id="42" name="TextBox 41">
@@ -21187,8 +22807,8 @@
           </a:fontRef>
         </p:style>
       </p:cxnSp>
-      <mc:AlternateContent xmlns:mc="http://schemas.openxmlformats.org/markup-compatibility/2006">
-        <mc:Choice xmlns:a14="http://schemas.microsoft.com/office/drawing/2010/main" Requires="a14">
+      <mc:AlternateContent xmlns:mc="http://schemas.openxmlformats.org/markup-compatibility/2006" xmlns:a14="http://schemas.microsoft.com/office/drawing/2010/main">
+        <mc:Choice Requires="a14">
           <p:sp>
             <p:nvSpPr>
               <p:cNvPr id="51" name="TextBox 50">
@@ -21275,7 +22895,7 @@
             </p:txBody>
           </p:sp>
         </mc:Choice>
-        <mc:Fallback>
+        <mc:Fallback xmlns="">
           <p:sp>
             <p:nvSpPr>
               <p:cNvPr id="51" name="TextBox 50">
@@ -21362,8 +22982,8 @@
           </a:fontRef>
         </p:style>
       </p:cxnSp>
-      <mc:AlternateContent xmlns:mc="http://schemas.openxmlformats.org/markup-compatibility/2006">
-        <mc:Choice xmlns:a14="http://schemas.microsoft.com/office/drawing/2010/main" Requires="a14">
+      <mc:AlternateContent xmlns:mc="http://schemas.openxmlformats.org/markup-compatibility/2006" xmlns:a14="http://schemas.microsoft.com/office/drawing/2010/main">
+        <mc:Choice Requires="a14">
           <p:sp>
             <p:nvSpPr>
               <p:cNvPr id="53" name="TextBox 52">
@@ -21432,7 +23052,7 @@
             </p:txBody>
           </p:sp>
         </mc:Choice>
-        <mc:Fallback>
+        <mc:Fallback xmlns="">
           <p:sp>
             <p:nvSpPr>
               <p:cNvPr id="53" name="TextBox 52">
@@ -21635,8 +23255,8 @@
           </a:p>
         </p:txBody>
       </p:sp>
-      <mc:AlternateContent xmlns:mc="http://schemas.openxmlformats.org/markup-compatibility/2006">
-        <mc:Choice xmlns:a14="http://schemas.microsoft.com/office/drawing/2010/main" Requires="a14">
+      <mc:AlternateContent xmlns:mc="http://schemas.openxmlformats.org/markup-compatibility/2006" xmlns:a14="http://schemas.microsoft.com/office/drawing/2010/main">
+        <mc:Choice Requires="a14">
           <p:sp>
             <p:nvSpPr>
               <p:cNvPr id="36" name="TextBox 35">
@@ -21715,7 +23335,7 @@
             </p:txBody>
           </p:sp>
         </mc:Choice>
-        <mc:Fallback>
+        <mc:Fallback xmlns="">
           <p:sp>
             <p:nvSpPr>
               <p:cNvPr id="36" name="TextBox 35">
@@ -21982,8 +23602,8 @@
           </a:fontRef>
         </p:style>
       </p:cxnSp>
-      <mc:AlternateContent xmlns:mc="http://schemas.openxmlformats.org/markup-compatibility/2006">
-        <mc:Choice xmlns:a14="http://schemas.microsoft.com/office/drawing/2010/main" Requires="a14">
+      <mc:AlternateContent xmlns:mc="http://schemas.openxmlformats.org/markup-compatibility/2006" xmlns:a14="http://schemas.microsoft.com/office/drawing/2010/main">
+        <mc:Choice Requires="a14">
           <p:sp>
             <p:nvSpPr>
               <p:cNvPr id="41" name="TextBox 40">
@@ -22070,7 +23690,7 @@
             </p:txBody>
           </p:sp>
         </mc:Choice>
-        <mc:Fallback>
+        <mc:Fallback xmlns="">
           <p:sp>
             <p:nvSpPr>
               <p:cNvPr id="41" name="TextBox 40">
@@ -22157,8 +23777,8 @@
           </a:fontRef>
         </p:style>
       </p:cxnSp>
-      <mc:AlternateContent xmlns:mc="http://schemas.openxmlformats.org/markup-compatibility/2006">
-        <mc:Choice xmlns:a14="http://schemas.microsoft.com/office/drawing/2010/main" Requires="a14">
+      <mc:AlternateContent xmlns:mc="http://schemas.openxmlformats.org/markup-compatibility/2006" xmlns:a14="http://schemas.microsoft.com/office/drawing/2010/main">
+        <mc:Choice Requires="a14">
           <p:sp>
             <p:nvSpPr>
               <p:cNvPr id="44" name="TextBox 43">
@@ -22227,7 +23847,7 @@
             </p:txBody>
           </p:sp>
         </mc:Choice>
-        <mc:Fallback>
+        <mc:Fallback xmlns="">
           <p:sp>
             <p:nvSpPr>
               <p:cNvPr id="44" name="TextBox 43">
@@ -22364,7 +23984,7 @@
 </p:sld>
 </file>
 
-<file path=ppt/slides/slide6.xml><?xml version="1.0" encoding="utf-8"?>
+<file path=ppt/slides/slide7.xml><?xml version="1.0" encoding="utf-8"?>
 <p:sld xmlns:a="http://schemas.openxmlformats.org/drawingml/2006/main" xmlns:r="http://schemas.openxmlformats.org/officeDocument/2006/relationships" xmlns:p="http://schemas.openxmlformats.org/presentationml/2006/main">
   <p:cSld>
     <p:spTree>
@@ -24022,7 +25642,7 @@
 </p:sld>
 </file>
 
-<file path=ppt/slides/slide7.xml><?xml version="1.0" encoding="utf-8"?>
+<file path=ppt/slides/slide8.xml><?xml version="1.0" encoding="utf-8"?>
 <p:sld xmlns:a="http://schemas.openxmlformats.org/drawingml/2006/main" xmlns:r="http://schemas.openxmlformats.org/officeDocument/2006/relationships" xmlns:p="http://schemas.openxmlformats.org/presentationml/2006/main">
   <p:cSld>
     <p:spTree>
@@ -29623,1611 +31243,6 @@
 </p:sld>
 </file>
 
-<file path=ppt/slides/slide8.xml><?xml version="1.0" encoding="utf-8"?>
-<p:sld xmlns:a="http://schemas.openxmlformats.org/drawingml/2006/main" xmlns:r="http://schemas.openxmlformats.org/officeDocument/2006/relationships" xmlns:p="http://schemas.openxmlformats.org/presentationml/2006/main">
-  <p:cSld>
-    <p:spTree>
-      <p:nvGrpSpPr>
-        <p:cNvPr id="1" name=""/>
-        <p:cNvGrpSpPr/>
-        <p:nvPr/>
-      </p:nvGrpSpPr>
-      <p:grpSpPr>
-        <a:xfrm>
-          <a:off x="0" y="0"/>
-          <a:ext cx="0" cy="0"/>
-          <a:chOff x="0" y="0"/>
-          <a:chExt cx="0" cy="0"/>
-        </a:xfrm>
-      </p:grpSpPr>
-      <mc:AlternateContent xmlns:mc="http://schemas.openxmlformats.org/markup-compatibility/2006">
-        <mc:Choice xmlns:a14="http://schemas.microsoft.com/office/drawing/2010/main" Requires="a14">
-          <p:sp>
-            <p:nvSpPr>
-              <p:cNvPr id="112" name="Rectangle 111">
-                <a:extLst>
-                  <a:ext uri="{FF2B5EF4-FFF2-40B4-BE49-F238E27FC236}">
-                    <a16:creationId xmlns:a16="http://schemas.microsoft.com/office/drawing/2014/main" id="{B644517A-F991-C946-93D8-DD0AFF6C381F}"/>
-                  </a:ext>
-                </a:extLst>
-              </p:cNvPr>
-              <p:cNvSpPr/>
-              <p:nvPr/>
-            </p:nvSpPr>
-            <p:spPr>
-              <a:xfrm>
-                <a:off x="1750181" y="995459"/>
-                <a:ext cx="448236" cy="497542"/>
-              </a:xfrm>
-              <a:prstGeom prst="rect">
-                <a:avLst/>
-              </a:prstGeom>
-              <a:solidFill>
-                <a:schemeClr val="accent4">
-                  <a:lumMod val="40000"/>
-                  <a:lumOff val="60000"/>
-                </a:schemeClr>
-              </a:solidFill>
-              <a:ln>
-                <a:solidFill>
-                  <a:schemeClr val="accent4">
-                    <a:lumMod val="60000"/>
-                    <a:lumOff val="40000"/>
-                  </a:schemeClr>
-                </a:solidFill>
-              </a:ln>
-            </p:spPr>
-            <p:style>
-              <a:lnRef idx="2">
-                <a:schemeClr val="accent1">
-                  <a:shade val="50000"/>
-                </a:schemeClr>
-              </a:lnRef>
-              <a:fillRef idx="1">
-                <a:schemeClr val="accent1"/>
-              </a:fillRef>
-              <a:effectRef idx="0">
-                <a:schemeClr val="accent1"/>
-              </a:effectRef>
-              <a:fontRef idx="minor">
-                <a:schemeClr val="lt1"/>
-              </a:fontRef>
-            </p:style>
-            <p:txBody>
-              <a:bodyPr lIns="182880" rIns="91440" rtlCol="0" anchor="ctr"/>
-              <a:lstStyle/>
-              <a:p>
-                <a:pPr algn="ctr"/>
-                <a14:m>
-                  <m:oMathPara xmlns:m="http://schemas.openxmlformats.org/officeDocument/2006/math">
-                    <m:oMathParaPr>
-                      <m:jc m:val="centerGroup"/>
-                    </m:oMathParaPr>
-                    <m:oMath xmlns:m="http://schemas.openxmlformats.org/officeDocument/2006/math">
-                      <m:sSub>
-                        <m:sSubPr>
-                          <m:ctrlPr>
-                            <a:rPr lang="en-US" i="1" dirty="0" smtClean="0">
-                              <a:solidFill>
-                                <a:schemeClr val="tx1"/>
-                              </a:solidFill>
-                              <a:latin typeface="Cambria Math" panose="02040503050406030204" pitchFamily="18" charset="0"/>
-                            </a:rPr>
-                          </m:ctrlPr>
-                        </m:sSubPr>
-                        <m:e>
-                          <m:r>
-                            <a:rPr lang="es-ES" i="1" dirty="0">
-                              <a:solidFill>
-                                <a:schemeClr val="tx1"/>
-                              </a:solidFill>
-                              <a:latin typeface="Cambria Math" panose="02040503050406030204" pitchFamily="18" charset="0"/>
-                            </a:rPr>
-                            <m:t>𝑉</m:t>
-                          </m:r>
-                        </m:e>
-                        <m:sub>
-                          <m:r>
-                            <a:rPr lang="es-ES" i="1" dirty="0">
-                              <a:solidFill>
-                                <a:schemeClr val="tx1"/>
-                              </a:solidFill>
-                              <a:latin typeface="Cambria Math" panose="02040503050406030204" pitchFamily="18" charset="0"/>
-                            </a:rPr>
-                            <m:t>𝑚</m:t>
-                          </m:r>
-                        </m:sub>
-                      </m:sSub>
-                    </m:oMath>
-                  </m:oMathPara>
-                </a14:m>
-                <a:endParaRPr lang="en-US" dirty="0">
-                  <a:solidFill>
-                    <a:schemeClr val="tx1"/>
-                  </a:solidFill>
-                </a:endParaRPr>
-              </a:p>
-            </p:txBody>
-          </p:sp>
-        </mc:Choice>
-        <mc:Fallback>
-          <p:sp>
-            <p:nvSpPr>
-              <p:cNvPr id="112" name="Rectangle 111">
-                <a:extLst>
-                  <a:ext uri="{FF2B5EF4-FFF2-40B4-BE49-F238E27FC236}">
-                    <a16:creationId xmlns:a16="http://schemas.microsoft.com/office/drawing/2014/main" id="{B644517A-F991-C946-93D8-DD0AFF6C381F}"/>
-                  </a:ext>
-                </a:extLst>
-              </p:cNvPr>
-              <p:cNvSpPr>
-                <a:spLocks noRot="1" noChangeAspect="1" noMove="1" noResize="1" noEditPoints="1" noAdjustHandles="1" noChangeArrowheads="1" noChangeShapeType="1" noTextEdit="1"/>
-              </p:cNvSpPr>
-              <p:nvPr/>
-            </p:nvSpPr>
-            <p:spPr>
-              <a:xfrm>
-                <a:off x="1750181" y="995459"/>
-                <a:ext cx="448236" cy="497542"/>
-              </a:xfrm>
-              <a:prstGeom prst="rect">
-                <a:avLst/>
-              </a:prstGeom>
-              <a:blipFill>
-                <a:blip r:embed="rId2"/>
-                <a:stretch>
-                  <a:fillRect/>
-                </a:stretch>
-              </a:blipFill>
-              <a:ln>
-                <a:solidFill>
-                  <a:schemeClr val="accent4">
-                    <a:lumMod val="60000"/>
-                    <a:lumOff val="40000"/>
-                  </a:schemeClr>
-                </a:solidFill>
-              </a:ln>
-            </p:spPr>
-            <p:txBody>
-              <a:bodyPr/>
-              <a:lstStyle/>
-              <a:p>
-                <a:r>
-                  <a:rPr lang="en-US">
-                    <a:noFill/>
-                  </a:rPr>
-                  <a:t> </a:t>
-                </a:r>
-              </a:p>
-            </p:txBody>
-          </p:sp>
-        </mc:Fallback>
-      </mc:AlternateContent>
-      <mc:AlternateContent xmlns:mc="http://schemas.openxmlformats.org/markup-compatibility/2006">
-        <mc:Choice xmlns:a14="http://schemas.microsoft.com/office/drawing/2010/main" Requires="a14">
-          <p:sp>
-            <p:nvSpPr>
-              <p:cNvPr id="113" name="Rectangle 112">
-                <a:extLst>
-                  <a:ext uri="{FF2B5EF4-FFF2-40B4-BE49-F238E27FC236}">
-                    <a16:creationId xmlns:a16="http://schemas.microsoft.com/office/drawing/2014/main" id="{E3B67087-7958-CC4F-AA4A-B3A8600C0968}"/>
-                  </a:ext>
-                </a:extLst>
-              </p:cNvPr>
-              <p:cNvSpPr/>
-              <p:nvPr/>
-            </p:nvSpPr>
-            <p:spPr>
-              <a:xfrm>
-                <a:off x="1750181" y="1571246"/>
-                <a:ext cx="448236" cy="497542"/>
-              </a:xfrm>
-              <a:prstGeom prst="rect">
-                <a:avLst/>
-              </a:prstGeom>
-              <a:solidFill>
-                <a:schemeClr val="accent6">
-                  <a:lumMod val="40000"/>
-                  <a:lumOff val="60000"/>
-                </a:schemeClr>
-              </a:solidFill>
-              <a:ln>
-                <a:solidFill>
-                  <a:schemeClr val="accent6">
-                    <a:lumMod val="60000"/>
-                    <a:lumOff val="40000"/>
-                  </a:schemeClr>
-                </a:solidFill>
-              </a:ln>
-            </p:spPr>
-            <p:style>
-              <a:lnRef idx="2">
-                <a:schemeClr val="accent1">
-                  <a:shade val="50000"/>
-                </a:schemeClr>
-              </a:lnRef>
-              <a:fillRef idx="1">
-                <a:schemeClr val="accent1"/>
-              </a:fillRef>
-              <a:effectRef idx="0">
-                <a:schemeClr val="accent1"/>
-              </a:effectRef>
-              <a:fontRef idx="minor">
-                <a:schemeClr val="lt1"/>
-              </a:fontRef>
-            </p:style>
-            <p:txBody>
-              <a:bodyPr lIns="182880" rIns="91440" rtlCol="0" anchor="ctr"/>
-              <a:lstStyle/>
-              <a:p>
-                <a:pPr algn="ctr"/>
-                <a14:m>
-                  <m:oMathPara xmlns:m="http://schemas.openxmlformats.org/officeDocument/2006/math">
-                    <m:oMathParaPr>
-                      <m:jc m:val="centerGroup"/>
-                    </m:oMathParaPr>
-                    <m:oMath xmlns:m="http://schemas.openxmlformats.org/officeDocument/2006/math">
-                      <m:sSup>
-                        <m:sSupPr>
-                          <m:ctrlPr>
-                            <a:rPr lang="en-US" i="1" smtClean="0">
-                              <a:solidFill>
-                                <a:schemeClr val="tx1"/>
-                              </a:solidFill>
-                              <a:latin typeface="Cambria Math" panose="02040503050406030204" pitchFamily="18" charset="0"/>
-                            </a:rPr>
-                          </m:ctrlPr>
-                        </m:sSupPr>
-                        <m:e>
-                          <m:r>
-                            <a:rPr lang="es-ES" i="1">
-                              <a:solidFill>
-                                <a:schemeClr val="tx1"/>
-                              </a:solidFill>
-                              <a:latin typeface="Cambria Math" panose="02040503050406030204" pitchFamily="18" charset="0"/>
-                            </a:rPr>
-                            <m:t>𝑊</m:t>
-                          </m:r>
-                        </m:e>
-                        <m:sup>
-                          <m:r>
-                            <a:rPr lang="es-ES" i="1">
-                              <a:solidFill>
-                                <a:schemeClr val="tx1"/>
-                              </a:solidFill>
-                              <a:latin typeface="Cambria Math" panose="02040503050406030204" pitchFamily="18" charset="0"/>
-                            </a:rPr>
-                            <m:t>𝑙</m:t>
-                          </m:r>
-                        </m:sup>
-                      </m:sSup>
-                    </m:oMath>
-                  </m:oMathPara>
-                </a14:m>
-                <a:endParaRPr lang="en-US" dirty="0">
-                  <a:solidFill>
-                    <a:schemeClr val="tx1"/>
-                  </a:solidFill>
-                </a:endParaRPr>
-              </a:p>
-            </p:txBody>
-          </p:sp>
-        </mc:Choice>
-        <mc:Fallback>
-          <p:sp>
-            <p:nvSpPr>
-              <p:cNvPr id="113" name="Rectangle 112">
-                <a:extLst>
-                  <a:ext uri="{FF2B5EF4-FFF2-40B4-BE49-F238E27FC236}">
-                    <a16:creationId xmlns:a16="http://schemas.microsoft.com/office/drawing/2014/main" id="{E3B67087-7958-CC4F-AA4A-B3A8600C0968}"/>
-                  </a:ext>
-                </a:extLst>
-              </p:cNvPr>
-              <p:cNvSpPr>
-                <a:spLocks noRot="1" noChangeAspect="1" noMove="1" noResize="1" noEditPoints="1" noAdjustHandles="1" noChangeArrowheads="1" noChangeShapeType="1" noTextEdit="1"/>
-              </p:cNvSpPr>
-              <p:nvPr/>
-            </p:nvSpPr>
-            <p:spPr>
-              <a:xfrm>
-                <a:off x="1750181" y="1571246"/>
-                <a:ext cx="448236" cy="497542"/>
-              </a:xfrm>
-              <a:prstGeom prst="rect">
-                <a:avLst/>
-              </a:prstGeom>
-              <a:blipFill>
-                <a:blip r:embed="rId3"/>
-                <a:stretch>
-                  <a:fillRect/>
-                </a:stretch>
-              </a:blipFill>
-              <a:ln>
-                <a:solidFill>
-                  <a:schemeClr val="accent6">
-                    <a:lumMod val="60000"/>
-                    <a:lumOff val="40000"/>
-                  </a:schemeClr>
-                </a:solidFill>
-              </a:ln>
-            </p:spPr>
-            <p:txBody>
-              <a:bodyPr/>
-              <a:lstStyle/>
-              <a:p>
-                <a:r>
-                  <a:rPr lang="en-US">
-                    <a:noFill/>
-                  </a:rPr>
-                  <a:t> </a:t>
-                </a:r>
-              </a:p>
-            </p:txBody>
-          </p:sp>
-        </mc:Fallback>
-      </mc:AlternateContent>
-      <mc:AlternateContent xmlns:mc="http://schemas.openxmlformats.org/markup-compatibility/2006">
-        <mc:Choice xmlns:a14="http://schemas.microsoft.com/office/drawing/2010/main" Requires="a14">
-          <p:sp>
-            <p:nvSpPr>
-              <p:cNvPr id="114" name="Rectangle 113">
-                <a:extLst>
-                  <a:ext uri="{FF2B5EF4-FFF2-40B4-BE49-F238E27FC236}">
-                    <a16:creationId xmlns:a16="http://schemas.microsoft.com/office/drawing/2014/main" id="{0634C613-509B-634F-A1DA-83322729F34B}"/>
-                  </a:ext>
-                </a:extLst>
-              </p:cNvPr>
-              <p:cNvSpPr/>
-              <p:nvPr/>
-            </p:nvSpPr>
-            <p:spPr>
-              <a:xfrm>
-                <a:off x="1748669" y="2142077"/>
-                <a:ext cx="448236" cy="497542"/>
-              </a:xfrm>
-              <a:prstGeom prst="rect">
-                <a:avLst/>
-              </a:prstGeom>
-              <a:solidFill>
-                <a:schemeClr val="accent2">
-                  <a:lumMod val="40000"/>
-                  <a:lumOff val="60000"/>
-                </a:schemeClr>
-              </a:solidFill>
-              <a:ln>
-                <a:solidFill>
-                  <a:schemeClr val="accent2">
-                    <a:lumMod val="60000"/>
-                    <a:lumOff val="40000"/>
-                  </a:schemeClr>
-                </a:solidFill>
-              </a:ln>
-            </p:spPr>
-            <p:style>
-              <a:lnRef idx="2">
-                <a:schemeClr val="accent1">
-                  <a:shade val="50000"/>
-                </a:schemeClr>
-              </a:lnRef>
-              <a:fillRef idx="1">
-                <a:schemeClr val="accent1"/>
-              </a:fillRef>
-              <a:effectRef idx="0">
-                <a:schemeClr val="accent1"/>
-              </a:effectRef>
-              <a:fontRef idx="minor">
-                <a:schemeClr val="lt1"/>
-              </a:fontRef>
-            </p:style>
-            <p:txBody>
-              <a:bodyPr lIns="182880" rIns="91440" rtlCol="0" anchor="ctr"/>
-              <a:lstStyle/>
-              <a:p>
-                <a:pPr algn="ctr"/>
-                <a14:m>
-                  <m:oMathPara xmlns:m="http://schemas.openxmlformats.org/officeDocument/2006/math">
-                    <m:oMathParaPr>
-                      <m:jc m:val="centerGroup"/>
-                    </m:oMathParaPr>
-                    <m:oMath xmlns:m="http://schemas.openxmlformats.org/officeDocument/2006/math">
-                      <m:r>
-                        <a:rPr lang="es-ES" b="0" i="1" smtClean="0">
-                          <a:solidFill>
-                            <a:schemeClr val="tx1"/>
-                          </a:solidFill>
-                          <a:latin typeface="Cambria Math" panose="02040503050406030204" pitchFamily="18" charset="0"/>
-                        </a:rPr>
-                        <m:t>𝐶</m:t>
-                      </m:r>
-                    </m:oMath>
-                  </m:oMathPara>
-                </a14:m>
-                <a:endParaRPr lang="en-US" dirty="0"/>
-              </a:p>
-            </p:txBody>
-          </p:sp>
-        </mc:Choice>
-        <mc:Fallback>
-          <p:sp>
-            <p:nvSpPr>
-              <p:cNvPr id="114" name="Rectangle 113">
-                <a:extLst>
-                  <a:ext uri="{FF2B5EF4-FFF2-40B4-BE49-F238E27FC236}">
-                    <a16:creationId xmlns:a16="http://schemas.microsoft.com/office/drawing/2014/main" id="{0634C613-509B-634F-A1DA-83322729F34B}"/>
-                  </a:ext>
-                </a:extLst>
-              </p:cNvPr>
-              <p:cNvSpPr>
-                <a:spLocks noRot="1" noChangeAspect="1" noMove="1" noResize="1" noEditPoints="1" noAdjustHandles="1" noChangeArrowheads="1" noChangeShapeType="1" noTextEdit="1"/>
-              </p:cNvSpPr>
-              <p:nvPr/>
-            </p:nvSpPr>
-            <p:spPr>
-              <a:xfrm>
-                <a:off x="1748669" y="2142077"/>
-                <a:ext cx="448236" cy="497542"/>
-              </a:xfrm>
-              <a:prstGeom prst="rect">
-                <a:avLst/>
-              </a:prstGeom>
-              <a:blipFill>
-                <a:blip r:embed="rId4"/>
-                <a:stretch>
-                  <a:fillRect/>
-                </a:stretch>
-              </a:blipFill>
-              <a:ln>
-                <a:solidFill>
-                  <a:schemeClr val="accent2">
-                    <a:lumMod val="60000"/>
-                    <a:lumOff val="40000"/>
-                  </a:schemeClr>
-                </a:solidFill>
-              </a:ln>
-            </p:spPr>
-            <p:txBody>
-              <a:bodyPr/>
-              <a:lstStyle/>
-              <a:p>
-                <a:r>
-                  <a:rPr lang="en-US">
-                    <a:noFill/>
-                  </a:rPr>
-                  <a:t> </a:t>
-                </a:r>
-              </a:p>
-            </p:txBody>
-          </p:sp>
-        </mc:Fallback>
-      </mc:AlternateContent>
-      <p:sp>
-        <p:nvSpPr>
-          <p:cNvPr id="116" name="TextBox 115">
-            <a:extLst>
-              <a:ext uri="{FF2B5EF4-FFF2-40B4-BE49-F238E27FC236}">
-                <a16:creationId xmlns:a16="http://schemas.microsoft.com/office/drawing/2014/main" id="{D2A76362-243B-3C4A-B5D0-455D60B9A63A}"/>
-              </a:ext>
-            </a:extLst>
-          </p:cNvPr>
-          <p:cNvSpPr txBox="1"/>
-          <p:nvPr/>
-        </p:nvSpPr>
-        <p:spPr>
-          <a:xfrm>
-            <a:off x="3376508" y="626127"/>
-            <a:ext cx="864019" cy="369332"/>
-          </a:xfrm>
-          <a:prstGeom prst="rect">
-            <a:avLst/>
-          </a:prstGeom>
-          <a:noFill/>
-        </p:spPr>
-        <p:txBody>
-          <a:bodyPr wrap="none" rtlCol="0">
-            <a:spAutoFit/>
-          </a:bodyPr>
-          <a:lstStyle/>
-          <a:p>
-            <a:r>
-              <a:rPr lang="en-US" dirty="0"/>
-              <a:t>Legend</a:t>
-            </a:r>
-          </a:p>
-        </p:txBody>
-      </p:sp>
-      <p:sp>
-        <p:nvSpPr>
-          <p:cNvPr id="100" name="Rectangle 99">
-            <a:extLst>
-              <a:ext uri="{FF2B5EF4-FFF2-40B4-BE49-F238E27FC236}">
-                <a16:creationId xmlns:a16="http://schemas.microsoft.com/office/drawing/2014/main" id="{A9665318-3E26-A443-AA51-AA59490C95EC}"/>
-              </a:ext>
-            </a:extLst>
-          </p:cNvPr>
-          <p:cNvSpPr/>
-          <p:nvPr/>
-        </p:nvSpPr>
-        <p:spPr>
-          <a:xfrm>
-            <a:off x="2116001" y="2904300"/>
-            <a:ext cx="448236" cy="497542"/>
-          </a:xfrm>
-          <a:prstGeom prst="rect">
-            <a:avLst/>
-          </a:prstGeom>
-          <a:solidFill>
-            <a:schemeClr val="accent4">
-              <a:lumMod val="40000"/>
-              <a:lumOff val="60000"/>
-            </a:schemeClr>
-          </a:solidFill>
-          <a:ln>
-            <a:solidFill>
-              <a:schemeClr val="accent4">
-                <a:lumMod val="60000"/>
-                <a:lumOff val="40000"/>
-              </a:schemeClr>
-            </a:solidFill>
-          </a:ln>
-        </p:spPr>
-        <p:style>
-          <a:lnRef idx="2">
-            <a:schemeClr val="accent1">
-              <a:shade val="50000"/>
-            </a:schemeClr>
-          </a:lnRef>
-          <a:fillRef idx="1">
-            <a:schemeClr val="accent1"/>
-          </a:fillRef>
-          <a:effectRef idx="0">
-            <a:schemeClr val="accent1"/>
-          </a:effectRef>
-          <a:fontRef idx="minor">
-            <a:schemeClr val="lt1"/>
-          </a:fontRef>
-        </p:style>
-        <p:txBody>
-          <a:bodyPr rtlCol="0" anchor="ctr"/>
-          <a:lstStyle/>
-          <a:p>
-            <a:pPr algn="ctr"/>
-            <a:endParaRPr lang="en-US"/>
-          </a:p>
-        </p:txBody>
-      </p:sp>
-      <p:sp>
-        <p:nvSpPr>
-          <p:cNvPr id="101" name="Rectangle 100">
-            <a:extLst>
-              <a:ext uri="{FF2B5EF4-FFF2-40B4-BE49-F238E27FC236}">
-                <a16:creationId xmlns:a16="http://schemas.microsoft.com/office/drawing/2014/main" id="{03124A20-7C3B-AF46-A362-57E39D2C5A83}"/>
-              </a:ext>
-            </a:extLst>
-          </p:cNvPr>
-          <p:cNvSpPr/>
-          <p:nvPr/>
-        </p:nvSpPr>
-        <p:spPr>
-          <a:xfrm>
-            <a:off x="2940921" y="2904300"/>
-            <a:ext cx="448236" cy="497542"/>
-          </a:xfrm>
-          <a:prstGeom prst="rect">
-            <a:avLst/>
-          </a:prstGeom>
-          <a:solidFill>
-            <a:schemeClr val="accent6">
-              <a:lumMod val="40000"/>
-              <a:lumOff val="60000"/>
-            </a:schemeClr>
-          </a:solidFill>
-          <a:ln>
-            <a:solidFill>
-              <a:schemeClr val="accent6">
-                <a:lumMod val="60000"/>
-                <a:lumOff val="40000"/>
-              </a:schemeClr>
-            </a:solidFill>
-          </a:ln>
-        </p:spPr>
-        <p:style>
-          <a:lnRef idx="2">
-            <a:schemeClr val="accent1">
-              <a:shade val="50000"/>
-            </a:schemeClr>
-          </a:lnRef>
-          <a:fillRef idx="1">
-            <a:schemeClr val="accent1"/>
-          </a:fillRef>
-          <a:effectRef idx="0">
-            <a:schemeClr val="accent1"/>
-          </a:effectRef>
-          <a:fontRef idx="minor">
-            <a:schemeClr val="lt1"/>
-          </a:fontRef>
-        </p:style>
-        <p:txBody>
-          <a:bodyPr rtlCol="0" anchor="ctr"/>
-          <a:lstStyle/>
-          <a:p>
-            <a:pPr algn="ctr"/>
-            <a:endParaRPr lang="en-US"/>
-          </a:p>
-        </p:txBody>
-      </p:sp>
-      <p:cxnSp>
-        <p:nvCxnSpPr>
-          <p:cNvPr id="103" name="Straight Arrow Connector 102">
-            <a:extLst>
-              <a:ext uri="{FF2B5EF4-FFF2-40B4-BE49-F238E27FC236}">
-                <a16:creationId xmlns:a16="http://schemas.microsoft.com/office/drawing/2014/main" id="{ADEF5C5B-CBC5-0C47-9569-09357B83610B}"/>
-              </a:ext>
-            </a:extLst>
-          </p:cNvPr>
-          <p:cNvCxnSpPr>
-            <a:cxnSpLocks/>
-            <a:stCxn id="100" idx="3"/>
-            <a:endCxn id="101" idx="1"/>
-          </p:cNvCxnSpPr>
-          <p:nvPr/>
-        </p:nvCxnSpPr>
-        <p:spPr>
-          <a:xfrm>
-            <a:off x="2564237" y="3153071"/>
-            <a:ext cx="376684" cy="0"/>
-          </a:xfrm>
-          <a:prstGeom prst="straightConnector1">
-            <a:avLst/>
-          </a:prstGeom>
-          <a:ln>
-            <a:solidFill>
-              <a:schemeClr val="accent4">
-                <a:lumMod val="40000"/>
-                <a:lumOff val="60000"/>
-              </a:schemeClr>
-            </a:solidFill>
-            <a:tailEnd type="triangle"/>
-          </a:ln>
-        </p:spPr>
-        <p:style>
-          <a:lnRef idx="1">
-            <a:schemeClr val="accent1"/>
-          </a:lnRef>
-          <a:fillRef idx="0">
-            <a:schemeClr val="accent1"/>
-          </a:fillRef>
-          <a:effectRef idx="0">
-            <a:schemeClr val="accent1"/>
-          </a:effectRef>
-          <a:fontRef idx="minor">
-            <a:schemeClr val="tx1"/>
-          </a:fontRef>
-        </p:style>
-      </p:cxnSp>
-      <p:cxnSp>
-        <p:nvCxnSpPr>
-          <p:cNvPr id="104" name="Straight Arrow Connector 103">
-            <a:extLst>
-              <a:ext uri="{FF2B5EF4-FFF2-40B4-BE49-F238E27FC236}">
-                <a16:creationId xmlns:a16="http://schemas.microsoft.com/office/drawing/2014/main" id="{D60CBF29-3716-DA43-A453-54AAD7927240}"/>
-              </a:ext>
-            </a:extLst>
-          </p:cNvPr>
-          <p:cNvCxnSpPr>
-            <a:cxnSpLocks/>
-            <a:stCxn id="101" idx="3"/>
-            <a:endCxn id="141" idx="1"/>
-          </p:cNvCxnSpPr>
-          <p:nvPr/>
-        </p:nvCxnSpPr>
-        <p:spPr>
-          <a:xfrm>
-            <a:off x="3389157" y="3153071"/>
-            <a:ext cx="412459" cy="1"/>
-          </a:xfrm>
-          <a:prstGeom prst="straightConnector1">
-            <a:avLst/>
-          </a:prstGeom>
-          <a:ln>
-            <a:solidFill>
-              <a:schemeClr val="accent6">
-                <a:lumMod val="60000"/>
-                <a:lumOff val="40000"/>
-              </a:schemeClr>
-            </a:solidFill>
-            <a:tailEnd type="triangle"/>
-          </a:ln>
-        </p:spPr>
-        <p:style>
-          <a:lnRef idx="1">
-            <a:schemeClr val="accent1"/>
-          </a:lnRef>
-          <a:fillRef idx="0">
-            <a:schemeClr val="accent1"/>
-          </a:fillRef>
-          <a:effectRef idx="0">
-            <a:schemeClr val="accent1"/>
-          </a:effectRef>
-          <a:fontRef idx="minor">
-            <a:schemeClr val="tx1"/>
-          </a:fontRef>
-        </p:style>
-      </p:cxnSp>
-      <p:sp>
-        <p:nvSpPr>
-          <p:cNvPr id="134" name="Rectangle 133">
-            <a:extLst>
-              <a:ext uri="{FF2B5EF4-FFF2-40B4-BE49-F238E27FC236}">
-                <a16:creationId xmlns:a16="http://schemas.microsoft.com/office/drawing/2014/main" id="{3DE24562-6767-EF4D-A1D4-A020D7139082}"/>
-              </a:ext>
-            </a:extLst>
-          </p:cNvPr>
-          <p:cNvSpPr/>
-          <p:nvPr/>
-        </p:nvSpPr>
-        <p:spPr>
-          <a:xfrm>
-            <a:off x="5487231" y="2904300"/>
-            <a:ext cx="448236" cy="497542"/>
-          </a:xfrm>
-          <a:prstGeom prst="rect">
-            <a:avLst/>
-          </a:prstGeom>
-          <a:solidFill>
-            <a:schemeClr val="accent2">
-              <a:lumMod val="40000"/>
-              <a:lumOff val="60000"/>
-            </a:schemeClr>
-          </a:solidFill>
-          <a:ln>
-            <a:solidFill>
-              <a:schemeClr val="accent2">
-                <a:lumMod val="60000"/>
-                <a:lumOff val="40000"/>
-              </a:schemeClr>
-            </a:solidFill>
-          </a:ln>
-        </p:spPr>
-        <p:style>
-          <a:lnRef idx="2">
-            <a:schemeClr val="accent1">
-              <a:shade val="50000"/>
-            </a:schemeClr>
-          </a:lnRef>
-          <a:fillRef idx="1">
-            <a:schemeClr val="accent1"/>
-          </a:fillRef>
-          <a:effectRef idx="0">
-            <a:schemeClr val="accent1"/>
-          </a:effectRef>
-          <a:fontRef idx="minor">
-            <a:schemeClr val="lt1"/>
-          </a:fontRef>
-        </p:style>
-        <p:txBody>
-          <a:bodyPr rtlCol="0" anchor="ctr"/>
-          <a:lstStyle/>
-          <a:p>
-            <a:pPr algn="ctr"/>
-            <a:endParaRPr lang="en-US"/>
-          </a:p>
-        </p:txBody>
-      </p:sp>
-      <p:sp>
-        <p:nvSpPr>
-          <p:cNvPr id="141" name="Rectangle 140">
-            <a:extLst>
-              <a:ext uri="{FF2B5EF4-FFF2-40B4-BE49-F238E27FC236}">
-                <a16:creationId xmlns:a16="http://schemas.microsoft.com/office/drawing/2014/main" id="{F0160E1E-A8FB-A041-9EFB-C84F91610D45}"/>
-              </a:ext>
-            </a:extLst>
-          </p:cNvPr>
-          <p:cNvSpPr/>
-          <p:nvPr/>
-        </p:nvSpPr>
-        <p:spPr>
-          <a:xfrm>
-            <a:off x="3801616" y="2904301"/>
-            <a:ext cx="448236" cy="497542"/>
-          </a:xfrm>
-          <a:prstGeom prst="rect">
-            <a:avLst/>
-          </a:prstGeom>
-          <a:solidFill>
-            <a:schemeClr val="accent6">
-              <a:lumMod val="40000"/>
-              <a:lumOff val="60000"/>
-            </a:schemeClr>
-          </a:solidFill>
-          <a:ln>
-            <a:solidFill>
-              <a:schemeClr val="accent6">
-                <a:lumMod val="60000"/>
-                <a:lumOff val="40000"/>
-              </a:schemeClr>
-            </a:solidFill>
-          </a:ln>
-        </p:spPr>
-        <p:style>
-          <a:lnRef idx="2">
-            <a:schemeClr val="accent1">
-              <a:shade val="50000"/>
-            </a:schemeClr>
-          </a:lnRef>
-          <a:fillRef idx="1">
-            <a:schemeClr val="accent1"/>
-          </a:fillRef>
-          <a:effectRef idx="0">
-            <a:schemeClr val="accent1"/>
-          </a:effectRef>
-          <a:fontRef idx="minor">
-            <a:schemeClr val="lt1"/>
-          </a:fontRef>
-        </p:style>
-        <p:txBody>
-          <a:bodyPr rtlCol="0" anchor="ctr"/>
-          <a:lstStyle/>
-          <a:p>
-            <a:pPr algn="ctr"/>
-            <a:endParaRPr lang="en-US"/>
-          </a:p>
-        </p:txBody>
-      </p:sp>
-      <p:cxnSp>
-        <p:nvCxnSpPr>
-          <p:cNvPr id="142" name="Straight Arrow Connector 141">
-            <a:extLst>
-              <a:ext uri="{FF2B5EF4-FFF2-40B4-BE49-F238E27FC236}">
-                <a16:creationId xmlns:a16="http://schemas.microsoft.com/office/drawing/2014/main" id="{A516C72D-1F74-354D-AFB6-37E4A44A34B7}"/>
-              </a:ext>
-            </a:extLst>
-          </p:cNvPr>
-          <p:cNvCxnSpPr>
-            <a:cxnSpLocks/>
-            <a:stCxn id="141" idx="3"/>
-            <a:endCxn id="143" idx="1"/>
-          </p:cNvCxnSpPr>
-          <p:nvPr/>
-        </p:nvCxnSpPr>
-        <p:spPr>
-          <a:xfrm flipV="1">
-            <a:off x="4249852" y="3153071"/>
-            <a:ext cx="412460" cy="1"/>
-          </a:xfrm>
-          <a:prstGeom prst="straightConnector1">
-            <a:avLst/>
-          </a:prstGeom>
-          <a:ln>
-            <a:solidFill>
-              <a:schemeClr val="accent6">
-                <a:lumMod val="60000"/>
-                <a:lumOff val="40000"/>
-              </a:schemeClr>
-            </a:solidFill>
-            <a:tailEnd type="triangle"/>
-          </a:ln>
-        </p:spPr>
-        <p:style>
-          <a:lnRef idx="1">
-            <a:schemeClr val="accent1"/>
-          </a:lnRef>
-          <a:fillRef idx="0">
-            <a:schemeClr val="accent1"/>
-          </a:fillRef>
-          <a:effectRef idx="0">
-            <a:schemeClr val="accent1"/>
-          </a:effectRef>
-          <a:fontRef idx="minor">
-            <a:schemeClr val="tx1"/>
-          </a:fontRef>
-        </p:style>
-      </p:cxnSp>
-      <p:sp>
-        <p:nvSpPr>
-          <p:cNvPr id="143" name="Rectangle 142">
-            <a:extLst>
-              <a:ext uri="{FF2B5EF4-FFF2-40B4-BE49-F238E27FC236}">
-                <a16:creationId xmlns:a16="http://schemas.microsoft.com/office/drawing/2014/main" id="{BDAB4625-330F-CA4A-91DF-76CA1C5ABCC7}"/>
-              </a:ext>
-            </a:extLst>
-          </p:cNvPr>
-          <p:cNvSpPr/>
-          <p:nvPr/>
-        </p:nvSpPr>
-        <p:spPr>
-          <a:xfrm>
-            <a:off x="4662312" y="2904300"/>
-            <a:ext cx="448236" cy="497542"/>
-          </a:xfrm>
-          <a:prstGeom prst="rect">
-            <a:avLst/>
-          </a:prstGeom>
-          <a:solidFill>
-            <a:schemeClr val="accent6">
-              <a:lumMod val="40000"/>
-              <a:lumOff val="60000"/>
-            </a:schemeClr>
-          </a:solidFill>
-          <a:ln>
-            <a:solidFill>
-              <a:schemeClr val="accent6">
-                <a:lumMod val="60000"/>
-                <a:lumOff val="40000"/>
-              </a:schemeClr>
-            </a:solidFill>
-          </a:ln>
-        </p:spPr>
-        <p:style>
-          <a:lnRef idx="2">
-            <a:schemeClr val="accent1">
-              <a:shade val="50000"/>
-            </a:schemeClr>
-          </a:lnRef>
-          <a:fillRef idx="1">
-            <a:schemeClr val="accent1"/>
-          </a:fillRef>
-          <a:effectRef idx="0">
-            <a:schemeClr val="accent1"/>
-          </a:effectRef>
-          <a:fontRef idx="minor">
-            <a:schemeClr val="lt1"/>
-          </a:fontRef>
-        </p:style>
-        <p:txBody>
-          <a:bodyPr rtlCol="0" anchor="ctr"/>
-          <a:lstStyle/>
-          <a:p>
-            <a:pPr algn="ctr"/>
-            <a:endParaRPr lang="en-US"/>
-          </a:p>
-        </p:txBody>
-      </p:sp>
-      <p:cxnSp>
-        <p:nvCxnSpPr>
-          <p:cNvPr id="144" name="Straight Arrow Connector 143">
-            <a:extLst>
-              <a:ext uri="{FF2B5EF4-FFF2-40B4-BE49-F238E27FC236}">
-                <a16:creationId xmlns:a16="http://schemas.microsoft.com/office/drawing/2014/main" id="{0FBD8C3E-79F3-674A-874B-FC26BB0A6F3C}"/>
-              </a:ext>
-            </a:extLst>
-          </p:cNvPr>
-          <p:cNvCxnSpPr>
-            <a:cxnSpLocks/>
-            <a:stCxn id="143" idx="3"/>
-            <a:endCxn id="134" idx="1"/>
-          </p:cNvCxnSpPr>
-          <p:nvPr/>
-        </p:nvCxnSpPr>
-        <p:spPr>
-          <a:xfrm>
-            <a:off x="5110548" y="3153071"/>
-            <a:ext cx="376683" cy="0"/>
-          </a:xfrm>
-          <a:prstGeom prst="straightConnector1">
-            <a:avLst/>
-          </a:prstGeom>
-          <a:ln>
-            <a:solidFill>
-              <a:schemeClr val="accent6">
-                <a:lumMod val="60000"/>
-                <a:lumOff val="40000"/>
-              </a:schemeClr>
-            </a:solidFill>
-            <a:tailEnd type="triangle"/>
-          </a:ln>
-        </p:spPr>
-        <p:style>
-          <a:lnRef idx="1">
-            <a:schemeClr val="accent1"/>
-          </a:lnRef>
-          <a:fillRef idx="0">
-            <a:schemeClr val="accent1"/>
-          </a:fillRef>
-          <a:effectRef idx="0">
-            <a:schemeClr val="accent1"/>
-          </a:effectRef>
-          <a:fontRef idx="minor">
-            <a:schemeClr val="tx1"/>
-          </a:fontRef>
-        </p:style>
-      </p:cxnSp>
-      <p:sp>
-        <p:nvSpPr>
-          <p:cNvPr id="145" name="Rectangle 144">
-            <a:extLst>
-              <a:ext uri="{FF2B5EF4-FFF2-40B4-BE49-F238E27FC236}">
-                <a16:creationId xmlns:a16="http://schemas.microsoft.com/office/drawing/2014/main" id="{91DB5C37-A6C8-5C43-A4B8-24F14535456D}"/>
-              </a:ext>
-            </a:extLst>
-          </p:cNvPr>
-          <p:cNvSpPr/>
-          <p:nvPr/>
-        </p:nvSpPr>
-        <p:spPr>
-          <a:xfrm>
-            <a:off x="1650258" y="4737138"/>
-            <a:ext cx="448236" cy="497542"/>
-          </a:xfrm>
-          <a:prstGeom prst="rect">
-            <a:avLst/>
-          </a:prstGeom>
-          <a:solidFill>
-            <a:schemeClr val="accent4">
-              <a:lumMod val="40000"/>
-              <a:lumOff val="60000"/>
-            </a:schemeClr>
-          </a:solidFill>
-          <a:ln>
-            <a:solidFill>
-              <a:schemeClr val="accent4">
-                <a:lumMod val="60000"/>
-                <a:lumOff val="40000"/>
-              </a:schemeClr>
-            </a:solidFill>
-          </a:ln>
-        </p:spPr>
-        <p:style>
-          <a:lnRef idx="2">
-            <a:schemeClr val="accent1">
-              <a:shade val="50000"/>
-            </a:schemeClr>
-          </a:lnRef>
-          <a:fillRef idx="1">
-            <a:schemeClr val="accent1"/>
-          </a:fillRef>
-          <a:effectRef idx="0">
-            <a:schemeClr val="accent1"/>
-          </a:effectRef>
-          <a:fontRef idx="minor">
-            <a:schemeClr val="lt1"/>
-          </a:fontRef>
-        </p:style>
-        <p:txBody>
-          <a:bodyPr rtlCol="0" anchor="ctr"/>
-          <a:lstStyle/>
-          <a:p>
-            <a:pPr algn="ctr"/>
-            <a:endParaRPr lang="en-US"/>
-          </a:p>
-        </p:txBody>
-      </p:sp>
-      <p:sp>
-        <p:nvSpPr>
-          <p:cNvPr id="146" name="Rectangle 145">
-            <a:extLst>
-              <a:ext uri="{FF2B5EF4-FFF2-40B4-BE49-F238E27FC236}">
-                <a16:creationId xmlns:a16="http://schemas.microsoft.com/office/drawing/2014/main" id="{863DF44C-7043-854E-BF8E-938C329835D2}"/>
-              </a:ext>
-            </a:extLst>
-          </p:cNvPr>
-          <p:cNvSpPr/>
-          <p:nvPr/>
-        </p:nvSpPr>
-        <p:spPr>
-          <a:xfrm>
-            <a:off x="2475178" y="4737138"/>
-            <a:ext cx="448236" cy="497542"/>
-          </a:xfrm>
-          <a:prstGeom prst="rect">
-            <a:avLst/>
-          </a:prstGeom>
-          <a:solidFill>
-            <a:schemeClr val="accent6">
-              <a:lumMod val="40000"/>
-              <a:lumOff val="60000"/>
-            </a:schemeClr>
-          </a:solidFill>
-          <a:ln>
-            <a:solidFill>
-              <a:schemeClr val="accent6">
-                <a:lumMod val="60000"/>
-                <a:lumOff val="40000"/>
-              </a:schemeClr>
-            </a:solidFill>
-          </a:ln>
-        </p:spPr>
-        <p:style>
-          <a:lnRef idx="2">
-            <a:schemeClr val="accent1">
-              <a:shade val="50000"/>
-            </a:schemeClr>
-          </a:lnRef>
-          <a:fillRef idx="1">
-            <a:schemeClr val="accent1"/>
-          </a:fillRef>
-          <a:effectRef idx="0">
-            <a:schemeClr val="accent1"/>
-          </a:effectRef>
-          <a:fontRef idx="minor">
-            <a:schemeClr val="lt1"/>
-          </a:fontRef>
-        </p:style>
-        <p:txBody>
-          <a:bodyPr rtlCol="0" anchor="ctr"/>
-          <a:lstStyle/>
-          <a:p>
-            <a:pPr algn="ctr"/>
-            <a:endParaRPr lang="en-US"/>
-          </a:p>
-        </p:txBody>
-      </p:sp>
-      <p:cxnSp>
-        <p:nvCxnSpPr>
-          <p:cNvPr id="147" name="Straight Arrow Connector 146">
-            <a:extLst>
-              <a:ext uri="{FF2B5EF4-FFF2-40B4-BE49-F238E27FC236}">
-                <a16:creationId xmlns:a16="http://schemas.microsoft.com/office/drawing/2014/main" id="{5AF28F79-5B01-9446-9C2A-4CCFD2CF0014}"/>
-              </a:ext>
-            </a:extLst>
-          </p:cNvPr>
-          <p:cNvCxnSpPr>
-            <a:cxnSpLocks/>
-            <a:stCxn id="145" idx="3"/>
-            <a:endCxn id="146" idx="1"/>
-          </p:cNvCxnSpPr>
-          <p:nvPr/>
-        </p:nvCxnSpPr>
-        <p:spPr>
-          <a:xfrm>
-            <a:off x="2098494" y="4985909"/>
-            <a:ext cx="376684" cy="0"/>
-          </a:xfrm>
-          <a:prstGeom prst="straightConnector1">
-            <a:avLst/>
-          </a:prstGeom>
-          <a:ln>
-            <a:solidFill>
-              <a:schemeClr val="bg1">
-                <a:lumMod val="85000"/>
-              </a:schemeClr>
-            </a:solidFill>
-            <a:tailEnd type="triangle"/>
-          </a:ln>
-        </p:spPr>
-        <p:style>
-          <a:lnRef idx="1">
-            <a:schemeClr val="accent1"/>
-          </a:lnRef>
-          <a:fillRef idx="0">
-            <a:schemeClr val="accent1"/>
-          </a:fillRef>
-          <a:effectRef idx="0">
-            <a:schemeClr val="accent1"/>
-          </a:effectRef>
-          <a:fontRef idx="minor">
-            <a:schemeClr val="tx1"/>
-          </a:fontRef>
-        </p:style>
-      </p:cxnSp>
-      <p:sp>
-        <p:nvSpPr>
-          <p:cNvPr id="149" name="Rectangle 148">
-            <a:extLst>
-              <a:ext uri="{FF2B5EF4-FFF2-40B4-BE49-F238E27FC236}">
-                <a16:creationId xmlns:a16="http://schemas.microsoft.com/office/drawing/2014/main" id="{15E95E48-CE36-6949-9A9D-6DE134CD8666}"/>
-              </a:ext>
-            </a:extLst>
-          </p:cNvPr>
-          <p:cNvSpPr/>
-          <p:nvPr/>
-        </p:nvSpPr>
-        <p:spPr>
-          <a:xfrm>
-            <a:off x="5021488" y="4737138"/>
-            <a:ext cx="448236" cy="497542"/>
-          </a:xfrm>
-          <a:prstGeom prst="rect">
-            <a:avLst/>
-          </a:prstGeom>
-          <a:solidFill>
-            <a:schemeClr val="accent2">
-              <a:lumMod val="40000"/>
-              <a:lumOff val="60000"/>
-            </a:schemeClr>
-          </a:solidFill>
-          <a:ln>
-            <a:solidFill>
-              <a:schemeClr val="accent2">
-                <a:lumMod val="60000"/>
-                <a:lumOff val="40000"/>
-              </a:schemeClr>
-            </a:solidFill>
-          </a:ln>
-        </p:spPr>
-        <p:style>
-          <a:lnRef idx="2">
-            <a:schemeClr val="accent1">
-              <a:shade val="50000"/>
-            </a:schemeClr>
-          </a:lnRef>
-          <a:fillRef idx="1">
-            <a:schemeClr val="accent1"/>
-          </a:fillRef>
-          <a:effectRef idx="0">
-            <a:schemeClr val="accent1"/>
-          </a:effectRef>
-          <a:fontRef idx="minor">
-            <a:schemeClr val="lt1"/>
-          </a:fontRef>
-        </p:style>
-        <p:txBody>
-          <a:bodyPr rtlCol="0" anchor="ctr"/>
-          <a:lstStyle/>
-          <a:p>
-            <a:pPr algn="ctr"/>
-            <a:endParaRPr lang="en-US"/>
-          </a:p>
-        </p:txBody>
-      </p:sp>
-      <p:sp>
-        <p:nvSpPr>
-          <p:cNvPr id="74" name="TextBox 73">
-            <a:extLst>
-              <a:ext uri="{FF2B5EF4-FFF2-40B4-BE49-F238E27FC236}">
-                <a16:creationId xmlns:a16="http://schemas.microsoft.com/office/drawing/2014/main" id="{561C5CFB-AFBE-E24E-A1B5-4A9768E769E9}"/>
-              </a:ext>
-            </a:extLst>
-          </p:cNvPr>
-          <p:cNvSpPr txBox="1"/>
-          <p:nvPr/>
-        </p:nvSpPr>
-        <p:spPr>
-          <a:xfrm>
-            <a:off x="2475178" y="1059563"/>
-            <a:ext cx="3558346" cy="369332"/>
-          </a:xfrm>
-          <a:prstGeom prst="rect">
-            <a:avLst/>
-          </a:prstGeom>
-          <a:noFill/>
-        </p:spPr>
-        <p:txBody>
-          <a:bodyPr wrap="none" rtlCol="0">
-            <a:spAutoFit/>
-          </a:bodyPr>
-          <a:lstStyle/>
-          <a:p>
-            <a:r>
-              <a:rPr lang="en-US" dirty="0"/>
-              <a:t>First layer of M kernels of size 8x8x3</a:t>
-            </a:r>
-          </a:p>
-        </p:txBody>
-      </p:sp>
-      <mc:AlternateContent xmlns:mc="http://schemas.openxmlformats.org/markup-compatibility/2006">
-        <mc:Choice xmlns:a14="http://schemas.microsoft.com/office/drawing/2010/main" Requires="a14">
-          <p:sp>
-            <p:nvSpPr>
-              <p:cNvPr id="90" name="TextBox 89">
-                <a:extLst>
-                  <a:ext uri="{FF2B5EF4-FFF2-40B4-BE49-F238E27FC236}">
-                    <a16:creationId xmlns:a16="http://schemas.microsoft.com/office/drawing/2014/main" id="{53A628FF-C6F2-0E4F-B407-DB83C01DA2F3}"/>
-                  </a:ext>
-                </a:extLst>
-              </p:cNvPr>
-              <p:cNvSpPr txBox="1"/>
-              <p:nvPr/>
-            </p:nvSpPr>
-            <p:spPr>
-              <a:xfrm>
-                <a:off x="2498789" y="1614020"/>
-                <a:ext cx="4574073" cy="369332"/>
-              </a:xfrm>
-              <a:prstGeom prst="rect">
-                <a:avLst/>
-              </a:prstGeom>
-              <a:noFill/>
-            </p:spPr>
-            <p:txBody>
-              <a:bodyPr wrap="none" rtlCol="0">
-                <a:spAutoFit/>
-              </a:bodyPr>
-              <a:lstStyle/>
-              <a:p>
-                <a14:m>
-                  <m:oMath xmlns:m="http://schemas.openxmlformats.org/officeDocument/2006/math">
-                    <m:r>
-                      <a:rPr lang="es-ES" b="0" i="1" smtClean="0">
-                        <a:latin typeface="Cambria Math" panose="02040503050406030204" pitchFamily="18" charset="0"/>
-                      </a:rPr>
-                      <m:t>𝐿</m:t>
-                    </m:r>
-                  </m:oMath>
-                </a14:m>
-                <a:r>
-                  <a:rPr lang="en-US" dirty="0"/>
-                  <a:t> succeeding convolutional layers of size 3x3M</a:t>
-                </a:r>
-              </a:p>
-            </p:txBody>
-          </p:sp>
-        </mc:Choice>
-        <mc:Fallback>
-          <p:sp>
-            <p:nvSpPr>
-              <p:cNvPr id="90" name="TextBox 89">
-                <a:extLst>
-                  <a:ext uri="{FF2B5EF4-FFF2-40B4-BE49-F238E27FC236}">
-                    <a16:creationId xmlns:a16="http://schemas.microsoft.com/office/drawing/2014/main" id="{53A628FF-C6F2-0E4F-B407-DB83C01DA2F3}"/>
-                  </a:ext>
-                </a:extLst>
-              </p:cNvPr>
-              <p:cNvSpPr txBox="1">
-                <a:spLocks noRot="1" noChangeAspect="1" noMove="1" noResize="1" noEditPoints="1" noAdjustHandles="1" noChangeArrowheads="1" noChangeShapeType="1" noTextEdit="1"/>
-              </p:cNvSpPr>
-              <p:nvPr/>
-            </p:nvSpPr>
-            <p:spPr>
-              <a:xfrm>
-                <a:off x="2498789" y="1614020"/>
-                <a:ext cx="4574073" cy="369332"/>
-              </a:xfrm>
-              <a:prstGeom prst="rect">
-                <a:avLst/>
-              </a:prstGeom>
-              <a:blipFill>
-                <a:blip r:embed="rId5"/>
-                <a:stretch>
-                  <a:fillRect t="-6667" b="-26667"/>
-                </a:stretch>
-              </a:blipFill>
-            </p:spPr>
-            <p:txBody>
-              <a:bodyPr/>
-              <a:lstStyle/>
-              <a:p>
-                <a:r>
-                  <a:rPr lang="en-US">
-                    <a:noFill/>
-                  </a:rPr>
-                  <a:t> </a:t>
-                </a:r>
-              </a:p>
-            </p:txBody>
-          </p:sp>
-        </mc:Fallback>
-      </mc:AlternateContent>
-      <p:sp>
-        <p:nvSpPr>
-          <p:cNvPr id="91" name="TextBox 90">
-            <a:extLst>
-              <a:ext uri="{FF2B5EF4-FFF2-40B4-BE49-F238E27FC236}">
-                <a16:creationId xmlns:a16="http://schemas.microsoft.com/office/drawing/2014/main" id="{B3BF1889-2F23-B34F-BB3E-B1DA61AE3764}"/>
-              </a:ext>
-            </a:extLst>
-          </p:cNvPr>
-          <p:cNvSpPr txBox="1"/>
-          <p:nvPr/>
-        </p:nvSpPr>
-        <p:spPr>
-          <a:xfrm>
-            <a:off x="2475614" y="2168477"/>
-            <a:ext cx="3081806" cy="369332"/>
-          </a:xfrm>
-          <a:prstGeom prst="rect">
-            <a:avLst/>
-          </a:prstGeom>
-          <a:noFill/>
-        </p:spPr>
-        <p:txBody>
-          <a:bodyPr wrap="none" rtlCol="0">
-            <a:spAutoFit/>
-          </a:bodyPr>
-          <a:lstStyle/>
-          <a:p>
-            <a:r>
-              <a:rPr lang="en-US" dirty="0"/>
-              <a:t>Dense Layer of size [8x8xM,10]</a:t>
-            </a:r>
-          </a:p>
-        </p:txBody>
-      </p:sp>
-      <p:sp>
-        <p:nvSpPr>
-          <p:cNvPr id="154" name="Rectangle 153">
-            <a:extLst>
-              <a:ext uri="{FF2B5EF4-FFF2-40B4-BE49-F238E27FC236}">
-                <a16:creationId xmlns:a16="http://schemas.microsoft.com/office/drawing/2014/main" id="{6F1EC704-C7ED-7C41-BFCD-B8C299256788}"/>
-              </a:ext>
-            </a:extLst>
-          </p:cNvPr>
-          <p:cNvSpPr/>
-          <p:nvPr/>
-        </p:nvSpPr>
-        <p:spPr>
-          <a:xfrm>
-            <a:off x="1326858" y="2904300"/>
-            <a:ext cx="448236" cy="497542"/>
-          </a:xfrm>
-          <a:prstGeom prst="rect">
-            <a:avLst/>
-          </a:prstGeom>
-          <a:solidFill>
-            <a:schemeClr val="bg1">
-              <a:lumMod val="85000"/>
-            </a:schemeClr>
-          </a:solidFill>
-          <a:ln>
-            <a:solidFill>
-              <a:schemeClr val="tx1"/>
-            </a:solidFill>
-          </a:ln>
-        </p:spPr>
-        <p:style>
-          <a:lnRef idx="2">
-            <a:schemeClr val="accent1">
-              <a:shade val="50000"/>
-            </a:schemeClr>
-          </a:lnRef>
-          <a:fillRef idx="1">
-            <a:schemeClr val="accent1"/>
-          </a:fillRef>
-          <a:effectRef idx="0">
-            <a:schemeClr val="accent1"/>
-          </a:effectRef>
-          <a:fontRef idx="minor">
-            <a:schemeClr val="lt1"/>
-          </a:fontRef>
-        </p:style>
-        <p:txBody>
-          <a:bodyPr rtlCol="0" anchor="ctr"/>
-          <a:lstStyle/>
-          <a:p>
-            <a:pPr algn="ctr"/>
-            <a:r>
-              <a:rPr lang="en-US" dirty="0">
-                <a:solidFill>
-                  <a:schemeClr val="tx1"/>
-                </a:solidFill>
-              </a:rPr>
-              <a:t>X</a:t>
-            </a:r>
-          </a:p>
-        </p:txBody>
-      </p:sp>
-      <p:cxnSp>
-        <p:nvCxnSpPr>
-          <p:cNvPr id="99" name="Straight Arrow Connector 98">
-            <a:extLst>
-              <a:ext uri="{FF2B5EF4-FFF2-40B4-BE49-F238E27FC236}">
-                <a16:creationId xmlns:a16="http://schemas.microsoft.com/office/drawing/2014/main" id="{9B9C42CA-3133-CD48-93DB-E6806573CBFC}"/>
-              </a:ext>
-            </a:extLst>
-          </p:cNvPr>
-          <p:cNvCxnSpPr>
-            <a:stCxn id="154" idx="3"/>
-            <a:endCxn id="100" idx="1"/>
-          </p:cNvCxnSpPr>
-          <p:nvPr/>
-        </p:nvCxnSpPr>
-        <p:spPr>
-          <a:xfrm>
-            <a:off x="1775094" y="3153071"/>
-            <a:ext cx="340907" cy="0"/>
-          </a:xfrm>
-          <a:prstGeom prst="straightConnector1">
-            <a:avLst/>
-          </a:prstGeom>
-          <a:ln>
-            <a:solidFill>
-              <a:schemeClr val="accent4">
-                <a:lumMod val="40000"/>
-                <a:lumOff val="60000"/>
-              </a:schemeClr>
-            </a:solidFill>
-            <a:tailEnd type="triangle"/>
-          </a:ln>
-        </p:spPr>
-        <p:style>
-          <a:lnRef idx="1">
-            <a:schemeClr val="accent1"/>
-          </a:lnRef>
-          <a:fillRef idx="0">
-            <a:schemeClr val="accent1"/>
-          </a:fillRef>
-          <a:effectRef idx="0">
-            <a:schemeClr val="accent1"/>
-          </a:effectRef>
-          <a:fontRef idx="minor">
-            <a:schemeClr val="tx1"/>
-          </a:fontRef>
-        </p:style>
-      </p:cxnSp>
-      <p:cxnSp>
-        <p:nvCxnSpPr>
-          <p:cNvPr id="156" name="Straight Arrow Connector 155">
-            <a:extLst>
-              <a:ext uri="{FF2B5EF4-FFF2-40B4-BE49-F238E27FC236}">
-                <a16:creationId xmlns:a16="http://schemas.microsoft.com/office/drawing/2014/main" id="{221D0FC7-27AA-8D43-848D-7C091FD9C8EB}"/>
-              </a:ext>
-            </a:extLst>
-          </p:cNvPr>
-          <p:cNvCxnSpPr>
-            <a:stCxn id="134" idx="3"/>
-          </p:cNvCxnSpPr>
-          <p:nvPr/>
-        </p:nvCxnSpPr>
-        <p:spPr>
-          <a:xfrm>
-            <a:off x="5935467" y="3153071"/>
-            <a:ext cx="302963" cy="0"/>
-          </a:xfrm>
-          <a:prstGeom prst="straightConnector1">
-            <a:avLst/>
-          </a:prstGeom>
-          <a:ln>
-            <a:solidFill>
-              <a:schemeClr val="accent2">
-                <a:lumMod val="40000"/>
-                <a:lumOff val="60000"/>
-              </a:schemeClr>
-            </a:solidFill>
-            <a:tailEnd type="triangle"/>
-          </a:ln>
-        </p:spPr>
-        <p:style>
-          <a:lnRef idx="1">
-            <a:schemeClr val="accent1"/>
-          </a:lnRef>
-          <a:fillRef idx="0">
-            <a:schemeClr val="accent1"/>
-          </a:fillRef>
-          <a:effectRef idx="0">
-            <a:schemeClr val="accent1"/>
-          </a:effectRef>
-          <a:fontRef idx="minor">
-            <a:schemeClr val="tx1"/>
-          </a:fontRef>
-        </p:style>
-      </p:cxnSp>
-      <p:sp>
-        <p:nvSpPr>
-          <p:cNvPr id="157" name="TextBox 156">
-            <a:extLst>
-              <a:ext uri="{FF2B5EF4-FFF2-40B4-BE49-F238E27FC236}">
-                <a16:creationId xmlns:a16="http://schemas.microsoft.com/office/drawing/2014/main" id="{7D8D8D5B-EA91-674F-9B6D-38AD524E71EE}"/>
-              </a:ext>
-            </a:extLst>
-          </p:cNvPr>
-          <p:cNvSpPr txBox="1"/>
-          <p:nvPr/>
-        </p:nvSpPr>
-        <p:spPr>
-          <a:xfrm>
-            <a:off x="6312150" y="2968405"/>
-            <a:ext cx="296876" cy="369332"/>
-          </a:xfrm>
-          <a:prstGeom prst="rect">
-            <a:avLst/>
-          </a:prstGeom>
-          <a:noFill/>
-        </p:spPr>
-        <p:txBody>
-          <a:bodyPr wrap="none" rtlCol="0">
-            <a:spAutoFit/>
-          </a:bodyPr>
-          <a:lstStyle/>
-          <a:p>
-            <a:r>
-              <a:rPr lang="en-US" dirty="0"/>
-              <a:t>Y</a:t>
-            </a:r>
-          </a:p>
-        </p:txBody>
-      </p:sp>
-    </p:spTree>
-    <p:extLst>
-      <p:ext uri="{BB962C8B-B14F-4D97-AF65-F5344CB8AC3E}">
-        <p14:creationId xmlns:p14="http://schemas.microsoft.com/office/powerpoint/2010/main" val="1196856311"/>
-      </p:ext>
-    </p:extLst>
-  </p:cSld>
-  <p:clrMapOvr>
-    <a:masterClrMapping/>
-  </p:clrMapOvr>
-</p:sld>
-</file>
-
 <file path=ppt/theme/theme1.xml><?xml version="1.0" encoding="utf-8"?>
 <a:theme xmlns:a="http://schemas.openxmlformats.org/drawingml/2006/main" name="Office Theme">
   <a:themeElements>
